--- a/images/Presentation1.pptx
+++ b/images/Presentation1.pptx
@@ -8,6 +8,8 @@
     <p:sldId id="256" r:id="rId2"/>
     <p:sldId id="257" r:id="rId3"/>
     <p:sldId id="258" r:id="rId4"/>
+    <p:sldId id="259" r:id="rId5"/>
+    <p:sldId id="260" r:id="rId6"/>
   </p:sldIdLst>
   <p:sldSz cx="12192000" cy="6858000"/>
   <p:notesSz cx="6858000" cy="9144000"/>
@@ -156,10 +158,9 @@
           </a:lstStyle>
           <a:p>
             <a:r>
-              <a:rPr lang="en-US" smtClean="0"/>
+              <a:rPr lang="en-US"/>
               <a:t>Click to edit Master title style</a:t>
             </a:r>
-            <a:endParaRPr lang="en-US"/>
           </a:p>
         </p:txBody>
       </p:sp>
@@ -221,10 +222,9 @@
           </a:lstStyle>
           <a:p>
             <a:r>
-              <a:rPr lang="en-US" smtClean="0"/>
+              <a:rPr lang="en-US"/>
               <a:t>Click to edit Master subtitle style</a:t>
             </a:r>
-            <a:endParaRPr lang="en-US"/>
           </a:p>
         </p:txBody>
       </p:sp>
@@ -245,7 +245,7 @@
           <a:p>
             <a:fld id="{3F2435BA-A7F3-4F65-B06F-64A5EAF7603B}" type="datetimeFigureOut">
               <a:rPr lang="en-US" smtClean="0"/>
-              <a:t>3/18/2020</a:t>
+              <a:t>12/10/2020</a:t>
             </a:fld>
             <a:endParaRPr lang="en-US"/>
           </a:p>
@@ -339,10 +339,9 @@
           <a:lstStyle/>
           <a:p>
             <a:r>
-              <a:rPr lang="en-US" smtClean="0"/>
+              <a:rPr lang="en-US"/>
               <a:t>Click to edit Master title style</a:t>
             </a:r>
-            <a:endParaRPr lang="en-US"/>
           </a:p>
         </p:txBody>
       </p:sp>
@@ -363,38 +362,37 @@
           <a:p>
             <a:pPr lvl="0"/>
             <a:r>
-              <a:rPr lang="en-US" smtClean="0"/>
+              <a:rPr lang="en-US"/>
               <a:t>Edit Master text styles</a:t>
             </a:r>
           </a:p>
           <a:p>
             <a:pPr lvl="1"/>
             <a:r>
-              <a:rPr lang="en-US" smtClean="0"/>
+              <a:rPr lang="en-US"/>
               <a:t>Second level</a:t>
             </a:r>
           </a:p>
           <a:p>
             <a:pPr lvl="2"/>
             <a:r>
-              <a:rPr lang="en-US" smtClean="0"/>
+              <a:rPr lang="en-US"/>
               <a:t>Third level</a:t>
             </a:r>
           </a:p>
           <a:p>
             <a:pPr lvl="3"/>
             <a:r>
-              <a:rPr lang="en-US" smtClean="0"/>
+              <a:rPr lang="en-US"/>
               <a:t>Fourth level</a:t>
             </a:r>
           </a:p>
           <a:p>
             <a:pPr lvl="4"/>
             <a:r>
-              <a:rPr lang="en-US" smtClean="0"/>
+              <a:rPr lang="en-US"/>
               <a:t>Fifth level</a:t>
             </a:r>
-            <a:endParaRPr lang="en-US"/>
           </a:p>
         </p:txBody>
       </p:sp>
@@ -415,7 +413,7 @@
           <a:p>
             <a:fld id="{3F2435BA-A7F3-4F65-B06F-64A5EAF7603B}" type="datetimeFigureOut">
               <a:rPr lang="en-US" smtClean="0"/>
-              <a:t>3/18/2020</a:t>
+              <a:t>12/10/2020</a:t>
             </a:fld>
             <a:endParaRPr lang="en-US"/>
           </a:p>
@@ -514,10 +512,9 @@
           <a:lstStyle/>
           <a:p>
             <a:r>
-              <a:rPr lang="en-US" smtClean="0"/>
+              <a:rPr lang="en-US"/>
               <a:t>Click to edit Master title style</a:t>
             </a:r>
-            <a:endParaRPr lang="en-US"/>
           </a:p>
         </p:txBody>
       </p:sp>
@@ -543,38 +540,37 @@
           <a:p>
             <a:pPr lvl="0"/>
             <a:r>
-              <a:rPr lang="en-US" smtClean="0"/>
+              <a:rPr lang="en-US"/>
               <a:t>Edit Master text styles</a:t>
             </a:r>
           </a:p>
           <a:p>
             <a:pPr lvl="1"/>
             <a:r>
-              <a:rPr lang="en-US" smtClean="0"/>
+              <a:rPr lang="en-US"/>
               <a:t>Second level</a:t>
             </a:r>
           </a:p>
           <a:p>
             <a:pPr lvl="2"/>
             <a:r>
-              <a:rPr lang="en-US" smtClean="0"/>
+              <a:rPr lang="en-US"/>
               <a:t>Third level</a:t>
             </a:r>
           </a:p>
           <a:p>
             <a:pPr lvl="3"/>
             <a:r>
-              <a:rPr lang="en-US" smtClean="0"/>
+              <a:rPr lang="en-US"/>
               <a:t>Fourth level</a:t>
             </a:r>
           </a:p>
           <a:p>
             <a:pPr lvl="4"/>
             <a:r>
-              <a:rPr lang="en-US" smtClean="0"/>
+              <a:rPr lang="en-US"/>
               <a:t>Fifth level</a:t>
             </a:r>
-            <a:endParaRPr lang="en-US"/>
           </a:p>
         </p:txBody>
       </p:sp>
@@ -595,7 +591,7 @@
           <a:p>
             <a:fld id="{3F2435BA-A7F3-4F65-B06F-64A5EAF7603B}" type="datetimeFigureOut">
               <a:rPr lang="en-US" smtClean="0"/>
-              <a:t>3/18/2020</a:t>
+              <a:t>12/10/2020</a:t>
             </a:fld>
             <a:endParaRPr lang="en-US"/>
           </a:p>
@@ -689,10 +685,9 @@
           <a:lstStyle/>
           <a:p>
             <a:r>
-              <a:rPr lang="en-US" smtClean="0"/>
+              <a:rPr lang="en-US"/>
               <a:t>Click to edit Master title style</a:t>
             </a:r>
-            <a:endParaRPr lang="en-US"/>
           </a:p>
         </p:txBody>
       </p:sp>
@@ -713,38 +708,37 @@
           <a:p>
             <a:pPr lvl="0"/>
             <a:r>
-              <a:rPr lang="en-US" smtClean="0"/>
+              <a:rPr lang="en-US"/>
               <a:t>Edit Master text styles</a:t>
             </a:r>
           </a:p>
           <a:p>
             <a:pPr lvl="1"/>
             <a:r>
-              <a:rPr lang="en-US" smtClean="0"/>
+              <a:rPr lang="en-US"/>
               <a:t>Second level</a:t>
             </a:r>
           </a:p>
           <a:p>
             <a:pPr lvl="2"/>
             <a:r>
-              <a:rPr lang="en-US" smtClean="0"/>
+              <a:rPr lang="en-US"/>
               <a:t>Third level</a:t>
             </a:r>
           </a:p>
           <a:p>
             <a:pPr lvl="3"/>
             <a:r>
-              <a:rPr lang="en-US" smtClean="0"/>
+              <a:rPr lang="en-US"/>
               <a:t>Fourth level</a:t>
             </a:r>
           </a:p>
           <a:p>
             <a:pPr lvl="4"/>
             <a:r>
-              <a:rPr lang="en-US" smtClean="0"/>
+              <a:rPr lang="en-US"/>
               <a:t>Fifth level</a:t>
             </a:r>
-            <a:endParaRPr lang="en-US"/>
           </a:p>
         </p:txBody>
       </p:sp>
@@ -765,7 +759,7 @@
           <a:p>
             <a:fld id="{3F2435BA-A7F3-4F65-B06F-64A5EAF7603B}" type="datetimeFigureOut">
               <a:rPr lang="en-US" smtClean="0"/>
-              <a:t>3/18/2020</a:t>
+              <a:t>12/10/2020</a:t>
             </a:fld>
             <a:endParaRPr lang="en-US"/>
           </a:p>
@@ -868,10 +862,9 @@
           </a:lstStyle>
           <a:p>
             <a:r>
-              <a:rPr lang="en-US" smtClean="0"/>
+              <a:rPr lang="en-US"/>
               <a:t>Click to edit Master title style</a:t>
             </a:r>
-            <a:endParaRPr lang="en-US"/>
           </a:p>
         </p:txBody>
       </p:sp>
@@ -988,7 +981,7 @@
           <a:p>
             <a:pPr lvl="0"/>
             <a:r>
-              <a:rPr lang="en-US" smtClean="0"/>
+              <a:rPr lang="en-US"/>
               <a:t>Edit Master text styles</a:t>
             </a:r>
           </a:p>
@@ -1011,7 +1004,7 @@
           <a:p>
             <a:fld id="{3F2435BA-A7F3-4F65-B06F-64A5EAF7603B}" type="datetimeFigureOut">
               <a:rPr lang="en-US" smtClean="0"/>
-              <a:t>3/18/2020</a:t>
+              <a:t>12/10/2020</a:t>
             </a:fld>
             <a:endParaRPr lang="en-US"/>
           </a:p>
@@ -1105,10 +1098,9 @@
           <a:lstStyle/>
           <a:p>
             <a:r>
-              <a:rPr lang="en-US" smtClean="0"/>
+              <a:rPr lang="en-US"/>
               <a:t>Click to edit Master title style</a:t>
             </a:r>
-            <a:endParaRPr lang="en-US"/>
           </a:p>
         </p:txBody>
       </p:sp>
@@ -1134,38 +1126,37 @@
           <a:p>
             <a:pPr lvl="0"/>
             <a:r>
-              <a:rPr lang="en-US" smtClean="0"/>
+              <a:rPr lang="en-US"/>
               <a:t>Edit Master text styles</a:t>
             </a:r>
           </a:p>
           <a:p>
             <a:pPr lvl="1"/>
             <a:r>
-              <a:rPr lang="en-US" smtClean="0"/>
+              <a:rPr lang="en-US"/>
               <a:t>Second level</a:t>
             </a:r>
           </a:p>
           <a:p>
             <a:pPr lvl="2"/>
             <a:r>
-              <a:rPr lang="en-US" smtClean="0"/>
+              <a:rPr lang="en-US"/>
               <a:t>Third level</a:t>
             </a:r>
           </a:p>
           <a:p>
             <a:pPr lvl="3"/>
             <a:r>
-              <a:rPr lang="en-US" smtClean="0"/>
+              <a:rPr lang="en-US"/>
               <a:t>Fourth level</a:t>
             </a:r>
           </a:p>
           <a:p>
             <a:pPr lvl="4"/>
             <a:r>
-              <a:rPr lang="en-US" smtClean="0"/>
+              <a:rPr lang="en-US"/>
               <a:t>Fifth level</a:t>
             </a:r>
-            <a:endParaRPr lang="en-US"/>
           </a:p>
         </p:txBody>
       </p:sp>
@@ -1191,38 +1182,37 @@
           <a:p>
             <a:pPr lvl="0"/>
             <a:r>
-              <a:rPr lang="en-US" smtClean="0"/>
+              <a:rPr lang="en-US"/>
               <a:t>Edit Master text styles</a:t>
             </a:r>
           </a:p>
           <a:p>
             <a:pPr lvl="1"/>
             <a:r>
-              <a:rPr lang="en-US" smtClean="0"/>
+              <a:rPr lang="en-US"/>
               <a:t>Second level</a:t>
             </a:r>
           </a:p>
           <a:p>
             <a:pPr lvl="2"/>
             <a:r>
-              <a:rPr lang="en-US" smtClean="0"/>
+              <a:rPr lang="en-US"/>
               <a:t>Third level</a:t>
             </a:r>
           </a:p>
           <a:p>
             <a:pPr lvl="3"/>
             <a:r>
-              <a:rPr lang="en-US" smtClean="0"/>
+              <a:rPr lang="en-US"/>
               <a:t>Fourth level</a:t>
             </a:r>
           </a:p>
           <a:p>
             <a:pPr lvl="4"/>
             <a:r>
-              <a:rPr lang="en-US" smtClean="0"/>
+              <a:rPr lang="en-US"/>
               <a:t>Fifth level</a:t>
             </a:r>
-            <a:endParaRPr lang="en-US"/>
           </a:p>
         </p:txBody>
       </p:sp>
@@ -1243,7 +1233,7 @@
           <a:p>
             <a:fld id="{3F2435BA-A7F3-4F65-B06F-64A5EAF7603B}" type="datetimeFigureOut">
               <a:rPr lang="en-US" smtClean="0"/>
-              <a:t>3/18/2020</a:t>
+              <a:t>12/10/2020</a:t>
             </a:fld>
             <a:endParaRPr lang="en-US"/>
           </a:p>
@@ -1342,10 +1332,9 @@
           <a:lstStyle/>
           <a:p>
             <a:r>
-              <a:rPr lang="en-US" smtClean="0"/>
+              <a:rPr lang="en-US"/>
               <a:t>Click to edit Master title style</a:t>
             </a:r>
-            <a:endParaRPr lang="en-US"/>
           </a:p>
         </p:txBody>
       </p:sp>
@@ -1408,7 +1397,7 @@
           <a:p>
             <a:pPr lvl="0"/>
             <a:r>
-              <a:rPr lang="en-US" smtClean="0"/>
+              <a:rPr lang="en-US"/>
               <a:t>Edit Master text styles</a:t>
             </a:r>
           </a:p>
@@ -1436,38 +1425,37 @@
           <a:p>
             <a:pPr lvl="0"/>
             <a:r>
-              <a:rPr lang="en-US" smtClean="0"/>
+              <a:rPr lang="en-US"/>
               <a:t>Edit Master text styles</a:t>
             </a:r>
           </a:p>
           <a:p>
             <a:pPr lvl="1"/>
             <a:r>
-              <a:rPr lang="en-US" smtClean="0"/>
+              <a:rPr lang="en-US"/>
               <a:t>Second level</a:t>
             </a:r>
           </a:p>
           <a:p>
             <a:pPr lvl="2"/>
             <a:r>
-              <a:rPr lang="en-US" smtClean="0"/>
+              <a:rPr lang="en-US"/>
               <a:t>Third level</a:t>
             </a:r>
           </a:p>
           <a:p>
             <a:pPr lvl="3"/>
             <a:r>
-              <a:rPr lang="en-US" smtClean="0"/>
+              <a:rPr lang="en-US"/>
               <a:t>Fourth level</a:t>
             </a:r>
           </a:p>
           <a:p>
             <a:pPr lvl="4"/>
             <a:r>
-              <a:rPr lang="en-US" smtClean="0"/>
+              <a:rPr lang="en-US"/>
               <a:t>Fifth level</a:t>
             </a:r>
-            <a:endParaRPr lang="en-US"/>
           </a:p>
         </p:txBody>
       </p:sp>
@@ -1530,7 +1518,7 @@
           <a:p>
             <a:pPr lvl="0"/>
             <a:r>
-              <a:rPr lang="en-US" smtClean="0"/>
+              <a:rPr lang="en-US"/>
               <a:t>Edit Master text styles</a:t>
             </a:r>
           </a:p>
@@ -1558,38 +1546,37 @@
           <a:p>
             <a:pPr lvl="0"/>
             <a:r>
-              <a:rPr lang="en-US" smtClean="0"/>
+              <a:rPr lang="en-US"/>
               <a:t>Edit Master text styles</a:t>
             </a:r>
           </a:p>
           <a:p>
             <a:pPr lvl="1"/>
             <a:r>
-              <a:rPr lang="en-US" smtClean="0"/>
+              <a:rPr lang="en-US"/>
               <a:t>Second level</a:t>
             </a:r>
           </a:p>
           <a:p>
             <a:pPr lvl="2"/>
             <a:r>
-              <a:rPr lang="en-US" smtClean="0"/>
+              <a:rPr lang="en-US"/>
               <a:t>Third level</a:t>
             </a:r>
           </a:p>
           <a:p>
             <a:pPr lvl="3"/>
             <a:r>
-              <a:rPr lang="en-US" smtClean="0"/>
+              <a:rPr lang="en-US"/>
               <a:t>Fourth level</a:t>
             </a:r>
           </a:p>
           <a:p>
             <a:pPr lvl="4"/>
             <a:r>
-              <a:rPr lang="en-US" smtClean="0"/>
+              <a:rPr lang="en-US"/>
               <a:t>Fifth level</a:t>
             </a:r>
-            <a:endParaRPr lang="en-US"/>
           </a:p>
         </p:txBody>
       </p:sp>
@@ -1610,7 +1597,7 @@
           <a:p>
             <a:fld id="{3F2435BA-A7F3-4F65-B06F-64A5EAF7603B}" type="datetimeFigureOut">
               <a:rPr lang="en-US" smtClean="0"/>
-              <a:t>3/18/2020</a:t>
+              <a:t>12/10/2020</a:t>
             </a:fld>
             <a:endParaRPr lang="en-US"/>
           </a:p>
@@ -1704,10 +1691,9 @@
           <a:lstStyle/>
           <a:p>
             <a:r>
-              <a:rPr lang="en-US" smtClean="0"/>
+              <a:rPr lang="en-US"/>
               <a:t>Click to edit Master title style</a:t>
             </a:r>
-            <a:endParaRPr lang="en-US"/>
           </a:p>
         </p:txBody>
       </p:sp>
@@ -1728,7 +1714,7 @@
           <a:p>
             <a:fld id="{3F2435BA-A7F3-4F65-B06F-64A5EAF7603B}" type="datetimeFigureOut">
               <a:rPr lang="en-US" smtClean="0"/>
-              <a:t>3/18/2020</a:t>
+              <a:t>12/10/2020</a:t>
             </a:fld>
             <a:endParaRPr lang="en-US"/>
           </a:p>
@@ -1823,7 +1809,7 @@
           <a:p>
             <a:fld id="{3F2435BA-A7F3-4F65-B06F-64A5EAF7603B}" type="datetimeFigureOut">
               <a:rPr lang="en-US" smtClean="0"/>
-              <a:t>3/18/2020</a:t>
+              <a:t>12/10/2020</a:t>
             </a:fld>
             <a:endParaRPr lang="en-US"/>
           </a:p>
@@ -1926,10 +1912,9 @@
           </a:lstStyle>
           <a:p>
             <a:r>
-              <a:rPr lang="en-US" smtClean="0"/>
+              <a:rPr lang="en-US"/>
               <a:t>Click to edit Master title style</a:t>
             </a:r>
-            <a:endParaRPr lang="en-US"/>
           </a:p>
         </p:txBody>
       </p:sp>
@@ -1983,38 +1968,37 @@
           <a:p>
             <a:pPr lvl="0"/>
             <a:r>
-              <a:rPr lang="en-US" smtClean="0"/>
+              <a:rPr lang="en-US"/>
               <a:t>Edit Master text styles</a:t>
             </a:r>
           </a:p>
           <a:p>
             <a:pPr lvl="1"/>
             <a:r>
-              <a:rPr lang="en-US" smtClean="0"/>
+              <a:rPr lang="en-US"/>
               <a:t>Second level</a:t>
             </a:r>
           </a:p>
           <a:p>
             <a:pPr lvl="2"/>
             <a:r>
-              <a:rPr lang="en-US" smtClean="0"/>
+              <a:rPr lang="en-US"/>
               <a:t>Third level</a:t>
             </a:r>
           </a:p>
           <a:p>
             <a:pPr lvl="3"/>
             <a:r>
-              <a:rPr lang="en-US" smtClean="0"/>
+              <a:rPr lang="en-US"/>
               <a:t>Fourth level</a:t>
             </a:r>
           </a:p>
           <a:p>
             <a:pPr lvl="4"/>
             <a:r>
-              <a:rPr lang="en-US" smtClean="0"/>
+              <a:rPr lang="en-US"/>
               <a:t>Fifth level</a:t>
             </a:r>
-            <a:endParaRPr lang="en-US"/>
           </a:p>
         </p:txBody>
       </p:sp>
@@ -2077,7 +2061,7 @@
           <a:p>
             <a:pPr lvl="0"/>
             <a:r>
-              <a:rPr lang="en-US" smtClean="0"/>
+              <a:rPr lang="en-US"/>
               <a:t>Edit Master text styles</a:t>
             </a:r>
           </a:p>
@@ -2100,7 +2084,7 @@
           <a:p>
             <a:fld id="{3F2435BA-A7F3-4F65-B06F-64A5EAF7603B}" type="datetimeFigureOut">
               <a:rPr lang="en-US" smtClean="0"/>
-              <a:t>3/18/2020</a:t>
+              <a:t>12/10/2020</a:t>
             </a:fld>
             <a:endParaRPr lang="en-US"/>
           </a:p>
@@ -2203,10 +2187,9 @@
           </a:lstStyle>
           <a:p>
             <a:r>
-              <a:rPr lang="en-US" smtClean="0"/>
+              <a:rPr lang="en-US"/>
               <a:t>Click to edit Master title style</a:t>
             </a:r>
-            <a:endParaRPr lang="en-US"/>
           </a:p>
         </p:txBody>
       </p:sp>
@@ -2330,7 +2313,7 @@
           <a:p>
             <a:pPr lvl="0"/>
             <a:r>
-              <a:rPr lang="en-US" smtClean="0"/>
+              <a:rPr lang="en-US"/>
               <a:t>Edit Master text styles</a:t>
             </a:r>
           </a:p>
@@ -2353,7 +2336,7 @@
           <a:p>
             <a:fld id="{3F2435BA-A7F3-4F65-B06F-64A5EAF7603B}" type="datetimeFigureOut">
               <a:rPr lang="en-US" smtClean="0"/>
-              <a:t>3/18/2020</a:t>
+              <a:t>12/10/2020</a:t>
             </a:fld>
             <a:endParaRPr lang="en-US"/>
           </a:p>
@@ -2462,10 +2445,9 @@
           <a:lstStyle/>
           <a:p>
             <a:r>
-              <a:rPr lang="en-US" smtClean="0"/>
+              <a:rPr lang="en-US"/>
               <a:t>Click to edit Master title style</a:t>
             </a:r>
-            <a:endParaRPr lang="en-US"/>
           </a:p>
         </p:txBody>
       </p:sp>
@@ -2496,38 +2478,37 @@
           <a:p>
             <a:pPr lvl="0"/>
             <a:r>
-              <a:rPr lang="en-US" smtClean="0"/>
+              <a:rPr lang="en-US"/>
               <a:t>Edit Master text styles</a:t>
             </a:r>
           </a:p>
           <a:p>
             <a:pPr lvl="1"/>
             <a:r>
-              <a:rPr lang="en-US" smtClean="0"/>
+              <a:rPr lang="en-US"/>
               <a:t>Second level</a:t>
             </a:r>
           </a:p>
           <a:p>
             <a:pPr lvl="2"/>
             <a:r>
-              <a:rPr lang="en-US" smtClean="0"/>
+              <a:rPr lang="en-US"/>
               <a:t>Third level</a:t>
             </a:r>
           </a:p>
           <a:p>
             <a:pPr lvl="3"/>
             <a:r>
-              <a:rPr lang="en-US" smtClean="0"/>
+              <a:rPr lang="en-US"/>
               <a:t>Fourth level</a:t>
             </a:r>
           </a:p>
           <a:p>
             <a:pPr lvl="4"/>
             <a:r>
-              <a:rPr lang="en-US" smtClean="0"/>
+              <a:rPr lang="en-US"/>
               <a:t>Fifth level</a:t>
             </a:r>
-            <a:endParaRPr lang="en-US"/>
           </a:p>
         </p:txBody>
       </p:sp>
@@ -2566,7 +2547,7 @@
           <a:p>
             <a:fld id="{3F2435BA-A7F3-4F65-B06F-64A5EAF7603B}" type="datetimeFigureOut">
               <a:rPr lang="en-US" smtClean="0"/>
-              <a:t>3/18/2020</a:t>
+              <a:t>12/10/2020</a:t>
             </a:fld>
             <a:endParaRPr lang="en-US"/>
           </a:p>
@@ -3040,7 +3021,7 @@
           <a:lstStyle/>
           <a:p>
             <a:r>
-              <a:rPr lang="en-US" sz="34400" dirty="0" smtClean="0">
+              <a:rPr lang="en-US" sz="34400" dirty="0">
                 <a:solidFill>
                   <a:schemeClr val="bg1"/>
                 </a:solidFill>
@@ -3049,13 +3030,6 @@
               </a:rPr>
               <a:t>K</a:t>
             </a:r>
-            <a:endParaRPr lang="en-US" sz="34400" dirty="0">
-              <a:solidFill>
-                <a:schemeClr val="bg1"/>
-              </a:solidFill>
-              <a:latin typeface="Calibri" panose="020F0502020204030204" pitchFamily="34" charset="0"/>
-              <a:cs typeface="Calibri" panose="020F0502020204030204" pitchFamily="34" charset="0"/>
-            </a:endParaRPr>
           </a:p>
         </p:txBody>
       </p:sp>
@@ -3148,10 +3122,4727 @@
           <a:chExt cx="0" cy="0"/>
         </a:xfrm>
       </p:grpSpPr>
+      <p:pic>
+        <p:nvPicPr>
+          <p:cNvPr id="7" name="Picture 6">
+            <a:extLst>
+              <a:ext uri="{FF2B5EF4-FFF2-40B4-BE49-F238E27FC236}">
+                <a16:creationId xmlns:a16="http://schemas.microsoft.com/office/drawing/2014/main" id="{212400F7-A846-4D11-9737-9622FC18CAD4}"/>
+              </a:ext>
+            </a:extLst>
+          </p:cNvPr>
+          <p:cNvPicPr>
+            <a:picLocks noChangeAspect="1"/>
+          </p:cNvPicPr>
+          <p:nvPr/>
+        </p:nvPicPr>
+        <p:blipFill>
+          <a:blip r:embed="rId2"/>
+          <a:stretch>
+            <a:fillRect/>
+          </a:stretch>
+        </p:blipFill>
+        <p:spPr>
+          <a:xfrm>
+            <a:off x="11734800" y="820582"/>
+            <a:ext cx="3371850" cy="2676525"/>
+          </a:xfrm>
+          <a:prstGeom prst="rect">
+            <a:avLst/>
+          </a:prstGeom>
+        </p:spPr>
+      </p:pic>
+      <p:sp>
+        <p:nvSpPr>
+          <p:cNvPr id="8" name="Rectangle 7">
+            <a:extLst>
+              <a:ext uri="{FF2B5EF4-FFF2-40B4-BE49-F238E27FC236}">
+                <a16:creationId xmlns:a16="http://schemas.microsoft.com/office/drawing/2014/main" id="{36413D0F-6DC1-4952-9158-A3EA154CD823}"/>
+              </a:ext>
+            </a:extLst>
+          </p:cNvPr>
+          <p:cNvSpPr/>
+          <p:nvPr/>
+        </p:nvSpPr>
+        <p:spPr>
+          <a:xfrm>
+            <a:off x="361026" y="1377387"/>
+            <a:ext cx="5983893" cy="5157040"/>
+          </a:xfrm>
+          <a:prstGeom prst="rect">
+            <a:avLst/>
+          </a:prstGeom>
+          <a:solidFill>
+            <a:srgbClr val="D6E5EC"/>
+          </a:solidFill>
+          <a:ln>
+            <a:noFill/>
+          </a:ln>
+        </p:spPr>
+        <p:style>
+          <a:lnRef idx="2">
+            <a:schemeClr val="accent1">
+              <a:shade val="50000"/>
+            </a:schemeClr>
+          </a:lnRef>
+          <a:fillRef idx="1">
+            <a:schemeClr val="accent1"/>
+          </a:fillRef>
+          <a:effectRef idx="0">
+            <a:schemeClr val="accent1"/>
+          </a:effectRef>
+          <a:fontRef idx="minor">
+            <a:schemeClr val="lt1"/>
+          </a:fontRef>
+        </p:style>
+        <p:txBody>
+          <a:bodyPr rtlCol="0" anchor="ctr"/>
+          <a:lstStyle/>
+          <a:p>
+            <a:pPr algn="ctr"/>
+            <a:r>
+              <a:rPr lang="en-US" dirty="0"/>
+              <a:t>	</a:t>
+            </a:r>
+          </a:p>
+        </p:txBody>
+      </p:sp>
+      <p:cxnSp>
+        <p:nvCxnSpPr>
+          <p:cNvPr id="10" name="Straight Connector 9">
+            <a:extLst>
+              <a:ext uri="{FF2B5EF4-FFF2-40B4-BE49-F238E27FC236}">
+                <a16:creationId xmlns:a16="http://schemas.microsoft.com/office/drawing/2014/main" id="{B4703372-8057-43C3-89B3-B6CBE97C4463}"/>
+              </a:ext>
+            </a:extLst>
+          </p:cNvPr>
+          <p:cNvCxnSpPr/>
+          <p:nvPr/>
+        </p:nvCxnSpPr>
+        <p:spPr>
+          <a:xfrm>
+            <a:off x="613410" y="5264947"/>
+            <a:ext cx="5486400" cy="0"/>
+          </a:xfrm>
+          <a:prstGeom prst="line">
+            <a:avLst/>
+          </a:prstGeom>
+          <a:ln w="38100">
+            <a:solidFill>
+              <a:schemeClr val="bg1"/>
+            </a:solidFill>
+          </a:ln>
+        </p:spPr>
+        <p:style>
+          <a:lnRef idx="1">
+            <a:schemeClr val="accent1"/>
+          </a:lnRef>
+          <a:fillRef idx="0">
+            <a:schemeClr val="accent1"/>
+          </a:fillRef>
+          <a:effectRef idx="0">
+            <a:schemeClr val="accent1"/>
+          </a:effectRef>
+          <a:fontRef idx="minor">
+            <a:schemeClr val="tx1"/>
+          </a:fontRef>
+        </p:style>
+      </p:cxnSp>
+      <p:cxnSp>
+        <p:nvCxnSpPr>
+          <p:cNvPr id="11" name="Straight Connector 10">
+            <a:extLst>
+              <a:ext uri="{FF2B5EF4-FFF2-40B4-BE49-F238E27FC236}">
+                <a16:creationId xmlns:a16="http://schemas.microsoft.com/office/drawing/2014/main" id="{40FE9042-3420-48CA-A188-4F461FC5DAD4}"/>
+              </a:ext>
+            </a:extLst>
+          </p:cNvPr>
+          <p:cNvCxnSpPr/>
+          <p:nvPr/>
+        </p:nvCxnSpPr>
+        <p:spPr>
+          <a:xfrm>
+            <a:off x="623570" y="2516815"/>
+            <a:ext cx="5486400" cy="0"/>
+          </a:xfrm>
+          <a:prstGeom prst="line">
+            <a:avLst/>
+          </a:prstGeom>
+          <a:ln w="38100">
+            <a:solidFill>
+              <a:schemeClr val="bg1"/>
+            </a:solidFill>
+          </a:ln>
+        </p:spPr>
+        <p:style>
+          <a:lnRef idx="1">
+            <a:schemeClr val="accent1"/>
+          </a:lnRef>
+          <a:fillRef idx="0">
+            <a:schemeClr val="accent1"/>
+          </a:fillRef>
+          <a:effectRef idx="0">
+            <a:schemeClr val="accent1"/>
+          </a:effectRef>
+          <a:fontRef idx="minor">
+            <a:schemeClr val="tx1"/>
+          </a:fontRef>
+        </p:style>
+      </p:cxnSp>
+      <p:cxnSp>
+        <p:nvCxnSpPr>
+          <p:cNvPr id="12" name="Straight Connector 11">
+            <a:extLst>
+              <a:ext uri="{FF2B5EF4-FFF2-40B4-BE49-F238E27FC236}">
+                <a16:creationId xmlns:a16="http://schemas.microsoft.com/office/drawing/2014/main" id="{2156C440-9B2F-49FF-AFE0-6FC84AFB8D76}"/>
+              </a:ext>
+            </a:extLst>
+          </p:cNvPr>
+          <p:cNvCxnSpPr/>
+          <p:nvPr/>
+        </p:nvCxnSpPr>
+        <p:spPr>
+          <a:xfrm>
+            <a:off x="613410" y="3437577"/>
+            <a:ext cx="5486400" cy="0"/>
+          </a:xfrm>
+          <a:prstGeom prst="line">
+            <a:avLst/>
+          </a:prstGeom>
+          <a:ln w="38100">
+            <a:solidFill>
+              <a:schemeClr val="bg1"/>
+            </a:solidFill>
+          </a:ln>
+        </p:spPr>
+        <p:style>
+          <a:lnRef idx="1">
+            <a:schemeClr val="accent1"/>
+          </a:lnRef>
+          <a:fillRef idx="0">
+            <a:schemeClr val="accent1"/>
+          </a:fillRef>
+          <a:effectRef idx="0">
+            <a:schemeClr val="accent1"/>
+          </a:effectRef>
+          <a:fontRef idx="minor">
+            <a:schemeClr val="tx1"/>
+          </a:fontRef>
+        </p:style>
+      </p:cxnSp>
+      <p:cxnSp>
+        <p:nvCxnSpPr>
+          <p:cNvPr id="13" name="Straight Connector 12">
+            <a:extLst>
+              <a:ext uri="{FF2B5EF4-FFF2-40B4-BE49-F238E27FC236}">
+                <a16:creationId xmlns:a16="http://schemas.microsoft.com/office/drawing/2014/main" id="{0B7144C6-9C65-4BE6-AFCD-6080448734C8}"/>
+              </a:ext>
+            </a:extLst>
+          </p:cNvPr>
+          <p:cNvCxnSpPr/>
+          <p:nvPr/>
+        </p:nvCxnSpPr>
+        <p:spPr>
+          <a:xfrm>
+            <a:off x="613410" y="4370867"/>
+            <a:ext cx="5486400" cy="0"/>
+          </a:xfrm>
+          <a:prstGeom prst="line">
+            <a:avLst/>
+          </a:prstGeom>
+          <a:ln w="38100">
+            <a:solidFill>
+              <a:schemeClr val="bg1"/>
+            </a:solidFill>
+          </a:ln>
+        </p:spPr>
+        <p:style>
+          <a:lnRef idx="1">
+            <a:schemeClr val="accent1"/>
+          </a:lnRef>
+          <a:fillRef idx="0">
+            <a:schemeClr val="accent1"/>
+          </a:fillRef>
+          <a:effectRef idx="0">
+            <a:schemeClr val="accent1"/>
+          </a:effectRef>
+          <a:fontRef idx="minor">
+            <a:schemeClr val="tx1"/>
+          </a:fontRef>
+        </p:style>
+      </p:cxnSp>
+      <p:cxnSp>
+        <p:nvCxnSpPr>
+          <p:cNvPr id="14" name="Straight Connector 13">
+            <a:extLst>
+              <a:ext uri="{FF2B5EF4-FFF2-40B4-BE49-F238E27FC236}">
+                <a16:creationId xmlns:a16="http://schemas.microsoft.com/office/drawing/2014/main" id="{DA9F57B5-4B3B-4C43-A4A0-E4D43F6A27B8}"/>
+              </a:ext>
+            </a:extLst>
+          </p:cNvPr>
+          <p:cNvCxnSpPr/>
+          <p:nvPr/>
+        </p:nvCxnSpPr>
+        <p:spPr>
+          <a:xfrm>
+            <a:off x="594360" y="6189507"/>
+            <a:ext cx="5504688" cy="0"/>
+          </a:xfrm>
+          <a:prstGeom prst="line">
+            <a:avLst/>
+          </a:prstGeom>
+          <a:ln w="38100">
+            <a:solidFill>
+              <a:schemeClr val="tx1">
+                <a:lumMod val="50000"/>
+                <a:lumOff val="50000"/>
+              </a:schemeClr>
+            </a:solidFill>
+          </a:ln>
+        </p:spPr>
+        <p:style>
+          <a:lnRef idx="1">
+            <a:schemeClr val="accent1"/>
+          </a:lnRef>
+          <a:fillRef idx="0">
+            <a:schemeClr val="accent1"/>
+          </a:fillRef>
+          <a:effectRef idx="0">
+            <a:schemeClr val="accent1"/>
+          </a:effectRef>
+          <a:fontRef idx="minor">
+            <a:schemeClr val="tx1"/>
+          </a:fontRef>
+        </p:style>
+      </p:cxnSp>
+      <p:cxnSp>
+        <p:nvCxnSpPr>
+          <p:cNvPr id="15" name="Straight Connector 14">
+            <a:extLst>
+              <a:ext uri="{FF2B5EF4-FFF2-40B4-BE49-F238E27FC236}">
+                <a16:creationId xmlns:a16="http://schemas.microsoft.com/office/drawing/2014/main" id="{58E55722-0BE7-4FDF-B5E8-01D55A0614B1}"/>
+              </a:ext>
+            </a:extLst>
+          </p:cNvPr>
+          <p:cNvCxnSpPr>
+            <a:cxnSpLocks/>
+          </p:cNvCxnSpPr>
+          <p:nvPr/>
+        </p:nvCxnSpPr>
+        <p:spPr>
+          <a:xfrm flipV="1">
+            <a:off x="613410" y="6014087"/>
+            <a:ext cx="0" cy="189390"/>
+          </a:xfrm>
+          <a:prstGeom prst="line">
+            <a:avLst/>
+          </a:prstGeom>
+          <a:ln w="38100">
+            <a:solidFill>
+              <a:schemeClr val="tx1">
+                <a:lumMod val="50000"/>
+                <a:lumOff val="50000"/>
+              </a:schemeClr>
+            </a:solidFill>
+          </a:ln>
+        </p:spPr>
+        <p:style>
+          <a:lnRef idx="1">
+            <a:schemeClr val="accent1"/>
+          </a:lnRef>
+          <a:fillRef idx="0">
+            <a:schemeClr val="accent1"/>
+          </a:fillRef>
+          <a:effectRef idx="0">
+            <a:schemeClr val="accent1"/>
+          </a:effectRef>
+          <a:fontRef idx="minor">
+            <a:schemeClr val="tx1"/>
+          </a:fontRef>
+        </p:style>
+      </p:cxnSp>
+      <p:cxnSp>
+        <p:nvCxnSpPr>
+          <p:cNvPr id="18" name="Straight Connector 17">
+            <a:extLst>
+              <a:ext uri="{FF2B5EF4-FFF2-40B4-BE49-F238E27FC236}">
+                <a16:creationId xmlns:a16="http://schemas.microsoft.com/office/drawing/2014/main" id="{C39BC865-E459-411F-92F0-074B4E758BD1}"/>
+              </a:ext>
+            </a:extLst>
+          </p:cNvPr>
+          <p:cNvCxnSpPr>
+            <a:cxnSpLocks/>
+          </p:cNvCxnSpPr>
+          <p:nvPr/>
+        </p:nvCxnSpPr>
+        <p:spPr>
+          <a:xfrm flipV="1">
+            <a:off x="1524000" y="6015357"/>
+            <a:ext cx="0" cy="189390"/>
+          </a:xfrm>
+          <a:prstGeom prst="line">
+            <a:avLst/>
+          </a:prstGeom>
+          <a:ln w="38100">
+            <a:solidFill>
+              <a:schemeClr val="tx1">
+                <a:lumMod val="50000"/>
+                <a:lumOff val="50000"/>
+              </a:schemeClr>
+            </a:solidFill>
+          </a:ln>
+        </p:spPr>
+        <p:style>
+          <a:lnRef idx="1">
+            <a:schemeClr val="accent1"/>
+          </a:lnRef>
+          <a:fillRef idx="0">
+            <a:schemeClr val="accent1"/>
+          </a:fillRef>
+          <a:effectRef idx="0">
+            <a:schemeClr val="accent1"/>
+          </a:effectRef>
+          <a:fontRef idx="minor">
+            <a:schemeClr val="tx1"/>
+          </a:fontRef>
+        </p:style>
+      </p:cxnSp>
+      <p:cxnSp>
+        <p:nvCxnSpPr>
+          <p:cNvPr id="19" name="Straight Connector 18">
+            <a:extLst>
+              <a:ext uri="{FF2B5EF4-FFF2-40B4-BE49-F238E27FC236}">
+                <a16:creationId xmlns:a16="http://schemas.microsoft.com/office/drawing/2014/main" id="{4A4194B2-843C-4AE9-9F18-C4160E0A3DEF}"/>
+              </a:ext>
+            </a:extLst>
+          </p:cNvPr>
+          <p:cNvCxnSpPr>
+            <a:cxnSpLocks/>
+          </p:cNvCxnSpPr>
+          <p:nvPr/>
+        </p:nvCxnSpPr>
+        <p:spPr>
+          <a:xfrm flipV="1">
+            <a:off x="2439670" y="6019167"/>
+            <a:ext cx="0" cy="189390"/>
+          </a:xfrm>
+          <a:prstGeom prst="line">
+            <a:avLst/>
+          </a:prstGeom>
+          <a:ln w="38100">
+            <a:solidFill>
+              <a:schemeClr val="tx1">
+                <a:lumMod val="50000"/>
+                <a:lumOff val="50000"/>
+              </a:schemeClr>
+            </a:solidFill>
+          </a:ln>
+        </p:spPr>
+        <p:style>
+          <a:lnRef idx="1">
+            <a:schemeClr val="accent1"/>
+          </a:lnRef>
+          <a:fillRef idx="0">
+            <a:schemeClr val="accent1"/>
+          </a:fillRef>
+          <a:effectRef idx="0">
+            <a:schemeClr val="accent1"/>
+          </a:effectRef>
+          <a:fontRef idx="minor">
+            <a:schemeClr val="tx1"/>
+          </a:fontRef>
+        </p:style>
+      </p:cxnSp>
+      <p:cxnSp>
+        <p:nvCxnSpPr>
+          <p:cNvPr id="21" name="Straight Connector 20">
+            <a:extLst>
+              <a:ext uri="{FF2B5EF4-FFF2-40B4-BE49-F238E27FC236}">
+                <a16:creationId xmlns:a16="http://schemas.microsoft.com/office/drawing/2014/main" id="{8652A2AF-5E32-469D-9F28-23488C92BB24}"/>
+              </a:ext>
+            </a:extLst>
+          </p:cNvPr>
+          <p:cNvCxnSpPr>
+            <a:cxnSpLocks/>
+          </p:cNvCxnSpPr>
+          <p:nvPr/>
+        </p:nvCxnSpPr>
+        <p:spPr>
+          <a:xfrm flipV="1">
+            <a:off x="3354324" y="6010658"/>
+            <a:ext cx="0" cy="189390"/>
+          </a:xfrm>
+          <a:prstGeom prst="line">
+            <a:avLst/>
+          </a:prstGeom>
+          <a:ln w="38100">
+            <a:solidFill>
+              <a:schemeClr val="tx1">
+                <a:lumMod val="50000"/>
+                <a:lumOff val="50000"/>
+              </a:schemeClr>
+            </a:solidFill>
+          </a:ln>
+        </p:spPr>
+        <p:style>
+          <a:lnRef idx="1">
+            <a:schemeClr val="accent1"/>
+          </a:lnRef>
+          <a:fillRef idx="0">
+            <a:schemeClr val="accent1"/>
+          </a:fillRef>
+          <a:effectRef idx="0">
+            <a:schemeClr val="accent1"/>
+          </a:effectRef>
+          <a:fontRef idx="minor">
+            <a:schemeClr val="tx1"/>
+          </a:fontRef>
+        </p:style>
+      </p:cxnSp>
+      <p:cxnSp>
+        <p:nvCxnSpPr>
+          <p:cNvPr id="22" name="Straight Connector 21">
+            <a:extLst>
+              <a:ext uri="{FF2B5EF4-FFF2-40B4-BE49-F238E27FC236}">
+                <a16:creationId xmlns:a16="http://schemas.microsoft.com/office/drawing/2014/main" id="{D24210DF-A34E-42B0-A1FA-C44196C0CD1F}"/>
+              </a:ext>
+            </a:extLst>
+          </p:cNvPr>
+          <p:cNvCxnSpPr>
+            <a:cxnSpLocks/>
+          </p:cNvCxnSpPr>
+          <p:nvPr/>
+        </p:nvCxnSpPr>
+        <p:spPr>
+          <a:xfrm flipV="1">
+            <a:off x="4264914" y="6015738"/>
+            <a:ext cx="0" cy="189390"/>
+          </a:xfrm>
+          <a:prstGeom prst="line">
+            <a:avLst/>
+          </a:prstGeom>
+          <a:ln w="38100">
+            <a:solidFill>
+              <a:schemeClr val="tx1">
+                <a:lumMod val="50000"/>
+                <a:lumOff val="50000"/>
+              </a:schemeClr>
+            </a:solidFill>
+          </a:ln>
+        </p:spPr>
+        <p:style>
+          <a:lnRef idx="1">
+            <a:schemeClr val="accent1"/>
+          </a:lnRef>
+          <a:fillRef idx="0">
+            <a:schemeClr val="accent1"/>
+          </a:fillRef>
+          <a:effectRef idx="0">
+            <a:schemeClr val="accent1"/>
+          </a:effectRef>
+          <a:fontRef idx="minor">
+            <a:schemeClr val="tx1"/>
+          </a:fontRef>
+        </p:style>
+      </p:cxnSp>
+      <p:cxnSp>
+        <p:nvCxnSpPr>
+          <p:cNvPr id="23" name="Straight Connector 22">
+            <a:extLst>
+              <a:ext uri="{FF2B5EF4-FFF2-40B4-BE49-F238E27FC236}">
+                <a16:creationId xmlns:a16="http://schemas.microsoft.com/office/drawing/2014/main" id="{85C9D868-A80C-46DD-9007-6A4E3CF56AD6}"/>
+              </a:ext>
+            </a:extLst>
+          </p:cNvPr>
+          <p:cNvCxnSpPr>
+            <a:cxnSpLocks/>
+          </p:cNvCxnSpPr>
+          <p:nvPr/>
+        </p:nvCxnSpPr>
+        <p:spPr>
+          <a:xfrm flipV="1">
+            <a:off x="5180584" y="6015738"/>
+            <a:ext cx="0" cy="189390"/>
+          </a:xfrm>
+          <a:prstGeom prst="line">
+            <a:avLst/>
+          </a:prstGeom>
+          <a:ln w="38100">
+            <a:solidFill>
+              <a:schemeClr val="tx1">
+                <a:lumMod val="50000"/>
+                <a:lumOff val="50000"/>
+              </a:schemeClr>
+            </a:solidFill>
+          </a:ln>
+        </p:spPr>
+        <p:style>
+          <a:lnRef idx="1">
+            <a:schemeClr val="accent1"/>
+          </a:lnRef>
+          <a:fillRef idx="0">
+            <a:schemeClr val="accent1"/>
+          </a:fillRef>
+          <a:effectRef idx="0">
+            <a:schemeClr val="accent1"/>
+          </a:effectRef>
+          <a:fontRef idx="minor">
+            <a:schemeClr val="tx1"/>
+          </a:fontRef>
+        </p:style>
+      </p:cxnSp>
+      <p:sp>
+        <p:nvSpPr>
+          <p:cNvPr id="24" name="TextBox 23">
+            <a:extLst>
+              <a:ext uri="{FF2B5EF4-FFF2-40B4-BE49-F238E27FC236}">
+                <a16:creationId xmlns:a16="http://schemas.microsoft.com/office/drawing/2014/main" id="{3B5D9F75-5A0B-4272-B0BB-A9AFB7C02D9F}"/>
+              </a:ext>
+            </a:extLst>
+          </p:cNvPr>
+          <p:cNvSpPr txBox="1"/>
+          <p:nvPr/>
+        </p:nvSpPr>
+        <p:spPr>
+          <a:xfrm>
+            <a:off x="490105" y="6165098"/>
+            <a:ext cx="1773382" cy="369332"/>
+          </a:xfrm>
+          <a:prstGeom prst="rect">
+            <a:avLst/>
+          </a:prstGeom>
+          <a:noFill/>
+        </p:spPr>
+        <p:txBody>
+          <a:bodyPr wrap="square" rtlCol="0">
+            <a:spAutoFit/>
+          </a:bodyPr>
+          <a:lstStyle/>
+          <a:p>
+            <a:r>
+              <a:rPr lang="en-US" dirty="0">
+                <a:solidFill>
+                  <a:schemeClr val="tx1">
+                    <a:lumMod val="50000"/>
+                    <a:lumOff val="50000"/>
+                  </a:schemeClr>
+                </a:solidFill>
+                <a:latin typeface="Source Sans Pro" panose="020B0503030403020204" pitchFamily="34" charset="0"/>
+                <a:ea typeface="Source Sans Pro" panose="020B0503030403020204" pitchFamily="34" charset="0"/>
+              </a:rPr>
+              <a:t>2010</a:t>
+            </a:r>
+          </a:p>
+        </p:txBody>
+      </p:sp>
+      <p:sp>
+        <p:nvSpPr>
+          <p:cNvPr id="25" name="TextBox 24">
+            <a:extLst>
+              <a:ext uri="{FF2B5EF4-FFF2-40B4-BE49-F238E27FC236}">
+                <a16:creationId xmlns:a16="http://schemas.microsoft.com/office/drawing/2014/main" id="{84E500EC-CD76-41A8-AB3C-641C0EA117DD}"/>
+              </a:ext>
+            </a:extLst>
+          </p:cNvPr>
+          <p:cNvSpPr txBox="1"/>
+          <p:nvPr/>
+        </p:nvSpPr>
+        <p:spPr>
+          <a:xfrm>
+            <a:off x="1311473" y="6165098"/>
+            <a:ext cx="423977" cy="369332"/>
+          </a:xfrm>
+          <a:prstGeom prst="rect">
+            <a:avLst/>
+          </a:prstGeom>
+          <a:noFill/>
+        </p:spPr>
+        <p:txBody>
+          <a:bodyPr wrap="square" rtlCol="0">
+            <a:spAutoFit/>
+          </a:bodyPr>
+          <a:lstStyle/>
+          <a:p>
+            <a:r>
+              <a:rPr lang="en-US" dirty="0">
+                <a:solidFill>
+                  <a:schemeClr val="tx1">
+                    <a:lumMod val="50000"/>
+                    <a:lumOff val="50000"/>
+                  </a:schemeClr>
+                </a:solidFill>
+                <a:latin typeface="Source Sans Pro" panose="020B0503030403020204" pitchFamily="34" charset="0"/>
+                <a:ea typeface="Source Sans Pro" panose="020B0503030403020204" pitchFamily="34" charset="0"/>
+              </a:rPr>
+              <a:t>12</a:t>
+            </a:r>
+          </a:p>
+        </p:txBody>
+      </p:sp>
+      <p:sp>
+        <p:nvSpPr>
+          <p:cNvPr id="26" name="TextBox 25">
+            <a:extLst>
+              <a:ext uri="{FF2B5EF4-FFF2-40B4-BE49-F238E27FC236}">
+                <a16:creationId xmlns:a16="http://schemas.microsoft.com/office/drawing/2014/main" id="{4B2B25AD-E411-482C-9F0D-2D2C81918244}"/>
+              </a:ext>
+            </a:extLst>
+          </p:cNvPr>
+          <p:cNvSpPr txBox="1"/>
+          <p:nvPr/>
+        </p:nvSpPr>
+        <p:spPr>
+          <a:xfrm>
+            <a:off x="2222062" y="6165098"/>
+            <a:ext cx="423977" cy="369332"/>
+          </a:xfrm>
+          <a:prstGeom prst="rect">
+            <a:avLst/>
+          </a:prstGeom>
+          <a:noFill/>
+        </p:spPr>
+        <p:txBody>
+          <a:bodyPr wrap="square" rtlCol="0">
+            <a:spAutoFit/>
+          </a:bodyPr>
+          <a:lstStyle/>
+          <a:p>
+            <a:r>
+              <a:rPr lang="en-US" dirty="0">
+                <a:solidFill>
+                  <a:schemeClr val="tx1">
+                    <a:lumMod val="50000"/>
+                    <a:lumOff val="50000"/>
+                  </a:schemeClr>
+                </a:solidFill>
+                <a:latin typeface="Source Sans Pro" panose="020B0503030403020204" pitchFamily="34" charset="0"/>
+                <a:ea typeface="Source Sans Pro" panose="020B0503030403020204" pitchFamily="34" charset="0"/>
+              </a:rPr>
+              <a:t>14</a:t>
+            </a:r>
+          </a:p>
+        </p:txBody>
+      </p:sp>
+      <p:sp>
+        <p:nvSpPr>
+          <p:cNvPr id="27" name="TextBox 26">
+            <a:extLst>
+              <a:ext uri="{FF2B5EF4-FFF2-40B4-BE49-F238E27FC236}">
+                <a16:creationId xmlns:a16="http://schemas.microsoft.com/office/drawing/2014/main" id="{CFD4DBAD-1EED-4826-9372-38D4EF2F59FE}"/>
+              </a:ext>
+            </a:extLst>
+          </p:cNvPr>
+          <p:cNvSpPr txBox="1"/>
+          <p:nvPr/>
+        </p:nvSpPr>
+        <p:spPr>
+          <a:xfrm>
+            <a:off x="3148341" y="6165098"/>
+            <a:ext cx="423977" cy="369332"/>
+          </a:xfrm>
+          <a:prstGeom prst="rect">
+            <a:avLst/>
+          </a:prstGeom>
+          <a:noFill/>
+        </p:spPr>
+        <p:txBody>
+          <a:bodyPr wrap="square" rtlCol="0">
+            <a:spAutoFit/>
+          </a:bodyPr>
+          <a:lstStyle/>
+          <a:p>
+            <a:r>
+              <a:rPr lang="en-US" dirty="0">
+                <a:solidFill>
+                  <a:schemeClr val="tx1">
+                    <a:lumMod val="50000"/>
+                    <a:lumOff val="50000"/>
+                  </a:schemeClr>
+                </a:solidFill>
+                <a:latin typeface="Source Sans Pro" panose="020B0503030403020204" pitchFamily="34" charset="0"/>
+                <a:ea typeface="Source Sans Pro" panose="020B0503030403020204" pitchFamily="34" charset="0"/>
+              </a:rPr>
+              <a:t>16</a:t>
+            </a:r>
+          </a:p>
+        </p:txBody>
+      </p:sp>
+      <p:sp>
+        <p:nvSpPr>
+          <p:cNvPr id="28" name="TextBox 27">
+            <a:extLst>
+              <a:ext uri="{FF2B5EF4-FFF2-40B4-BE49-F238E27FC236}">
+                <a16:creationId xmlns:a16="http://schemas.microsoft.com/office/drawing/2014/main" id="{513E6611-0EED-4F13-AB94-0B15EBAE5C54}"/>
+              </a:ext>
+            </a:extLst>
+          </p:cNvPr>
+          <p:cNvSpPr txBox="1"/>
+          <p:nvPr/>
+        </p:nvSpPr>
+        <p:spPr>
+          <a:xfrm>
+            <a:off x="4052385" y="6167897"/>
+            <a:ext cx="423977" cy="369332"/>
+          </a:xfrm>
+          <a:prstGeom prst="rect">
+            <a:avLst/>
+          </a:prstGeom>
+          <a:noFill/>
+        </p:spPr>
+        <p:txBody>
+          <a:bodyPr wrap="square" rtlCol="0">
+            <a:spAutoFit/>
+          </a:bodyPr>
+          <a:lstStyle/>
+          <a:p>
+            <a:r>
+              <a:rPr lang="en-US" dirty="0">
+                <a:solidFill>
+                  <a:schemeClr val="tx1">
+                    <a:lumMod val="50000"/>
+                    <a:lumOff val="50000"/>
+                  </a:schemeClr>
+                </a:solidFill>
+                <a:latin typeface="Source Sans Pro" panose="020B0503030403020204" pitchFamily="34" charset="0"/>
+                <a:ea typeface="Source Sans Pro" panose="020B0503030403020204" pitchFamily="34" charset="0"/>
+              </a:rPr>
+              <a:t>18</a:t>
+            </a:r>
+          </a:p>
+        </p:txBody>
+      </p:sp>
+      <p:sp>
+        <p:nvSpPr>
+          <p:cNvPr id="29" name="TextBox 28">
+            <a:extLst>
+              <a:ext uri="{FF2B5EF4-FFF2-40B4-BE49-F238E27FC236}">
+                <a16:creationId xmlns:a16="http://schemas.microsoft.com/office/drawing/2014/main" id="{F6F40F13-0820-464C-A5D2-3277CBEAB007}"/>
+              </a:ext>
+            </a:extLst>
+          </p:cNvPr>
+          <p:cNvSpPr txBox="1"/>
+          <p:nvPr/>
+        </p:nvSpPr>
+        <p:spPr>
+          <a:xfrm>
+            <a:off x="4955193" y="6165098"/>
+            <a:ext cx="423977" cy="369332"/>
+          </a:xfrm>
+          <a:prstGeom prst="rect">
+            <a:avLst/>
+          </a:prstGeom>
+          <a:noFill/>
+        </p:spPr>
+        <p:txBody>
+          <a:bodyPr wrap="square" rtlCol="0">
+            <a:spAutoFit/>
+          </a:bodyPr>
+          <a:lstStyle/>
+          <a:p>
+            <a:r>
+              <a:rPr lang="en-US" dirty="0">
+                <a:solidFill>
+                  <a:schemeClr val="tx1">
+                    <a:lumMod val="50000"/>
+                    <a:lumOff val="50000"/>
+                  </a:schemeClr>
+                </a:solidFill>
+                <a:latin typeface="Source Sans Pro" panose="020B0503030403020204" pitchFamily="34" charset="0"/>
+                <a:ea typeface="Source Sans Pro" panose="020B0503030403020204" pitchFamily="34" charset="0"/>
+              </a:rPr>
+              <a:t>20</a:t>
+            </a:r>
+          </a:p>
+        </p:txBody>
+      </p:sp>
+      <p:sp>
+        <p:nvSpPr>
+          <p:cNvPr id="30" name="TextBox 29">
+            <a:extLst>
+              <a:ext uri="{FF2B5EF4-FFF2-40B4-BE49-F238E27FC236}">
+                <a16:creationId xmlns:a16="http://schemas.microsoft.com/office/drawing/2014/main" id="{F444B6D5-7B4D-4B21-B33C-60E30D88A7DB}"/>
+              </a:ext>
+            </a:extLst>
+          </p:cNvPr>
+          <p:cNvSpPr txBox="1"/>
+          <p:nvPr/>
+        </p:nvSpPr>
+        <p:spPr>
+          <a:xfrm>
+            <a:off x="5898181" y="6165098"/>
+            <a:ext cx="647605" cy="369332"/>
+          </a:xfrm>
+          <a:prstGeom prst="rect">
+            <a:avLst/>
+          </a:prstGeom>
+          <a:noFill/>
+        </p:spPr>
+        <p:txBody>
+          <a:bodyPr wrap="square" rtlCol="0">
+            <a:spAutoFit/>
+          </a:bodyPr>
+          <a:lstStyle/>
+          <a:p>
+            <a:r>
+              <a:rPr lang="en-US" dirty="0">
+                <a:solidFill>
+                  <a:schemeClr val="tx1">
+                    <a:lumMod val="50000"/>
+                    <a:lumOff val="50000"/>
+                  </a:schemeClr>
+                </a:solidFill>
+                <a:latin typeface="Source Sans Pro" panose="020B0503030403020204" pitchFamily="34" charset="0"/>
+                <a:ea typeface="Source Sans Pro" panose="020B0503030403020204" pitchFamily="34" charset="0"/>
+              </a:rPr>
+              <a:t>22</a:t>
+            </a:r>
+          </a:p>
+        </p:txBody>
+      </p:sp>
+      <p:cxnSp>
+        <p:nvCxnSpPr>
+          <p:cNvPr id="31" name="Straight Connector 30">
+            <a:extLst>
+              <a:ext uri="{FF2B5EF4-FFF2-40B4-BE49-F238E27FC236}">
+                <a16:creationId xmlns:a16="http://schemas.microsoft.com/office/drawing/2014/main" id="{DAB52994-8B05-4E0F-8C56-ADF33C4C7483}"/>
+              </a:ext>
+            </a:extLst>
+          </p:cNvPr>
+          <p:cNvCxnSpPr>
+            <a:cxnSpLocks/>
+          </p:cNvCxnSpPr>
+          <p:nvPr/>
+        </p:nvCxnSpPr>
+        <p:spPr>
+          <a:xfrm flipV="1">
+            <a:off x="6094984" y="6016627"/>
+            <a:ext cx="0" cy="189390"/>
+          </a:xfrm>
+          <a:prstGeom prst="line">
+            <a:avLst/>
+          </a:prstGeom>
+          <a:ln w="38100">
+            <a:solidFill>
+              <a:schemeClr val="tx1">
+                <a:lumMod val="50000"/>
+                <a:lumOff val="50000"/>
+              </a:schemeClr>
+            </a:solidFill>
+          </a:ln>
+        </p:spPr>
+        <p:style>
+          <a:lnRef idx="1">
+            <a:schemeClr val="accent1"/>
+          </a:lnRef>
+          <a:fillRef idx="0">
+            <a:schemeClr val="accent1"/>
+          </a:fillRef>
+          <a:effectRef idx="0">
+            <a:schemeClr val="accent1"/>
+          </a:effectRef>
+          <a:fontRef idx="minor">
+            <a:schemeClr val="tx1"/>
+          </a:fontRef>
+        </p:style>
+      </p:cxnSp>
+      <p:cxnSp>
+        <p:nvCxnSpPr>
+          <p:cNvPr id="32" name="Straight Connector 31">
+            <a:extLst>
+              <a:ext uri="{FF2B5EF4-FFF2-40B4-BE49-F238E27FC236}">
+                <a16:creationId xmlns:a16="http://schemas.microsoft.com/office/drawing/2014/main" id="{E7D83356-448F-4917-BAB0-2F5B53EEEEF3}"/>
+              </a:ext>
+            </a:extLst>
+          </p:cNvPr>
+          <p:cNvCxnSpPr/>
+          <p:nvPr/>
+        </p:nvCxnSpPr>
+        <p:spPr>
+          <a:xfrm>
+            <a:off x="616148" y="4370867"/>
+            <a:ext cx="1828800" cy="0"/>
+          </a:xfrm>
+          <a:prstGeom prst="line">
+            <a:avLst/>
+          </a:prstGeom>
+          <a:ln w="38100">
+            <a:solidFill>
+              <a:srgbClr val="F3509B"/>
+            </a:solidFill>
+            <a:headEnd type="oval" w="med" len="med"/>
+            <a:tailEnd type="oval" w="med" len="med"/>
+          </a:ln>
+        </p:spPr>
+        <p:style>
+          <a:lnRef idx="1">
+            <a:schemeClr val="accent1"/>
+          </a:lnRef>
+          <a:fillRef idx="0">
+            <a:schemeClr val="accent1"/>
+          </a:fillRef>
+          <a:effectRef idx="0">
+            <a:schemeClr val="accent1"/>
+          </a:effectRef>
+          <a:fontRef idx="minor">
+            <a:schemeClr val="tx1"/>
+          </a:fontRef>
+        </p:style>
+      </p:cxnSp>
+      <p:cxnSp>
+        <p:nvCxnSpPr>
+          <p:cNvPr id="33" name="Straight Connector 32">
+            <a:extLst>
+              <a:ext uri="{FF2B5EF4-FFF2-40B4-BE49-F238E27FC236}">
+                <a16:creationId xmlns:a16="http://schemas.microsoft.com/office/drawing/2014/main" id="{68EAC85E-12D0-4A66-BA00-E60277042635}"/>
+              </a:ext>
+            </a:extLst>
+          </p:cNvPr>
+          <p:cNvCxnSpPr/>
+          <p:nvPr/>
+        </p:nvCxnSpPr>
+        <p:spPr>
+          <a:xfrm>
+            <a:off x="2439924" y="5264947"/>
+            <a:ext cx="914400" cy="0"/>
+          </a:xfrm>
+          <a:prstGeom prst="line">
+            <a:avLst/>
+          </a:prstGeom>
+          <a:ln w="38100">
+            <a:solidFill>
+              <a:srgbClr val="F3509B"/>
+            </a:solidFill>
+            <a:headEnd type="oval" w="med" len="med"/>
+            <a:tailEnd type="oval" w="med" len="med"/>
+          </a:ln>
+        </p:spPr>
+        <p:style>
+          <a:lnRef idx="1">
+            <a:schemeClr val="accent1"/>
+          </a:lnRef>
+          <a:fillRef idx="0">
+            <a:schemeClr val="accent1"/>
+          </a:fillRef>
+          <a:effectRef idx="0">
+            <a:schemeClr val="accent1"/>
+          </a:effectRef>
+          <a:fontRef idx="minor">
+            <a:schemeClr val="tx1"/>
+          </a:fontRef>
+        </p:style>
+      </p:cxnSp>
+      <p:cxnSp>
+        <p:nvCxnSpPr>
+          <p:cNvPr id="34" name="Straight Connector 33">
+            <a:extLst>
+              <a:ext uri="{FF2B5EF4-FFF2-40B4-BE49-F238E27FC236}">
+                <a16:creationId xmlns:a16="http://schemas.microsoft.com/office/drawing/2014/main" id="{8A853190-1C63-4A99-AC47-89FD90690B30}"/>
+              </a:ext>
+            </a:extLst>
+          </p:cNvPr>
+          <p:cNvCxnSpPr/>
+          <p:nvPr/>
+        </p:nvCxnSpPr>
+        <p:spPr>
+          <a:xfrm>
+            <a:off x="3354324" y="3437577"/>
+            <a:ext cx="914400" cy="0"/>
+          </a:xfrm>
+          <a:prstGeom prst="line">
+            <a:avLst/>
+          </a:prstGeom>
+          <a:ln w="38100">
+            <a:solidFill>
+              <a:srgbClr val="F3509B"/>
+            </a:solidFill>
+            <a:headEnd type="oval" w="med" len="med"/>
+            <a:tailEnd type="oval" w="med" len="med"/>
+          </a:ln>
+        </p:spPr>
+        <p:style>
+          <a:lnRef idx="1">
+            <a:schemeClr val="accent1"/>
+          </a:lnRef>
+          <a:fillRef idx="0">
+            <a:schemeClr val="accent1"/>
+          </a:fillRef>
+          <a:effectRef idx="0">
+            <a:schemeClr val="accent1"/>
+          </a:effectRef>
+          <a:fontRef idx="minor">
+            <a:schemeClr val="tx1"/>
+          </a:fontRef>
+        </p:style>
+      </p:cxnSp>
+      <p:cxnSp>
+        <p:nvCxnSpPr>
+          <p:cNvPr id="35" name="Straight Connector 34">
+            <a:extLst>
+              <a:ext uri="{FF2B5EF4-FFF2-40B4-BE49-F238E27FC236}">
+                <a16:creationId xmlns:a16="http://schemas.microsoft.com/office/drawing/2014/main" id="{86C53388-D65A-4F73-8EE1-A6BD3B1EE902}"/>
+              </a:ext>
+            </a:extLst>
+          </p:cNvPr>
+          <p:cNvCxnSpPr/>
+          <p:nvPr/>
+        </p:nvCxnSpPr>
+        <p:spPr>
+          <a:xfrm>
+            <a:off x="4266184" y="2516815"/>
+            <a:ext cx="1828800" cy="0"/>
+          </a:xfrm>
+          <a:prstGeom prst="line">
+            <a:avLst/>
+          </a:prstGeom>
+          <a:ln w="38100">
+            <a:solidFill>
+              <a:srgbClr val="F3509B"/>
+            </a:solidFill>
+            <a:headEnd type="oval" w="med" len="med"/>
+            <a:tailEnd type="oval" w="med" len="med"/>
+          </a:ln>
+        </p:spPr>
+        <p:style>
+          <a:lnRef idx="1">
+            <a:schemeClr val="accent1"/>
+          </a:lnRef>
+          <a:fillRef idx="0">
+            <a:schemeClr val="accent1"/>
+          </a:fillRef>
+          <a:effectRef idx="0">
+            <a:schemeClr val="accent1"/>
+          </a:effectRef>
+          <a:fontRef idx="minor">
+            <a:schemeClr val="tx1"/>
+          </a:fontRef>
+        </p:style>
+      </p:cxnSp>
+      <p:sp>
+        <p:nvSpPr>
+          <p:cNvPr id="36" name="TextBox 35">
+            <a:extLst>
+              <a:ext uri="{FF2B5EF4-FFF2-40B4-BE49-F238E27FC236}">
+                <a16:creationId xmlns:a16="http://schemas.microsoft.com/office/drawing/2014/main" id="{9D930D4E-5010-4764-AA26-06CA7288F785}"/>
+              </a:ext>
+            </a:extLst>
+          </p:cNvPr>
+          <p:cNvSpPr txBox="1"/>
+          <p:nvPr/>
+        </p:nvSpPr>
+        <p:spPr>
+          <a:xfrm>
+            <a:off x="806450" y="4384858"/>
+            <a:ext cx="1773382" cy="646331"/>
+          </a:xfrm>
+          <a:prstGeom prst="rect">
+            <a:avLst/>
+          </a:prstGeom>
+          <a:noFill/>
+        </p:spPr>
+        <p:txBody>
+          <a:bodyPr wrap="square" rtlCol="0">
+            <a:spAutoFit/>
+          </a:bodyPr>
+          <a:lstStyle/>
+          <a:p>
+            <a:pPr algn="r"/>
+            <a:r>
+              <a:rPr lang="en-US" dirty="0">
+                <a:solidFill>
+                  <a:schemeClr val="tx1">
+                    <a:lumMod val="50000"/>
+                    <a:lumOff val="50000"/>
+                  </a:schemeClr>
+                </a:solidFill>
+                <a:latin typeface="Source Sans Pro" panose="020B0503030403020204" pitchFamily="34" charset="0"/>
+                <a:ea typeface="Source Sans Pro" panose="020B0503030403020204" pitchFamily="34" charset="0"/>
+              </a:rPr>
+              <a:t>B.Tech. in </a:t>
+            </a:r>
+          </a:p>
+          <a:p>
+            <a:pPr algn="r"/>
+            <a:r>
+              <a:rPr lang="en-US" dirty="0">
+                <a:solidFill>
+                  <a:schemeClr val="tx1">
+                    <a:lumMod val="50000"/>
+                    <a:lumOff val="50000"/>
+                  </a:schemeClr>
+                </a:solidFill>
+                <a:latin typeface="Source Sans Pro" panose="020B0503030403020204" pitchFamily="34" charset="0"/>
+                <a:ea typeface="Source Sans Pro" panose="020B0503030403020204" pitchFamily="34" charset="0"/>
+              </a:rPr>
+              <a:t>Civil Engg.</a:t>
+            </a:r>
+          </a:p>
+        </p:txBody>
+      </p:sp>
+      <p:sp>
+        <p:nvSpPr>
+          <p:cNvPr id="38" name="TextBox 37">
+            <a:extLst>
+              <a:ext uri="{FF2B5EF4-FFF2-40B4-BE49-F238E27FC236}">
+                <a16:creationId xmlns:a16="http://schemas.microsoft.com/office/drawing/2014/main" id="{4DF7FB48-5611-4937-85BB-CC291C61261F}"/>
+              </a:ext>
+            </a:extLst>
+          </p:cNvPr>
+          <p:cNvSpPr txBox="1"/>
+          <p:nvPr/>
+        </p:nvSpPr>
+        <p:spPr>
+          <a:xfrm>
+            <a:off x="1693141" y="5281613"/>
+            <a:ext cx="1773382" cy="646331"/>
+          </a:xfrm>
+          <a:prstGeom prst="rect">
+            <a:avLst/>
+          </a:prstGeom>
+          <a:noFill/>
+        </p:spPr>
+        <p:txBody>
+          <a:bodyPr wrap="square" rtlCol="0">
+            <a:spAutoFit/>
+          </a:bodyPr>
+          <a:lstStyle/>
+          <a:p>
+            <a:pPr algn="r"/>
+            <a:r>
+              <a:rPr lang="en-US" dirty="0">
+                <a:solidFill>
+                  <a:schemeClr val="tx1">
+                    <a:lumMod val="50000"/>
+                    <a:lumOff val="50000"/>
+                  </a:schemeClr>
+                </a:solidFill>
+                <a:latin typeface="Source Sans Pro" panose="020B0503030403020204" pitchFamily="34" charset="0"/>
+                <a:ea typeface="Source Sans Pro" panose="020B0503030403020204" pitchFamily="34" charset="0"/>
+              </a:rPr>
+              <a:t>Field Engg. </a:t>
+            </a:r>
+          </a:p>
+          <a:p>
+            <a:pPr algn="r"/>
+            <a:r>
+              <a:rPr lang="en-US" dirty="0">
+                <a:solidFill>
+                  <a:schemeClr val="tx1">
+                    <a:lumMod val="50000"/>
+                    <a:lumOff val="50000"/>
+                  </a:schemeClr>
+                </a:solidFill>
+                <a:latin typeface="Source Sans Pro" panose="020B0503030403020204" pitchFamily="34" charset="0"/>
+                <a:ea typeface="Source Sans Pro" panose="020B0503030403020204" pitchFamily="34" charset="0"/>
+              </a:rPr>
+              <a:t>in oil &amp; gas</a:t>
+            </a:r>
+          </a:p>
+        </p:txBody>
+      </p:sp>
+      <p:sp>
+        <p:nvSpPr>
+          <p:cNvPr id="40" name="TextBox 39">
+            <a:extLst>
+              <a:ext uri="{FF2B5EF4-FFF2-40B4-BE49-F238E27FC236}">
+                <a16:creationId xmlns:a16="http://schemas.microsoft.com/office/drawing/2014/main" id="{0D94B315-3210-4B02-BC99-D84C72891A18}"/>
+              </a:ext>
+            </a:extLst>
+          </p:cNvPr>
+          <p:cNvSpPr txBox="1"/>
+          <p:nvPr/>
+        </p:nvSpPr>
+        <p:spPr>
+          <a:xfrm>
+            <a:off x="2638419" y="3451387"/>
+            <a:ext cx="1773382" cy="646331"/>
+          </a:xfrm>
+          <a:prstGeom prst="rect">
+            <a:avLst/>
+          </a:prstGeom>
+          <a:noFill/>
+        </p:spPr>
+        <p:txBody>
+          <a:bodyPr wrap="square" rtlCol="0">
+            <a:spAutoFit/>
+          </a:bodyPr>
+          <a:lstStyle/>
+          <a:p>
+            <a:pPr algn="r"/>
+            <a:r>
+              <a:rPr lang="en-US" dirty="0">
+                <a:solidFill>
+                  <a:schemeClr val="tx1">
+                    <a:lumMod val="50000"/>
+                    <a:lumOff val="50000"/>
+                  </a:schemeClr>
+                </a:solidFill>
+                <a:latin typeface="Source Sans Pro" panose="020B0503030403020204" pitchFamily="34" charset="0"/>
+                <a:ea typeface="Source Sans Pro" panose="020B0503030403020204" pitchFamily="34" charset="0"/>
+              </a:rPr>
+              <a:t>M.S. in </a:t>
+            </a:r>
+          </a:p>
+          <a:p>
+            <a:pPr algn="r"/>
+            <a:r>
+              <a:rPr lang="en-US" dirty="0">
+                <a:solidFill>
+                  <a:schemeClr val="tx1">
+                    <a:lumMod val="50000"/>
+                    <a:lumOff val="50000"/>
+                  </a:schemeClr>
+                </a:solidFill>
+                <a:latin typeface="Source Sans Pro" panose="020B0503030403020204" pitchFamily="34" charset="0"/>
+                <a:ea typeface="Source Sans Pro" panose="020B0503030403020204" pitchFamily="34" charset="0"/>
+              </a:rPr>
+              <a:t>Hydrology</a:t>
+            </a:r>
+          </a:p>
+        </p:txBody>
+      </p:sp>
+      <p:sp>
+        <p:nvSpPr>
+          <p:cNvPr id="41" name="TextBox 40">
+            <a:extLst>
+              <a:ext uri="{FF2B5EF4-FFF2-40B4-BE49-F238E27FC236}">
+                <a16:creationId xmlns:a16="http://schemas.microsoft.com/office/drawing/2014/main" id="{F8E54FF0-49C7-4EEB-BC7B-447E55EE780C}"/>
+              </a:ext>
+            </a:extLst>
+          </p:cNvPr>
+          <p:cNvSpPr txBox="1"/>
+          <p:nvPr/>
+        </p:nvSpPr>
+        <p:spPr>
+          <a:xfrm>
+            <a:off x="4295394" y="2523290"/>
+            <a:ext cx="1920269" cy="646331"/>
+          </a:xfrm>
+          <a:prstGeom prst="rect">
+            <a:avLst/>
+          </a:prstGeom>
+          <a:noFill/>
+        </p:spPr>
+        <p:txBody>
+          <a:bodyPr wrap="square" rtlCol="0">
+            <a:spAutoFit/>
+          </a:bodyPr>
+          <a:lstStyle/>
+          <a:p>
+            <a:pPr algn="r"/>
+            <a:r>
+              <a:rPr lang="en-US" dirty="0">
+                <a:solidFill>
+                  <a:schemeClr val="tx1">
+                    <a:lumMod val="50000"/>
+                    <a:lumOff val="50000"/>
+                  </a:schemeClr>
+                </a:solidFill>
+                <a:latin typeface="Source Sans Pro" panose="020B0503030403020204" pitchFamily="34" charset="0"/>
+                <a:ea typeface="Source Sans Pro" panose="020B0503030403020204" pitchFamily="34" charset="0"/>
+              </a:rPr>
+              <a:t>Ph.D. in Forest </a:t>
+            </a:r>
+          </a:p>
+          <a:p>
+            <a:pPr algn="r"/>
+            <a:r>
+              <a:rPr lang="en-US" dirty="0">
+                <a:solidFill>
+                  <a:schemeClr val="tx1">
+                    <a:lumMod val="50000"/>
+                    <a:lumOff val="50000"/>
+                  </a:schemeClr>
+                </a:solidFill>
+                <a:latin typeface="Source Sans Pro" panose="020B0503030403020204" pitchFamily="34" charset="0"/>
+                <a:ea typeface="Source Sans Pro" panose="020B0503030403020204" pitchFamily="34" charset="0"/>
+              </a:rPr>
+              <a:t>Health Monitoring</a:t>
+            </a:r>
+          </a:p>
+        </p:txBody>
+      </p:sp>
+      <p:cxnSp>
+        <p:nvCxnSpPr>
+          <p:cNvPr id="42" name="Straight Connector 41">
+            <a:extLst>
+              <a:ext uri="{FF2B5EF4-FFF2-40B4-BE49-F238E27FC236}">
+                <a16:creationId xmlns:a16="http://schemas.microsoft.com/office/drawing/2014/main" id="{0A4C2C7A-FA5C-483F-A1BE-973A4754FF54}"/>
+              </a:ext>
+            </a:extLst>
+          </p:cNvPr>
+          <p:cNvCxnSpPr/>
+          <p:nvPr/>
+        </p:nvCxnSpPr>
+        <p:spPr>
+          <a:xfrm>
+            <a:off x="613410" y="1611940"/>
+            <a:ext cx="5486400" cy="0"/>
+          </a:xfrm>
+          <a:prstGeom prst="line">
+            <a:avLst/>
+          </a:prstGeom>
+          <a:ln w="38100">
+            <a:solidFill>
+              <a:schemeClr val="bg1"/>
+            </a:solidFill>
+          </a:ln>
+        </p:spPr>
+        <p:style>
+          <a:lnRef idx="1">
+            <a:schemeClr val="accent1"/>
+          </a:lnRef>
+          <a:fillRef idx="0">
+            <a:schemeClr val="accent1"/>
+          </a:fillRef>
+          <a:effectRef idx="0">
+            <a:schemeClr val="accent1"/>
+          </a:effectRef>
+          <a:fontRef idx="minor">
+            <a:schemeClr val="tx1"/>
+          </a:fontRef>
+        </p:style>
+      </p:cxnSp>
+      <p:cxnSp>
+        <p:nvCxnSpPr>
+          <p:cNvPr id="43" name="Straight Connector 42">
+            <a:extLst>
+              <a:ext uri="{FF2B5EF4-FFF2-40B4-BE49-F238E27FC236}">
+                <a16:creationId xmlns:a16="http://schemas.microsoft.com/office/drawing/2014/main" id="{95F7DD96-7271-4F45-AA2F-60181D74FF9E}"/>
+              </a:ext>
+            </a:extLst>
+          </p:cNvPr>
+          <p:cNvCxnSpPr/>
+          <p:nvPr/>
+        </p:nvCxnSpPr>
+        <p:spPr>
+          <a:xfrm>
+            <a:off x="661035" y="1694502"/>
+            <a:ext cx="0" cy="731520"/>
+          </a:xfrm>
+          <a:prstGeom prst="line">
+            <a:avLst/>
+          </a:prstGeom>
+          <a:ln w="38100">
+            <a:solidFill>
+              <a:schemeClr val="tx1">
+                <a:lumMod val="50000"/>
+                <a:lumOff val="50000"/>
+              </a:schemeClr>
+            </a:solidFill>
+            <a:headEnd type="triangle" w="lg" len="lg"/>
+          </a:ln>
+        </p:spPr>
+        <p:style>
+          <a:lnRef idx="1">
+            <a:schemeClr val="accent1"/>
+          </a:lnRef>
+          <a:fillRef idx="0">
+            <a:schemeClr val="accent1"/>
+          </a:fillRef>
+          <a:effectRef idx="0">
+            <a:schemeClr val="accent1"/>
+          </a:effectRef>
+          <a:fontRef idx="minor">
+            <a:schemeClr val="tx1"/>
+          </a:fontRef>
+        </p:style>
+      </p:cxnSp>
+      <p:sp>
+        <p:nvSpPr>
+          <p:cNvPr id="44" name="TextBox 43">
+            <a:extLst>
+              <a:ext uri="{FF2B5EF4-FFF2-40B4-BE49-F238E27FC236}">
+                <a16:creationId xmlns:a16="http://schemas.microsoft.com/office/drawing/2014/main" id="{27A13EC8-9555-4BB3-B64B-B87B4008261F}"/>
+              </a:ext>
+            </a:extLst>
+          </p:cNvPr>
+          <p:cNvSpPr txBox="1"/>
+          <p:nvPr/>
+        </p:nvSpPr>
+        <p:spPr>
+          <a:xfrm>
+            <a:off x="677409" y="1867130"/>
+            <a:ext cx="1773382" cy="646331"/>
+          </a:xfrm>
+          <a:prstGeom prst="rect">
+            <a:avLst/>
+          </a:prstGeom>
+          <a:noFill/>
+        </p:spPr>
+        <p:txBody>
+          <a:bodyPr wrap="square" rtlCol="0">
+            <a:spAutoFit/>
+          </a:bodyPr>
+          <a:lstStyle/>
+          <a:p>
+            <a:r>
+              <a:rPr lang="en-US" dirty="0">
+                <a:solidFill>
+                  <a:schemeClr val="tx1">
+                    <a:lumMod val="50000"/>
+                    <a:lumOff val="50000"/>
+                  </a:schemeClr>
+                </a:solidFill>
+                <a:latin typeface="Source Sans Pro" panose="020B0503030403020204" pitchFamily="34" charset="0"/>
+                <a:ea typeface="Source Sans Pro" panose="020B0503030403020204" pitchFamily="34" charset="0"/>
+              </a:rPr>
+              <a:t>Greater focus on sustainability</a:t>
+            </a:r>
+          </a:p>
+        </p:txBody>
+      </p:sp>
+      <p:cxnSp>
+        <p:nvCxnSpPr>
+          <p:cNvPr id="45" name="Straight Connector 44">
+            <a:extLst>
+              <a:ext uri="{FF2B5EF4-FFF2-40B4-BE49-F238E27FC236}">
+                <a16:creationId xmlns:a16="http://schemas.microsoft.com/office/drawing/2014/main" id="{948A953B-26AC-4B8E-843E-FA61055B37C1}"/>
+              </a:ext>
+            </a:extLst>
+          </p:cNvPr>
+          <p:cNvCxnSpPr/>
+          <p:nvPr/>
+        </p:nvCxnSpPr>
+        <p:spPr>
+          <a:xfrm>
+            <a:off x="5527125" y="1613776"/>
+            <a:ext cx="228600" cy="0"/>
+          </a:xfrm>
+          <a:prstGeom prst="line">
+            <a:avLst/>
+          </a:prstGeom>
+          <a:ln w="38100">
+            <a:solidFill>
+              <a:srgbClr val="F3509B"/>
+            </a:solidFill>
+            <a:headEnd type="oval" w="med" len="med"/>
+            <a:tailEnd type="oval" w="med" len="med"/>
+          </a:ln>
+        </p:spPr>
+        <p:style>
+          <a:lnRef idx="1">
+            <a:schemeClr val="accent1"/>
+          </a:lnRef>
+          <a:fillRef idx="0">
+            <a:schemeClr val="accent1"/>
+          </a:fillRef>
+          <a:effectRef idx="0">
+            <a:schemeClr val="accent1"/>
+          </a:effectRef>
+          <a:fontRef idx="minor">
+            <a:schemeClr val="tx1"/>
+          </a:fontRef>
+        </p:style>
+      </p:cxnSp>
+      <p:sp>
+        <p:nvSpPr>
+          <p:cNvPr id="46" name="TextBox 45">
+            <a:extLst>
+              <a:ext uri="{FF2B5EF4-FFF2-40B4-BE49-F238E27FC236}">
+                <a16:creationId xmlns:a16="http://schemas.microsoft.com/office/drawing/2014/main" id="{BAE48C3A-3178-45B0-9209-33AE826503AE}"/>
+              </a:ext>
+            </a:extLst>
+          </p:cNvPr>
+          <p:cNvSpPr txBox="1"/>
+          <p:nvPr/>
+        </p:nvSpPr>
+        <p:spPr>
+          <a:xfrm>
+            <a:off x="2579832" y="1620917"/>
+            <a:ext cx="3353746" cy="707886"/>
+          </a:xfrm>
+          <a:prstGeom prst="rect">
+            <a:avLst/>
+          </a:prstGeom>
+          <a:noFill/>
+        </p:spPr>
+        <p:txBody>
+          <a:bodyPr wrap="square" rtlCol="0">
+            <a:spAutoFit/>
+          </a:bodyPr>
+          <a:lstStyle/>
+          <a:p>
+            <a:pPr algn="r"/>
+            <a:r>
+              <a:rPr lang="en-US" sz="2000" dirty="0">
+                <a:solidFill>
+                  <a:srgbClr val="F3509B"/>
+                </a:solidFill>
+                <a:latin typeface="Source Sans Pro" panose="020B0503030403020204" pitchFamily="34" charset="0"/>
+                <a:ea typeface="Source Sans Pro" panose="020B0503030403020204" pitchFamily="34" charset="0"/>
+              </a:rPr>
+              <a:t>My next opportunity! Summer internship in 2021</a:t>
+            </a:r>
+          </a:p>
+        </p:txBody>
+      </p:sp>
     </p:spTree>
     <p:extLst>
       <p:ext uri="{BB962C8B-B14F-4D97-AF65-F5344CB8AC3E}">
         <p14:creationId xmlns:p14="http://schemas.microsoft.com/office/powerpoint/2010/main" val="343881313"/>
+      </p:ext>
+    </p:extLst>
+  </p:cSld>
+  <p:clrMapOvr>
+    <a:masterClrMapping/>
+  </p:clrMapOvr>
+</p:sld>
+</file>
+
+<file path=ppt/slides/slide4.xml><?xml version="1.0" encoding="utf-8"?>
+<p:sld xmlns:a="http://schemas.openxmlformats.org/drawingml/2006/main" xmlns:r="http://schemas.openxmlformats.org/officeDocument/2006/relationships" xmlns:p="http://schemas.openxmlformats.org/presentationml/2006/main">
+  <p:cSld>
+    <p:spTree>
+      <p:nvGrpSpPr>
+        <p:cNvPr id="1" name=""/>
+        <p:cNvGrpSpPr/>
+        <p:nvPr/>
+      </p:nvGrpSpPr>
+      <p:grpSpPr>
+        <a:xfrm>
+          <a:off x="0" y="0"/>
+          <a:ext cx="0" cy="0"/>
+          <a:chOff x="0" y="0"/>
+          <a:chExt cx="0" cy="0"/>
+        </a:xfrm>
+      </p:grpSpPr>
+      <p:sp>
+        <p:nvSpPr>
+          <p:cNvPr id="37" name="Rectangle 36">
+            <a:extLst>
+              <a:ext uri="{FF2B5EF4-FFF2-40B4-BE49-F238E27FC236}">
+                <a16:creationId xmlns:a16="http://schemas.microsoft.com/office/drawing/2014/main" id="{159E137C-8BD4-4E09-AE99-C316CECE4120}"/>
+              </a:ext>
+            </a:extLst>
+          </p:cNvPr>
+          <p:cNvSpPr/>
+          <p:nvPr/>
+        </p:nvSpPr>
+        <p:spPr>
+          <a:xfrm>
+            <a:off x="-4763077" y="1375661"/>
+            <a:ext cx="16459200" cy="5157040"/>
+          </a:xfrm>
+          <a:prstGeom prst="rect">
+            <a:avLst/>
+          </a:prstGeom>
+          <a:solidFill>
+            <a:schemeClr val="bg1"/>
+          </a:solidFill>
+          <a:ln>
+            <a:noFill/>
+          </a:ln>
+        </p:spPr>
+        <p:style>
+          <a:lnRef idx="2">
+            <a:schemeClr val="accent1">
+              <a:shade val="50000"/>
+            </a:schemeClr>
+          </a:lnRef>
+          <a:fillRef idx="1">
+            <a:schemeClr val="accent1"/>
+          </a:fillRef>
+          <a:effectRef idx="0">
+            <a:schemeClr val="accent1"/>
+          </a:effectRef>
+          <a:fontRef idx="minor">
+            <a:schemeClr val="lt1"/>
+          </a:fontRef>
+        </p:style>
+        <p:txBody>
+          <a:bodyPr rtlCol="0" anchor="ctr"/>
+          <a:lstStyle/>
+          <a:p>
+            <a:pPr algn="ctr"/>
+            <a:r>
+              <a:rPr lang="en-US" dirty="0"/>
+              <a:t>	</a:t>
+            </a:r>
+          </a:p>
+        </p:txBody>
+      </p:sp>
+      <p:sp>
+        <p:nvSpPr>
+          <p:cNvPr id="8" name="Rectangle 7">
+            <a:extLst>
+              <a:ext uri="{FF2B5EF4-FFF2-40B4-BE49-F238E27FC236}">
+                <a16:creationId xmlns:a16="http://schemas.microsoft.com/office/drawing/2014/main" id="{36413D0F-6DC1-4952-9158-A3EA154CD823}"/>
+              </a:ext>
+            </a:extLst>
+          </p:cNvPr>
+          <p:cNvSpPr/>
+          <p:nvPr/>
+        </p:nvSpPr>
+        <p:spPr>
+          <a:xfrm>
+            <a:off x="361026" y="1377387"/>
+            <a:ext cx="5983893" cy="5157040"/>
+          </a:xfrm>
+          <a:prstGeom prst="rect">
+            <a:avLst/>
+          </a:prstGeom>
+          <a:solidFill>
+            <a:srgbClr val="D6E5EC"/>
+          </a:solidFill>
+          <a:ln>
+            <a:noFill/>
+          </a:ln>
+        </p:spPr>
+        <p:style>
+          <a:lnRef idx="2">
+            <a:schemeClr val="accent1">
+              <a:shade val="50000"/>
+            </a:schemeClr>
+          </a:lnRef>
+          <a:fillRef idx="1">
+            <a:schemeClr val="accent1"/>
+          </a:fillRef>
+          <a:effectRef idx="0">
+            <a:schemeClr val="accent1"/>
+          </a:effectRef>
+          <a:fontRef idx="minor">
+            <a:schemeClr val="lt1"/>
+          </a:fontRef>
+        </p:style>
+        <p:txBody>
+          <a:bodyPr rtlCol="0" anchor="ctr"/>
+          <a:lstStyle/>
+          <a:p>
+            <a:pPr algn="ctr"/>
+            <a:r>
+              <a:rPr lang="en-US" dirty="0"/>
+              <a:t>	</a:t>
+            </a:r>
+          </a:p>
+        </p:txBody>
+      </p:sp>
+      <p:cxnSp>
+        <p:nvCxnSpPr>
+          <p:cNvPr id="10" name="Straight Connector 9">
+            <a:extLst>
+              <a:ext uri="{FF2B5EF4-FFF2-40B4-BE49-F238E27FC236}">
+                <a16:creationId xmlns:a16="http://schemas.microsoft.com/office/drawing/2014/main" id="{B4703372-8057-43C3-89B3-B6CBE97C4463}"/>
+              </a:ext>
+            </a:extLst>
+          </p:cNvPr>
+          <p:cNvCxnSpPr/>
+          <p:nvPr/>
+        </p:nvCxnSpPr>
+        <p:spPr>
+          <a:xfrm>
+            <a:off x="613410" y="5264947"/>
+            <a:ext cx="5486400" cy="0"/>
+          </a:xfrm>
+          <a:prstGeom prst="line">
+            <a:avLst/>
+          </a:prstGeom>
+          <a:ln w="38100">
+            <a:solidFill>
+              <a:schemeClr val="bg1"/>
+            </a:solidFill>
+          </a:ln>
+        </p:spPr>
+        <p:style>
+          <a:lnRef idx="1">
+            <a:schemeClr val="accent1"/>
+          </a:lnRef>
+          <a:fillRef idx="0">
+            <a:schemeClr val="accent1"/>
+          </a:fillRef>
+          <a:effectRef idx="0">
+            <a:schemeClr val="accent1"/>
+          </a:effectRef>
+          <a:fontRef idx="minor">
+            <a:schemeClr val="tx1"/>
+          </a:fontRef>
+        </p:style>
+      </p:cxnSp>
+      <p:cxnSp>
+        <p:nvCxnSpPr>
+          <p:cNvPr id="11" name="Straight Connector 10">
+            <a:extLst>
+              <a:ext uri="{FF2B5EF4-FFF2-40B4-BE49-F238E27FC236}">
+                <a16:creationId xmlns:a16="http://schemas.microsoft.com/office/drawing/2014/main" id="{40FE9042-3420-48CA-A188-4F461FC5DAD4}"/>
+              </a:ext>
+            </a:extLst>
+          </p:cNvPr>
+          <p:cNvCxnSpPr/>
+          <p:nvPr/>
+        </p:nvCxnSpPr>
+        <p:spPr>
+          <a:xfrm>
+            <a:off x="623570" y="2516815"/>
+            <a:ext cx="5486400" cy="0"/>
+          </a:xfrm>
+          <a:prstGeom prst="line">
+            <a:avLst/>
+          </a:prstGeom>
+          <a:ln w="38100">
+            <a:solidFill>
+              <a:schemeClr val="bg1"/>
+            </a:solidFill>
+          </a:ln>
+        </p:spPr>
+        <p:style>
+          <a:lnRef idx="1">
+            <a:schemeClr val="accent1"/>
+          </a:lnRef>
+          <a:fillRef idx="0">
+            <a:schemeClr val="accent1"/>
+          </a:fillRef>
+          <a:effectRef idx="0">
+            <a:schemeClr val="accent1"/>
+          </a:effectRef>
+          <a:fontRef idx="minor">
+            <a:schemeClr val="tx1"/>
+          </a:fontRef>
+        </p:style>
+      </p:cxnSp>
+      <p:cxnSp>
+        <p:nvCxnSpPr>
+          <p:cNvPr id="12" name="Straight Connector 11">
+            <a:extLst>
+              <a:ext uri="{FF2B5EF4-FFF2-40B4-BE49-F238E27FC236}">
+                <a16:creationId xmlns:a16="http://schemas.microsoft.com/office/drawing/2014/main" id="{2156C440-9B2F-49FF-AFE0-6FC84AFB8D76}"/>
+              </a:ext>
+            </a:extLst>
+          </p:cNvPr>
+          <p:cNvCxnSpPr/>
+          <p:nvPr/>
+        </p:nvCxnSpPr>
+        <p:spPr>
+          <a:xfrm>
+            <a:off x="613410" y="3437577"/>
+            <a:ext cx="5486400" cy="0"/>
+          </a:xfrm>
+          <a:prstGeom prst="line">
+            <a:avLst/>
+          </a:prstGeom>
+          <a:ln w="38100">
+            <a:solidFill>
+              <a:schemeClr val="bg1"/>
+            </a:solidFill>
+          </a:ln>
+        </p:spPr>
+        <p:style>
+          <a:lnRef idx="1">
+            <a:schemeClr val="accent1"/>
+          </a:lnRef>
+          <a:fillRef idx="0">
+            <a:schemeClr val="accent1"/>
+          </a:fillRef>
+          <a:effectRef idx="0">
+            <a:schemeClr val="accent1"/>
+          </a:effectRef>
+          <a:fontRef idx="minor">
+            <a:schemeClr val="tx1"/>
+          </a:fontRef>
+        </p:style>
+      </p:cxnSp>
+      <p:cxnSp>
+        <p:nvCxnSpPr>
+          <p:cNvPr id="13" name="Straight Connector 12">
+            <a:extLst>
+              <a:ext uri="{FF2B5EF4-FFF2-40B4-BE49-F238E27FC236}">
+                <a16:creationId xmlns:a16="http://schemas.microsoft.com/office/drawing/2014/main" id="{0B7144C6-9C65-4BE6-AFCD-6080448734C8}"/>
+              </a:ext>
+            </a:extLst>
+          </p:cNvPr>
+          <p:cNvCxnSpPr/>
+          <p:nvPr/>
+        </p:nvCxnSpPr>
+        <p:spPr>
+          <a:xfrm>
+            <a:off x="613410" y="4370867"/>
+            <a:ext cx="5486400" cy="0"/>
+          </a:xfrm>
+          <a:prstGeom prst="line">
+            <a:avLst/>
+          </a:prstGeom>
+          <a:ln w="38100">
+            <a:solidFill>
+              <a:schemeClr val="bg1"/>
+            </a:solidFill>
+          </a:ln>
+        </p:spPr>
+        <p:style>
+          <a:lnRef idx="1">
+            <a:schemeClr val="accent1"/>
+          </a:lnRef>
+          <a:fillRef idx="0">
+            <a:schemeClr val="accent1"/>
+          </a:fillRef>
+          <a:effectRef idx="0">
+            <a:schemeClr val="accent1"/>
+          </a:effectRef>
+          <a:fontRef idx="minor">
+            <a:schemeClr val="tx1"/>
+          </a:fontRef>
+        </p:style>
+      </p:cxnSp>
+      <p:cxnSp>
+        <p:nvCxnSpPr>
+          <p:cNvPr id="14" name="Straight Connector 13">
+            <a:extLst>
+              <a:ext uri="{FF2B5EF4-FFF2-40B4-BE49-F238E27FC236}">
+                <a16:creationId xmlns:a16="http://schemas.microsoft.com/office/drawing/2014/main" id="{DA9F57B5-4B3B-4C43-A4A0-E4D43F6A27B8}"/>
+              </a:ext>
+            </a:extLst>
+          </p:cNvPr>
+          <p:cNvCxnSpPr/>
+          <p:nvPr/>
+        </p:nvCxnSpPr>
+        <p:spPr>
+          <a:xfrm>
+            <a:off x="594360" y="6189507"/>
+            <a:ext cx="5504688" cy="0"/>
+          </a:xfrm>
+          <a:prstGeom prst="line">
+            <a:avLst/>
+          </a:prstGeom>
+          <a:ln w="38100">
+            <a:solidFill>
+              <a:schemeClr val="tx1">
+                <a:lumMod val="50000"/>
+                <a:lumOff val="50000"/>
+              </a:schemeClr>
+            </a:solidFill>
+          </a:ln>
+        </p:spPr>
+        <p:style>
+          <a:lnRef idx="1">
+            <a:schemeClr val="accent1"/>
+          </a:lnRef>
+          <a:fillRef idx="0">
+            <a:schemeClr val="accent1"/>
+          </a:fillRef>
+          <a:effectRef idx="0">
+            <a:schemeClr val="accent1"/>
+          </a:effectRef>
+          <a:fontRef idx="minor">
+            <a:schemeClr val="tx1"/>
+          </a:fontRef>
+        </p:style>
+      </p:cxnSp>
+      <p:cxnSp>
+        <p:nvCxnSpPr>
+          <p:cNvPr id="15" name="Straight Connector 14">
+            <a:extLst>
+              <a:ext uri="{FF2B5EF4-FFF2-40B4-BE49-F238E27FC236}">
+                <a16:creationId xmlns:a16="http://schemas.microsoft.com/office/drawing/2014/main" id="{58E55722-0BE7-4FDF-B5E8-01D55A0614B1}"/>
+              </a:ext>
+            </a:extLst>
+          </p:cNvPr>
+          <p:cNvCxnSpPr>
+            <a:cxnSpLocks/>
+          </p:cNvCxnSpPr>
+          <p:nvPr/>
+        </p:nvCxnSpPr>
+        <p:spPr>
+          <a:xfrm flipV="1">
+            <a:off x="613410" y="6014087"/>
+            <a:ext cx="0" cy="189390"/>
+          </a:xfrm>
+          <a:prstGeom prst="line">
+            <a:avLst/>
+          </a:prstGeom>
+          <a:ln w="38100">
+            <a:solidFill>
+              <a:schemeClr val="tx1">
+                <a:lumMod val="50000"/>
+                <a:lumOff val="50000"/>
+              </a:schemeClr>
+            </a:solidFill>
+          </a:ln>
+        </p:spPr>
+        <p:style>
+          <a:lnRef idx="1">
+            <a:schemeClr val="accent1"/>
+          </a:lnRef>
+          <a:fillRef idx="0">
+            <a:schemeClr val="accent1"/>
+          </a:fillRef>
+          <a:effectRef idx="0">
+            <a:schemeClr val="accent1"/>
+          </a:effectRef>
+          <a:fontRef idx="minor">
+            <a:schemeClr val="tx1"/>
+          </a:fontRef>
+        </p:style>
+      </p:cxnSp>
+      <p:cxnSp>
+        <p:nvCxnSpPr>
+          <p:cNvPr id="18" name="Straight Connector 17">
+            <a:extLst>
+              <a:ext uri="{FF2B5EF4-FFF2-40B4-BE49-F238E27FC236}">
+                <a16:creationId xmlns:a16="http://schemas.microsoft.com/office/drawing/2014/main" id="{C39BC865-E459-411F-92F0-074B4E758BD1}"/>
+              </a:ext>
+            </a:extLst>
+          </p:cNvPr>
+          <p:cNvCxnSpPr>
+            <a:cxnSpLocks/>
+          </p:cNvCxnSpPr>
+          <p:nvPr/>
+        </p:nvCxnSpPr>
+        <p:spPr>
+          <a:xfrm flipV="1">
+            <a:off x="1524000" y="6015357"/>
+            <a:ext cx="0" cy="189390"/>
+          </a:xfrm>
+          <a:prstGeom prst="line">
+            <a:avLst/>
+          </a:prstGeom>
+          <a:ln w="38100">
+            <a:solidFill>
+              <a:schemeClr val="tx1">
+                <a:lumMod val="50000"/>
+                <a:lumOff val="50000"/>
+              </a:schemeClr>
+            </a:solidFill>
+          </a:ln>
+        </p:spPr>
+        <p:style>
+          <a:lnRef idx="1">
+            <a:schemeClr val="accent1"/>
+          </a:lnRef>
+          <a:fillRef idx="0">
+            <a:schemeClr val="accent1"/>
+          </a:fillRef>
+          <a:effectRef idx="0">
+            <a:schemeClr val="accent1"/>
+          </a:effectRef>
+          <a:fontRef idx="minor">
+            <a:schemeClr val="tx1"/>
+          </a:fontRef>
+        </p:style>
+      </p:cxnSp>
+      <p:cxnSp>
+        <p:nvCxnSpPr>
+          <p:cNvPr id="19" name="Straight Connector 18">
+            <a:extLst>
+              <a:ext uri="{FF2B5EF4-FFF2-40B4-BE49-F238E27FC236}">
+                <a16:creationId xmlns:a16="http://schemas.microsoft.com/office/drawing/2014/main" id="{4A4194B2-843C-4AE9-9F18-C4160E0A3DEF}"/>
+              </a:ext>
+            </a:extLst>
+          </p:cNvPr>
+          <p:cNvCxnSpPr>
+            <a:cxnSpLocks/>
+          </p:cNvCxnSpPr>
+          <p:nvPr/>
+        </p:nvCxnSpPr>
+        <p:spPr>
+          <a:xfrm flipV="1">
+            <a:off x="2439670" y="6019167"/>
+            <a:ext cx="0" cy="189390"/>
+          </a:xfrm>
+          <a:prstGeom prst="line">
+            <a:avLst/>
+          </a:prstGeom>
+          <a:ln w="38100">
+            <a:solidFill>
+              <a:schemeClr val="tx1">
+                <a:lumMod val="50000"/>
+                <a:lumOff val="50000"/>
+              </a:schemeClr>
+            </a:solidFill>
+          </a:ln>
+        </p:spPr>
+        <p:style>
+          <a:lnRef idx="1">
+            <a:schemeClr val="accent1"/>
+          </a:lnRef>
+          <a:fillRef idx="0">
+            <a:schemeClr val="accent1"/>
+          </a:fillRef>
+          <a:effectRef idx="0">
+            <a:schemeClr val="accent1"/>
+          </a:effectRef>
+          <a:fontRef idx="minor">
+            <a:schemeClr val="tx1"/>
+          </a:fontRef>
+        </p:style>
+      </p:cxnSp>
+      <p:cxnSp>
+        <p:nvCxnSpPr>
+          <p:cNvPr id="21" name="Straight Connector 20">
+            <a:extLst>
+              <a:ext uri="{FF2B5EF4-FFF2-40B4-BE49-F238E27FC236}">
+                <a16:creationId xmlns:a16="http://schemas.microsoft.com/office/drawing/2014/main" id="{8652A2AF-5E32-469D-9F28-23488C92BB24}"/>
+              </a:ext>
+            </a:extLst>
+          </p:cNvPr>
+          <p:cNvCxnSpPr>
+            <a:cxnSpLocks/>
+          </p:cNvCxnSpPr>
+          <p:nvPr/>
+        </p:nvCxnSpPr>
+        <p:spPr>
+          <a:xfrm flipV="1">
+            <a:off x="3354324" y="6010658"/>
+            <a:ext cx="0" cy="189390"/>
+          </a:xfrm>
+          <a:prstGeom prst="line">
+            <a:avLst/>
+          </a:prstGeom>
+          <a:ln w="38100">
+            <a:solidFill>
+              <a:schemeClr val="tx1">
+                <a:lumMod val="50000"/>
+                <a:lumOff val="50000"/>
+              </a:schemeClr>
+            </a:solidFill>
+          </a:ln>
+        </p:spPr>
+        <p:style>
+          <a:lnRef idx="1">
+            <a:schemeClr val="accent1"/>
+          </a:lnRef>
+          <a:fillRef idx="0">
+            <a:schemeClr val="accent1"/>
+          </a:fillRef>
+          <a:effectRef idx="0">
+            <a:schemeClr val="accent1"/>
+          </a:effectRef>
+          <a:fontRef idx="minor">
+            <a:schemeClr val="tx1"/>
+          </a:fontRef>
+        </p:style>
+      </p:cxnSp>
+      <p:cxnSp>
+        <p:nvCxnSpPr>
+          <p:cNvPr id="22" name="Straight Connector 21">
+            <a:extLst>
+              <a:ext uri="{FF2B5EF4-FFF2-40B4-BE49-F238E27FC236}">
+                <a16:creationId xmlns:a16="http://schemas.microsoft.com/office/drawing/2014/main" id="{D24210DF-A34E-42B0-A1FA-C44196C0CD1F}"/>
+              </a:ext>
+            </a:extLst>
+          </p:cNvPr>
+          <p:cNvCxnSpPr>
+            <a:cxnSpLocks/>
+          </p:cNvCxnSpPr>
+          <p:nvPr/>
+        </p:nvCxnSpPr>
+        <p:spPr>
+          <a:xfrm flipV="1">
+            <a:off x="4264914" y="6015738"/>
+            <a:ext cx="0" cy="189390"/>
+          </a:xfrm>
+          <a:prstGeom prst="line">
+            <a:avLst/>
+          </a:prstGeom>
+          <a:ln w="38100">
+            <a:solidFill>
+              <a:schemeClr val="tx1">
+                <a:lumMod val="50000"/>
+                <a:lumOff val="50000"/>
+              </a:schemeClr>
+            </a:solidFill>
+          </a:ln>
+        </p:spPr>
+        <p:style>
+          <a:lnRef idx="1">
+            <a:schemeClr val="accent1"/>
+          </a:lnRef>
+          <a:fillRef idx="0">
+            <a:schemeClr val="accent1"/>
+          </a:fillRef>
+          <a:effectRef idx="0">
+            <a:schemeClr val="accent1"/>
+          </a:effectRef>
+          <a:fontRef idx="minor">
+            <a:schemeClr val="tx1"/>
+          </a:fontRef>
+        </p:style>
+      </p:cxnSp>
+      <p:cxnSp>
+        <p:nvCxnSpPr>
+          <p:cNvPr id="23" name="Straight Connector 22">
+            <a:extLst>
+              <a:ext uri="{FF2B5EF4-FFF2-40B4-BE49-F238E27FC236}">
+                <a16:creationId xmlns:a16="http://schemas.microsoft.com/office/drawing/2014/main" id="{85C9D868-A80C-46DD-9007-6A4E3CF56AD6}"/>
+              </a:ext>
+            </a:extLst>
+          </p:cNvPr>
+          <p:cNvCxnSpPr>
+            <a:cxnSpLocks/>
+          </p:cNvCxnSpPr>
+          <p:nvPr/>
+        </p:nvCxnSpPr>
+        <p:spPr>
+          <a:xfrm flipV="1">
+            <a:off x="5180584" y="6015738"/>
+            <a:ext cx="0" cy="189390"/>
+          </a:xfrm>
+          <a:prstGeom prst="line">
+            <a:avLst/>
+          </a:prstGeom>
+          <a:ln w="38100">
+            <a:solidFill>
+              <a:schemeClr val="tx1">
+                <a:lumMod val="50000"/>
+                <a:lumOff val="50000"/>
+              </a:schemeClr>
+            </a:solidFill>
+          </a:ln>
+        </p:spPr>
+        <p:style>
+          <a:lnRef idx="1">
+            <a:schemeClr val="accent1"/>
+          </a:lnRef>
+          <a:fillRef idx="0">
+            <a:schemeClr val="accent1"/>
+          </a:fillRef>
+          <a:effectRef idx="0">
+            <a:schemeClr val="accent1"/>
+          </a:effectRef>
+          <a:fontRef idx="minor">
+            <a:schemeClr val="tx1"/>
+          </a:fontRef>
+        </p:style>
+      </p:cxnSp>
+      <p:sp>
+        <p:nvSpPr>
+          <p:cNvPr id="24" name="TextBox 23">
+            <a:extLst>
+              <a:ext uri="{FF2B5EF4-FFF2-40B4-BE49-F238E27FC236}">
+                <a16:creationId xmlns:a16="http://schemas.microsoft.com/office/drawing/2014/main" id="{3B5D9F75-5A0B-4272-B0BB-A9AFB7C02D9F}"/>
+              </a:ext>
+            </a:extLst>
+          </p:cNvPr>
+          <p:cNvSpPr txBox="1"/>
+          <p:nvPr/>
+        </p:nvSpPr>
+        <p:spPr>
+          <a:xfrm>
+            <a:off x="490105" y="6165098"/>
+            <a:ext cx="1773382" cy="369332"/>
+          </a:xfrm>
+          <a:prstGeom prst="rect">
+            <a:avLst/>
+          </a:prstGeom>
+          <a:noFill/>
+        </p:spPr>
+        <p:txBody>
+          <a:bodyPr wrap="square" rtlCol="0">
+            <a:spAutoFit/>
+          </a:bodyPr>
+          <a:lstStyle/>
+          <a:p>
+            <a:r>
+              <a:rPr lang="en-US" dirty="0">
+                <a:solidFill>
+                  <a:schemeClr val="tx1">
+                    <a:lumMod val="50000"/>
+                    <a:lumOff val="50000"/>
+                  </a:schemeClr>
+                </a:solidFill>
+                <a:latin typeface="Source Sans Pro" panose="020B0503030403020204" pitchFamily="34" charset="0"/>
+                <a:ea typeface="Source Sans Pro" panose="020B0503030403020204" pitchFamily="34" charset="0"/>
+              </a:rPr>
+              <a:t>2010</a:t>
+            </a:r>
+          </a:p>
+        </p:txBody>
+      </p:sp>
+      <p:sp>
+        <p:nvSpPr>
+          <p:cNvPr id="25" name="TextBox 24">
+            <a:extLst>
+              <a:ext uri="{FF2B5EF4-FFF2-40B4-BE49-F238E27FC236}">
+                <a16:creationId xmlns:a16="http://schemas.microsoft.com/office/drawing/2014/main" id="{84E500EC-CD76-41A8-AB3C-641C0EA117DD}"/>
+              </a:ext>
+            </a:extLst>
+          </p:cNvPr>
+          <p:cNvSpPr txBox="1"/>
+          <p:nvPr/>
+        </p:nvSpPr>
+        <p:spPr>
+          <a:xfrm>
+            <a:off x="1311473" y="6165098"/>
+            <a:ext cx="423977" cy="369332"/>
+          </a:xfrm>
+          <a:prstGeom prst="rect">
+            <a:avLst/>
+          </a:prstGeom>
+          <a:noFill/>
+        </p:spPr>
+        <p:txBody>
+          <a:bodyPr wrap="square" rtlCol="0">
+            <a:spAutoFit/>
+          </a:bodyPr>
+          <a:lstStyle/>
+          <a:p>
+            <a:r>
+              <a:rPr lang="en-US" dirty="0">
+                <a:solidFill>
+                  <a:schemeClr val="tx1">
+                    <a:lumMod val="50000"/>
+                    <a:lumOff val="50000"/>
+                  </a:schemeClr>
+                </a:solidFill>
+                <a:latin typeface="Source Sans Pro" panose="020B0503030403020204" pitchFamily="34" charset="0"/>
+                <a:ea typeface="Source Sans Pro" panose="020B0503030403020204" pitchFamily="34" charset="0"/>
+              </a:rPr>
+              <a:t>12</a:t>
+            </a:r>
+          </a:p>
+        </p:txBody>
+      </p:sp>
+      <p:sp>
+        <p:nvSpPr>
+          <p:cNvPr id="26" name="TextBox 25">
+            <a:extLst>
+              <a:ext uri="{FF2B5EF4-FFF2-40B4-BE49-F238E27FC236}">
+                <a16:creationId xmlns:a16="http://schemas.microsoft.com/office/drawing/2014/main" id="{4B2B25AD-E411-482C-9F0D-2D2C81918244}"/>
+              </a:ext>
+            </a:extLst>
+          </p:cNvPr>
+          <p:cNvSpPr txBox="1"/>
+          <p:nvPr/>
+        </p:nvSpPr>
+        <p:spPr>
+          <a:xfrm>
+            <a:off x="2222062" y="6165098"/>
+            <a:ext cx="423977" cy="369332"/>
+          </a:xfrm>
+          <a:prstGeom prst="rect">
+            <a:avLst/>
+          </a:prstGeom>
+          <a:noFill/>
+        </p:spPr>
+        <p:txBody>
+          <a:bodyPr wrap="square" rtlCol="0">
+            <a:spAutoFit/>
+          </a:bodyPr>
+          <a:lstStyle/>
+          <a:p>
+            <a:r>
+              <a:rPr lang="en-US" dirty="0">
+                <a:solidFill>
+                  <a:schemeClr val="tx1">
+                    <a:lumMod val="50000"/>
+                    <a:lumOff val="50000"/>
+                  </a:schemeClr>
+                </a:solidFill>
+                <a:latin typeface="Source Sans Pro" panose="020B0503030403020204" pitchFamily="34" charset="0"/>
+                <a:ea typeface="Source Sans Pro" panose="020B0503030403020204" pitchFamily="34" charset="0"/>
+              </a:rPr>
+              <a:t>14</a:t>
+            </a:r>
+          </a:p>
+        </p:txBody>
+      </p:sp>
+      <p:sp>
+        <p:nvSpPr>
+          <p:cNvPr id="27" name="TextBox 26">
+            <a:extLst>
+              <a:ext uri="{FF2B5EF4-FFF2-40B4-BE49-F238E27FC236}">
+                <a16:creationId xmlns:a16="http://schemas.microsoft.com/office/drawing/2014/main" id="{CFD4DBAD-1EED-4826-9372-38D4EF2F59FE}"/>
+              </a:ext>
+            </a:extLst>
+          </p:cNvPr>
+          <p:cNvSpPr txBox="1"/>
+          <p:nvPr/>
+        </p:nvSpPr>
+        <p:spPr>
+          <a:xfrm>
+            <a:off x="3148341" y="6165098"/>
+            <a:ext cx="423977" cy="369332"/>
+          </a:xfrm>
+          <a:prstGeom prst="rect">
+            <a:avLst/>
+          </a:prstGeom>
+          <a:noFill/>
+        </p:spPr>
+        <p:txBody>
+          <a:bodyPr wrap="square" rtlCol="0">
+            <a:spAutoFit/>
+          </a:bodyPr>
+          <a:lstStyle/>
+          <a:p>
+            <a:r>
+              <a:rPr lang="en-US" dirty="0">
+                <a:solidFill>
+                  <a:schemeClr val="tx1">
+                    <a:lumMod val="50000"/>
+                    <a:lumOff val="50000"/>
+                  </a:schemeClr>
+                </a:solidFill>
+                <a:latin typeface="Source Sans Pro" panose="020B0503030403020204" pitchFamily="34" charset="0"/>
+                <a:ea typeface="Source Sans Pro" panose="020B0503030403020204" pitchFamily="34" charset="0"/>
+              </a:rPr>
+              <a:t>16</a:t>
+            </a:r>
+          </a:p>
+        </p:txBody>
+      </p:sp>
+      <p:sp>
+        <p:nvSpPr>
+          <p:cNvPr id="28" name="TextBox 27">
+            <a:extLst>
+              <a:ext uri="{FF2B5EF4-FFF2-40B4-BE49-F238E27FC236}">
+                <a16:creationId xmlns:a16="http://schemas.microsoft.com/office/drawing/2014/main" id="{513E6611-0EED-4F13-AB94-0B15EBAE5C54}"/>
+              </a:ext>
+            </a:extLst>
+          </p:cNvPr>
+          <p:cNvSpPr txBox="1"/>
+          <p:nvPr/>
+        </p:nvSpPr>
+        <p:spPr>
+          <a:xfrm>
+            <a:off x="4052385" y="6167897"/>
+            <a:ext cx="423977" cy="369332"/>
+          </a:xfrm>
+          <a:prstGeom prst="rect">
+            <a:avLst/>
+          </a:prstGeom>
+          <a:noFill/>
+        </p:spPr>
+        <p:txBody>
+          <a:bodyPr wrap="square" rtlCol="0">
+            <a:spAutoFit/>
+          </a:bodyPr>
+          <a:lstStyle/>
+          <a:p>
+            <a:r>
+              <a:rPr lang="en-US" dirty="0">
+                <a:solidFill>
+                  <a:schemeClr val="tx1">
+                    <a:lumMod val="50000"/>
+                    <a:lumOff val="50000"/>
+                  </a:schemeClr>
+                </a:solidFill>
+                <a:latin typeface="Source Sans Pro" panose="020B0503030403020204" pitchFamily="34" charset="0"/>
+                <a:ea typeface="Source Sans Pro" panose="020B0503030403020204" pitchFamily="34" charset="0"/>
+              </a:rPr>
+              <a:t>18</a:t>
+            </a:r>
+          </a:p>
+        </p:txBody>
+      </p:sp>
+      <p:sp>
+        <p:nvSpPr>
+          <p:cNvPr id="29" name="TextBox 28">
+            <a:extLst>
+              <a:ext uri="{FF2B5EF4-FFF2-40B4-BE49-F238E27FC236}">
+                <a16:creationId xmlns:a16="http://schemas.microsoft.com/office/drawing/2014/main" id="{F6F40F13-0820-464C-A5D2-3277CBEAB007}"/>
+              </a:ext>
+            </a:extLst>
+          </p:cNvPr>
+          <p:cNvSpPr txBox="1"/>
+          <p:nvPr/>
+        </p:nvSpPr>
+        <p:spPr>
+          <a:xfrm>
+            <a:off x="4955193" y="6165098"/>
+            <a:ext cx="423977" cy="369332"/>
+          </a:xfrm>
+          <a:prstGeom prst="rect">
+            <a:avLst/>
+          </a:prstGeom>
+          <a:noFill/>
+        </p:spPr>
+        <p:txBody>
+          <a:bodyPr wrap="square" rtlCol="0">
+            <a:spAutoFit/>
+          </a:bodyPr>
+          <a:lstStyle/>
+          <a:p>
+            <a:r>
+              <a:rPr lang="en-US" dirty="0">
+                <a:solidFill>
+                  <a:schemeClr val="tx1">
+                    <a:lumMod val="50000"/>
+                    <a:lumOff val="50000"/>
+                  </a:schemeClr>
+                </a:solidFill>
+                <a:latin typeface="Source Sans Pro" panose="020B0503030403020204" pitchFamily="34" charset="0"/>
+                <a:ea typeface="Source Sans Pro" panose="020B0503030403020204" pitchFamily="34" charset="0"/>
+              </a:rPr>
+              <a:t>20</a:t>
+            </a:r>
+          </a:p>
+        </p:txBody>
+      </p:sp>
+      <p:sp>
+        <p:nvSpPr>
+          <p:cNvPr id="30" name="TextBox 29">
+            <a:extLst>
+              <a:ext uri="{FF2B5EF4-FFF2-40B4-BE49-F238E27FC236}">
+                <a16:creationId xmlns:a16="http://schemas.microsoft.com/office/drawing/2014/main" id="{F444B6D5-7B4D-4B21-B33C-60E30D88A7DB}"/>
+              </a:ext>
+            </a:extLst>
+          </p:cNvPr>
+          <p:cNvSpPr txBox="1"/>
+          <p:nvPr/>
+        </p:nvSpPr>
+        <p:spPr>
+          <a:xfrm>
+            <a:off x="5898182" y="6165098"/>
+            <a:ext cx="423978" cy="369332"/>
+          </a:xfrm>
+          <a:prstGeom prst="rect">
+            <a:avLst/>
+          </a:prstGeom>
+          <a:noFill/>
+        </p:spPr>
+        <p:txBody>
+          <a:bodyPr wrap="square" rtlCol="0">
+            <a:spAutoFit/>
+          </a:bodyPr>
+          <a:lstStyle/>
+          <a:p>
+            <a:r>
+              <a:rPr lang="en-US" dirty="0">
+                <a:solidFill>
+                  <a:schemeClr val="tx1">
+                    <a:lumMod val="50000"/>
+                    <a:lumOff val="50000"/>
+                  </a:schemeClr>
+                </a:solidFill>
+                <a:latin typeface="Source Sans Pro" panose="020B0503030403020204" pitchFamily="34" charset="0"/>
+                <a:ea typeface="Source Sans Pro" panose="020B0503030403020204" pitchFamily="34" charset="0"/>
+              </a:rPr>
+              <a:t>22</a:t>
+            </a:r>
+          </a:p>
+        </p:txBody>
+      </p:sp>
+      <p:cxnSp>
+        <p:nvCxnSpPr>
+          <p:cNvPr id="31" name="Straight Connector 30">
+            <a:extLst>
+              <a:ext uri="{FF2B5EF4-FFF2-40B4-BE49-F238E27FC236}">
+                <a16:creationId xmlns:a16="http://schemas.microsoft.com/office/drawing/2014/main" id="{DAB52994-8B05-4E0F-8C56-ADF33C4C7483}"/>
+              </a:ext>
+            </a:extLst>
+          </p:cNvPr>
+          <p:cNvCxnSpPr>
+            <a:cxnSpLocks/>
+          </p:cNvCxnSpPr>
+          <p:nvPr/>
+        </p:nvCxnSpPr>
+        <p:spPr>
+          <a:xfrm flipV="1">
+            <a:off x="6094984" y="6016627"/>
+            <a:ext cx="0" cy="189390"/>
+          </a:xfrm>
+          <a:prstGeom prst="line">
+            <a:avLst/>
+          </a:prstGeom>
+          <a:ln w="38100">
+            <a:solidFill>
+              <a:schemeClr val="tx1">
+                <a:lumMod val="50000"/>
+                <a:lumOff val="50000"/>
+              </a:schemeClr>
+            </a:solidFill>
+          </a:ln>
+        </p:spPr>
+        <p:style>
+          <a:lnRef idx="1">
+            <a:schemeClr val="accent1"/>
+          </a:lnRef>
+          <a:fillRef idx="0">
+            <a:schemeClr val="accent1"/>
+          </a:fillRef>
+          <a:effectRef idx="0">
+            <a:schemeClr val="accent1"/>
+          </a:effectRef>
+          <a:fontRef idx="minor">
+            <a:schemeClr val="tx1"/>
+          </a:fontRef>
+        </p:style>
+      </p:cxnSp>
+      <p:cxnSp>
+        <p:nvCxnSpPr>
+          <p:cNvPr id="32" name="Straight Connector 31">
+            <a:extLst>
+              <a:ext uri="{FF2B5EF4-FFF2-40B4-BE49-F238E27FC236}">
+                <a16:creationId xmlns:a16="http://schemas.microsoft.com/office/drawing/2014/main" id="{E7D83356-448F-4917-BAB0-2F5B53EEEEF3}"/>
+              </a:ext>
+            </a:extLst>
+          </p:cNvPr>
+          <p:cNvCxnSpPr/>
+          <p:nvPr/>
+        </p:nvCxnSpPr>
+        <p:spPr>
+          <a:xfrm>
+            <a:off x="616148" y="4370867"/>
+            <a:ext cx="1828800" cy="0"/>
+          </a:xfrm>
+          <a:prstGeom prst="line">
+            <a:avLst/>
+          </a:prstGeom>
+          <a:ln w="38100">
+            <a:solidFill>
+              <a:srgbClr val="F3509B"/>
+            </a:solidFill>
+            <a:headEnd type="oval" w="med" len="med"/>
+            <a:tailEnd type="oval" w="med" len="med"/>
+          </a:ln>
+        </p:spPr>
+        <p:style>
+          <a:lnRef idx="1">
+            <a:schemeClr val="accent1"/>
+          </a:lnRef>
+          <a:fillRef idx="0">
+            <a:schemeClr val="accent1"/>
+          </a:fillRef>
+          <a:effectRef idx="0">
+            <a:schemeClr val="accent1"/>
+          </a:effectRef>
+          <a:fontRef idx="minor">
+            <a:schemeClr val="tx1"/>
+          </a:fontRef>
+        </p:style>
+      </p:cxnSp>
+      <p:cxnSp>
+        <p:nvCxnSpPr>
+          <p:cNvPr id="33" name="Straight Connector 32">
+            <a:extLst>
+              <a:ext uri="{FF2B5EF4-FFF2-40B4-BE49-F238E27FC236}">
+                <a16:creationId xmlns:a16="http://schemas.microsoft.com/office/drawing/2014/main" id="{68EAC85E-12D0-4A66-BA00-E60277042635}"/>
+              </a:ext>
+            </a:extLst>
+          </p:cNvPr>
+          <p:cNvCxnSpPr/>
+          <p:nvPr/>
+        </p:nvCxnSpPr>
+        <p:spPr>
+          <a:xfrm>
+            <a:off x="2439924" y="5264947"/>
+            <a:ext cx="914400" cy="0"/>
+          </a:xfrm>
+          <a:prstGeom prst="line">
+            <a:avLst/>
+          </a:prstGeom>
+          <a:ln w="38100">
+            <a:solidFill>
+              <a:srgbClr val="F3509B"/>
+            </a:solidFill>
+            <a:headEnd type="oval" w="med" len="med"/>
+            <a:tailEnd type="oval" w="med" len="med"/>
+          </a:ln>
+        </p:spPr>
+        <p:style>
+          <a:lnRef idx="1">
+            <a:schemeClr val="accent1"/>
+          </a:lnRef>
+          <a:fillRef idx="0">
+            <a:schemeClr val="accent1"/>
+          </a:fillRef>
+          <a:effectRef idx="0">
+            <a:schemeClr val="accent1"/>
+          </a:effectRef>
+          <a:fontRef idx="minor">
+            <a:schemeClr val="tx1"/>
+          </a:fontRef>
+        </p:style>
+      </p:cxnSp>
+      <p:cxnSp>
+        <p:nvCxnSpPr>
+          <p:cNvPr id="34" name="Straight Connector 33">
+            <a:extLst>
+              <a:ext uri="{FF2B5EF4-FFF2-40B4-BE49-F238E27FC236}">
+                <a16:creationId xmlns:a16="http://schemas.microsoft.com/office/drawing/2014/main" id="{8A853190-1C63-4A99-AC47-89FD90690B30}"/>
+              </a:ext>
+            </a:extLst>
+          </p:cNvPr>
+          <p:cNvCxnSpPr/>
+          <p:nvPr/>
+        </p:nvCxnSpPr>
+        <p:spPr>
+          <a:xfrm>
+            <a:off x="3354324" y="3437577"/>
+            <a:ext cx="914400" cy="0"/>
+          </a:xfrm>
+          <a:prstGeom prst="line">
+            <a:avLst/>
+          </a:prstGeom>
+          <a:ln w="38100">
+            <a:solidFill>
+              <a:srgbClr val="F3509B"/>
+            </a:solidFill>
+            <a:headEnd type="oval" w="med" len="med"/>
+            <a:tailEnd type="oval" w="med" len="med"/>
+          </a:ln>
+        </p:spPr>
+        <p:style>
+          <a:lnRef idx="1">
+            <a:schemeClr val="accent1"/>
+          </a:lnRef>
+          <a:fillRef idx="0">
+            <a:schemeClr val="accent1"/>
+          </a:fillRef>
+          <a:effectRef idx="0">
+            <a:schemeClr val="accent1"/>
+          </a:effectRef>
+          <a:fontRef idx="minor">
+            <a:schemeClr val="tx1"/>
+          </a:fontRef>
+        </p:style>
+      </p:cxnSp>
+      <p:cxnSp>
+        <p:nvCxnSpPr>
+          <p:cNvPr id="35" name="Straight Connector 34">
+            <a:extLst>
+              <a:ext uri="{FF2B5EF4-FFF2-40B4-BE49-F238E27FC236}">
+                <a16:creationId xmlns:a16="http://schemas.microsoft.com/office/drawing/2014/main" id="{86C53388-D65A-4F73-8EE1-A6BD3B1EE902}"/>
+              </a:ext>
+            </a:extLst>
+          </p:cNvPr>
+          <p:cNvCxnSpPr/>
+          <p:nvPr/>
+        </p:nvCxnSpPr>
+        <p:spPr>
+          <a:xfrm>
+            <a:off x="4266184" y="2516815"/>
+            <a:ext cx="1828800" cy="0"/>
+          </a:xfrm>
+          <a:prstGeom prst="line">
+            <a:avLst/>
+          </a:prstGeom>
+          <a:ln w="38100">
+            <a:solidFill>
+              <a:srgbClr val="F3509B"/>
+            </a:solidFill>
+            <a:headEnd type="oval" w="med" len="med"/>
+            <a:tailEnd type="oval" w="med" len="med"/>
+          </a:ln>
+        </p:spPr>
+        <p:style>
+          <a:lnRef idx="1">
+            <a:schemeClr val="accent1"/>
+          </a:lnRef>
+          <a:fillRef idx="0">
+            <a:schemeClr val="accent1"/>
+          </a:fillRef>
+          <a:effectRef idx="0">
+            <a:schemeClr val="accent1"/>
+          </a:effectRef>
+          <a:fontRef idx="minor">
+            <a:schemeClr val="tx1"/>
+          </a:fontRef>
+        </p:style>
+      </p:cxnSp>
+      <p:sp>
+        <p:nvSpPr>
+          <p:cNvPr id="36" name="TextBox 35">
+            <a:extLst>
+              <a:ext uri="{FF2B5EF4-FFF2-40B4-BE49-F238E27FC236}">
+                <a16:creationId xmlns:a16="http://schemas.microsoft.com/office/drawing/2014/main" id="{9D930D4E-5010-4764-AA26-06CA7288F785}"/>
+              </a:ext>
+            </a:extLst>
+          </p:cNvPr>
+          <p:cNvSpPr txBox="1"/>
+          <p:nvPr/>
+        </p:nvSpPr>
+        <p:spPr>
+          <a:xfrm>
+            <a:off x="806450" y="4384858"/>
+            <a:ext cx="1773382" cy="646331"/>
+          </a:xfrm>
+          <a:prstGeom prst="rect">
+            <a:avLst/>
+          </a:prstGeom>
+          <a:noFill/>
+        </p:spPr>
+        <p:txBody>
+          <a:bodyPr wrap="square" rtlCol="0">
+            <a:spAutoFit/>
+          </a:bodyPr>
+          <a:lstStyle/>
+          <a:p>
+            <a:pPr algn="r"/>
+            <a:r>
+              <a:rPr lang="en-US" dirty="0">
+                <a:solidFill>
+                  <a:schemeClr val="tx1">
+                    <a:lumMod val="50000"/>
+                    <a:lumOff val="50000"/>
+                  </a:schemeClr>
+                </a:solidFill>
+                <a:latin typeface="Source Sans Pro" panose="020B0503030403020204" pitchFamily="34" charset="0"/>
+                <a:ea typeface="Source Sans Pro" panose="020B0503030403020204" pitchFamily="34" charset="0"/>
+              </a:rPr>
+              <a:t>B.Tech. in </a:t>
+            </a:r>
+          </a:p>
+          <a:p>
+            <a:pPr algn="r"/>
+            <a:r>
+              <a:rPr lang="en-US" dirty="0">
+                <a:solidFill>
+                  <a:schemeClr val="tx1">
+                    <a:lumMod val="50000"/>
+                    <a:lumOff val="50000"/>
+                  </a:schemeClr>
+                </a:solidFill>
+                <a:latin typeface="Source Sans Pro" panose="020B0503030403020204" pitchFamily="34" charset="0"/>
+                <a:ea typeface="Source Sans Pro" panose="020B0503030403020204" pitchFamily="34" charset="0"/>
+              </a:rPr>
+              <a:t>Civil Engg.</a:t>
+            </a:r>
+          </a:p>
+        </p:txBody>
+      </p:sp>
+      <p:sp>
+        <p:nvSpPr>
+          <p:cNvPr id="38" name="TextBox 37">
+            <a:extLst>
+              <a:ext uri="{FF2B5EF4-FFF2-40B4-BE49-F238E27FC236}">
+                <a16:creationId xmlns:a16="http://schemas.microsoft.com/office/drawing/2014/main" id="{4DF7FB48-5611-4937-85BB-CC291C61261F}"/>
+              </a:ext>
+            </a:extLst>
+          </p:cNvPr>
+          <p:cNvSpPr txBox="1"/>
+          <p:nvPr/>
+        </p:nvSpPr>
+        <p:spPr>
+          <a:xfrm>
+            <a:off x="1693141" y="5281613"/>
+            <a:ext cx="1773382" cy="646331"/>
+          </a:xfrm>
+          <a:prstGeom prst="rect">
+            <a:avLst/>
+          </a:prstGeom>
+          <a:noFill/>
+        </p:spPr>
+        <p:txBody>
+          <a:bodyPr wrap="square" rtlCol="0">
+            <a:spAutoFit/>
+          </a:bodyPr>
+          <a:lstStyle/>
+          <a:p>
+            <a:pPr algn="r"/>
+            <a:r>
+              <a:rPr lang="en-US" dirty="0">
+                <a:solidFill>
+                  <a:schemeClr val="tx1">
+                    <a:lumMod val="50000"/>
+                    <a:lumOff val="50000"/>
+                  </a:schemeClr>
+                </a:solidFill>
+                <a:latin typeface="Source Sans Pro" panose="020B0503030403020204" pitchFamily="34" charset="0"/>
+                <a:ea typeface="Source Sans Pro" panose="020B0503030403020204" pitchFamily="34" charset="0"/>
+              </a:rPr>
+              <a:t>Field Engg. </a:t>
+            </a:r>
+          </a:p>
+          <a:p>
+            <a:pPr algn="r"/>
+            <a:r>
+              <a:rPr lang="en-US" dirty="0">
+                <a:solidFill>
+                  <a:schemeClr val="tx1">
+                    <a:lumMod val="50000"/>
+                    <a:lumOff val="50000"/>
+                  </a:schemeClr>
+                </a:solidFill>
+                <a:latin typeface="Source Sans Pro" panose="020B0503030403020204" pitchFamily="34" charset="0"/>
+                <a:ea typeface="Source Sans Pro" panose="020B0503030403020204" pitchFamily="34" charset="0"/>
+              </a:rPr>
+              <a:t>in oil &amp; gas</a:t>
+            </a:r>
+          </a:p>
+        </p:txBody>
+      </p:sp>
+      <p:sp>
+        <p:nvSpPr>
+          <p:cNvPr id="40" name="TextBox 39">
+            <a:extLst>
+              <a:ext uri="{FF2B5EF4-FFF2-40B4-BE49-F238E27FC236}">
+                <a16:creationId xmlns:a16="http://schemas.microsoft.com/office/drawing/2014/main" id="{0D94B315-3210-4B02-BC99-D84C72891A18}"/>
+              </a:ext>
+            </a:extLst>
+          </p:cNvPr>
+          <p:cNvSpPr txBox="1"/>
+          <p:nvPr/>
+        </p:nvSpPr>
+        <p:spPr>
+          <a:xfrm>
+            <a:off x="2638419" y="3451387"/>
+            <a:ext cx="1773382" cy="646331"/>
+          </a:xfrm>
+          <a:prstGeom prst="rect">
+            <a:avLst/>
+          </a:prstGeom>
+          <a:noFill/>
+        </p:spPr>
+        <p:txBody>
+          <a:bodyPr wrap="square" rtlCol="0">
+            <a:spAutoFit/>
+          </a:bodyPr>
+          <a:lstStyle/>
+          <a:p>
+            <a:pPr algn="r"/>
+            <a:r>
+              <a:rPr lang="en-US" dirty="0">
+                <a:solidFill>
+                  <a:schemeClr val="tx1">
+                    <a:lumMod val="50000"/>
+                    <a:lumOff val="50000"/>
+                  </a:schemeClr>
+                </a:solidFill>
+                <a:latin typeface="Source Sans Pro" panose="020B0503030403020204" pitchFamily="34" charset="0"/>
+                <a:ea typeface="Source Sans Pro" panose="020B0503030403020204" pitchFamily="34" charset="0"/>
+              </a:rPr>
+              <a:t>M.S. in </a:t>
+            </a:r>
+          </a:p>
+          <a:p>
+            <a:pPr algn="r"/>
+            <a:r>
+              <a:rPr lang="en-US" dirty="0">
+                <a:solidFill>
+                  <a:schemeClr val="tx1">
+                    <a:lumMod val="50000"/>
+                    <a:lumOff val="50000"/>
+                  </a:schemeClr>
+                </a:solidFill>
+                <a:latin typeface="Source Sans Pro" panose="020B0503030403020204" pitchFamily="34" charset="0"/>
+                <a:ea typeface="Source Sans Pro" panose="020B0503030403020204" pitchFamily="34" charset="0"/>
+              </a:rPr>
+              <a:t>Hydrology</a:t>
+            </a:r>
+          </a:p>
+        </p:txBody>
+      </p:sp>
+      <p:sp>
+        <p:nvSpPr>
+          <p:cNvPr id="41" name="TextBox 40">
+            <a:extLst>
+              <a:ext uri="{FF2B5EF4-FFF2-40B4-BE49-F238E27FC236}">
+                <a16:creationId xmlns:a16="http://schemas.microsoft.com/office/drawing/2014/main" id="{F8E54FF0-49C7-4EEB-BC7B-447E55EE780C}"/>
+              </a:ext>
+            </a:extLst>
+          </p:cNvPr>
+          <p:cNvSpPr txBox="1"/>
+          <p:nvPr/>
+        </p:nvSpPr>
+        <p:spPr>
+          <a:xfrm>
+            <a:off x="4295394" y="2523290"/>
+            <a:ext cx="1920269" cy="646331"/>
+          </a:xfrm>
+          <a:prstGeom prst="rect">
+            <a:avLst/>
+          </a:prstGeom>
+          <a:noFill/>
+        </p:spPr>
+        <p:txBody>
+          <a:bodyPr wrap="square" rtlCol="0">
+            <a:spAutoFit/>
+          </a:bodyPr>
+          <a:lstStyle/>
+          <a:p>
+            <a:pPr algn="r"/>
+            <a:r>
+              <a:rPr lang="en-US" dirty="0">
+                <a:solidFill>
+                  <a:schemeClr val="tx1">
+                    <a:lumMod val="50000"/>
+                    <a:lumOff val="50000"/>
+                  </a:schemeClr>
+                </a:solidFill>
+                <a:latin typeface="Source Sans Pro" panose="020B0503030403020204" pitchFamily="34" charset="0"/>
+                <a:ea typeface="Source Sans Pro" panose="020B0503030403020204" pitchFamily="34" charset="0"/>
+              </a:rPr>
+              <a:t>Ph.D. in Forest </a:t>
+            </a:r>
+          </a:p>
+          <a:p>
+            <a:pPr algn="r"/>
+            <a:r>
+              <a:rPr lang="en-US" dirty="0">
+                <a:solidFill>
+                  <a:schemeClr val="tx1">
+                    <a:lumMod val="50000"/>
+                    <a:lumOff val="50000"/>
+                  </a:schemeClr>
+                </a:solidFill>
+                <a:latin typeface="Source Sans Pro" panose="020B0503030403020204" pitchFamily="34" charset="0"/>
+                <a:ea typeface="Source Sans Pro" panose="020B0503030403020204" pitchFamily="34" charset="0"/>
+              </a:rPr>
+              <a:t>Health Monitoring</a:t>
+            </a:r>
+          </a:p>
+        </p:txBody>
+      </p:sp>
+      <p:cxnSp>
+        <p:nvCxnSpPr>
+          <p:cNvPr id="42" name="Straight Connector 41">
+            <a:extLst>
+              <a:ext uri="{FF2B5EF4-FFF2-40B4-BE49-F238E27FC236}">
+                <a16:creationId xmlns:a16="http://schemas.microsoft.com/office/drawing/2014/main" id="{0A4C2C7A-FA5C-483F-A1BE-973A4754FF54}"/>
+              </a:ext>
+            </a:extLst>
+          </p:cNvPr>
+          <p:cNvCxnSpPr/>
+          <p:nvPr/>
+        </p:nvCxnSpPr>
+        <p:spPr>
+          <a:xfrm>
+            <a:off x="613410" y="1611940"/>
+            <a:ext cx="5486400" cy="0"/>
+          </a:xfrm>
+          <a:prstGeom prst="line">
+            <a:avLst/>
+          </a:prstGeom>
+          <a:ln w="38100">
+            <a:solidFill>
+              <a:schemeClr val="bg1"/>
+            </a:solidFill>
+          </a:ln>
+        </p:spPr>
+        <p:style>
+          <a:lnRef idx="1">
+            <a:schemeClr val="accent1"/>
+          </a:lnRef>
+          <a:fillRef idx="0">
+            <a:schemeClr val="accent1"/>
+          </a:fillRef>
+          <a:effectRef idx="0">
+            <a:schemeClr val="accent1"/>
+          </a:effectRef>
+          <a:fontRef idx="minor">
+            <a:schemeClr val="tx1"/>
+          </a:fontRef>
+        </p:style>
+      </p:cxnSp>
+      <p:cxnSp>
+        <p:nvCxnSpPr>
+          <p:cNvPr id="43" name="Straight Connector 42">
+            <a:extLst>
+              <a:ext uri="{FF2B5EF4-FFF2-40B4-BE49-F238E27FC236}">
+                <a16:creationId xmlns:a16="http://schemas.microsoft.com/office/drawing/2014/main" id="{95F7DD96-7271-4F45-AA2F-60181D74FF9E}"/>
+              </a:ext>
+            </a:extLst>
+          </p:cNvPr>
+          <p:cNvCxnSpPr/>
+          <p:nvPr/>
+        </p:nvCxnSpPr>
+        <p:spPr>
+          <a:xfrm>
+            <a:off x="661035" y="2608902"/>
+            <a:ext cx="0" cy="731520"/>
+          </a:xfrm>
+          <a:prstGeom prst="line">
+            <a:avLst/>
+          </a:prstGeom>
+          <a:ln w="38100">
+            <a:solidFill>
+              <a:schemeClr val="tx1">
+                <a:lumMod val="50000"/>
+                <a:lumOff val="50000"/>
+              </a:schemeClr>
+            </a:solidFill>
+            <a:headEnd type="triangle" w="lg" len="lg"/>
+          </a:ln>
+        </p:spPr>
+        <p:style>
+          <a:lnRef idx="1">
+            <a:schemeClr val="accent1"/>
+          </a:lnRef>
+          <a:fillRef idx="0">
+            <a:schemeClr val="accent1"/>
+          </a:fillRef>
+          <a:effectRef idx="0">
+            <a:schemeClr val="accent1"/>
+          </a:effectRef>
+          <a:fontRef idx="minor">
+            <a:schemeClr val="tx1"/>
+          </a:fontRef>
+        </p:style>
+      </p:cxnSp>
+      <p:sp>
+        <p:nvSpPr>
+          <p:cNvPr id="44" name="TextBox 43">
+            <a:extLst>
+              <a:ext uri="{FF2B5EF4-FFF2-40B4-BE49-F238E27FC236}">
+                <a16:creationId xmlns:a16="http://schemas.microsoft.com/office/drawing/2014/main" id="{27A13EC8-9555-4BB3-B64B-B87B4008261F}"/>
+              </a:ext>
+            </a:extLst>
+          </p:cNvPr>
+          <p:cNvSpPr txBox="1"/>
+          <p:nvPr/>
+        </p:nvSpPr>
+        <p:spPr>
+          <a:xfrm>
+            <a:off x="733743" y="2538336"/>
+            <a:ext cx="1773382" cy="646331"/>
+          </a:xfrm>
+          <a:prstGeom prst="rect">
+            <a:avLst/>
+          </a:prstGeom>
+          <a:noFill/>
+        </p:spPr>
+        <p:txBody>
+          <a:bodyPr wrap="square" rtlCol="0">
+            <a:spAutoFit/>
+          </a:bodyPr>
+          <a:lstStyle/>
+          <a:p>
+            <a:r>
+              <a:rPr lang="en-US" dirty="0">
+                <a:solidFill>
+                  <a:schemeClr val="tx1">
+                    <a:lumMod val="50000"/>
+                    <a:lumOff val="50000"/>
+                  </a:schemeClr>
+                </a:solidFill>
+                <a:latin typeface="Source Sans Pro" panose="020B0503030403020204" pitchFamily="34" charset="0"/>
+                <a:ea typeface="Source Sans Pro" panose="020B0503030403020204" pitchFamily="34" charset="0"/>
+              </a:rPr>
+              <a:t>Greater focus on sustainability</a:t>
+            </a:r>
+          </a:p>
+        </p:txBody>
+      </p:sp>
+      <p:cxnSp>
+        <p:nvCxnSpPr>
+          <p:cNvPr id="45" name="Straight Connector 44">
+            <a:extLst>
+              <a:ext uri="{FF2B5EF4-FFF2-40B4-BE49-F238E27FC236}">
+                <a16:creationId xmlns:a16="http://schemas.microsoft.com/office/drawing/2014/main" id="{948A953B-26AC-4B8E-843E-FA61055B37C1}"/>
+              </a:ext>
+            </a:extLst>
+          </p:cNvPr>
+          <p:cNvCxnSpPr/>
+          <p:nvPr/>
+        </p:nvCxnSpPr>
+        <p:spPr>
+          <a:xfrm>
+            <a:off x="5527125" y="1613776"/>
+            <a:ext cx="228600" cy="0"/>
+          </a:xfrm>
+          <a:prstGeom prst="line">
+            <a:avLst/>
+          </a:prstGeom>
+          <a:ln w="38100">
+            <a:solidFill>
+              <a:srgbClr val="F3509B"/>
+            </a:solidFill>
+            <a:headEnd type="oval" w="med" len="med"/>
+            <a:tailEnd type="oval" w="med" len="med"/>
+          </a:ln>
+        </p:spPr>
+        <p:style>
+          <a:lnRef idx="1">
+            <a:schemeClr val="accent1"/>
+          </a:lnRef>
+          <a:fillRef idx="0">
+            <a:schemeClr val="accent1"/>
+          </a:fillRef>
+          <a:effectRef idx="0">
+            <a:schemeClr val="accent1"/>
+          </a:effectRef>
+          <a:fontRef idx="minor">
+            <a:schemeClr val="tx1"/>
+          </a:fontRef>
+        </p:style>
+      </p:cxnSp>
+      <p:sp>
+        <p:nvSpPr>
+          <p:cNvPr id="46" name="TextBox 45">
+            <a:extLst>
+              <a:ext uri="{FF2B5EF4-FFF2-40B4-BE49-F238E27FC236}">
+                <a16:creationId xmlns:a16="http://schemas.microsoft.com/office/drawing/2014/main" id="{BAE48C3A-3178-45B0-9209-33AE826503AE}"/>
+              </a:ext>
+            </a:extLst>
+          </p:cNvPr>
+          <p:cNvSpPr txBox="1"/>
+          <p:nvPr/>
+        </p:nvSpPr>
+        <p:spPr>
+          <a:xfrm>
+            <a:off x="2263487" y="1620917"/>
+            <a:ext cx="3670091" cy="830997"/>
+          </a:xfrm>
+          <a:prstGeom prst="rect">
+            <a:avLst/>
+          </a:prstGeom>
+          <a:noFill/>
+        </p:spPr>
+        <p:txBody>
+          <a:bodyPr wrap="square" rtlCol="0">
+            <a:spAutoFit/>
+          </a:bodyPr>
+          <a:lstStyle/>
+          <a:p>
+            <a:pPr algn="r"/>
+            <a:r>
+              <a:rPr lang="en-US" sz="2400" dirty="0">
+                <a:solidFill>
+                  <a:srgbClr val="F3509B"/>
+                </a:solidFill>
+                <a:latin typeface="Source Sans Pro" panose="020B0503030403020204" pitchFamily="34" charset="0"/>
+                <a:ea typeface="Source Sans Pro" panose="020B0503030403020204" pitchFamily="34" charset="0"/>
+              </a:rPr>
+              <a:t>My next opportunity! Summer internship in 2021</a:t>
+            </a:r>
+          </a:p>
+        </p:txBody>
+      </p:sp>
+    </p:spTree>
+    <p:extLst>
+      <p:ext uri="{BB962C8B-B14F-4D97-AF65-F5344CB8AC3E}">
+        <p14:creationId xmlns:p14="http://schemas.microsoft.com/office/powerpoint/2010/main" val="1238301277"/>
+      </p:ext>
+    </p:extLst>
+  </p:cSld>
+  <p:clrMapOvr>
+    <a:masterClrMapping/>
+  </p:clrMapOvr>
+</p:sld>
+</file>
+
+<file path=ppt/slides/slide5.xml><?xml version="1.0" encoding="utf-8"?>
+<p:sld xmlns:a="http://schemas.openxmlformats.org/drawingml/2006/main" xmlns:r="http://schemas.openxmlformats.org/officeDocument/2006/relationships" xmlns:p="http://schemas.openxmlformats.org/presentationml/2006/main">
+  <p:cSld>
+    <p:spTree>
+      <p:nvGrpSpPr>
+        <p:cNvPr id="1" name=""/>
+        <p:cNvGrpSpPr/>
+        <p:nvPr/>
+      </p:nvGrpSpPr>
+      <p:grpSpPr>
+        <a:xfrm>
+          <a:off x="0" y="0"/>
+          <a:ext cx="0" cy="0"/>
+          <a:chOff x="0" y="0"/>
+          <a:chExt cx="0" cy="0"/>
+        </a:xfrm>
+      </p:grpSpPr>
+      <p:sp>
+        <p:nvSpPr>
+          <p:cNvPr id="8" name="Rectangle 7">
+            <a:extLst>
+              <a:ext uri="{FF2B5EF4-FFF2-40B4-BE49-F238E27FC236}">
+                <a16:creationId xmlns:a16="http://schemas.microsoft.com/office/drawing/2014/main" id="{36413D0F-6DC1-4952-9158-A3EA154CD823}"/>
+              </a:ext>
+            </a:extLst>
+          </p:cNvPr>
+          <p:cNvSpPr/>
+          <p:nvPr/>
+        </p:nvSpPr>
+        <p:spPr>
+          <a:xfrm>
+            <a:off x="361026" y="1377387"/>
+            <a:ext cx="5983893" cy="5157040"/>
+          </a:xfrm>
+          <a:prstGeom prst="rect">
+            <a:avLst/>
+          </a:prstGeom>
+          <a:solidFill>
+            <a:srgbClr val="D6E5EC"/>
+          </a:solidFill>
+          <a:ln>
+            <a:noFill/>
+          </a:ln>
+        </p:spPr>
+        <p:style>
+          <a:lnRef idx="2">
+            <a:schemeClr val="accent1">
+              <a:shade val="50000"/>
+            </a:schemeClr>
+          </a:lnRef>
+          <a:fillRef idx="1">
+            <a:schemeClr val="accent1"/>
+          </a:fillRef>
+          <a:effectRef idx="0">
+            <a:schemeClr val="accent1"/>
+          </a:effectRef>
+          <a:fontRef idx="minor">
+            <a:schemeClr val="lt1"/>
+          </a:fontRef>
+        </p:style>
+        <p:txBody>
+          <a:bodyPr rtlCol="0" anchor="ctr"/>
+          <a:lstStyle/>
+          <a:p>
+            <a:pPr algn="ctr"/>
+            <a:r>
+              <a:rPr lang="en-US" dirty="0"/>
+              <a:t>	</a:t>
+            </a:r>
+          </a:p>
+        </p:txBody>
+      </p:sp>
+      <p:cxnSp>
+        <p:nvCxnSpPr>
+          <p:cNvPr id="10" name="Straight Connector 9">
+            <a:extLst>
+              <a:ext uri="{FF2B5EF4-FFF2-40B4-BE49-F238E27FC236}">
+                <a16:creationId xmlns:a16="http://schemas.microsoft.com/office/drawing/2014/main" id="{B4703372-8057-43C3-89B3-B6CBE97C4463}"/>
+              </a:ext>
+            </a:extLst>
+          </p:cNvPr>
+          <p:cNvCxnSpPr/>
+          <p:nvPr/>
+        </p:nvCxnSpPr>
+        <p:spPr>
+          <a:xfrm>
+            <a:off x="613410" y="5264947"/>
+            <a:ext cx="5486400" cy="0"/>
+          </a:xfrm>
+          <a:prstGeom prst="line">
+            <a:avLst/>
+          </a:prstGeom>
+          <a:ln w="38100">
+            <a:solidFill>
+              <a:schemeClr val="bg1"/>
+            </a:solidFill>
+          </a:ln>
+        </p:spPr>
+        <p:style>
+          <a:lnRef idx="1">
+            <a:schemeClr val="accent1"/>
+          </a:lnRef>
+          <a:fillRef idx="0">
+            <a:schemeClr val="accent1"/>
+          </a:fillRef>
+          <a:effectRef idx="0">
+            <a:schemeClr val="accent1"/>
+          </a:effectRef>
+          <a:fontRef idx="minor">
+            <a:schemeClr val="tx1"/>
+          </a:fontRef>
+        </p:style>
+      </p:cxnSp>
+      <p:cxnSp>
+        <p:nvCxnSpPr>
+          <p:cNvPr id="11" name="Straight Connector 10">
+            <a:extLst>
+              <a:ext uri="{FF2B5EF4-FFF2-40B4-BE49-F238E27FC236}">
+                <a16:creationId xmlns:a16="http://schemas.microsoft.com/office/drawing/2014/main" id="{40FE9042-3420-48CA-A188-4F461FC5DAD4}"/>
+              </a:ext>
+            </a:extLst>
+          </p:cNvPr>
+          <p:cNvCxnSpPr/>
+          <p:nvPr/>
+        </p:nvCxnSpPr>
+        <p:spPr>
+          <a:xfrm>
+            <a:off x="623570" y="2516815"/>
+            <a:ext cx="5486400" cy="0"/>
+          </a:xfrm>
+          <a:prstGeom prst="line">
+            <a:avLst/>
+          </a:prstGeom>
+          <a:ln w="38100">
+            <a:solidFill>
+              <a:schemeClr val="bg1"/>
+            </a:solidFill>
+          </a:ln>
+        </p:spPr>
+        <p:style>
+          <a:lnRef idx="1">
+            <a:schemeClr val="accent1"/>
+          </a:lnRef>
+          <a:fillRef idx="0">
+            <a:schemeClr val="accent1"/>
+          </a:fillRef>
+          <a:effectRef idx="0">
+            <a:schemeClr val="accent1"/>
+          </a:effectRef>
+          <a:fontRef idx="minor">
+            <a:schemeClr val="tx1"/>
+          </a:fontRef>
+        </p:style>
+      </p:cxnSp>
+      <p:cxnSp>
+        <p:nvCxnSpPr>
+          <p:cNvPr id="12" name="Straight Connector 11">
+            <a:extLst>
+              <a:ext uri="{FF2B5EF4-FFF2-40B4-BE49-F238E27FC236}">
+                <a16:creationId xmlns:a16="http://schemas.microsoft.com/office/drawing/2014/main" id="{2156C440-9B2F-49FF-AFE0-6FC84AFB8D76}"/>
+              </a:ext>
+            </a:extLst>
+          </p:cNvPr>
+          <p:cNvCxnSpPr/>
+          <p:nvPr/>
+        </p:nvCxnSpPr>
+        <p:spPr>
+          <a:xfrm>
+            <a:off x="613410" y="3437577"/>
+            <a:ext cx="5486400" cy="0"/>
+          </a:xfrm>
+          <a:prstGeom prst="line">
+            <a:avLst/>
+          </a:prstGeom>
+          <a:ln w="38100">
+            <a:solidFill>
+              <a:schemeClr val="bg1"/>
+            </a:solidFill>
+          </a:ln>
+        </p:spPr>
+        <p:style>
+          <a:lnRef idx="1">
+            <a:schemeClr val="accent1"/>
+          </a:lnRef>
+          <a:fillRef idx="0">
+            <a:schemeClr val="accent1"/>
+          </a:fillRef>
+          <a:effectRef idx="0">
+            <a:schemeClr val="accent1"/>
+          </a:effectRef>
+          <a:fontRef idx="minor">
+            <a:schemeClr val="tx1"/>
+          </a:fontRef>
+        </p:style>
+      </p:cxnSp>
+      <p:cxnSp>
+        <p:nvCxnSpPr>
+          <p:cNvPr id="13" name="Straight Connector 12">
+            <a:extLst>
+              <a:ext uri="{FF2B5EF4-FFF2-40B4-BE49-F238E27FC236}">
+                <a16:creationId xmlns:a16="http://schemas.microsoft.com/office/drawing/2014/main" id="{0B7144C6-9C65-4BE6-AFCD-6080448734C8}"/>
+              </a:ext>
+            </a:extLst>
+          </p:cNvPr>
+          <p:cNvCxnSpPr/>
+          <p:nvPr/>
+        </p:nvCxnSpPr>
+        <p:spPr>
+          <a:xfrm>
+            <a:off x="613410" y="4370867"/>
+            <a:ext cx="5486400" cy="0"/>
+          </a:xfrm>
+          <a:prstGeom prst="line">
+            <a:avLst/>
+          </a:prstGeom>
+          <a:ln w="38100">
+            <a:solidFill>
+              <a:schemeClr val="bg1"/>
+            </a:solidFill>
+          </a:ln>
+        </p:spPr>
+        <p:style>
+          <a:lnRef idx="1">
+            <a:schemeClr val="accent1"/>
+          </a:lnRef>
+          <a:fillRef idx="0">
+            <a:schemeClr val="accent1"/>
+          </a:fillRef>
+          <a:effectRef idx="0">
+            <a:schemeClr val="accent1"/>
+          </a:effectRef>
+          <a:fontRef idx="minor">
+            <a:schemeClr val="tx1"/>
+          </a:fontRef>
+        </p:style>
+      </p:cxnSp>
+      <p:cxnSp>
+        <p:nvCxnSpPr>
+          <p:cNvPr id="14" name="Straight Connector 13">
+            <a:extLst>
+              <a:ext uri="{FF2B5EF4-FFF2-40B4-BE49-F238E27FC236}">
+                <a16:creationId xmlns:a16="http://schemas.microsoft.com/office/drawing/2014/main" id="{DA9F57B5-4B3B-4C43-A4A0-E4D43F6A27B8}"/>
+              </a:ext>
+            </a:extLst>
+          </p:cNvPr>
+          <p:cNvCxnSpPr/>
+          <p:nvPr/>
+        </p:nvCxnSpPr>
+        <p:spPr>
+          <a:xfrm>
+            <a:off x="594360" y="6189507"/>
+            <a:ext cx="5504688" cy="0"/>
+          </a:xfrm>
+          <a:prstGeom prst="line">
+            <a:avLst/>
+          </a:prstGeom>
+          <a:ln w="38100">
+            <a:solidFill>
+              <a:schemeClr val="tx1">
+                <a:lumMod val="50000"/>
+                <a:lumOff val="50000"/>
+              </a:schemeClr>
+            </a:solidFill>
+          </a:ln>
+        </p:spPr>
+        <p:style>
+          <a:lnRef idx="1">
+            <a:schemeClr val="accent1"/>
+          </a:lnRef>
+          <a:fillRef idx="0">
+            <a:schemeClr val="accent1"/>
+          </a:fillRef>
+          <a:effectRef idx="0">
+            <a:schemeClr val="accent1"/>
+          </a:effectRef>
+          <a:fontRef idx="minor">
+            <a:schemeClr val="tx1"/>
+          </a:fontRef>
+        </p:style>
+      </p:cxnSp>
+      <p:cxnSp>
+        <p:nvCxnSpPr>
+          <p:cNvPr id="15" name="Straight Connector 14">
+            <a:extLst>
+              <a:ext uri="{FF2B5EF4-FFF2-40B4-BE49-F238E27FC236}">
+                <a16:creationId xmlns:a16="http://schemas.microsoft.com/office/drawing/2014/main" id="{58E55722-0BE7-4FDF-B5E8-01D55A0614B1}"/>
+              </a:ext>
+            </a:extLst>
+          </p:cNvPr>
+          <p:cNvCxnSpPr>
+            <a:cxnSpLocks/>
+          </p:cNvCxnSpPr>
+          <p:nvPr/>
+        </p:nvCxnSpPr>
+        <p:spPr>
+          <a:xfrm flipV="1">
+            <a:off x="613410" y="6014087"/>
+            <a:ext cx="0" cy="189390"/>
+          </a:xfrm>
+          <a:prstGeom prst="line">
+            <a:avLst/>
+          </a:prstGeom>
+          <a:ln w="38100">
+            <a:solidFill>
+              <a:schemeClr val="tx1">
+                <a:lumMod val="50000"/>
+                <a:lumOff val="50000"/>
+              </a:schemeClr>
+            </a:solidFill>
+          </a:ln>
+        </p:spPr>
+        <p:style>
+          <a:lnRef idx="1">
+            <a:schemeClr val="accent1"/>
+          </a:lnRef>
+          <a:fillRef idx="0">
+            <a:schemeClr val="accent1"/>
+          </a:fillRef>
+          <a:effectRef idx="0">
+            <a:schemeClr val="accent1"/>
+          </a:effectRef>
+          <a:fontRef idx="minor">
+            <a:schemeClr val="tx1"/>
+          </a:fontRef>
+        </p:style>
+      </p:cxnSp>
+      <p:cxnSp>
+        <p:nvCxnSpPr>
+          <p:cNvPr id="18" name="Straight Connector 17">
+            <a:extLst>
+              <a:ext uri="{FF2B5EF4-FFF2-40B4-BE49-F238E27FC236}">
+                <a16:creationId xmlns:a16="http://schemas.microsoft.com/office/drawing/2014/main" id="{C39BC865-E459-411F-92F0-074B4E758BD1}"/>
+              </a:ext>
+            </a:extLst>
+          </p:cNvPr>
+          <p:cNvCxnSpPr>
+            <a:cxnSpLocks/>
+          </p:cNvCxnSpPr>
+          <p:nvPr/>
+        </p:nvCxnSpPr>
+        <p:spPr>
+          <a:xfrm flipV="1">
+            <a:off x="1524000" y="6015357"/>
+            <a:ext cx="0" cy="189390"/>
+          </a:xfrm>
+          <a:prstGeom prst="line">
+            <a:avLst/>
+          </a:prstGeom>
+          <a:ln w="38100">
+            <a:solidFill>
+              <a:schemeClr val="tx1">
+                <a:lumMod val="50000"/>
+                <a:lumOff val="50000"/>
+              </a:schemeClr>
+            </a:solidFill>
+          </a:ln>
+        </p:spPr>
+        <p:style>
+          <a:lnRef idx="1">
+            <a:schemeClr val="accent1"/>
+          </a:lnRef>
+          <a:fillRef idx="0">
+            <a:schemeClr val="accent1"/>
+          </a:fillRef>
+          <a:effectRef idx="0">
+            <a:schemeClr val="accent1"/>
+          </a:effectRef>
+          <a:fontRef idx="minor">
+            <a:schemeClr val="tx1"/>
+          </a:fontRef>
+        </p:style>
+      </p:cxnSp>
+      <p:cxnSp>
+        <p:nvCxnSpPr>
+          <p:cNvPr id="19" name="Straight Connector 18">
+            <a:extLst>
+              <a:ext uri="{FF2B5EF4-FFF2-40B4-BE49-F238E27FC236}">
+                <a16:creationId xmlns:a16="http://schemas.microsoft.com/office/drawing/2014/main" id="{4A4194B2-843C-4AE9-9F18-C4160E0A3DEF}"/>
+              </a:ext>
+            </a:extLst>
+          </p:cNvPr>
+          <p:cNvCxnSpPr>
+            <a:cxnSpLocks/>
+          </p:cNvCxnSpPr>
+          <p:nvPr/>
+        </p:nvCxnSpPr>
+        <p:spPr>
+          <a:xfrm flipV="1">
+            <a:off x="2439670" y="6019167"/>
+            <a:ext cx="0" cy="189390"/>
+          </a:xfrm>
+          <a:prstGeom prst="line">
+            <a:avLst/>
+          </a:prstGeom>
+          <a:ln w="38100">
+            <a:solidFill>
+              <a:schemeClr val="tx1">
+                <a:lumMod val="50000"/>
+                <a:lumOff val="50000"/>
+              </a:schemeClr>
+            </a:solidFill>
+          </a:ln>
+        </p:spPr>
+        <p:style>
+          <a:lnRef idx="1">
+            <a:schemeClr val="accent1"/>
+          </a:lnRef>
+          <a:fillRef idx="0">
+            <a:schemeClr val="accent1"/>
+          </a:fillRef>
+          <a:effectRef idx="0">
+            <a:schemeClr val="accent1"/>
+          </a:effectRef>
+          <a:fontRef idx="minor">
+            <a:schemeClr val="tx1"/>
+          </a:fontRef>
+        </p:style>
+      </p:cxnSp>
+      <p:cxnSp>
+        <p:nvCxnSpPr>
+          <p:cNvPr id="21" name="Straight Connector 20">
+            <a:extLst>
+              <a:ext uri="{FF2B5EF4-FFF2-40B4-BE49-F238E27FC236}">
+                <a16:creationId xmlns:a16="http://schemas.microsoft.com/office/drawing/2014/main" id="{8652A2AF-5E32-469D-9F28-23488C92BB24}"/>
+              </a:ext>
+            </a:extLst>
+          </p:cNvPr>
+          <p:cNvCxnSpPr>
+            <a:cxnSpLocks/>
+          </p:cNvCxnSpPr>
+          <p:nvPr/>
+        </p:nvCxnSpPr>
+        <p:spPr>
+          <a:xfrm flipV="1">
+            <a:off x="3354324" y="6010658"/>
+            <a:ext cx="0" cy="189390"/>
+          </a:xfrm>
+          <a:prstGeom prst="line">
+            <a:avLst/>
+          </a:prstGeom>
+          <a:ln w="38100">
+            <a:solidFill>
+              <a:schemeClr val="tx1">
+                <a:lumMod val="50000"/>
+                <a:lumOff val="50000"/>
+              </a:schemeClr>
+            </a:solidFill>
+          </a:ln>
+        </p:spPr>
+        <p:style>
+          <a:lnRef idx="1">
+            <a:schemeClr val="accent1"/>
+          </a:lnRef>
+          <a:fillRef idx="0">
+            <a:schemeClr val="accent1"/>
+          </a:fillRef>
+          <a:effectRef idx="0">
+            <a:schemeClr val="accent1"/>
+          </a:effectRef>
+          <a:fontRef idx="minor">
+            <a:schemeClr val="tx1"/>
+          </a:fontRef>
+        </p:style>
+      </p:cxnSp>
+      <p:cxnSp>
+        <p:nvCxnSpPr>
+          <p:cNvPr id="22" name="Straight Connector 21">
+            <a:extLst>
+              <a:ext uri="{FF2B5EF4-FFF2-40B4-BE49-F238E27FC236}">
+                <a16:creationId xmlns:a16="http://schemas.microsoft.com/office/drawing/2014/main" id="{D24210DF-A34E-42B0-A1FA-C44196C0CD1F}"/>
+              </a:ext>
+            </a:extLst>
+          </p:cNvPr>
+          <p:cNvCxnSpPr>
+            <a:cxnSpLocks/>
+          </p:cNvCxnSpPr>
+          <p:nvPr/>
+        </p:nvCxnSpPr>
+        <p:spPr>
+          <a:xfrm flipV="1">
+            <a:off x="4264914" y="6015738"/>
+            <a:ext cx="0" cy="189390"/>
+          </a:xfrm>
+          <a:prstGeom prst="line">
+            <a:avLst/>
+          </a:prstGeom>
+          <a:ln w="38100">
+            <a:solidFill>
+              <a:schemeClr val="tx1">
+                <a:lumMod val="50000"/>
+                <a:lumOff val="50000"/>
+              </a:schemeClr>
+            </a:solidFill>
+          </a:ln>
+        </p:spPr>
+        <p:style>
+          <a:lnRef idx="1">
+            <a:schemeClr val="accent1"/>
+          </a:lnRef>
+          <a:fillRef idx="0">
+            <a:schemeClr val="accent1"/>
+          </a:fillRef>
+          <a:effectRef idx="0">
+            <a:schemeClr val="accent1"/>
+          </a:effectRef>
+          <a:fontRef idx="minor">
+            <a:schemeClr val="tx1"/>
+          </a:fontRef>
+        </p:style>
+      </p:cxnSp>
+      <p:cxnSp>
+        <p:nvCxnSpPr>
+          <p:cNvPr id="23" name="Straight Connector 22">
+            <a:extLst>
+              <a:ext uri="{FF2B5EF4-FFF2-40B4-BE49-F238E27FC236}">
+                <a16:creationId xmlns:a16="http://schemas.microsoft.com/office/drawing/2014/main" id="{85C9D868-A80C-46DD-9007-6A4E3CF56AD6}"/>
+              </a:ext>
+            </a:extLst>
+          </p:cNvPr>
+          <p:cNvCxnSpPr>
+            <a:cxnSpLocks/>
+          </p:cNvCxnSpPr>
+          <p:nvPr/>
+        </p:nvCxnSpPr>
+        <p:spPr>
+          <a:xfrm flipV="1">
+            <a:off x="5180584" y="6015738"/>
+            <a:ext cx="0" cy="189390"/>
+          </a:xfrm>
+          <a:prstGeom prst="line">
+            <a:avLst/>
+          </a:prstGeom>
+          <a:ln w="38100">
+            <a:solidFill>
+              <a:schemeClr val="tx1">
+                <a:lumMod val="50000"/>
+                <a:lumOff val="50000"/>
+              </a:schemeClr>
+            </a:solidFill>
+          </a:ln>
+        </p:spPr>
+        <p:style>
+          <a:lnRef idx="1">
+            <a:schemeClr val="accent1"/>
+          </a:lnRef>
+          <a:fillRef idx="0">
+            <a:schemeClr val="accent1"/>
+          </a:fillRef>
+          <a:effectRef idx="0">
+            <a:schemeClr val="accent1"/>
+          </a:effectRef>
+          <a:fontRef idx="minor">
+            <a:schemeClr val="tx1"/>
+          </a:fontRef>
+        </p:style>
+      </p:cxnSp>
+      <p:sp>
+        <p:nvSpPr>
+          <p:cNvPr id="24" name="TextBox 23">
+            <a:extLst>
+              <a:ext uri="{FF2B5EF4-FFF2-40B4-BE49-F238E27FC236}">
+                <a16:creationId xmlns:a16="http://schemas.microsoft.com/office/drawing/2014/main" id="{3B5D9F75-5A0B-4272-B0BB-A9AFB7C02D9F}"/>
+              </a:ext>
+            </a:extLst>
+          </p:cNvPr>
+          <p:cNvSpPr txBox="1"/>
+          <p:nvPr/>
+        </p:nvSpPr>
+        <p:spPr>
+          <a:xfrm>
+            <a:off x="490105" y="6165098"/>
+            <a:ext cx="1773382" cy="369332"/>
+          </a:xfrm>
+          <a:prstGeom prst="rect">
+            <a:avLst/>
+          </a:prstGeom>
+          <a:noFill/>
+        </p:spPr>
+        <p:txBody>
+          <a:bodyPr wrap="square" rtlCol="0">
+            <a:spAutoFit/>
+          </a:bodyPr>
+          <a:lstStyle/>
+          <a:p>
+            <a:r>
+              <a:rPr lang="en-US" dirty="0">
+                <a:solidFill>
+                  <a:schemeClr val="tx1">
+                    <a:lumMod val="50000"/>
+                    <a:lumOff val="50000"/>
+                  </a:schemeClr>
+                </a:solidFill>
+                <a:latin typeface="Source Sans Pro" panose="020B0503030403020204" pitchFamily="34" charset="0"/>
+                <a:ea typeface="Source Sans Pro" panose="020B0503030403020204" pitchFamily="34" charset="0"/>
+              </a:rPr>
+              <a:t>2010</a:t>
+            </a:r>
+          </a:p>
+        </p:txBody>
+      </p:sp>
+      <p:sp>
+        <p:nvSpPr>
+          <p:cNvPr id="25" name="TextBox 24">
+            <a:extLst>
+              <a:ext uri="{FF2B5EF4-FFF2-40B4-BE49-F238E27FC236}">
+                <a16:creationId xmlns:a16="http://schemas.microsoft.com/office/drawing/2014/main" id="{84E500EC-CD76-41A8-AB3C-641C0EA117DD}"/>
+              </a:ext>
+            </a:extLst>
+          </p:cNvPr>
+          <p:cNvSpPr txBox="1"/>
+          <p:nvPr/>
+        </p:nvSpPr>
+        <p:spPr>
+          <a:xfrm>
+            <a:off x="1311473" y="6165098"/>
+            <a:ext cx="423977" cy="369332"/>
+          </a:xfrm>
+          <a:prstGeom prst="rect">
+            <a:avLst/>
+          </a:prstGeom>
+          <a:noFill/>
+        </p:spPr>
+        <p:txBody>
+          <a:bodyPr wrap="square" rtlCol="0">
+            <a:spAutoFit/>
+          </a:bodyPr>
+          <a:lstStyle/>
+          <a:p>
+            <a:r>
+              <a:rPr lang="en-US" dirty="0">
+                <a:solidFill>
+                  <a:schemeClr val="tx1">
+                    <a:lumMod val="50000"/>
+                    <a:lumOff val="50000"/>
+                  </a:schemeClr>
+                </a:solidFill>
+                <a:latin typeface="Source Sans Pro" panose="020B0503030403020204" pitchFamily="34" charset="0"/>
+                <a:ea typeface="Source Sans Pro" panose="020B0503030403020204" pitchFamily="34" charset="0"/>
+              </a:rPr>
+              <a:t>12</a:t>
+            </a:r>
+          </a:p>
+        </p:txBody>
+      </p:sp>
+      <p:sp>
+        <p:nvSpPr>
+          <p:cNvPr id="26" name="TextBox 25">
+            <a:extLst>
+              <a:ext uri="{FF2B5EF4-FFF2-40B4-BE49-F238E27FC236}">
+                <a16:creationId xmlns:a16="http://schemas.microsoft.com/office/drawing/2014/main" id="{4B2B25AD-E411-482C-9F0D-2D2C81918244}"/>
+              </a:ext>
+            </a:extLst>
+          </p:cNvPr>
+          <p:cNvSpPr txBox="1"/>
+          <p:nvPr/>
+        </p:nvSpPr>
+        <p:spPr>
+          <a:xfrm>
+            <a:off x="2222062" y="6165098"/>
+            <a:ext cx="423977" cy="369332"/>
+          </a:xfrm>
+          <a:prstGeom prst="rect">
+            <a:avLst/>
+          </a:prstGeom>
+          <a:noFill/>
+        </p:spPr>
+        <p:txBody>
+          <a:bodyPr wrap="square" rtlCol="0">
+            <a:spAutoFit/>
+          </a:bodyPr>
+          <a:lstStyle/>
+          <a:p>
+            <a:r>
+              <a:rPr lang="en-US" dirty="0">
+                <a:solidFill>
+                  <a:schemeClr val="tx1">
+                    <a:lumMod val="50000"/>
+                    <a:lumOff val="50000"/>
+                  </a:schemeClr>
+                </a:solidFill>
+                <a:latin typeface="Source Sans Pro" panose="020B0503030403020204" pitchFamily="34" charset="0"/>
+                <a:ea typeface="Source Sans Pro" panose="020B0503030403020204" pitchFamily="34" charset="0"/>
+              </a:rPr>
+              <a:t>14</a:t>
+            </a:r>
+          </a:p>
+        </p:txBody>
+      </p:sp>
+      <p:sp>
+        <p:nvSpPr>
+          <p:cNvPr id="27" name="TextBox 26">
+            <a:extLst>
+              <a:ext uri="{FF2B5EF4-FFF2-40B4-BE49-F238E27FC236}">
+                <a16:creationId xmlns:a16="http://schemas.microsoft.com/office/drawing/2014/main" id="{CFD4DBAD-1EED-4826-9372-38D4EF2F59FE}"/>
+              </a:ext>
+            </a:extLst>
+          </p:cNvPr>
+          <p:cNvSpPr txBox="1"/>
+          <p:nvPr/>
+        </p:nvSpPr>
+        <p:spPr>
+          <a:xfrm>
+            <a:off x="3148341" y="6165098"/>
+            <a:ext cx="423977" cy="369332"/>
+          </a:xfrm>
+          <a:prstGeom prst="rect">
+            <a:avLst/>
+          </a:prstGeom>
+          <a:noFill/>
+        </p:spPr>
+        <p:txBody>
+          <a:bodyPr wrap="square" rtlCol="0">
+            <a:spAutoFit/>
+          </a:bodyPr>
+          <a:lstStyle/>
+          <a:p>
+            <a:r>
+              <a:rPr lang="en-US" dirty="0">
+                <a:solidFill>
+                  <a:schemeClr val="tx1">
+                    <a:lumMod val="50000"/>
+                    <a:lumOff val="50000"/>
+                  </a:schemeClr>
+                </a:solidFill>
+                <a:latin typeface="Source Sans Pro" panose="020B0503030403020204" pitchFamily="34" charset="0"/>
+                <a:ea typeface="Source Sans Pro" panose="020B0503030403020204" pitchFamily="34" charset="0"/>
+              </a:rPr>
+              <a:t>16</a:t>
+            </a:r>
+          </a:p>
+        </p:txBody>
+      </p:sp>
+      <p:sp>
+        <p:nvSpPr>
+          <p:cNvPr id="28" name="TextBox 27">
+            <a:extLst>
+              <a:ext uri="{FF2B5EF4-FFF2-40B4-BE49-F238E27FC236}">
+                <a16:creationId xmlns:a16="http://schemas.microsoft.com/office/drawing/2014/main" id="{513E6611-0EED-4F13-AB94-0B15EBAE5C54}"/>
+              </a:ext>
+            </a:extLst>
+          </p:cNvPr>
+          <p:cNvSpPr txBox="1"/>
+          <p:nvPr/>
+        </p:nvSpPr>
+        <p:spPr>
+          <a:xfrm>
+            <a:off x="4052385" y="6167897"/>
+            <a:ext cx="423977" cy="369332"/>
+          </a:xfrm>
+          <a:prstGeom prst="rect">
+            <a:avLst/>
+          </a:prstGeom>
+          <a:noFill/>
+        </p:spPr>
+        <p:txBody>
+          <a:bodyPr wrap="square" rtlCol="0">
+            <a:spAutoFit/>
+          </a:bodyPr>
+          <a:lstStyle/>
+          <a:p>
+            <a:r>
+              <a:rPr lang="en-US" dirty="0">
+                <a:solidFill>
+                  <a:schemeClr val="tx1">
+                    <a:lumMod val="50000"/>
+                    <a:lumOff val="50000"/>
+                  </a:schemeClr>
+                </a:solidFill>
+                <a:latin typeface="Source Sans Pro" panose="020B0503030403020204" pitchFamily="34" charset="0"/>
+                <a:ea typeface="Source Sans Pro" panose="020B0503030403020204" pitchFamily="34" charset="0"/>
+              </a:rPr>
+              <a:t>18</a:t>
+            </a:r>
+          </a:p>
+        </p:txBody>
+      </p:sp>
+      <p:sp>
+        <p:nvSpPr>
+          <p:cNvPr id="29" name="TextBox 28">
+            <a:extLst>
+              <a:ext uri="{FF2B5EF4-FFF2-40B4-BE49-F238E27FC236}">
+                <a16:creationId xmlns:a16="http://schemas.microsoft.com/office/drawing/2014/main" id="{F6F40F13-0820-464C-A5D2-3277CBEAB007}"/>
+              </a:ext>
+            </a:extLst>
+          </p:cNvPr>
+          <p:cNvSpPr txBox="1"/>
+          <p:nvPr/>
+        </p:nvSpPr>
+        <p:spPr>
+          <a:xfrm>
+            <a:off x="4955193" y="6165098"/>
+            <a:ext cx="423977" cy="369332"/>
+          </a:xfrm>
+          <a:prstGeom prst="rect">
+            <a:avLst/>
+          </a:prstGeom>
+          <a:noFill/>
+        </p:spPr>
+        <p:txBody>
+          <a:bodyPr wrap="square" rtlCol="0">
+            <a:spAutoFit/>
+          </a:bodyPr>
+          <a:lstStyle/>
+          <a:p>
+            <a:r>
+              <a:rPr lang="en-US" dirty="0">
+                <a:solidFill>
+                  <a:schemeClr val="tx1">
+                    <a:lumMod val="50000"/>
+                    <a:lumOff val="50000"/>
+                  </a:schemeClr>
+                </a:solidFill>
+                <a:latin typeface="Source Sans Pro" panose="020B0503030403020204" pitchFamily="34" charset="0"/>
+                <a:ea typeface="Source Sans Pro" panose="020B0503030403020204" pitchFamily="34" charset="0"/>
+              </a:rPr>
+              <a:t>20</a:t>
+            </a:r>
+          </a:p>
+        </p:txBody>
+      </p:sp>
+      <p:sp>
+        <p:nvSpPr>
+          <p:cNvPr id="30" name="TextBox 29">
+            <a:extLst>
+              <a:ext uri="{FF2B5EF4-FFF2-40B4-BE49-F238E27FC236}">
+                <a16:creationId xmlns:a16="http://schemas.microsoft.com/office/drawing/2014/main" id="{F444B6D5-7B4D-4B21-B33C-60E30D88A7DB}"/>
+              </a:ext>
+            </a:extLst>
+          </p:cNvPr>
+          <p:cNvSpPr txBox="1"/>
+          <p:nvPr/>
+        </p:nvSpPr>
+        <p:spPr>
+          <a:xfrm>
+            <a:off x="5898182" y="6165098"/>
+            <a:ext cx="423978" cy="369332"/>
+          </a:xfrm>
+          <a:prstGeom prst="rect">
+            <a:avLst/>
+          </a:prstGeom>
+          <a:noFill/>
+        </p:spPr>
+        <p:txBody>
+          <a:bodyPr wrap="square" rtlCol="0">
+            <a:spAutoFit/>
+          </a:bodyPr>
+          <a:lstStyle/>
+          <a:p>
+            <a:r>
+              <a:rPr lang="en-US" dirty="0">
+                <a:solidFill>
+                  <a:schemeClr val="tx1">
+                    <a:lumMod val="50000"/>
+                    <a:lumOff val="50000"/>
+                  </a:schemeClr>
+                </a:solidFill>
+                <a:latin typeface="Source Sans Pro" panose="020B0503030403020204" pitchFamily="34" charset="0"/>
+                <a:ea typeface="Source Sans Pro" panose="020B0503030403020204" pitchFamily="34" charset="0"/>
+              </a:rPr>
+              <a:t>22</a:t>
+            </a:r>
+          </a:p>
+        </p:txBody>
+      </p:sp>
+      <p:cxnSp>
+        <p:nvCxnSpPr>
+          <p:cNvPr id="31" name="Straight Connector 30">
+            <a:extLst>
+              <a:ext uri="{FF2B5EF4-FFF2-40B4-BE49-F238E27FC236}">
+                <a16:creationId xmlns:a16="http://schemas.microsoft.com/office/drawing/2014/main" id="{DAB52994-8B05-4E0F-8C56-ADF33C4C7483}"/>
+              </a:ext>
+            </a:extLst>
+          </p:cNvPr>
+          <p:cNvCxnSpPr>
+            <a:cxnSpLocks/>
+          </p:cNvCxnSpPr>
+          <p:nvPr/>
+        </p:nvCxnSpPr>
+        <p:spPr>
+          <a:xfrm flipV="1">
+            <a:off x="6094984" y="6016627"/>
+            <a:ext cx="0" cy="189390"/>
+          </a:xfrm>
+          <a:prstGeom prst="line">
+            <a:avLst/>
+          </a:prstGeom>
+          <a:ln w="38100">
+            <a:solidFill>
+              <a:schemeClr val="tx1">
+                <a:lumMod val="50000"/>
+                <a:lumOff val="50000"/>
+              </a:schemeClr>
+            </a:solidFill>
+          </a:ln>
+        </p:spPr>
+        <p:style>
+          <a:lnRef idx="1">
+            <a:schemeClr val="accent1"/>
+          </a:lnRef>
+          <a:fillRef idx="0">
+            <a:schemeClr val="accent1"/>
+          </a:fillRef>
+          <a:effectRef idx="0">
+            <a:schemeClr val="accent1"/>
+          </a:effectRef>
+          <a:fontRef idx="minor">
+            <a:schemeClr val="tx1"/>
+          </a:fontRef>
+        </p:style>
+      </p:cxnSp>
+      <p:cxnSp>
+        <p:nvCxnSpPr>
+          <p:cNvPr id="32" name="Straight Connector 31">
+            <a:extLst>
+              <a:ext uri="{FF2B5EF4-FFF2-40B4-BE49-F238E27FC236}">
+                <a16:creationId xmlns:a16="http://schemas.microsoft.com/office/drawing/2014/main" id="{E7D83356-448F-4917-BAB0-2F5B53EEEEF3}"/>
+              </a:ext>
+            </a:extLst>
+          </p:cNvPr>
+          <p:cNvCxnSpPr/>
+          <p:nvPr/>
+        </p:nvCxnSpPr>
+        <p:spPr>
+          <a:xfrm>
+            <a:off x="616148" y="4370867"/>
+            <a:ext cx="1828800" cy="0"/>
+          </a:xfrm>
+          <a:prstGeom prst="line">
+            <a:avLst/>
+          </a:prstGeom>
+          <a:ln w="38100">
+            <a:solidFill>
+              <a:srgbClr val="F3509B"/>
+            </a:solidFill>
+            <a:headEnd type="oval" w="med" len="med"/>
+            <a:tailEnd type="oval" w="med" len="med"/>
+          </a:ln>
+        </p:spPr>
+        <p:style>
+          <a:lnRef idx="1">
+            <a:schemeClr val="accent1"/>
+          </a:lnRef>
+          <a:fillRef idx="0">
+            <a:schemeClr val="accent1"/>
+          </a:fillRef>
+          <a:effectRef idx="0">
+            <a:schemeClr val="accent1"/>
+          </a:effectRef>
+          <a:fontRef idx="minor">
+            <a:schemeClr val="tx1"/>
+          </a:fontRef>
+        </p:style>
+      </p:cxnSp>
+      <p:cxnSp>
+        <p:nvCxnSpPr>
+          <p:cNvPr id="33" name="Straight Connector 32">
+            <a:extLst>
+              <a:ext uri="{FF2B5EF4-FFF2-40B4-BE49-F238E27FC236}">
+                <a16:creationId xmlns:a16="http://schemas.microsoft.com/office/drawing/2014/main" id="{68EAC85E-12D0-4A66-BA00-E60277042635}"/>
+              </a:ext>
+            </a:extLst>
+          </p:cNvPr>
+          <p:cNvCxnSpPr/>
+          <p:nvPr/>
+        </p:nvCxnSpPr>
+        <p:spPr>
+          <a:xfrm>
+            <a:off x="2439924" y="5264947"/>
+            <a:ext cx="914400" cy="0"/>
+          </a:xfrm>
+          <a:prstGeom prst="line">
+            <a:avLst/>
+          </a:prstGeom>
+          <a:ln w="38100">
+            <a:solidFill>
+              <a:srgbClr val="F3509B"/>
+            </a:solidFill>
+            <a:headEnd type="oval" w="med" len="med"/>
+            <a:tailEnd type="oval" w="med" len="med"/>
+          </a:ln>
+        </p:spPr>
+        <p:style>
+          <a:lnRef idx="1">
+            <a:schemeClr val="accent1"/>
+          </a:lnRef>
+          <a:fillRef idx="0">
+            <a:schemeClr val="accent1"/>
+          </a:fillRef>
+          <a:effectRef idx="0">
+            <a:schemeClr val="accent1"/>
+          </a:effectRef>
+          <a:fontRef idx="minor">
+            <a:schemeClr val="tx1"/>
+          </a:fontRef>
+        </p:style>
+      </p:cxnSp>
+      <p:cxnSp>
+        <p:nvCxnSpPr>
+          <p:cNvPr id="34" name="Straight Connector 33">
+            <a:extLst>
+              <a:ext uri="{FF2B5EF4-FFF2-40B4-BE49-F238E27FC236}">
+                <a16:creationId xmlns:a16="http://schemas.microsoft.com/office/drawing/2014/main" id="{8A853190-1C63-4A99-AC47-89FD90690B30}"/>
+              </a:ext>
+            </a:extLst>
+          </p:cNvPr>
+          <p:cNvCxnSpPr/>
+          <p:nvPr/>
+        </p:nvCxnSpPr>
+        <p:spPr>
+          <a:xfrm>
+            <a:off x="3354324" y="3437577"/>
+            <a:ext cx="914400" cy="0"/>
+          </a:xfrm>
+          <a:prstGeom prst="line">
+            <a:avLst/>
+          </a:prstGeom>
+          <a:ln w="38100">
+            <a:solidFill>
+              <a:srgbClr val="F3509B"/>
+            </a:solidFill>
+            <a:headEnd type="oval" w="med" len="med"/>
+            <a:tailEnd type="oval" w="med" len="med"/>
+          </a:ln>
+        </p:spPr>
+        <p:style>
+          <a:lnRef idx="1">
+            <a:schemeClr val="accent1"/>
+          </a:lnRef>
+          <a:fillRef idx="0">
+            <a:schemeClr val="accent1"/>
+          </a:fillRef>
+          <a:effectRef idx="0">
+            <a:schemeClr val="accent1"/>
+          </a:effectRef>
+          <a:fontRef idx="minor">
+            <a:schemeClr val="tx1"/>
+          </a:fontRef>
+        </p:style>
+      </p:cxnSp>
+      <p:cxnSp>
+        <p:nvCxnSpPr>
+          <p:cNvPr id="35" name="Straight Connector 34">
+            <a:extLst>
+              <a:ext uri="{FF2B5EF4-FFF2-40B4-BE49-F238E27FC236}">
+                <a16:creationId xmlns:a16="http://schemas.microsoft.com/office/drawing/2014/main" id="{86C53388-D65A-4F73-8EE1-A6BD3B1EE902}"/>
+              </a:ext>
+            </a:extLst>
+          </p:cNvPr>
+          <p:cNvCxnSpPr/>
+          <p:nvPr/>
+        </p:nvCxnSpPr>
+        <p:spPr>
+          <a:xfrm>
+            <a:off x="4266184" y="2516815"/>
+            <a:ext cx="1828800" cy="0"/>
+          </a:xfrm>
+          <a:prstGeom prst="line">
+            <a:avLst/>
+          </a:prstGeom>
+          <a:ln w="38100">
+            <a:solidFill>
+              <a:srgbClr val="F3509B"/>
+            </a:solidFill>
+            <a:headEnd type="oval" w="med" len="med"/>
+            <a:tailEnd type="oval" w="med" len="med"/>
+          </a:ln>
+        </p:spPr>
+        <p:style>
+          <a:lnRef idx="1">
+            <a:schemeClr val="accent1"/>
+          </a:lnRef>
+          <a:fillRef idx="0">
+            <a:schemeClr val="accent1"/>
+          </a:fillRef>
+          <a:effectRef idx="0">
+            <a:schemeClr val="accent1"/>
+          </a:effectRef>
+          <a:fontRef idx="minor">
+            <a:schemeClr val="tx1"/>
+          </a:fontRef>
+        </p:style>
+      </p:cxnSp>
+      <p:sp>
+        <p:nvSpPr>
+          <p:cNvPr id="36" name="TextBox 35">
+            <a:extLst>
+              <a:ext uri="{FF2B5EF4-FFF2-40B4-BE49-F238E27FC236}">
+                <a16:creationId xmlns:a16="http://schemas.microsoft.com/office/drawing/2014/main" id="{9D930D4E-5010-4764-AA26-06CA7288F785}"/>
+              </a:ext>
+            </a:extLst>
+          </p:cNvPr>
+          <p:cNvSpPr txBox="1"/>
+          <p:nvPr/>
+        </p:nvSpPr>
+        <p:spPr>
+          <a:xfrm>
+            <a:off x="806450" y="4384858"/>
+            <a:ext cx="1773382" cy="646331"/>
+          </a:xfrm>
+          <a:prstGeom prst="rect">
+            <a:avLst/>
+          </a:prstGeom>
+          <a:noFill/>
+        </p:spPr>
+        <p:txBody>
+          <a:bodyPr wrap="square" rtlCol="0">
+            <a:spAutoFit/>
+          </a:bodyPr>
+          <a:lstStyle/>
+          <a:p>
+            <a:pPr algn="r"/>
+            <a:r>
+              <a:rPr lang="en-US" dirty="0">
+                <a:solidFill>
+                  <a:schemeClr val="tx1">
+                    <a:lumMod val="50000"/>
+                    <a:lumOff val="50000"/>
+                  </a:schemeClr>
+                </a:solidFill>
+                <a:latin typeface="Source Sans Pro" panose="020B0503030403020204" pitchFamily="34" charset="0"/>
+                <a:ea typeface="Source Sans Pro" panose="020B0503030403020204" pitchFamily="34" charset="0"/>
+              </a:rPr>
+              <a:t>B.Tech. in </a:t>
+            </a:r>
+          </a:p>
+          <a:p>
+            <a:pPr algn="r"/>
+            <a:r>
+              <a:rPr lang="en-US" dirty="0">
+                <a:solidFill>
+                  <a:schemeClr val="tx1">
+                    <a:lumMod val="50000"/>
+                    <a:lumOff val="50000"/>
+                  </a:schemeClr>
+                </a:solidFill>
+                <a:latin typeface="Source Sans Pro" panose="020B0503030403020204" pitchFamily="34" charset="0"/>
+                <a:ea typeface="Source Sans Pro" panose="020B0503030403020204" pitchFamily="34" charset="0"/>
+              </a:rPr>
+              <a:t>Civil Engg.</a:t>
+            </a:r>
+          </a:p>
+        </p:txBody>
+      </p:sp>
+      <p:sp>
+        <p:nvSpPr>
+          <p:cNvPr id="38" name="TextBox 37">
+            <a:extLst>
+              <a:ext uri="{FF2B5EF4-FFF2-40B4-BE49-F238E27FC236}">
+                <a16:creationId xmlns:a16="http://schemas.microsoft.com/office/drawing/2014/main" id="{4DF7FB48-5611-4937-85BB-CC291C61261F}"/>
+              </a:ext>
+            </a:extLst>
+          </p:cNvPr>
+          <p:cNvSpPr txBox="1"/>
+          <p:nvPr/>
+        </p:nvSpPr>
+        <p:spPr>
+          <a:xfrm>
+            <a:off x="1693141" y="5281613"/>
+            <a:ext cx="1773382" cy="646331"/>
+          </a:xfrm>
+          <a:prstGeom prst="rect">
+            <a:avLst/>
+          </a:prstGeom>
+          <a:noFill/>
+        </p:spPr>
+        <p:txBody>
+          <a:bodyPr wrap="square" rtlCol="0">
+            <a:spAutoFit/>
+          </a:bodyPr>
+          <a:lstStyle/>
+          <a:p>
+            <a:pPr algn="r"/>
+            <a:r>
+              <a:rPr lang="en-US" dirty="0">
+                <a:solidFill>
+                  <a:schemeClr val="tx1">
+                    <a:lumMod val="50000"/>
+                    <a:lumOff val="50000"/>
+                  </a:schemeClr>
+                </a:solidFill>
+                <a:latin typeface="Source Sans Pro" panose="020B0503030403020204" pitchFamily="34" charset="0"/>
+                <a:ea typeface="Source Sans Pro" panose="020B0503030403020204" pitchFamily="34" charset="0"/>
+              </a:rPr>
+              <a:t>Field Engg. </a:t>
+            </a:r>
+          </a:p>
+          <a:p>
+            <a:pPr algn="r"/>
+            <a:r>
+              <a:rPr lang="en-US" dirty="0">
+                <a:solidFill>
+                  <a:schemeClr val="tx1">
+                    <a:lumMod val="50000"/>
+                    <a:lumOff val="50000"/>
+                  </a:schemeClr>
+                </a:solidFill>
+                <a:latin typeface="Source Sans Pro" panose="020B0503030403020204" pitchFamily="34" charset="0"/>
+                <a:ea typeface="Source Sans Pro" panose="020B0503030403020204" pitchFamily="34" charset="0"/>
+              </a:rPr>
+              <a:t>in oil &amp; gas</a:t>
+            </a:r>
+          </a:p>
+        </p:txBody>
+      </p:sp>
+      <p:sp>
+        <p:nvSpPr>
+          <p:cNvPr id="40" name="TextBox 39">
+            <a:extLst>
+              <a:ext uri="{FF2B5EF4-FFF2-40B4-BE49-F238E27FC236}">
+                <a16:creationId xmlns:a16="http://schemas.microsoft.com/office/drawing/2014/main" id="{0D94B315-3210-4B02-BC99-D84C72891A18}"/>
+              </a:ext>
+            </a:extLst>
+          </p:cNvPr>
+          <p:cNvSpPr txBox="1"/>
+          <p:nvPr/>
+        </p:nvSpPr>
+        <p:spPr>
+          <a:xfrm>
+            <a:off x="2638419" y="3451387"/>
+            <a:ext cx="1773382" cy="646331"/>
+          </a:xfrm>
+          <a:prstGeom prst="rect">
+            <a:avLst/>
+          </a:prstGeom>
+          <a:noFill/>
+        </p:spPr>
+        <p:txBody>
+          <a:bodyPr wrap="square" rtlCol="0">
+            <a:spAutoFit/>
+          </a:bodyPr>
+          <a:lstStyle/>
+          <a:p>
+            <a:pPr algn="r"/>
+            <a:r>
+              <a:rPr lang="en-US" dirty="0">
+                <a:solidFill>
+                  <a:schemeClr val="tx1">
+                    <a:lumMod val="50000"/>
+                    <a:lumOff val="50000"/>
+                  </a:schemeClr>
+                </a:solidFill>
+                <a:latin typeface="Source Sans Pro" panose="020B0503030403020204" pitchFamily="34" charset="0"/>
+                <a:ea typeface="Source Sans Pro" panose="020B0503030403020204" pitchFamily="34" charset="0"/>
+              </a:rPr>
+              <a:t>M.S. in </a:t>
+            </a:r>
+          </a:p>
+          <a:p>
+            <a:pPr algn="r"/>
+            <a:r>
+              <a:rPr lang="en-US" dirty="0">
+                <a:solidFill>
+                  <a:schemeClr val="tx1">
+                    <a:lumMod val="50000"/>
+                    <a:lumOff val="50000"/>
+                  </a:schemeClr>
+                </a:solidFill>
+                <a:latin typeface="Source Sans Pro" panose="020B0503030403020204" pitchFamily="34" charset="0"/>
+                <a:ea typeface="Source Sans Pro" panose="020B0503030403020204" pitchFamily="34" charset="0"/>
+              </a:rPr>
+              <a:t>Hydrology</a:t>
+            </a:r>
+          </a:p>
+        </p:txBody>
+      </p:sp>
+      <p:sp>
+        <p:nvSpPr>
+          <p:cNvPr id="41" name="TextBox 40">
+            <a:extLst>
+              <a:ext uri="{FF2B5EF4-FFF2-40B4-BE49-F238E27FC236}">
+                <a16:creationId xmlns:a16="http://schemas.microsoft.com/office/drawing/2014/main" id="{F8E54FF0-49C7-4EEB-BC7B-447E55EE780C}"/>
+              </a:ext>
+            </a:extLst>
+          </p:cNvPr>
+          <p:cNvSpPr txBox="1"/>
+          <p:nvPr/>
+        </p:nvSpPr>
+        <p:spPr>
+          <a:xfrm>
+            <a:off x="4295394" y="2523290"/>
+            <a:ext cx="1920269" cy="646331"/>
+          </a:xfrm>
+          <a:prstGeom prst="rect">
+            <a:avLst/>
+          </a:prstGeom>
+          <a:noFill/>
+        </p:spPr>
+        <p:txBody>
+          <a:bodyPr wrap="square" rtlCol="0">
+            <a:spAutoFit/>
+          </a:bodyPr>
+          <a:lstStyle/>
+          <a:p>
+            <a:pPr algn="r"/>
+            <a:r>
+              <a:rPr lang="en-US" dirty="0">
+                <a:solidFill>
+                  <a:schemeClr val="tx1">
+                    <a:lumMod val="50000"/>
+                    <a:lumOff val="50000"/>
+                  </a:schemeClr>
+                </a:solidFill>
+                <a:latin typeface="Source Sans Pro" panose="020B0503030403020204" pitchFamily="34" charset="0"/>
+                <a:ea typeface="Source Sans Pro" panose="020B0503030403020204" pitchFamily="34" charset="0"/>
+              </a:rPr>
+              <a:t>Ph.D. in Forest </a:t>
+            </a:r>
+          </a:p>
+          <a:p>
+            <a:pPr algn="r"/>
+            <a:r>
+              <a:rPr lang="en-US" dirty="0">
+                <a:solidFill>
+                  <a:schemeClr val="tx1">
+                    <a:lumMod val="50000"/>
+                    <a:lumOff val="50000"/>
+                  </a:schemeClr>
+                </a:solidFill>
+                <a:latin typeface="Source Sans Pro" panose="020B0503030403020204" pitchFamily="34" charset="0"/>
+                <a:ea typeface="Source Sans Pro" panose="020B0503030403020204" pitchFamily="34" charset="0"/>
+              </a:rPr>
+              <a:t>Health Monitoring</a:t>
+            </a:r>
+          </a:p>
+        </p:txBody>
+      </p:sp>
+      <p:cxnSp>
+        <p:nvCxnSpPr>
+          <p:cNvPr id="42" name="Straight Connector 41">
+            <a:extLst>
+              <a:ext uri="{FF2B5EF4-FFF2-40B4-BE49-F238E27FC236}">
+                <a16:creationId xmlns:a16="http://schemas.microsoft.com/office/drawing/2014/main" id="{0A4C2C7A-FA5C-483F-A1BE-973A4754FF54}"/>
+              </a:ext>
+            </a:extLst>
+          </p:cNvPr>
+          <p:cNvCxnSpPr/>
+          <p:nvPr/>
+        </p:nvCxnSpPr>
+        <p:spPr>
+          <a:xfrm>
+            <a:off x="613410" y="1611940"/>
+            <a:ext cx="5486400" cy="0"/>
+          </a:xfrm>
+          <a:prstGeom prst="line">
+            <a:avLst/>
+          </a:prstGeom>
+          <a:ln w="38100">
+            <a:solidFill>
+              <a:schemeClr val="bg1"/>
+            </a:solidFill>
+          </a:ln>
+        </p:spPr>
+        <p:style>
+          <a:lnRef idx="1">
+            <a:schemeClr val="accent1"/>
+          </a:lnRef>
+          <a:fillRef idx="0">
+            <a:schemeClr val="accent1"/>
+          </a:fillRef>
+          <a:effectRef idx="0">
+            <a:schemeClr val="accent1"/>
+          </a:effectRef>
+          <a:fontRef idx="minor">
+            <a:schemeClr val="tx1"/>
+          </a:fontRef>
+        </p:style>
+      </p:cxnSp>
+      <p:cxnSp>
+        <p:nvCxnSpPr>
+          <p:cNvPr id="43" name="Straight Connector 42">
+            <a:extLst>
+              <a:ext uri="{FF2B5EF4-FFF2-40B4-BE49-F238E27FC236}">
+                <a16:creationId xmlns:a16="http://schemas.microsoft.com/office/drawing/2014/main" id="{95F7DD96-7271-4F45-AA2F-60181D74FF9E}"/>
+              </a:ext>
+            </a:extLst>
+          </p:cNvPr>
+          <p:cNvCxnSpPr/>
+          <p:nvPr/>
+        </p:nvCxnSpPr>
+        <p:spPr>
+          <a:xfrm>
+            <a:off x="661035" y="2608902"/>
+            <a:ext cx="0" cy="731520"/>
+          </a:xfrm>
+          <a:prstGeom prst="line">
+            <a:avLst/>
+          </a:prstGeom>
+          <a:ln w="38100">
+            <a:solidFill>
+              <a:schemeClr val="tx1">
+                <a:lumMod val="50000"/>
+                <a:lumOff val="50000"/>
+              </a:schemeClr>
+            </a:solidFill>
+            <a:headEnd type="triangle" w="lg" len="lg"/>
+          </a:ln>
+        </p:spPr>
+        <p:style>
+          <a:lnRef idx="1">
+            <a:schemeClr val="accent1"/>
+          </a:lnRef>
+          <a:fillRef idx="0">
+            <a:schemeClr val="accent1"/>
+          </a:fillRef>
+          <a:effectRef idx="0">
+            <a:schemeClr val="accent1"/>
+          </a:effectRef>
+          <a:fontRef idx="minor">
+            <a:schemeClr val="tx1"/>
+          </a:fontRef>
+        </p:style>
+      </p:cxnSp>
+      <p:sp>
+        <p:nvSpPr>
+          <p:cNvPr id="44" name="TextBox 43">
+            <a:extLst>
+              <a:ext uri="{FF2B5EF4-FFF2-40B4-BE49-F238E27FC236}">
+                <a16:creationId xmlns:a16="http://schemas.microsoft.com/office/drawing/2014/main" id="{27A13EC8-9555-4BB3-B64B-B87B4008261F}"/>
+              </a:ext>
+            </a:extLst>
+          </p:cNvPr>
+          <p:cNvSpPr txBox="1"/>
+          <p:nvPr/>
+        </p:nvSpPr>
+        <p:spPr>
+          <a:xfrm>
+            <a:off x="733743" y="2538336"/>
+            <a:ext cx="1773382" cy="646331"/>
+          </a:xfrm>
+          <a:prstGeom prst="rect">
+            <a:avLst/>
+          </a:prstGeom>
+          <a:noFill/>
+        </p:spPr>
+        <p:txBody>
+          <a:bodyPr wrap="square" rtlCol="0">
+            <a:spAutoFit/>
+          </a:bodyPr>
+          <a:lstStyle/>
+          <a:p>
+            <a:r>
+              <a:rPr lang="en-US" dirty="0">
+                <a:solidFill>
+                  <a:schemeClr val="tx1">
+                    <a:lumMod val="50000"/>
+                    <a:lumOff val="50000"/>
+                  </a:schemeClr>
+                </a:solidFill>
+                <a:latin typeface="Source Sans Pro" panose="020B0503030403020204" pitchFamily="34" charset="0"/>
+                <a:ea typeface="Source Sans Pro" panose="020B0503030403020204" pitchFamily="34" charset="0"/>
+              </a:rPr>
+              <a:t>Greater focus on sustainability</a:t>
+            </a:r>
+          </a:p>
+        </p:txBody>
+      </p:sp>
+      <p:cxnSp>
+        <p:nvCxnSpPr>
+          <p:cNvPr id="45" name="Straight Connector 44">
+            <a:extLst>
+              <a:ext uri="{FF2B5EF4-FFF2-40B4-BE49-F238E27FC236}">
+                <a16:creationId xmlns:a16="http://schemas.microsoft.com/office/drawing/2014/main" id="{948A953B-26AC-4B8E-843E-FA61055B37C1}"/>
+              </a:ext>
+            </a:extLst>
+          </p:cNvPr>
+          <p:cNvCxnSpPr/>
+          <p:nvPr/>
+        </p:nvCxnSpPr>
+        <p:spPr>
+          <a:xfrm>
+            <a:off x="5527125" y="1613776"/>
+            <a:ext cx="228600" cy="0"/>
+          </a:xfrm>
+          <a:prstGeom prst="line">
+            <a:avLst/>
+          </a:prstGeom>
+          <a:ln w="38100">
+            <a:solidFill>
+              <a:srgbClr val="F3509B"/>
+            </a:solidFill>
+            <a:headEnd type="oval" w="med" len="med"/>
+            <a:tailEnd type="oval" w="med" len="med"/>
+          </a:ln>
+        </p:spPr>
+        <p:style>
+          <a:lnRef idx="1">
+            <a:schemeClr val="accent1"/>
+          </a:lnRef>
+          <a:fillRef idx="0">
+            <a:schemeClr val="accent1"/>
+          </a:fillRef>
+          <a:effectRef idx="0">
+            <a:schemeClr val="accent1"/>
+          </a:effectRef>
+          <a:fontRef idx="minor">
+            <a:schemeClr val="tx1"/>
+          </a:fontRef>
+        </p:style>
+      </p:cxnSp>
+      <p:sp>
+        <p:nvSpPr>
+          <p:cNvPr id="46" name="TextBox 45">
+            <a:extLst>
+              <a:ext uri="{FF2B5EF4-FFF2-40B4-BE49-F238E27FC236}">
+                <a16:creationId xmlns:a16="http://schemas.microsoft.com/office/drawing/2014/main" id="{BAE48C3A-3178-45B0-9209-33AE826503AE}"/>
+              </a:ext>
+            </a:extLst>
+          </p:cNvPr>
+          <p:cNvSpPr txBox="1"/>
+          <p:nvPr/>
+        </p:nvSpPr>
+        <p:spPr>
+          <a:xfrm>
+            <a:off x="2263487" y="1620917"/>
+            <a:ext cx="3670091" cy="830997"/>
+          </a:xfrm>
+          <a:prstGeom prst="rect">
+            <a:avLst/>
+          </a:prstGeom>
+          <a:noFill/>
+        </p:spPr>
+        <p:txBody>
+          <a:bodyPr wrap="square" rtlCol="0">
+            <a:spAutoFit/>
+          </a:bodyPr>
+          <a:lstStyle/>
+          <a:p>
+            <a:pPr algn="r"/>
+            <a:r>
+              <a:rPr lang="en-US" sz="2400" dirty="0">
+                <a:solidFill>
+                  <a:srgbClr val="F3509B"/>
+                </a:solidFill>
+                <a:latin typeface="Source Sans Pro" panose="020B0503030403020204" pitchFamily="34" charset="0"/>
+                <a:ea typeface="Source Sans Pro" panose="020B0503030403020204" pitchFamily="34" charset="0"/>
+              </a:rPr>
+              <a:t>My next opportunity! Summer internship in 2021</a:t>
+            </a:r>
+          </a:p>
+        </p:txBody>
+      </p:sp>
+    </p:spTree>
+    <p:extLst>
+      <p:ext uri="{BB962C8B-B14F-4D97-AF65-F5344CB8AC3E}">
+        <p14:creationId xmlns:p14="http://schemas.microsoft.com/office/powerpoint/2010/main" val="3410990669"/>
       </p:ext>
     </p:extLst>
   </p:cSld>

--- a/images/Presentation1.pptx
+++ b/images/Presentation1.pptx
@@ -7,9 +7,7 @@
   <p:sldIdLst>
     <p:sldId id="256" r:id="rId2"/>
     <p:sldId id="257" r:id="rId3"/>
-    <p:sldId id="258" r:id="rId4"/>
-    <p:sldId id="259" r:id="rId5"/>
-    <p:sldId id="260" r:id="rId6"/>
+    <p:sldId id="259" r:id="rId4"/>
   </p:sldIdLst>
   <p:sldSz cx="12192000" cy="6858000"/>
   <p:notesSz cx="6858000" cy="9144000"/>
@@ -3122,36 +3120,61 @@
           <a:chExt cx="0" cy="0"/>
         </a:xfrm>
       </p:grpSpPr>
-      <p:pic>
-        <p:nvPicPr>
-          <p:cNvPr id="7" name="Picture 6">
+      <p:sp>
+        <p:nvSpPr>
+          <p:cNvPr id="37" name="Rectangle 36">
             <a:extLst>
               <a:ext uri="{FF2B5EF4-FFF2-40B4-BE49-F238E27FC236}">
-                <a16:creationId xmlns:a16="http://schemas.microsoft.com/office/drawing/2014/main" id="{212400F7-A846-4D11-9737-9622FC18CAD4}"/>
+                <a16:creationId xmlns:a16="http://schemas.microsoft.com/office/drawing/2014/main" id="{159E137C-8BD4-4E09-AE99-C316CECE4120}"/>
               </a:ext>
             </a:extLst>
           </p:cNvPr>
-          <p:cNvPicPr>
-            <a:picLocks noChangeAspect="1"/>
-          </p:cNvPicPr>
+          <p:cNvSpPr/>
           <p:nvPr/>
-        </p:nvPicPr>
-        <p:blipFill>
-          <a:blip r:embed="rId2"/>
-          <a:stretch>
-            <a:fillRect/>
-          </a:stretch>
-        </p:blipFill>
-        <p:spPr>
-          <a:xfrm>
-            <a:off x="11734800" y="820582"/>
-            <a:ext cx="3371850" cy="2676525"/>
+        </p:nvSpPr>
+        <p:spPr>
+          <a:xfrm>
+            <a:off x="-4763077" y="1375661"/>
+            <a:ext cx="16459200" cy="5157040"/>
           </a:xfrm>
           <a:prstGeom prst="rect">
             <a:avLst/>
           </a:prstGeom>
-        </p:spPr>
-      </p:pic>
+          <a:solidFill>
+            <a:schemeClr val="bg1"/>
+          </a:solidFill>
+          <a:ln>
+            <a:noFill/>
+          </a:ln>
+        </p:spPr>
+        <p:style>
+          <a:lnRef idx="2">
+            <a:schemeClr val="accent1">
+              <a:shade val="50000"/>
+            </a:schemeClr>
+          </a:lnRef>
+          <a:fillRef idx="1">
+            <a:schemeClr val="accent1"/>
+          </a:fillRef>
+          <a:effectRef idx="0">
+            <a:schemeClr val="accent1"/>
+          </a:effectRef>
+          <a:fontRef idx="minor">
+            <a:schemeClr val="lt1"/>
+          </a:fontRef>
+        </p:style>
+        <p:txBody>
+          <a:bodyPr rtlCol="0" anchor="ctr"/>
+          <a:lstStyle/>
+          <a:p>
+            <a:pPr algn="ctr"/>
+            <a:r>
+              <a:rPr lang="en-US" dirty="0"/>
+              <a:t>	</a:t>
+            </a:r>
+          </a:p>
+        </p:txBody>
+      </p:sp>
       <p:sp>
         <p:nvSpPr>
           <p:cNvPr id="8" name="Rectangle 7">
@@ -3969,8 +3992,8 @@
         </p:nvSpPr>
         <p:spPr>
           <a:xfrm>
-            <a:off x="5898181" y="6165098"/>
-            <a:ext cx="647605" cy="369332"/>
+            <a:off x="5898182" y="6165098"/>
+            <a:ext cx="423978" cy="369332"/>
           </a:xfrm>
           <a:prstGeom prst="rect">
             <a:avLst/>
@@ -4067,7 +4090,10 @@
           </a:prstGeom>
           <a:ln w="38100">
             <a:solidFill>
-              <a:srgbClr val="F3509B"/>
+              <a:schemeClr val="tx1">
+                <a:lumMod val="50000"/>
+                <a:lumOff val="50000"/>
+              </a:schemeClr>
             </a:solidFill>
             <a:headEnd type="oval" w="med" len="med"/>
             <a:tailEnd type="oval" w="med" len="med"/>
@@ -4110,7 +4136,10 @@
           </a:prstGeom>
           <a:ln w="38100">
             <a:solidFill>
-              <a:srgbClr val="F3509B"/>
+              <a:schemeClr val="tx1">
+                <a:lumMod val="50000"/>
+                <a:lumOff val="50000"/>
+              </a:schemeClr>
             </a:solidFill>
             <a:headEnd type="oval" w="med" len="med"/>
             <a:tailEnd type="oval" w="med" len="med"/>
@@ -4153,7 +4182,10 @@
           </a:prstGeom>
           <a:ln w="38100">
             <a:solidFill>
-              <a:srgbClr val="F3509B"/>
+              <a:schemeClr val="tx1">
+                <a:lumMod val="50000"/>
+                <a:lumOff val="50000"/>
+              </a:schemeClr>
             </a:solidFill>
             <a:headEnd type="oval" w="med" len="med"/>
             <a:tailEnd type="oval" w="med" len="med"/>
@@ -4196,7 +4228,10 @@
           </a:prstGeom>
           <a:ln w="38100">
             <a:solidFill>
-              <a:srgbClr val="F3509B"/>
+              <a:schemeClr val="tx1">
+                <a:lumMod val="50000"/>
+                <a:lumOff val="50000"/>
+              </a:schemeClr>
             </a:solidFill>
             <a:headEnd type="oval" w="med" len="med"/>
             <a:tailEnd type="oval" w="med" len="med"/>
@@ -4516,7 +4551,7 @@
         </p:nvCxnSpPr>
         <p:spPr>
           <a:xfrm>
-            <a:off x="661035" y="1694502"/>
+            <a:off x="661035" y="2608902"/>
             <a:ext cx="0" cy="731520"/>
           </a:xfrm>
           <a:prstGeom prst="line">
@@ -4561,7 +4596,7 @@
         </p:nvSpPr>
         <p:spPr>
           <a:xfrm>
-            <a:off x="677409" y="1867130"/>
+            <a:off x="733743" y="2538336"/>
             <a:ext cx="1773382" cy="646331"/>
           </a:xfrm>
           <a:prstGeom prst="rect">
@@ -4648,1615 +4683,6 @@
         </p:nvSpPr>
         <p:spPr>
           <a:xfrm>
-            <a:off x="2579832" y="1620917"/>
-            <a:ext cx="3353746" cy="707886"/>
-          </a:xfrm>
-          <a:prstGeom prst="rect">
-            <a:avLst/>
-          </a:prstGeom>
-          <a:noFill/>
-        </p:spPr>
-        <p:txBody>
-          <a:bodyPr wrap="square" rtlCol="0">
-            <a:spAutoFit/>
-          </a:bodyPr>
-          <a:lstStyle/>
-          <a:p>
-            <a:pPr algn="r"/>
-            <a:r>
-              <a:rPr lang="en-US" sz="2000" dirty="0">
-                <a:solidFill>
-                  <a:srgbClr val="F3509B"/>
-                </a:solidFill>
-                <a:latin typeface="Source Sans Pro" panose="020B0503030403020204" pitchFamily="34" charset="0"/>
-                <a:ea typeface="Source Sans Pro" panose="020B0503030403020204" pitchFamily="34" charset="0"/>
-              </a:rPr>
-              <a:t>My next opportunity! Summer internship in 2021</a:t>
-            </a:r>
-          </a:p>
-        </p:txBody>
-      </p:sp>
-    </p:spTree>
-    <p:extLst>
-      <p:ext uri="{BB962C8B-B14F-4D97-AF65-F5344CB8AC3E}">
-        <p14:creationId xmlns:p14="http://schemas.microsoft.com/office/powerpoint/2010/main" val="343881313"/>
-      </p:ext>
-    </p:extLst>
-  </p:cSld>
-  <p:clrMapOvr>
-    <a:masterClrMapping/>
-  </p:clrMapOvr>
-</p:sld>
-</file>
-
-<file path=ppt/slides/slide4.xml><?xml version="1.0" encoding="utf-8"?>
-<p:sld xmlns:a="http://schemas.openxmlformats.org/drawingml/2006/main" xmlns:r="http://schemas.openxmlformats.org/officeDocument/2006/relationships" xmlns:p="http://schemas.openxmlformats.org/presentationml/2006/main">
-  <p:cSld>
-    <p:spTree>
-      <p:nvGrpSpPr>
-        <p:cNvPr id="1" name=""/>
-        <p:cNvGrpSpPr/>
-        <p:nvPr/>
-      </p:nvGrpSpPr>
-      <p:grpSpPr>
-        <a:xfrm>
-          <a:off x="0" y="0"/>
-          <a:ext cx="0" cy="0"/>
-          <a:chOff x="0" y="0"/>
-          <a:chExt cx="0" cy="0"/>
-        </a:xfrm>
-      </p:grpSpPr>
-      <p:sp>
-        <p:nvSpPr>
-          <p:cNvPr id="37" name="Rectangle 36">
-            <a:extLst>
-              <a:ext uri="{FF2B5EF4-FFF2-40B4-BE49-F238E27FC236}">
-                <a16:creationId xmlns:a16="http://schemas.microsoft.com/office/drawing/2014/main" id="{159E137C-8BD4-4E09-AE99-C316CECE4120}"/>
-              </a:ext>
-            </a:extLst>
-          </p:cNvPr>
-          <p:cNvSpPr/>
-          <p:nvPr/>
-        </p:nvSpPr>
-        <p:spPr>
-          <a:xfrm>
-            <a:off x="-4763077" y="1375661"/>
-            <a:ext cx="16459200" cy="5157040"/>
-          </a:xfrm>
-          <a:prstGeom prst="rect">
-            <a:avLst/>
-          </a:prstGeom>
-          <a:solidFill>
-            <a:schemeClr val="bg1"/>
-          </a:solidFill>
-          <a:ln>
-            <a:noFill/>
-          </a:ln>
-        </p:spPr>
-        <p:style>
-          <a:lnRef idx="2">
-            <a:schemeClr val="accent1">
-              <a:shade val="50000"/>
-            </a:schemeClr>
-          </a:lnRef>
-          <a:fillRef idx="1">
-            <a:schemeClr val="accent1"/>
-          </a:fillRef>
-          <a:effectRef idx="0">
-            <a:schemeClr val="accent1"/>
-          </a:effectRef>
-          <a:fontRef idx="minor">
-            <a:schemeClr val="lt1"/>
-          </a:fontRef>
-        </p:style>
-        <p:txBody>
-          <a:bodyPr rtlCol="0" anchor="ctr"/>
-          <a:lstStyle/>
-          <a:p>
-            <a:pPr algn="ctr"/>
-            <a:r>
-              <a:rPr lang="en-US" dirty="0"/>
-              <a:t>	</a:t>
-            </a:r>
-          </a:p>
-        </p:txBody>
-      </p:sp>
-      <p:sp>
-        <p:nvSpPr>
-          <p:cNvPr id="8" name="Rectangle 7">
-            <a:extLst>
-              <a:ext uri="{FF2B5EF4-FFF2-40B4-BE49-F238E27FC236}">
-                <a16:creationId xmlns:a16="http://schemas.microsoft.com/office/drawing/2014/main" id="{36413D0F-6DC1-4952-9158-A3EA154CD823}"/>
-              </a:ext>
-            </a:extLst>
-          </p:cNvPr>
-          <p:cNvSpPr/>
-          <p:nvPr/>
-        </p:nvSpPr>
-        <p:spPr>
-          <a:xfrm>
-            <a:off x="361026" y="1377387"/>
-            <a:ext cx="5983893" cy="5157040"/>
-          </a:xfrm>
-          <a:prstGeom prst="rect">
-            <a:avLst/>
-          </a:prstGeom>
-          <a:solidFill>
-            <a:srgbClr val="D6E5EC"/>
-          </a:solidFill>
-          <a:ln>
-            <a:noFill/>
-          </a:ln>
-        </p:spPr>
-        <p:style>
-          <a:lnRef idx="2">
-            <a:schemeClr val="accent1">
-              <a:shade val="50000"/>
-            </a:schemeClr>
-          </a:lnRef>
-          <a:fillRef idx="1">
-            <a:schemeClr val="accent1"/>
-          </a:fillRef>
-          <a:effectRef idx="0">
-            <a:schemeClr val="accent1"/>
-          </a:effectRef>
-          <a:fontRef idx="minor">
-            <a:schemeClr val="lt1"/>
-          </a:fontRef>
-        </p:style>
-        <p:txBody>
-          <a:bodyPr rtlCol="0" anchor="ctr"/>
-          <a:lstStyle/>
-          <a:p>
-            <a:pPr algn="ctr"/>
-            <a:r>
-              <a:rPr lang="en-US" dirty="0"/>
-              <a:t>	</a:t>
-            </a:r>
-          </a:p>
-        </p:txBody>
-      </p:sp>
-      <p:cxnSp>
-        <p:nvCxnSpPr>
-          <p:cNvPr id="10" name="Straight Connector 9">
-            <a:extLst>
-              <a:ext uri="{FF2B5EF4-FFF2-40B4-BE49-F238E27FC236}">
-                <a16:creationId xmlns:a16="http://schemas.microsoft.com/office/drawing/2014/main" id="{B4703372-8057-43C3-89B3-B6CBE97C4463}"/>
-              </a:ext>
-            </a:extLst>
-          </p:cNvPr>
-          <p:cNvCxnSpPr/>
-          <p:nvPr/>
-        </p:nvCxnSpPr>
-        <p:spPr>
-          <a:xfrm>
-            <a:off x="613410" y="5264947"/>
-            <a:ext cx="5486400" cy="0"/>
-          </a:xfrm>
-          <a:prstGeom prst="line">
-            <a:avLst/>
-          </a:prstGeom>
-          <a:ln w="38100">
-            <a:solidFill>
-              <a:schemeClr val="bg1"/>
-            </a:solidFill>
-          </a:ln>
-        </p:spPr>
-        <p:style>
-          <a:lnRef idx="1">
-            <a:schemeClr val="accent1"/>
-          </a:lnRef>
-          <a:fillRef idx="0">
-            <a:schemeClr val="accent1"/>
-          </a:fillRef>
-          <a:effectRef idx="0">
-            <a:schemeClr val="accent1"/>
-          </a:effectRef>
-          <a:fontRef idx="minor">
-            <a:schemeClr val="tx1"/>
-          </a:fontRef>
-        </p:style>
-      </p:cxnSp>
-      <p:cxnSp>
-        <p:nvCxnSpPr>
-          <p:cNvPr id="11" name="Straight Connector 10">
-            <a:extLst>
-              <a:ext uri="{FF2B5EF4-FFF2-40B4-BE49-F238E27FC236}">
-                <a16:creationId xmlns:a16="http://schemas.microsoft.com/office/drawing/2014/main" id="{40FE9042-3420-48CA-A188-4F461FC5DAD4}"/>
-              </a:ext>
-            </a:extLst>
-          </p:cNvPr>
-          <p:cNvCxnSpPr/>
-          <p:nvPr/>
-        </p:nvCxnSpPr>
-        <p:spPr>
-          <a:xfrm>
-            <a:off x="623570" y="2516815"/>
-            <a:ext cx="5486400" cy="0"/>
-          </a:xfrm>
-          <a:prstGeom prst="line">
-            <a:avLst/>
-          </a:prstGeom>
-          <a:ln w="38100">
-            <a:solidFill>
-              <a:schemeClr val="bg1"/>
-            </a:solidFill>
-          </a:ln>
-        </p:spPr>
-        <p:style>
-          <a:lnRef idx="1">
-            <a:schemeClr val="accent1"/>
-          </a:lnRef>
-          <a:fillRef idx="0">
-            <a:schemeClr val="accent1"/>
-          </a:fillRef>
-          <a:effectRef idx="0">
-            <a:schemeClr val="accent1"/>
-          </a:effectRef>
-          <a:fontRef idx="minor">
-            <a:schemeClr val="tx1"/>
-          </a:fontRef>
-        </p:style>
-      </p:cxnSp>
-      <p:cxnSp>
-        <p:nvCxnSpPr>
-          <p:cNvPr id="12" name="Straight Connector 11">
-            <a:extLst>
-              <a:ext uri="{FF2B5EF4-FFF2-40B4-BE49-F238E27FC236}">
-                <a16:creationId xmlns:a16="http://schemas.microsoft.com/office/drawing/2014/main" id="{2156C440-9B2F-49FF-AFE0-6FC84AFB8D76}"/>
-              </a:ext>
-            </a:extLst>
-          </p:cNvPr>
-          <p:cNvCxnSpPr/>
-          <p:nvPr/>
-        </p:nvCxnSpPr>
-        <p:spPr>
-          <a:xfrm>
-            <a:off x="613410" y="3437577"/>
-            <a:ext cx="5486400" cy="0"/>
-          </a:xfrm>
-          <a:prstGeom prst="line">
-            <a:avLst/>
-          </a:prstGeom>
-          <a:ln w="38100">
-            <a:solidFill>
-              <a:schemeClr val="bg1"/>
-            </a:solidFill>
-          </a:ln>
-        </p:spPr>
-        <p:style>
-          <a:lnRef idx="1">
-            <a:schemeClr val="accent1"/>
-          </a:lnRef>
-          <a:fillRef idx="0">
-            <a:schemeClr val="accent1"/>
-          </a:fillRef>
-          <a:effectRef idx="0">
-            <a:schemeClr val="accent1"/>
-          </a:effectRef>
-          <a:fontRef idx="minor">
-            <a:schemeClr val="tx1"/>
-          </a:fontRef>
-        </p:style>
-      </p:cxnSp>
-      <p:cxnSp>
-        <p:nvCxnSpPr>
-          <p:cNvPr id="13" name="Straight Connector 12">
-            <a:extLst>
-              <a:ext uri="{FF2B5EF4-FFF2-40B4-BE49-F238E27FC236}">
-                <a16:creationId xmlns:a16="http://schemas.microsoft.com/office/drawing/2014/main" id="{0B7144C6-9C65-4BE6-AFCD-6080448734C8}"/>
-              </a:ext>
-            </a:extLst>
-          </p:cNvPr>
-          <p:cNvCxnSpPr/>
-          <p:nvPr/>
-        </p:nvCxnSpPr>
-        <p:spPr>
-          <a:xfrm>
-            <a:off x="613410" y="4370867"/>
-            <a:ext cx="5486400" cy="0"/>
-          </a:xfrm>
-          <a:prstGeom prst="line">
-            <a:avLst/>
-          </a:prstGeom>
-          <a:ln w="38100">
-            <a:solidFill>
-              <a:schemeClr val="bg1"/>
-            </a:solidFill>
-          </a:ln>
-        </p:spPr>
-        <p:style>
-          <a:lnRef idx="1">
-            <a:schemeClr val="accent1"/>
-          </a:lnRef>
-          <a:fillRef idx="0">
-            <a:schemeClr val="accent1"/>
-          </a:fillRef>
-          <a:effectRef idx="0">
-            <a:schemeClr val="accent1"/>
-          </a:effectRef>
-          <a:fontRef idx="minor">
-            <a:schemeClr val="tx1"/>
-          </a:fontRef>
-        </p:style>
-      </p:cxnSp>
-      <p:cxnSp>
-        <p:nvCxnSpPr>
-          <p:cNvPr id="14" name="Straight Connector 13">
-            <a:extLst>
-              <a:ext uri="{FF2B5EF4-FFF2-40B4-BE49-F238E27FC236}">
-                <a16:creationId xmlns:a16="http://schemas.microsoft.com/office/drawing/2014/main" id="{DA9F57B5-4B3B-4C43-A4A0-E4D43F6A27B8}"/>
-              </a:ext>
-            </a:extLst>
-          </p:cNvPr>
-          <p:cNvCxnSpPr/>
-          <p:nvPr/>
-        </p:nvCxnSpPr>
-        <p:spPr>
-          <a:xfrm>
-            <a:off x="594360" y="6189507"/>
-            <a:ext cx="5504688" cy="0"/>
-          </a:xfrm>
-          <a:prstGeom prst="line">
-            <a:avLst/>
-          </a:prstGeom>
-          <a:ln w="38100">
-            <a:solidFill>
-              <a:schemeClr val="tx1">
-                <a:lumMod val="50000"/>
-                <a:lumOff val="50000"/>
-              </a:schemeClr>
-            </a:solidFill>
-          </a:ln>
-        </p:spPr>
-        <p:style>
-          <a:lnRef idx="1">
-            <a:schemeClr val="accent1"/>
-          </a:lnRef>
-          <a:fillRef idx="0">
-            <a:schemeClr val="accent1"/>
-          </a:fillRef>
-          <a:effectRef idx="0">
-            <a:schemeClr val="accent1"/>
-          </a:effectRef>
-          <a:fontRef idx="minor">
-            <a:schemeClr val="tx1"/>
-          </a:fontRef>
-        </p:style>
-      </p:cxnSp>
-      <p:cxnSp>
-        <p:nvCxnSpPr>
-          <p:cNvPr id="15" name="Straight Connector 14">
-            <a:extLst>
-              <a:ext uri="{FF2B5EF4-FFF2-40B4-BE49-F238E27FC236}">
-                <a16:creationId xmlns:a16="http://schemas.microsoft.com/office/drawing/2014/main" id="{58E55722-0BE7-4FDF-B5E8-01D55A0614B1}"/>
-              </a:ext>
-            </a:extLst>
-          </p:cNvPr>
-          <p:cNvCxnSpPr>
-            <a:cxnSpLocks/>
-          </p:cNvCxnSpPr>
-          <p:nvPr/>
-        </p:nvCxnSpPr>
-        <p:spPr>
-          <a:xfrm flipV="1">
-            <a:off x="613410" y="6014087"/>
-            <a:ext cx="0" cy="189390"/>
-          </a:xfrm>
-          <a:prstGeom prst="line">
-            <a:avLst/>
-          </a:prstGeom>
-          <a:ln w="38100">
-            <a:solidFill>
-              <a:schemeClr val="tx1">
-                <a:lumMod val="50000"/>
-                <a:lumOff val="50000"/>
-              </a:schemeClr>
-            </a:solidFill>
-          </a:ln>
-        </p:spPr>
-        <p:style>
-          <a:lnRef idx="1">
-            <a:schemeClr val="accent1"/>
-          </a:lnRef>
-          <a:fillRef idx="0">
-            <a:schemeClr val="accent1"/>
-          </a:fillRef>
-          <a:effectRef idx="0">
-            <a:schemeClr val="accent1"/>
-          </a:effectRef>
-          <a:fontRef idx="minor">
-            <a:schemeClr val="tx1"/>
-          </a:fontRef>
-        </p:style>
-      </p:cxnSp>
-      <p:cxnSp>
-        <p:nvCxnSpPr>
-          <p:cNvPr id="18" name="Straight Connector 17">
-            <a:extLst>
-              <a:ext uri="{FF2B5EF4-FFF2-40B4-BE49-F238E27FC236}">
-                <a16:creationId xmlns:a16="http://schemas.microsoft.com/office/drawing/2014/main" id="{C39BC865-E459-411F-92F0-074B4E758BD1}"/>
-              </a:ext>
-            </a:extLst>
-          </p:cNvPr>
-          <p:cNvCxnSpPr>
-            <a:cxnSpLocks/>
-          </p:cNvCxnSpPr>
-          <p:nvPr/>
-        </p:nvCxnSpPr>
-        <p:spPr>
-          <a:xfrm flipV="1">
-            <a:off x="1524000" y="6015357"/>
-            <a:ext cx="0" cy="189390"/>
-          </a:xfrm>
-          <a:prstGeom prst="line">
-            <a:avLst/>
-          </a:prstGeom>
-          <a:ln w="38100">
-            <a:solidFill>
-              <a:schemeClr val="tx1">
-                <a:lumMod val="50000"/>
-                <a:lumOff val="50000"/>
-              </a:schemeClr>
-            </a:solidFill>
-          </a:ln>
-        </p:spPr>
-        <p:style>
-          <a:lnRef idx="1">
-            <a:schemeClr val="accent1"/>
-          </a:lnRef>
-          <a:fillRef idx="0">
-            <a:schemeClr val="accent1"/>
-          </a:fillRef>
-          <a:effectRef idx="0">
-            <a:schemeClr val="accent1"/>
-          </a:effectRef>
-          <a:fontRef idx="minor">
-            <a:schemeClr val="tx1"/>
-          </a:fontRef>
-        </p:style>
-      </p:cxnSp>
-      <p:cxnSp>
-        <p:nvCxnSpPr>
-          <p:cNvPr id="19" name="Straight Connector 18">
-            <a:extLst>
-              <a:ext uri="{FF2B5EF4-FFF2-40B4-BE49-F238E27FC236}">
-                <a16:creationId xmlns:a16="http://schemas.microsoft.com/office/drawing/2014/main" id="{4A4194B2-843C-4AE9-9F18-C4160E0A3DEF}"/>
-              </a:ext>
-            </a:extLst>
-          </p:cNvPr>
-          <p:cNvCxnSpPr>
-            <a:cxnSpLocks/>
-          </p:cNvCxnSpPr>
-          <p:nvPr/>
-        </p:nvCxnSpPr>
-        <p:spPr>
-          <a:xfrm flipV="1">
-            <a:off x="2439670" y="6019167"/>
-            <a:ext cx="0" cy="189390"/>
-          </a:xfrm>
-          <a:prstGeom prst="line">
-            <a:avLst/>
-          </a:prstGeom>
-          <a:ln w="38100">
-            <a:solidFill>
-              <a:schemeClr val="tx1">
-                <a:lumMod val="50000"/>
-                <a:lumOff val="50000"/>
-              </a:schemeClr>
-            </a:solidFill>
-          </a:ln>
-        </p:spPr>
-        <p:style>
-          <a:lnRef idx="1">
-            <a:schemeClr val="accent1"/>
-          </a:lnRef>
-          <a:fillRef idx="0">
-            <a:schemeClr val="accent1"/>
-          </a:fillRef>
-          <a:effectRef idx="0">
-            <a:schemeClr val="accent1"/>
-          </a:effectRef>
-          <a:fontRef idx="minor">
-            <a:schemeClr val="tx1"/>
-          </a:fontRef>
-        </p:style>
-      </p:cxnSp>
-      <p:cxnSp>
-        <p:nvCxnSpPr>
-          <p:cNvPr id="21" name="Straight Connector 20">
-            <a:extLst>
-              <a:ext uri="{FF2B5EF4-FFF2-40B4-BE49-F238E27FC236}">
-                <a16:creationId xmlns:a16="http://schemas.microsoft.com/office/drawing/2014/main" id="{8652A2AF-5E32-469D-9F28-23488C92BB24}"/>
-              </a:ext>
-            </a:extLst>
-          </p:cNvPr>
-          <p:cNvCxnSpPr>
-            <a:cxnSpLocks/>
-          </p:cNvCxnSpPr>
-          <p:nvPr/>
-        </p:nvCxnSpPr>
-        <p:spPr>
-          <a:xfrm flipV="1">
-            <a:off x="3354324" y="6010658"/>
-            <a:ext cx="0" cy="189390"/>
-          </a:xfrm>
-          <a:prstGeom prst="line">
-            <a:avLst/>
-          </a:prstGeom>
-          <a:ln w="38100">
-            <a:solidFill>
-              <a:schemeClr val="tx1">
-                <a:lumMod val="50000"/>
-                <a:lumOff val="50000"/>
-              </a:schemeClr>
-            </a:solidFill>
-          </a:ln>
-        </p:spPr>
-        <p:style>
-          <a:lnRef idx="1">
-            <a:schemeClr val="accent1"/>
-          </a:lnRef>
-          <a:fillRef idx="0">
-            <a:schemeClr val="accent1"/>
-          </a:fillRef>
-          <a:effectRef idx="0">
-            <a:schemeClr val="accent1"/>
-          </a:effectRef>
-          <a:fontRef idx="minor">
-            <a:schemeClr val="tx1"/>
-          </a:fontRef>
-        </p:style>
-      </p:cxnSp>
-      <p:cxnSp>
-        <p:nvCxnSpPr>
-          <p:cNvPr id="22" name="Straight Connector 21">
-            <a:extLst>
-              <a:ext uri="{FF2B5EF4-FFF2-40B4-BE49-F238E27FC236}">
-                <a16:creationId xmlns:a16="http://schemas.microsoft.com/office/drawing/2014/main" id="{D24210DF-A34E-42B0-A1FA-C44196C0CD1F}"/>
-              </a:ext>
-            </a:extLst>
-          </p:cNvPr>
-          <p:cNvCxnSpPr>
-            <a:cxnSpLocks/>
-          </p:cNvCxnSpPr>
-          <p:nvPr/>
-        </p:nvCxnSpPr>
-        <p:spPr>
-          <a:xfrm flipV="1">
-            <a:off x="4264914" y="6015738"/>
-            <a:ext cx="0" cy="189390"/>
-          </a:xfrm>
-          <a:prstGeom prst="line">
-            <a:avLst/>
-          </a:prstGeom>
-          <a:ln w="38100">
-            <a:solidFill>
-              <a:schemeClr val="tx1">
-                <a:lumMod val="50000"/>
-                <a:lumOff val="50000"/>
-              </a:schemeClr>
-            </a:solidFill>
-          </a:ln>
-        </p:spPr>
-        <p:style>
-          <a:lnRef idx="1">
-            <a:schemeClr val="accent1"/>
-          </a:lnRef>
-          <a:fillRef idx="0">
-            <a:schemeClr val="accent1"/>
-          </a:fillRef>
-          <a:effectRef idx="0">
-            <a:schemeClr val="accent1"/>
-          </a:effectRef>
-          <a:fontRef idx="minor">
-            <a:schemeClr val="tx1"/>
-          </a:fontRef>
-        </p:style>
-      </p:cxnSp>
-      <p:cxnSp>
-        <p:nvCxnSpPr>
-          <p:cNvPr id="23" name="Straight Connector 22">
-            <a:extLst>
-              <a:ext uri="{FF2B5EF4-FFF2-40B4-BE49-F238E27FC236}">
-                <a16:creationId xmlns:a16="http://schemas.microsoft.com/office/drawing/2014/main" id="{85C9D868-A80C-46DD-9007-6A4E3CF56AD6}"/>
-              </a:ext>
-            </a:extLst>
-          </p:cNvPr>
-          <p:cNvCxnSpPr>
-            <a:cxnSpLocks/>
-          </p:cNvCxnSpPr>
-          <p:nvPr/>
-        </p:nvCxnSpPr>
-        <p:spPr>
-          <a:xfrm flipV="1">
-            <a:off x="5180584" y="6015738"/>
-            <a:ext cx="0" cy="189390"/>
-          </a:xfrm>
-          <a:prstGeom prst="line">
-            <a:avLst/>
-          </a:prstGeom>
-          <a:ln w="38100">
-            <a:solidFill>
-              <a:schemeClr val="tx1">
-                <a:lumMod val="50000"/>
-                <a:lumOff val="50000"/>
-              </a:schemeClr>
-            </a:solidFill>
-          </a:ln>
-        </p:spPr>
-        <p:style>
-          <a:lnRef idx="1">
-            <a:schemeClr val="accent1"/>
-          </a:lnRef>
-          <a:fillRef idx="0">
-            <a:schemeClr val="accent1"/>
-          </a:fillRef>
-          <a:effectRef idx="0">
-            <a:schemeClr val="accent1"/>
-          </a:effectRef>
-          <a:fontRef idx="minor">
-            <a:schemeClr val="tx1"/>
-          </a:fontRef>
-        </p:style>
-      </p:cxnSp>
-      <p:sp>
-        <p:nvSpPr>
-          <p:cNvPr id="24" name="TextBox 23">
-            <a:extLst>
-              <a:ext uri="{FF2B5EF4-FFF2-40B4-BE49-F238E27FC236}">
-                <a16:creationId xmlns:a16="http://schemas.microsoft.com/office/drawing/2014/main" id="{3B5D9F75-5A0B-4272-B0BB-A9AFB7C02D9F}"/>
-              </a:ext>
-            </a:extLst>
-          </p:cNvPr>
-          <p:cNvSpPr txBox="1"/>
-          <p:nvPr/>
-        </p:nvSpPr>
-        <p:spPr>
-          <a:xfrm>
-            <a:off x="490105" y="6165098"/>
-            <a:ext cx="1773382" cy="369332"/>
-          </a:xfrm>
-          <a:prstGeom prst="rect">
-            <a:avLst/>
-          </a:prstGeom>
-          <a:noFill/>
-        </p:spPr>
-        <p:txBody>
-          <a:bodyPr wrap="square" rtlCol="0">
-            <a:spAutoFit/>
-          </a:bodyPr>
-          <a:lstStyle/>
-          <a:p>
-            <a:r>
-              <a:rPr lang="en-US" dirty="0">
-                <a:solidFill>
-                  <a:schemeClr val="tx1">
-                    <a:lumMod val="50000"/>
-                    <a:lumOff val="50000"/>
-                  </a:schemeClr>
-                </a:solidFill>
-                <a:latin typeface="Source Sans Pro" panose="020B0503030403020204" pitchFamily="34" charset="0"/>
-                <a:ea typeface="Source Sans Pro" panose="020B0503030403020204" pitchFamily="34" charset="0"/>
-              </a:rPr>
-              <a:t>2010</a:t>
-            </a:r>
-          </a:p>
-        </p:txBody>
-      </p:sp>
-      <p:sp>
-        <p:nvSpPr>
-          <p:cNvPr id="25" name="TextBox 24">
-            <a:extLst>
-              <a:ext uri="{FF2B5EF4-FFF2-40B4-BE49-F238E27FC236}">
-                <a16:creationId xmlns:a16="http://schemas.microsoft.com/office/drawing/2014/main" id="{84E500EC-CD76-41A8-AB3C-641C0EA117DD}"/>
-              </a:ext>
-            </a:extLst>
-          </p:cNvPr>
-          <p:cNvSpPr txBox="1"/>
-          <p:nvPr/>
-        </p:nvSpPr>
-        <p:spPr>
-          <a:xfrm>
-            <a:off x="1311473" y="6165098"/>
-            <a:ext cx="423977" cy="369332"/>
-          </a:xfrm>
-          <a:prstGeom prst="rect">
-            <a:avLst/>
-          </a:prstGeom>
-          <a:noFill/>
-        </p:spPr>
-        <p:txBody>
-          <a:bodyPr wrap="square" rtlCol="0">
-            <a:spAutoFit/>
-          </a:bodyPr>
-          <a:lstStyle/>
-          <a:p>
-            <a:r>
-              <a:rPr lang="en-US" dirty="0">
-                <a:solidFill>
-                  <a:schemeClr val="tx1">
-                    <a:lumMod val="50000"/>
-                    <a:lumOff val="50000"/>
-                  </a:schemeClr>
-                </a:solidFill>
-                <a:latin typeface="Source Sans Pro" panose="020B0503030403020204" pitchFamily="34" charset="0"/>
-                <a:ea typeface="Source Sans Pro" panose="020B0503030403020204" pitchFamily="34" charset="0"/>
-              </a:rPr>
-              <a:t>12</a:t>
-            </a:r>
-          </a:p>
-        </p:txBody>
-      </p:sp>
-      <p:sp>
-        <p:nvSpPr>
-          <p:cNvPr id="26" name="TextBox 25">
-            <a:extLst>
-              <a:ext uri="{FF2B5EF4-FFF2-40B4-BE49-F238E27FC236}">
-                <a16:creationId xmlns:a16="http://schemas.microsoft.com/office/drawing/2014/main" id="{4B2B25AD-E411-482C-9F0D-2D2C81918244}"/>
-              </a:ext>
-            </a:extLst>
-          </p:cNvPr>
-          <p:cNvSpPr txBox="1"/>
-          <p:nvPr/>
-        </p:nvSpPr>
-        <p:spPr>
-          <a:xfrm>
-            <a:off x="2222062" y="6165098"/>
-            <a:ext cx="423977" cy="369332"/>
-          </a:xfrm>
-          <a:prstGeom prst="rect">
-            <a:avLst/>
-          </a:prstGeom>
-          <a:noFill/>
-        </p:spPr>
-        <p:txBody>
-          <a:bodyPr wrap="square" rtlCol="0">
-            <a:spAutoFit/>
-          </a:bodyPr>
-          <a:lstStyle/>
-          <a:p>
-            <a:r>
-              <a:rPr lang="en-US" dirty="0">
-                <a:solidFill>
-                  <a:schemeClr val="tx1">
-                    <a:lumMod val="50000"/>
-                    <a:lumOff val="50000"/>
-                  </a:schemeClr>
-                </a:solidFill>
-                <a:latin typeface="Source Sans Pro" panose="020B0503030403020204" pitchFamily="34" charset="0"/>
-                <a:ea typeface="Source Sans Pro" panose="020B0503030403020204" pitchFamily="34" charset="0"/>
-              </a:rPr>
-              <a:t>14</a:t>
-            </a:r>
-          </a:p>
-        </p:txBody>
-      </p:sp>
-      <p:sp>
-        <p:nvSpPr>
-          <p:cNvPr id="27" name="TextBox 26">
-            <a:extLst>
-              <a:ext uri="{FF2B5EF4-FFF2-40B4-BE49-F238E27FC236}">
-                <a16:creationId xmlns:a16="http://schemas.microsoft.com/office/drawing/2014/main" id="{CFD4DBAD-1EED-4826-9372-38D4EF2F59FE}"/>
-              </a:ext>
-            </a:extLst>
-          </p:cNvPr>
-          <p:cNvSpPr txBox="1"/>
-          <p:nvPr/>
-        </p:nvSpPr>
-        <p:spPr>
-          <a:xfrm>
-            <a:off x="3148341" y="6165098"/>
-            <a:ext cx="423977" cy="369332"/>
-          </a:xfrm>
-          <a:prstGeom prst="rect">
-            <a:avLst/>
-          </a:prstGeom>
-          <a:noFill/>
-        </p:spPr>
-        <p:txBody>
-          <a:bodyPr wrap="square" rtlCol="0">
-            <a:spAutoFit/>
-          </a:bodyPr>
-          <a:lstStyle/>
-          <a:p>
-            <a:r>
-              <a:rPr lang="en-US" dirty="0">
-                <a:solidFill>
-                  <a:schemeClr val="tx1">
-                    <a:lumMod val="50000"/>
-                    <a:lumOff val="50000"/>
-                  </a:schemeClr>
-                </a:solidFill>
-                <a:latin typeface="Source Sans Pro" panose="020B0503030403020204" pitchFamily="34" charset="0"/>
-                <a:ea typeface="Source Sans Pro" panose="020B0503030403020204" pitchFamily="34" charset="0"/>
-              </a:rPr>
-              <a:t>16</a:t>
-            </a:r>
-          </a:p>
-        </p:txBody>
-      </p:sp>
-      <p:sp>
-        <p:nvSpPr>
-          <p:cNvPr id="28" name="TextBox 27">
-            <a:extLst>
-              <a:ext uri="{FF2B5EF4-FFF2-40B4-BE49-F238E27FC236}">
-                <a16:creationId xmlns:a16="http://schemas.microsoft.com/office/drawing/2014/main" id="{513E6611-0EED-4F13-AB94-0B15EBAE5C54}"/>
-              </a:ext>
-            </a:extLst>
-          </p:cNvPr>
-          <p:cNvSpPr txBox="1"/>
-          <p:nvPr/>
-        </p:nvSpPr>
-        <p:spPr>
-          <a:xfrm>
-            <a:off x="4052385" y="6167897"/>
-            <a:ext cx="423977" cy="369332"/>
-          </a:xfrm>
-          <a:prstGeom prst="rect">
-            <a:avLst/>
-          </a:prstGeom>
-          <a:noFill/>
-        </p:spPr>
-        <p:txBody>
-          <a:bodyPr wrap="square" rtlCol="0">
-            <a:spAutoFit/>
-          </a:bodyPr>
-          <a:lstStyle/>
-          <a:p>
-            <a:r>
-              <a:rPr lang="en-US" dirty="0">
-                <a:solidFill>
-                  <a:schemeClr val="tx1">
-                    <a:lumMod val="50000"/>
-                    <a:lumOff val="50000"/>
-                  </a:schemeClr>
-                </a:solidFill>
-                <a:latin typeface="Source Sans Pro" panose="020B0503030403020204" pitchFamily="34" charset="0"/>
-                <a:ea typeface="Source Sans Pro" panose="020B0503030403020204" pitchFamily="34" charset="0"/>
-              </a:rPr>
-              <a:t>18</a:t>
-            </a:r>
-          </a:p>
-        </p:txBody>
-      </p:sp>
-      <p:sp>
-        <p:nvSpPr>
-          <p:cNvPr id="29" name="TextBox 28">
-            <a:extLst>
-              <a:ext uri="{FF2B5EF4-FFF2-40B4-BE49-F238E27FC236}">
-                <a16:creationId xmlns:a16="http://schemas.microsoft.com/office/drawing/2014/main" id="{F6F40F13-0820-464C-A5D2-3277CBEAB007}"/>
-              </a:ext>
-            </a:extLst>
-          </p:cNvPr>
-          <p:cNvSpPr txBox="1"/>
-          <p:nvPr/>
-        </p:nvSpPr>
-        <p:spPr>
-          <a:xfrm>
-            <a:off x="4955193" y="6165098"/>
-            <a:ext cx="423977" cy="369332"/>
-          </a:xfrm>
-          <a:prstGeom prst="rect">
-            <a:avLst/>
-          </a:prstGeom>
-          <a:noFill/>
-        </p:spPr>
-        <p:txBody>
-          <a:bodyPr wrap="square" rtlCol="0">
-            <a:spAutoFit/>
-          </a:bodyPr>
-          <a:lstStyle/>
-          <a:p>
-            <a:r>
-              <a:rPr lang="en-US" dirty="0">
-                <a:solidFill>
-                  <a:schemeClr val="tx1">
-                    <a:lumMod val="50000"/>
-                    <a:lumOff val="50000"/>
-                  </a:schemeClr>
-                </a:solidFill>
-                <a:latin typeface="Source Sans Pro" panose="020B0503030403020204" pitchFamily="34" charset="0"/>
-                <a:ea typeface="Source Sans Pro" panose="020B0503030403020204" pitchFamily="34" charset="0"/>
-              </a:rPr>
-              <a:t>20</a:t>
-            </a:r>
-          </a:p>
-        </p:txBody>
-      </p:sp>
-      <p:sp>
-        <p:nvSpPr>
-          <p:cNvPr id="30" name="TextBox 29">
-            <a:extLst>
-              <a:ext uri="{FF2B5EF4-FFF2-40B4-BE49-F238E27FC236}">
-                <a16:creationId xmlns:a16="http://schemas.microsoft.com/office/drawing/2014/main" id="{F444B6D5-7B4D-4B21-B33C-60E30D88A7DB}"/>
-              </a:ext>
-            </a:extLst>
-          </p:cNvPr>
-          <p:cNvSpPr txBox="1"/>
-          <p:nvPr/>
-        </p:nvSpPr>
-        <p:spPr>
-          <a:xfrm>
-            <a:off x="5898182" y="6165098"/>
-            <a:ext cx="423978" cy="369332"/>
-          </a:xfrm>
-          <a:prstGeom prst="rect">
-            <a:avLst/>
-          </a:prstGeom>
-          <a:noFill/>
-        </p:spPr>
-        <p:txBody>
-          <a:bodyPr wrap="square" rtlCol="0">
-            <a:spAutoFit/>
-          </a:bodyPr>
-          <a:lstStyle/>
-          <a:p>
-            <a:r>
-              <a:rPr lang="en-US" dirty="0">
-                <a:solidFill>
-                  <a:schemeClr val="tx1">
-                    <a:lumMod val="50000"/>
-                    <a:lumOff val="50000"/>
-                  </a:schemeClr>
-                </a:solidFill>
-                <a:latin typeface="Source Sans Pro" panose="020B0503030403020204" pitchFamily="34" charset="0"/>
-                <a:ea typeface="Source Sans Pro" panose="020B0503030403020204" pitchFamily="34" charset="0"/>
-              </a:rPr>
-              <a:t>22</a:t>
-            </a:r>
-          </a:p>
-        </p:txBody>
-      </p:sp>
-      <p:cxnSp>
-        <p:nvCxnSpPr>
-          <p:cNvPr id="31" name="Straight Connector 30">
-            <a:extLst>
-              <a:ext uri="{FF2B5EF4-FFF2-40B4-BE49-F238E27FC236}">
-                <a16:creationId xmlns:a16="http://schemas.microsoft.com/office/drawing/2014/main" id="{DAB52994-8B05-4E0F-8C56-ADF33C4C7483}"/>
-              </a:ext>
-            </a:extLst>
-          </p:cNvPr>
-          <p:cNvCxnSpPr>
-            <a:cxnSpLocks/>
-          </p:cNvCxnSpPr>
-          <p:nvPr/>
-        </p:nvCxnSpPr>
-        <p:spPr>
-          <a:xfrm flipV="1">
-            <a:off x="6094984" y="6016627"/>
-            <a:ext cx="0" cy="189390"/>
-          </a:xfrm>
-          <a:prstGeom prst="line">
-            <a:avLst/>
-          </a:prstGeom>
-          <a:ln w="38100">
-            <a:solidFill>
-              <a:schemeClr val="tx1">
-                <a:lumMod val="50000"/>
-                <a:lumOff val="50000"/>
-              </a:schemeClr>
-            </a:solidFill>
-          </a:ln>
-        </p:spPr>
-        <p:style>
-          <a:lnRef idx="1">
-            <a:schemeClr val="accent1"/>
-          </a:lnRef>
-          <a:fillRef idx="0">
-            <a:schemeClr val="accent1"/>
-          </a:fillRef>
-          <a:effectRef idx="0">
-            <a:schemeClr val="accent1"/>
-          </a:effectRef>
-          <a:fontRef idx="minor">
-            <a:schemeClr val="tx1"/>
-          </a:fontRef>
-        </p:style>
-      </p:cxnSp>
-      <p:cxnSp>
-        <p:nvCxnSpPr>
-          <p:cNvPr id="32" name="Straight Connector 31">
-            <a:extLst>
-              <a:ext uri="{FF2B5EF4-FFF2-40B4-BE49-F238E27FC236}">
-                <a16:creationId xmlns:a16="http://schemas.microsoft.com/office/drawing/2014/main" id="{E7D83356-448F-4917-BAB0-2F5B53EEEEF3}"/>
-              </a:ext>
-            </a:extLst>
-          </p:cNvPr>
-          <p:cNvCxnSpPr/>
-          <p:nvPr/>
-        </p:nvCxnSpPr>
-        <p:spPr>
-          <a:xfrm>
-            <a:off x="616148" y="4370867"/>
-            <a:ext cx="1828800" cy="0"/>
-          </a:xfrm>
-          <a:prstGeom prst="line">
-            <a:avLst/>
-          </a:prstGeom>
-          <a:ln w="38100">
-            <a:solidFill>
-              <a:srgbClr val="F3509B"/>
-            </a:solidFill>
-            <a:headEnd type="oval" w="med" len="med"/>
-            <a:tailEnd type="oval" w="med" len="med"/>
-          </a:ln>
-        </p:spPr>
-        <p:style>
-          <a:lnRef idx="1">
-            <a:schemeClr val="accent1"/>
-          </a:lnRef>
-          <a:fillRef idx="0">
-            <a:schemeClr val="accent1"/>
-          </a:fillRef>
-          <a:effectRef idx="0">
-            <a:schemeClr val="accent1"/>
-          </a:effectRef>
-          <a:fontRef idx="minor">
-            <a:schemeClr val="tx1"/>
-          </a:fontRef>
-        </p:style>
-      </p:cxnSp>
-      <p:cxnSp>
-        <p:nvCxnSpPr>
-          <p:cNvPr id="33" name="Straight Connector 32">
-            <a:extLst>
-              <a:ext uri="{FF2B5EF4-FFF2-40B4-BE49-F238E27FC236}">
-                <a16:creationId xmlns:a16="http://schemas.microsoft.com/office/drawing/2014/main" id="{68EAC85E-12D0-4A66-BA00-E60277042635}"/>
-              </a:ext>
-            </a:extLst>
-          </p:cNvPr>
-          <p:cNvCxnSpPr/>
-          <p:nvPr/>
-        </p:nvCxnSpPr>
-        <p:spPr>
-          <a:xfrm>
-            <a:off x="2439924" y="5264947"/>
-            <a:ext cx="914400" cy="0"/>
-          </a:xfrm>
-          <a:prstGeom prst="line">
-            <a:avLst/>
-          </a:prstGeom>
-          <a:ln w="38100">
-            <a:solidFill>
-              <a:srgbClr val="F3509B"/>
-            </a:solidFill>
-            <a:headEnd type="oval" w="med" len="med"/>
-            <a:tailEnd type="oval" w="med" len="med"/>
-          </a:ln>
-        </p:spPr>
-        <p:style>
-          <a:lnRef idx="1">
-            <a:schemeClr val="accent1"/>
-          </a:lnRef>
-          <a:fillRef idx="0">
-            <a:schemeClr val="accent1"/>
-          </a:fillRef>
-          <a:effectRef idx="0">
-            <a:schemeClr val="accent1"/>
-          </a:effectRef>
-          <a:fontRef idx="minor">
-            <a:schemeClr val="tx1"/>
-          </a:fontRef>
-        </p:style>
-      </p:cxnSp>
-      <p:cxnSp>
-        <p:nvCxnSpPr>
-          <p:cNvPr id="34" name="Straight Connector 33">
-            <a:extLst>
-              <a:ext uri="{FF2B5EF4-FFF2-40B4-BE49-F238E27FC236}">
-                <a16:creationId xmlns:a16="http://schemas.microsoft.com/office/drawing/2014/main" id="{8A853190-1C63-4A99-AC47-89FD90690B30}"/>
-              </a:ext>
-            </a:extLst>
-          </p:cNvPr>
-          <p:cNvCxnSpPr/>
-          <p:nvPr/>
-        </p:nvCxnSpPr>
-        <p:spPr>
-          <a:xfrm>
-            <a:off x="3354324" y="3437577"/>
-            <a:ext cx="914400" cy="0"/>
-          </a:xfrm>
-          <a:prstGeom prst="line">
-            <a:avLst/>
-          </a:prstGeom>
-          <a:ln w="38100">
-            <a:solidFill>
-              <a:srgbClr val="F3509B"/>
-            </a:solidFill>
-            <a:headEnd type="oval" w="med" len="med"/>
-            <a:tailEnd type="oval" w="med" len="med"/>
-          </a:ln>
-        </p:spPr>
-        <p:style>
-          <a:lnRef idx="1">
-            <a:schemeClr val="accent1"/>
-          </a:lnRef>
-          <a:fillRef idx="0">
-            <a:schemeClr val="accent1"/>
-          </a:fillRef>
-          <a:effectRef idx="0">
-            <a:schemeClr val="accent1"/>
-          </a:effectRef>
-          <a:fontRef idx="minor">
-            <a:schemeClr val="tx1"/>
-          </a:fontRef>
-        </p:style>
-      </p:cxnSp>
-      <p:cxnSp>
-        <p:nvCxnSpPr>
-          <p:cNvPr id="35" name="Straight Connector 34">
-            <a:extLst>
-              <a:ext uri="{FF2B5EF4-FFF2-40B4-BE49-F238E27FC236}">
-                <a16:creationId xmlns:a16="http://schemas.microsoft.com/office/drawing/2014/main" id="{86C53388-D65A-4F73-8EE1-A6BD3B1EE902}"/>
-              </a:ext>
-            </a:extLst>
-          </p:cNvPr>
-          <p:cNvCxnSpPr/>
-          <p:nvPr/>
-        </p:nvCxnSpPr>
-        <p:spPr>
-          <a:xfrm>
-            <a:off x="4266184" y="2516815"/>
-            <a:ext cx="1828800" cy="0"/>
-          </a:xfrm>
-          <a:prstGeom prst="line">
-            <a:avLst/>
-          </a:prstGeom>
-          <a:ln w="38100">
-            <a:solidFill>
-              <a:srgbClr val="F3509B"/>
-            </a:solidFill>
-            <a:headEnd type="oval" w="med" len="med"/>
-            <a:tailEnd type="oval" w="med" len="med"/>
-          </a:ln>
-        </p:spPr>
-        <p:style>
-          <a:lnRef idx="1">
-            <a:schemeClr val="accent1"/>
-          </a:lnRef>
-          <a:fillRef idx="0">
-            <a:schemeClr val="accent1"/>
-          </a:fillRef>
-          <a:effectRef idx="0">
-            <a:schemeClr val="accent1"/>
-          </a:effectRef>
-          <a:fontRef idx="minor">
-            <a:schemeClr val="tx1"/>
-          </a:fontRef>
-        </p:style>
-      </p:cxnSp>
-      <p:sp>
-        <p:nvSpPr>
-          <p:cNvPr id="36" name="TextBox 35">
-            <a:extLst>
-              <a:ext uri="{FF2B5EF4-FFF2-40B4-BE49-F238E27FC236}">
-                <a16:creationId xmlns:a16="http://schemas.microsoft.com/office/drawing/2014/main" id="{9D930D4E-5010-4764-AA26-06CA7288F785}"/>
-              </a:ext>
-            </a:extLst>
-          </p:cNvPr>
-          <p:cNvSpPr txBox="1"/>
-          <p:nvPr/>
-        </p:nvSpPr>
-        <p:spPr>
-          <a:xfrm>
-            <a:off x="806450" y="4384858"/>
-            <a:ext cx="1773382" cy="646331"/>
-          </a:xfrm>
-          <a:prstGeom prst="rect">
-            <a:avLst/>
-          </a:prstGeom>
-          <a:noFill/>
-        </p:spPr>
-        <p:txBody>
-          <a:bodyPr wrap="square" rtlCol="0">
-            <a:spAutoFit/>
-          </a:bodyPr>
-          <a:lstStyle/>
-          <a:p>
-            <a:pPr algn="r"/>
-            <a:r>
-              <a:rPr lang="en-US" dirty="0">
-                <a:solidFill>
-                  <a:schemeClr val="tx1">
-                    <a:lumMod val="50000"/>
-                    <a:lumOff val="50000"/>
-                  </a:schemeClr>
-                </a:solidFill>
-                <a:latin typeface="Source Sans Pro" panose="020B0503030403020204" pitchFamily="34" charset="0"/>
-                <a:ea typeface="Source Sans Pro" panose="020B0503030403020204" pitchFamily="34" charset="0"/>
-              </a:rPr>
-              <a:t>B.Tech. in </a:t>
-            </a:r>
-          </a:p>
-          <a:p>
-            <a:pPr algn="r"/>
-            <a:r>
-              <a:rPr lang="en-US" dirty="0">
-                <a:solidFill>
-                  <a:schemeClr val="tx1">
-                    <a:lumMod val="50000"/>
-                    <a:lumOff val="50000"/>
-                  </a:schemeClr>
-                </a:solidFill>
-                <a:latin typeface="Source Sans Pro" panose="020B0503030403020204" pitchFamily="34" charset="0"/>
-                <a:ea typeface="Source Sans Pro" panose="020B0503030403020204" pitchFamily="34" charset="0"/>
-              </a:rPr>
-              <a:t>Civil Engg.</a:t>
-            </a:r>
-          </a:p>
-        </p:txBody>
-      </p:sp>
-      <p:sp>
-        <p:nvSpPr>
-          <p:cNvPr id="38" name="TextBox 37">
-            <a:extLst>
-              <a:ext uri="{FF2B5EF4-FFF2-40B4-BE49-F238E27FC236}">
-                <a16:creationId xmlns:a16="http://schemas.microsoft.com/office/drawing/2014/main" id="{4DF7FB48-5611-4937-85BB-CC291C61261F}"/>
-              </a:ext>
-            </a:extLst>
-          </p:cNvPr>
-          <p:cNvSpPr txBox="1"/>
-          <p:nvPr/>
-        </p:nvSpPr>
-        <p:spPr>
-          <a:xfrm>
-            <a:off x="1693141" y="5281613"/>
-            <a:ext cx="1773382" cy="646331"/>
-          </a:xfrm>
-          <a:prstGeom prst="rect">
-            <a:avLst/>
-          </a:prstGeom>
-          <a:noFill/>
-        </p:spPr>
-        <p:txBody>
-          <a:bodyPr wrap="square" rtlCol="0">
-            <a:spAutoFit/>
-          </a:bodyPr>
-          <a:lstStyle/>
-          <a:p>
-            <a:pPr algn="r"/>
-            <a:r>
-              <a:rPr lang="en-US" dirty="0">
-                <a:solidFill>
-                  <a:schemeClr val="tx1">
-                    <a:lumMod val="50000"/>
-                    <a:lumOff val="50000"/>
-                  </a:schemeClr>
-                </a:solidFill>
-                <a:latin typeface="Source Sans Pro" panose="020B0503030403020204" pitchFamily="34" charset="0"/>
-                <a:ea typeface="Source Sans Pro" panose="020B0503030403020204" pitchFamily="34" charset="0"/>
-              </a:rPr>
-              <a:t>Field Engg. </a:t>
-            </a:r>
-          </a:p>
-          <a:p>
-            <a:pPr algn="r"/>
-            <a:r>
-              <a:rPr lang="en-US" dirty="0">
-                <a:solidFill>
-                  <a:schemeClr val="tx1">
-                    <a:lumMod val="50000"/>
-                    <a:lumOff val="50000"/>
-                  </a:schemeClr>
-                </a:solidFill>
-                <a:latin typeface="Source Sans Pro" panose="020B0503030403020204" pitchFamily="34" charset="0"/>
-                <a:ea typeface="Source Sans Pro" panose="020B0503030403020204" pitchFamily="34" charset="0"/>
-              </a:rPr>
-              <a:t>in oil &amp; gas</a:t>
-            </a:r>
-          </a:p>
-        </p:txBody>
-      </p:sp>
-      <p:sp>
-        <p:nvSpPr>
-          <p:cNvPr id="40" name="TextBox 39">
-            <a:extLst>
-              <a:ext uri="{FF2B5EF4-FFF2-40B4-BE49-F238E27FC236}">
-                <a16:creationId xmlns:a16="http://schemas.microsoft.com/office/drawing/2014/main" id="{0D94B315-3210-4B02-BC99-D84C72891A18}"/>
-              </a:ext>
-            </a:extLst>
-          </p:cNvPr>
-          <p:cNvSpPr txBox="1"/>
-          <p:nvPr/>
-        </p:nvSpPr>
-        <p:spPr>
-          <a:xfrm>
-            <a:off x="2638419" y="3451387"/>
-            <a:ext cx="1773382" cy="646331"/>
-          </a:xfrm>
-          <a:prstGeom prst="rect">
-            <a:avLst/>
-          </a:prstGeom>
-          <a:noFill/>
-        </p:spPr>
-        <p:txBody>
-          <a:bodyPr wrap="square" rtlCol="0">
-            <a:spAutoFit/>
-          </a:bodyPr>
-          <a:lstStyle/>
-          <a:p>
-            <a:pPr algn="r"/>
-            <a:r>
-              <a:rPr lang="en-US" dirty="0">
-                <a:solidFill>
-                  <a:schemeClr val="tx1">
-                    <a:lumMod val="50000"/>
-                    <a:lumOff val="50000"/>
-                  </a:schemeClr>
-                </a:solidFill>
-                <a:latin typeface="Source Sans Pro" panose="020B0503030403020204" pitchFamily="34" charset="0"/>
-                <a:ea typeface="Source Sans Pro" panose="020B0503030403020204" pitchFamily="34" charset="0"/>
-              </a:rPr>
-              <a:t>M.S. in </a:t>
-            </a:r>
-          </a:p>
-          <a:p>
-            <a:pPr algn="r"/>
-            <a:r>
-              <a:rPr lang="en-US" dirty="0">
-                <a:solidFill>
-                  <a:schemeClr val="tx1">
-                    <a:lumMod val="50000"/>
-                    <a:lumOff val="50000"/>
-                  </a:schemeClr>
-                </a:solidFill>
-                <a:latin typeface="Source Sans Pro" panose="020B0503030403020204" pitchFamily="34" charset="0"/>
-                <a:ea typeface="Source Sans Pro" panose="020B0503030403020204" pitchFamily="34" charset="0"/>
-              </a:rPr>
-              <a:t>Hydrology</a:t>
-            </a:r>
-          </a:p>
-        </p:txBody>
-      </p:sp>
-      <p:sp>
-        <p:nvSpPr>
-          <p:cNvPr id="41" name="TextBox 40">
-            <a:extLst>
-              <a:ext uri="{FF2B5EF4-FFF2-40B4-BE49-F238E27FC236}">
-                <a16:creationId xmlns:a16="http://schemas.microsoft.com/office/drawing/2014/main" id="{F8E54FF0-49C7-4EEB-BC7B-447E55EE780C}"/>
-              </a:ext>
-            </a:extLst>
-          </p:cNvPr>
-          <p:cNvSpPr txBox="1"/>
-          <p:nvPr/>
-        </p:nvSpPr>
-        <p:spPr>
-          <a:xfrm>
-            <a:off x="4295394" y="2523290"/>
-            <a:ext cx="1920269" cy="646331"/>
-          </a:xfrm>
-          <a:prstGeom prst="rect">
-            <a:avLst/>
-          </a:prstGeom>
-          <a:noFill/>
-        </p:spPr>
-        <p:txBody>
-          <a:bodyPr wrap="square" rtlCol="0">
-            <a:spAutoFit/>
-          </a:bodyPr>
-          <a:lstStyle/>
-          <a:p>
-            <a:pPr algn="r"/>
-            <a:r>
-              <a:rPr lang="en-US" dirty="0">
-                <a:solidFill>
-                  <a:schemeClr val="tx1">
-                    <a:lumMod val="50000"/>
-                    <a:lumOff val="50000"/>
-                  </a:schemeClr>
-                </a:solidFill>
-                <a:latin typeface="Source Sans Pro" panose="020B0503030403020204" pitchFamily="34" charset="0"/>
-                <a:ea typeface="Source Sans Pro" panose="020B0503030403020204" pitchFamily="34" charset="0"/>
-              </a:rPr>
-              <a:t>Ph.D. in Forest </a:t>
-            </a:r>
-          </a:p>
-          <a:p>
-            <a:pPr algn="r"/>
-            <a:r>
-              <a:rPr lang="en-US" dirty="0">
-                <a:solidFill>
-                  <a:schemeClr val="tx1">
-                    <a:lumMod val="50000"/>
-                    <a:lumOff val="50000"/>
-                  </a:schemeClr>
-                </a:solidFill>
-                <a:latin typeface="Source Sans Pro" panose="020B0503030403020204" pitchFamily="34" charset="0"/>
-                <a:ea typeface="Source Sans Pro" panose="020B0503030403020204" pitchFamily="34" charset="0"/>
-              </a:rPr>
-              <a:t>Health Monitoring</a:t>
-            </a:r>
-          </a:p>
-        </p:txBody>
-      </p:sp>
-      <p:cxnSp>
-        <p:nvCxnSpPr>
-          <p:cNvPr id="42" name="Straight Connector 41">
-            <a:extLst>
-              <a:ext uri="{FF2B5EF4-FFF2-40B4-BE49-F238E27FC236}">
-                <a16:creationId xmlns:a16="http://schemas.microsoft.com/office/drawing/2014/main" id="{0A4C2C7A-FA5C-483F-A1BE-973A4754FF54}"/>
-              </a:ext>
-            </a:extLst>
-          </p:cNvPr>
-          <p:cNvCxnSpPr/>
-          <p:nvPr/>
-        </p:nvCxnSpPr>
-        <p:spPr>
-          <a:xfrm>
-            <a:off x="613410" y="1611940"/>
-            <a:ext cx="5486400" cy="0"/>
-          </a:xfrm>
-          <a:prstGeom prst="line">
-            <a:avLst/>
-          </a:prstGeom>
-          <a:ln w="38100">
-            <a:solidFill>
-              <a:schemeClr val="bg1"/>
-            </a:solidFill>
-          </a:ln>
-        </p:spPr>
-        <p:style>
-          <a:lnRef idx="1">
-            <a:schemeClr val="accent1"/>
-          </a:lnRef>
-          <a:fillRef idx="0">
-            <a:schemeClr val="accent1"/>
-          </a:fillRef>
-          <a:effectRef idx="0">
-            <a:schemeClr val="accent1"/>
-          </a:effectRef>
-          <a:fontRef idx="minor">
-            <a:schemeClr val="tx1"/>
-          </a:fontRef>
-        </p:style>
-      </p:cxnSp>
-      <p:cxnSp>
-        <p:nvCxnSpPr>
-          <p:cNvPr id="43" name="Straight Connector 42">
-            <a:extLst>
-              <a:ext uri="{FF2B5EF4-FFF2-40B4-BE49-F238E27FC236}">
-                <a16:creationId xmlns:a16="http://schemas.microsoft.com/office/drawing/2014/main" id="{95F7DD96-7271-4F45-AA2F-60181D74FF9E}"/>
-              </a:ext>
-            </a:extLst>
-          </p:cNvPr>
-          <p:cNvCxnSpPr/>
-          <p:nvPr/>
-        </p:nvCxnSpPr>
-        <p:spPr>
-          <a:xfrm>
-            <a:off x="661035" y="2608902"/>
-            <a:ext cx="0" cy="731520"/>
-          </a:xfrm>
-          <a:prstGeom prst="line">
-            <a:avLst/>
-          </a:prstGeom>
-          <a:ln w="38100">
-            <a:solidFill>
-              <a:schemeClr val="tx1">
-                <a:lumMod val="50000"/>
-                <a:lumOff val="50000"/>
-              </a:schemeClr>
-            </a:solidFill>
-            <a:headEnd type="triangle" w="lg" len="lg"/>
-          </a:ln>
-        </p:spPr>
-        <p:style>
-          <a:lnRef idx="1">
-            <a:schemeClr val="accent1"/>
-          </a:lnRef>
-          <a:fillRef idx="0">
-            <a:schemeClr val="accent1"/>
-          </a:fillRef>
-          <a:effectRef idx="0">
-            <a:schemeClr val="accent1"/>
-          </a:effectRef>
-          <a:fontRef idx="minor">
-            <a:schemeClr val="tx1"/>
-          </a:fontRef>
-        </p:style>
-      </p:cxnSp>
-      <p:sp>
-        <p:nvSpPr>
-          <p:cNvPr id="44" name="TextBox 43">
-            <a:extLst>
-              <a:ext uri="{FF2B5EF4-FFF2-40B4-BE49-F238E27FC236}">
-                <a16:creationId xmlns:a16="http://schemas.microsoft.com/office/drawing/2014/main" id="{27A13EC8-9555-4BB3-B64B-B87B4008261F}"/>
-              </a:ext>
-            </a:extLst>
-          </p:cNvPr>
-          <p:cNvSpPr txBox="1"/>
-          <p:nvPr/>
-        </p:nvSpPr>
-        <p:spPr>
-          <a:xfrm>
-            <a:off x="733743" y="2538336"/>
-            <a:ext cx="1773382" cy="646331"/>
-          </a:xfrm>
-          <a:prstGeom prst="rect">
-            <a:avLst/>
-          </a:prstGeom>
-          <a:noFill/>
-        </p:spPr>
-        <p:txBody>
-          <a:bodyPr wrap="square" rtlCol="0">
-            <a:spAutoFit/>
-          </a:bodyPr>
-          <a:lstStyle/>
-          <a:p>
-            <a:r>
-              <a:rPr lang="en-US" dirty="0">
-                <a:solidFill>
-                  <a:schemeClr val="tx1">
-                    <a:lumMod val="50000"/>
-                    <a:lumOff val="50000"/>
-                  </a:schemeClr>
-                </a:solidFill>
-                <a:latin typeface="Source Sans Pro" panose="020B0503030403020204" pitchFamily="34" charset="0"/>
-                <a:ea typeface="Source Sans Pro" panose="020B0503030403020204" pitchFamily="34" charset="0"/>
-              </a:rPr>
-              <a:t>Greater focus on sustainability</a:t>
-            </a:r>
-          </a:p>
-        </p:txBody>
-      </p:sp>
-      <p:cxnSp>
-        <p:nvCxnSpPr>
-          <p:cNvPr id="45" name="Straight Connector 44">
-            <a:extLst>
-              <a:ext uri="{FF2B5EF4-FFF2-40B4-BE49-F238E27FC236}">
-                <a16:creationId xmlns:a16="http://schemas.microsoft.com/office/drawing/2014/main" id="{948A953B-26AC-4B8E-843E-FA61055B37C1}"/>
-              </a:ext>
-            </a:extLst>
-          </p:cNvPr>
-          <p:cNvCxnSpPr/>
-          <p:nvPr/>
-        </p:nvCxnSpPr>
-        <p:spPr>
-          <a:xfrm>
-            <a:off x="5527125" y="1613776"/>
-            <a:ext cx="228600" cy="0"/>
-          </a:xfrm>
-          <a:prstGeom prst="line">
-            <a:avLst/>
-          </a:prstGeom>
-          <a:ln w="38100">
-            <a:solidFill>
-              <a:srgbClr val="F3509B"/>
-            </a:solidFill>
-            <a:headEnd type="oval" w="med" len="med"/>
-            <a:tailEnd type="oval" w="med" len="med"/>
-          </a:ln>
-        </p:spPr>
-        <p:style>
-          <a:lnRef idx="1">
-            <a:schemeClr val="accent1"/>
-          </a:lnRef>
-          <a:fillRef idx="0">
-            <a:schemeClr val="accent1"/>
-          </a:fillRef>
-          <a:effectRef idx="0">
-            <a:schemeClr val="accent1"/>
-          </a:effectRef>
-          <a:fontRef idx="minor">
-            <a:schemeClr val="tx1"/>
-          </a:fontRef>
-        </p:style>
-      </p:cxnSp>
-      <p:sp>
-        <p:nvSpPr>
-          <p:cNvPr id="46" name="TextBox 45">
-            <a:extLst>
-              <a:ext uri="{FF2B5EF4-FFF2-40B4-BE49-F238E27FC236}">
-                <a16:creationId xmlns:a16="http://schemas.microsoft.com/office/drawing/2014/main" id="{BAE48C3A-3178-45B0-9209-33AE826503AE}"/>
-              </a:ext>
-            </a:extLst>
-          </p:cNvPr>
-          <p:cNvSpPr txBox="1"/>
-          <p:nvPr/>
-        </p:nvSpPr>
-        <p:spPr>
-          <a:xfrm>
             <a:off x="2263487" y="1620917"/>
             <a:ext cx="3670091" cy="830997"/>
           </a:xfrm>
@@ -6289,1560 +4715,6 @@
     <p:extLst>
       <p:ext uri="{BB962C8B-B14F-4D97-AF65-F5344CB8AC3E}">
         <p14:creationId xmlns:p14="http://schemas.microsoft.com/office/powerpoint/2010/main" val="1238301277"/>
-      </p:ext>
-    </p:extLst>
-  </p:cSld>
-  <p:clrMapOvr>
-    <a:masterClrMapping/>
-  </p:clrMapOvr>
-</p:sld>
-</file>
-
-<file path=ppt/slides/slide5.xml><?xml version="1.0" encoding="utf-8"?>
-<p:sld xmlns:a="http://schemas.openxmlformats.org/drawingml/2006/main" xmlns:r="http://schemas.openxmlformats.org/officeDocument/2006/relationships" xmlns:p="http://schemas.openxmlformats.org/presentationml/2006/main">
-  <p:cSld>
-    <p:spTree>
-      <p:nvGrpSpPr>
-        <p:cNvPr id="1" name=""/>
-        <p:cNvGrpSpPr/>
-        <p:nvPr/>
-      </p:nvGrpSpPr>
-      <p:grpSpPr>
-        <a:xfrm>
-          <a:off x="0" y="0"/>
-          <a:ext cx="0" cy="0"/>
-          <a:chOff x="0" y="0"/>
-          <a:chExt cx="0" cy="0"/>
-        </a:xfrm>
-      </p:grpSpPr>
-      <p:sp>
-        <p:nvSpPr>
-          <p:cNvPr id="8" name="Rectangle 7">
-            <a:extLst>
-              <a:ext uri="{FF2B5EF4-FFF2-40B4-BE49-F238E27FC236}">
-                <a16:creationId xmlns:a16="http://schemas.microsoft.com/office/drawing/2014/main" id="{36413D0F-6DC1-4952-9158-A3EA154CD823}"/>
-              </a:ext>
-            </a:extLst>
-          </p:cNvPr>
-          <p:cNvSpPr/>
-          <p:nvPr/>
-        </p:nvSpPr>
-        <p:spPr>
-          <a:xfrm>
-            <a:off x="361026" y="1377387"/>
-            <a:ext cx="5983893" cy="5157040"/>
-          </a:xfrm>
-          <a:prstGeom prst="rect">
-            <a:avLst/>
-          </a:prstGeom>
-          <a:solidFill>
-            <a:srgbClr val="D6E5EC"/>
-          </a:solidFill>
-          <a:ln>
-            <a:noFill/>
-          </a:ln>
-        </p:spPr>
-        <p:style>
-          <a:lnRef idx="2">
-            <a:schemeClr val="accent1">
-              <a:shade val="50000"/>
-            </a:schemeClr>
-          </a:lnRef>
-          <a:fillRef idx="1">
-            <a:schemeClr val="accent1"/>
-          </a:fillRef>
-          <a:effectRef idx="0">
-            <a:schemeClr val="accent1"/>
-          </a:effectRef>
-          <a:fontRef idx="minor">
-            <a:schemeClr val="lt1"/>
-          </a:fontRef>
-        </p:style>
-        <p:txBody>
-          <a:bodyPr rtlCol="0" anchor="ctr"/>
-          <a:lstStyle/>
-          <a:p>
-            <a:pPr algn="ctr"/>
-            <a:r>
-              <a:rPr lang="en-US" dirty="0"/>
-              <a:t>	</a:t>
-            </a:r>
-          </a:p>
-        </p:txBody>
-      </p:sp>
-      <p:cxnSp>
-        <p:nvCxnSpPr>
-          <p:cNvPr id="10" name="Straight Connector 9">
-            <a:extLst>
-              <a:ext uri="{FF2B5EF4-FFF2-40B4-BE49-F238E27FC236}">
-                <a16:creationId xmlns:a16="http://schemas.microsoft.com/office/drawing/2014/main" id="{B4703372-8057-43C3-89B3-B6CBE97C4463}"/>
-              </a:ext>
-            </a:extLst>
-          </p:cNvPr>
-          <p:cNvCxnSpPr/>
-          <p:nvPr/>
-        </p:nvCxnSpPr>
-        <p:spPr>
-          <a:xfrm>
-            <a:off x="613410" y="5264947"/>
-            <a:ext cx="5486400" cy="0"/>
-          </a:xfrm>
-          <a:prstGeom prst="line">
-            <a:avLst/>
-          </a:prstGeom>
-          <a:ln w="38100">
-            <a:solidFill>
-              <a:schemeClr val="bg1"/>
-            </a:solidFill>
-          </a:ln>
-        </p:spPr>
-        <p:style>
-          <a:lnRef idx="1">
-            <a:schemeClr val="accent1"/>
-          </a:lnRef>
-          <a:fillRef idx="0">
-            <a:schemeClr val="accent1"/>
-          </a:fillRef>
-          <a:effectRef idx="0">
-            <a:schemeClr val="accent1"/>
-          </a:effectRef>
-          <a:fontRef idx="minor">
-            <a:schemeClr val="tx1"/>
-          </a:fontRef>
-        </p:style>
-      </p:cxnSp>
-      <p:cxnSp>
-        <p:nvCxnSpPr>
-          <p:cNvPr id="11" name="Straight Connector 10">
-            <a:extLst>
-              <a:ext uri="{FF2B5EF4-FFF2-40B4-BE49-F238E27FC236}">
-                <a16:creationId xmlns:a16="http://schemas.microsoft.com/office/drawing/2014/main" id="{40FE9042-3420-48CA-A188-4F461FC5DAD4}"/>
-              </a:ext>
-            </a:extLst>
-          </p:cNvPr>
-          <p:cNvCxnSpPr/>
-          <p:nvPr/>
-        </p:nvCxnSpPr>
-        <p:spPr>
-          <a:xfrm>
-            <a:off x="623570" y="2516815"/>
-            <a:ext cx="5486400" cy="0"/>
-          </a:xfrm>
-          <a:prstGeom prst="line">
-            <a:avLst/>
-          </a:prstGeom>
-          <a:ln w="38100">
-            <a:solidFill>
-              <a:schemeClr val="bg1"/>
-            </a:solidFill>
-          </a:ln>
-        </p:spPr>
-        <p:style>
-          <a:lnRef idx="1">
-            <a:schemeClr val="accent1"/>
-          </a:lnRef>
-          <a:fillRef idx="0">
-            <a:schemeClr val="accent1"/>
-          </a:fillRef>
-          <a:effectRef idx="0">
-            <a:schemeClr val="accent1"/>
-          </a:effectRef>
-          <a:fontRef idx="minor">
-            <a:schemeClr val="tx1"/>
-          </a:fontRef>
-        </p:style>
-      </p:cxnSp>
-      <p:cxnSp>
-        <p:nvCxnSpPr>
-          <p:cNvPr id="12" name="Straight Connector 11">
-            <a:extLst>
-              <a:ext uri="{FF2B5EF4-FFF2-40B4-BE49-F238E27FC236}">
-                <a16:creationId xmlns:a16="http://schemas.microsoft.com/office/drawing/2014/main" id="{2156C440-9B2F-49FF-AFE0-6FC84AFB8D76}"/>
-              </a:ext>
-            </a:extLst>
-          </p:cNvPr>
-          <p:cNvCxnSpPr/>
-          <p:nvPr/>
-        </p:nvCxnSpPr>
-        <p:spPr>
-          <a:xfrm>
-            <a:off x="613410" y="3437577"/>
-            <a:ext cx="5486400" cy="0"/>
-          </a:xfrm>
-          <a:prstGeom prst="line">
-            <a:avLst/>
-          </a:prstGeom>
-          <a:ln w="38100">
-            <a:solidFill>
-              <a:schemeClr val="bg1"/>
-            </a:solidFill>
-          </a:ln>
-        </p:spPr>
-        <p:style>
-          <a:lnRef idx="1">
-            <a:schemeClr val="accent1"/>
-          </a:lnRef>
-          <a:fillRef idx="0">
-            <a:schemeClr val="accent1"/>
-          </a:fillRef>
-          <a:effectRef idx="0">
-            <a:schemeClr val="accent1"/>
-          </a:effectRef>
-          <a:fontRef idx="minor">
-            <a:schemeClr val="tx1"/>
-          </a:fontRef>
-        </p:style>
-      </p:cxnSp>
-      <p:cxnSp>
-        <p:nvCxnSpPr>
-          <p:cNvPr id="13" name="Straight Connector 12">
-            <a:extLst>
-              <a:ext uri="{FF2B5EF4-FFF2-40B4-BE49-F238E27FC236}">
-                <a16:creationId xmlns:a16="http://schemas.microsoft.com/office/drawing/2014/main" id="{0B7144C6-9C65-4BE6-AFCD-6080448734C8}"/>
-              </a:ext>
-            </a:extLst>
-          </p:cNvPr>
-          <p:cNvCxnSpPr/>
-          <p:nvPr/>
-        </p:nvCxnSpPr>
-        <p:spPr>
-          <a:xfrm>
-            <a:off x="613410" y="4370867"/>
-            <a:ext cx="5486400" cy="0"/>
-          </a:xfrm>
-          <a:prstGeom prst="line">
-            <a:avLst/>
-          </a:prstGeom>
-          <a:ln w="38100">
-            <a:solidFill>
-              <a:schemeClr val="bg1"/>
-            </a:solidFill>
-          </a:ln>
-        </p:spPr>
-        <p:style>
-          <a:lnRef idx="1">
-            <a:schemeClr val="accent1"/>
-          </a:lnRef>
-          <a:fillRef idx="0">
-            <a:schemeClr val="accent1"/>
-          </a:fillRef>
-          <a:effectRef idx="0">
-            <a:schemeClr val="accent1"/>
-          </a:effectRef>
-          <a:fontRef idx="minor">
-            <a:schemeClr val="tx1"/>
-          </a:fontRef>
-        </p:style>
-      </p:cxnSp>
-      <p:cxnSp>
-        <p:nvCxnSpPr>
-          <p:cNvPr id="14" name="Straight Connector 13">
-            <a:extLst>
-              <a:ext uri="{FF2B5EF4-FFF2-40B4-BE49-F238E27FC236}">
-                <a16:creationId xmlns:a16="http://schemas.microsoft.com/office/drawing/2014/main" id="{DA9F57B5-4B3B-4C43-A4A0-E4D43F6A27B8}"/>
-              </a:ext>
-            </a:extLst>
-          </p:cNvPr>
-          <p:cNvCxnSpPr/>
-          <p:nvPr/>
-        </p:nvCxnSpPr>
-        <p:spPr>
-          <a:xfrm>
-            <a:off x="594360" y="6189507"/>
-            <a:ext cx="5504688" cy="0"/>
-          </a:xfrm>
-          <a:prstGeom prst="line">
-            <a:avLst/>
-          </a:prstGeom>
-          <a:ln w="38100">
-            <a:solidFill>
-              <a:schemeClr val="tx1">
-                <a:lumMod val="50000"/>
-                <a:lumOff val="50000"/>
-              </a:schemeClr>
-            </a:solidFill>
-          </a:ln>
-        </p:spPr>
-        <p:style>
-          <a:lnRef idx="1">
-            <a:schemeClr val="accent1"/>
-          </a:lnRef>
-          <a:fillRef idx="0">
-            <a:schemeClr val="accent1"/>
-          </a:fillRef>
-          <a:effectRef idx="0">
-            <a:schemeClr val="accent1"/>
-          </a:effectRef>
-          <a:fontRef idx="minor">
-            <a:schemeClr val="tx1"/>
-          </a:fontRef>
-        </p:style>
-      </p:cxnSp>
-      <p:cxnSp>
-        <p:nvCxnSpPr>
-          <p:cNvPr id="15" name="Straight Connector 14">
-            <a:extLst>
-              <a:ext uri="{FF2B5EF4-FFF2-40B4-BE49-F238E27FC236}">
-                <a16:creationId xmlns:a16="http://schemas.microsoft.com/office/drawing/2014/main" id="{58E55722-0BE7-4FDF-B5E8-01D55A0614B1}"/>
-              </a:ext>
-            </a:extLst>
-          </p:cNvPr>
-          <p:cNvCxnSpPr>
-            <a:cxnSpLocks/>
-          </p:cNvCxnSpPr>
-          <p:nvPr/>
-        </p:nvCxnSpPr>
-        <p:spPr>
-          <a:xfrm flipV="1">
-            <a:off x="613410" y="6014087"/>
-            <a:ext cx="0" cy="189390"/>
-          </a:xfrm>
-          <a:prstGeom prst="line">
-            <a:avLst/>
-          </a:prstGeom>
-          <a:ln w="38100">
-            <a:solidFill>
-              <a:schemeClr val="tx1">
-                <a:lumMod val="50000"/>
-                <a:lumOff val="50000"/>
-              </a:schemeClr>
-            </a:solidFill>
-          </a:ln>
-        </p:spPr>
-        <p:style>
-          <a:lnRef idx="1">
-            <a:schemeClr val="accent1"/>
-          </a:lnRef>
-          <a:fillRef idx="0">
-            <a:schemeClr val="accent1"/>
-          </a:fillRef>
-          <a:effectRef idx="0">
-            <a:schemeClr val="accent1"/>
-          </a:effectRef>
-          <a:fontRef idx="minor">
-            <a:schemeClr val="tx1"/>
-          </a:fontRef>
-        </p:style>
-      </p:cxnSp>
-      <p:cxnSp>
-        <p:nvCxnSpPr>
-          <p:cNvPr id="18" name="Straight Connector 17">
-            <a:extLst>
-              <a:ext uri="{FF2B5EF4-FFF2-40B4-BE49-F238E27FC236}">
-                <a16:creationId xmlns:a16="http://schemas.microsoft.com/office/drawing/2014/main" id="{C39BC865-E459-411F-92F0-074B4E758BD1}"/>
-              </a:ext>
-            </a:extLst>
-          </p:cNvPr>
-          <p:cNvCxnSpPr>
-            <a:cxnSpLocks/>
-          </p:cNvCxnSpPr>
-          <p:nvPr/>
-        </p:nvCxnSpPr>
-        <p:spPr>
-          <a:xfrm flipV="1">
-            <a:off x="1524000" y="6015357"/>
-            <a:ext cx="0" cy="189390"/>
-          </a:xfrm>
-          <a:prstGeom prst="line">
-            <a:avLst/>
-          </a:prstGeom>
-          <a:ln w="38100">
-            <a:solidFill>
-              <a:schemeClr val="tx1">
-                <a:lumMod val="50000"/>
-                <a:lumOff val="50000"/>
-              </a:schemeClr>
-            </a:solidFill>
-          </a:ln>
-        </p:spPr>
-        <p:style>
-          <a:lnRef idx="1">
-            <a:schemeClr val="accent1"/>
-          </a:lnRef>
-          <a:fillRef idx="0">
-            <a:schemeClr val="accent1"/>
-          </a:fillRef>
-          <a:effectRef idx="0">
-            <a:schemeClr val="accent1"/>
-          </a:effectRef>
-          <a:fontRef idx="minor">
-            <a:schemeClr val="tx1"/>
-          </a:fontRef>
-        </p:style>
-      </p:cxnSp>
-      <p:cxnSp>
-        <p:nvCxnSpPr>
-          <p:cNvPr id="19" name="Straight Connector 18">
-            <a:extLst>
-              <a:ext uri="{FF2B5EF4-FFF2-40B4-BE49-F238E27FC236}">
-                <a16:creationId xmlns:a16="http://schemas.microsoft.com/office/drawing/2014/main" id="{4A4194B2-843C-4AE9-9F18-C4160E0A3DEF}"/>
-              </a:ext>
-            </a:extLst>
-          </p:cNvPr>
-          <p:cNvCxnSpPr>
-            <a:cxnSpLocks/>
-          </p:cNvCxnSpPr>
-          <p:nvPr/>
-        </p:nvCxnSpPr>
-        <p:spPr>
-          <a:xfrm flipV="1">
-            <a:off x="2439670" y="6019167"/>
-            <a:ext cx="0" cy="189390"/>
-          </a:xfrm>
-          <a:prstGeom prst="line">
-            <a:avLst/>
-          </a:prstGeom>
-          <a:ln w="38100">
-            <a:solidFill>
-              <a:schemeClr val="tx1">
-                <a:lumMod val="50000"/>
-                <a:lumOff val="50000"/>
-              </a:schemeClr>
-            </a:solidFill>
-          </a:ln>
-        </p:spPr>
-        <p:style>
-          <a:lnRef idx="1">
-            <a:schemeClr val="accent1"/>
-          </a:lnRef>
-          <a:fillRef idx="0">
-            <a:schemeClr val="accent1"/>
-          </a:fillRef>
-          <a:effectRef idx="0">
-            <a:schemeClr val="accent1"/>
-          </a:effectRef>
-          <a:fontRef idx="minor">
-            <a:schemeClr val="tx1"/>
-          </a:fontRef>
-        </p:style>
-      </p:cxnSp>
-      <p:cxnSp>
-        <p:nvCxnSpPr>
-          <p:cNvPr id="21" name="Straight Connector 20">
-            <a:extLst>
-              <a:ext uri="{FF2B5EF4-FFF2-40B4-BE49-F238E27FC236}">
-                <a16:creationId xmlns:a16="http://schemas.microsoft.com/office/drawing/2014/main" id="{8652A2AF-5E32-469D-9F28-23488C92BB24}"/>
-              </a:ext>
-            </a:extLst>
-          </p:cNvPr>
-          <p:cNvCxnSpPr>
-            <a:cxnSpLocks/>
-          </p:cNvCxnSpPr>
-          <p:nvPr/>
-        </p:nvCxnSpPr>
-        <p:spPr>
-          <a:xfrm flipV="1">
-            <a:off x="3354324" y="6010658"/>
-            <a:ext cx="0" cy="189390"/>
-          </a:xfrm>
-          <a:prstGeom prst="line">
-            <a:avLst/>
-          </a:prstGeom>
-          <a:ln w="38100">
-            <a:solidFill>
-              <a:schemeClr val="tx1">
-                <a:lumMod val="50000"/>
-                <a:lumOff val="50000"/>
-              </a:schemeClr>
-            </a:solidFill>
-          </a:ln>
-        </p:spPr>
-        <p:style>
-          <a:lnRef idx="1">
-            <a:schemeClr val="accent1"/>
-          </a:lnRef>
-          <a:fillRef idx="0">
-            <a:schemeClr val="accent1"/>
-          </a:fillRef>
-          <a:effectRef idx="0">
-            <a:schemeClr val="accent1"/>
-          </a:effectRef>
-          <a:fontRef idx="minor">
-            <a:schemeClr val="tx1"/>
-          </a:fontRef>
-        </p:style>
-      </p:cxnSp>
-      <p:cxnSp>
-        <p:nvCxnSpPr>
-          <p:cNvPr id="22" name="Straight Connector 21">
-            <a:extLst>
-              <a:ext uri="{FF2B5EF4-FFF2-40B4-BE49-F238E27FC236}">
-                <a16:creationId xmlns:a16="http://schemas.microsoft.com/office/drawing/2014/main" id="{D24210DF-A34E-42B0-A1FA-C44196C0CD1F}"/>
-              </a:ext>
-            </a:extLst>
-          </p:cNvPr>
-          <p:cNvCxnSpPr>
-            <a:cxnSpLocks/>
-          </p:cNvCxnSpPr>
-          <p:nvPr/>
-        </p:nvCxnSpPr>
-        <p:spPr>
-          <a:xfrm flipV="1">
-            <a:off x="4264914" y="6015738"/>
-            <a:ext cx="0" cy="189390"/>
-          </a:xfrm>
-          <a:prstGeom prst="line">
-            <a:avLst/>
-          </a:prstGeom>
-          <a:ln w="38100">
-            <a:solidFill>
-              <a:schemeClr val="tx1">
-                <a:lumMod val="50000"/>
-                <a:lumOff val="50000"/>
-              </a:schemeClr>
-            </a:solidFill>
-          </a:ln>
-        </p:spPr>
-        <p:style>
-          <a:lnRef idx="1">
-            <a:schemeClr val="accent1"/>
-          </a:lnRef>
-          <a:fillRef idx="0">
-            <a:schemeClr val="accent1"/>
-          </a:fillRef>
-          <a:effectRef idx="0">
-            <a:schemeClr val="accent1"/>
-          </a:effectRef>
-          <a:fontRef idx="minor">
-            <a:schemeClr val="tx1"/>
-          </a:fontRef>
-        </p:style>
-      </p:cxnSp>
-      <p:cxnSp>
-        <p:nvCxnSpPr>
-          <p:cNvPr id="23" name="Straight Connector 22">
-            <a:extLst>
-              <a:ext uri="{FF2B5EF4-FFF2-40B4-BE49-F238E27FC236}">
-                <a16:creationId xmlns:a16="http://schemas.microsoft.com/office/drawing/2014/main" id="{85C9D868-A80C-46DD-9007-6A4E3CF56AD6}"/>
-              </a:ext>
-            </a:extLst>
-          </p:cNvPr>
-          <p:cNvCxnSpPr>
-            <a:cxnSpLocks/>
-          </p:cNvCxnSpPr>
-          <p:nvPr/>
-        </p:nvCxnSpPr>
-        <p:spPr>
-          <a:xfrm flipV="1">
-            <a:off x="5180584" y="6015738"/>
-            <a:ext cx="0" cy="189390"/>
-          </a:xfrm>
-          <a:prstGeom prst="line">
-            <a:avLst/>
-          </a:prstGeom>
-          <a:ln w="38100">
-            <a:solidFill>
-              <a:schemeClr val="tx1">
-                <a:lumMod val="50000"/>
-                <a:lumOff val="50000"/>
-              </a:schemeClr>
-            </a:solidFill>
-          </a:ln>
-        </p:spPr>
-        <p:style>
-          <a:lnRef idx="1">
-            <a:schemeClr val="accent1"/>
-          </a:lnRef>
-          <a:fillRef idx="0">
-            <a:schemeClr val="accent1"/>
-          </a:fillRef>
-          <a:effectRef idx="0">
-            <a:schemeClr val="accent1"/>
-          </a:effectRef>
-          <a:fontRef idx="minor">
-            <a:schemeClr val="tx1"/>
-          </a:fontRef>
-        </p:style>
-      </p:cxnSp>
-      <p:sp>
-        <p:nvSpPr>
-          <p:cNvPr id="24" name="TextBox 23">
-            <a:extLst>
-              <a:ext uri="{FF2B5EF4-FFF2-40B4-BE49-F238E27FC236}">
-                <a16:creationId xmlns:a16="http://schemas.microsoft.com/office/drawing/2014/main" id="{3B5D9F75-5A0B-4272-B0BB-A9AFB7C02D9F}"/>
-              </a:ext>
-            </a:extLst>
-          </p:cNvPr>
-          <p:cNvSpPr txBox="1"/>
-          <p:nvPr/>
-        </p:nvSpPr>
-        <p:spPr>
-          <a:xfrm>
-            <a:off x="490105" y="6165098"/>
-            <a:ext cx="1773382" cy="369332"/>
-          </a:xfrm>
-          <a:prstGeom prst="rect">
-            <a:avLst/>
-          </a:prstGeom>
-          <a:noFill/>
-        </p:spPr>
-        <p:txBody>
-          <a:bodyPr wrap="square" rtlCol="0">
-            <a:spAutoFit/>
-          </a:bodyPr>
-          <a:lstStyle/>
-          <a:p>
-            <a:r>
-              <a:rPr lang="en-US" dirty="0">
-                <a:solidFill>
-                  <a:schemeClr val="tx1">
-                    <a:lumMod val="50000"/>
-                    <a:lumOff val="50000"/>
-                  </a:schemeClr>
-                </a:solidFill>
-                <a:latin typeface="Source Sans Pro" panose="020B0503030403020204" pitchFamily="34" charset="0"/>
-                <a:ea typeface="Source Sans Pro" panose="020B0503030403020204" pitchFamily="34" charset="0"/>
-              </a:rPr>
-              <a:t>2010</a:t>
-            </a:r>
-          </a:p>
-        </p:txBody>
-      </p:sp>
-      <p:sp>
-        <p:nvSpPr>
-          <p:cNvPr id="25" name="TextBox 24">
-            <a:extLst>
-              <a:ext uri="{FF2B5EF4-FFF2-40B4-BE49-F238E27FC236}">
-                <a16:creationId xmlns:a16="http://schemas.microsoft.com/office/drawing/2014/main" id="{84E500EC-CD76-41A8-AB3C-641C0EA117DD}"/>
-              </a:ext>
-            </a:extLst>
-          </p:cNvPr>
-          <p:cNvSpPr txBox="1"/>
-          <p:nvPr/>
-        </p:nvSpPr>
-        <p:spPr>
-          <a:xfrm>
-            <a:off x="1311473" y="6165098"/>
-            <a:ext cx="423977" cy="369332"/>
-          </a:xfrm>
-          <a:prstGeom prst="rect">
-            <a:avLst/>
-          </a:prstGeom>
-          <a:noFill/>
-        </p:spPr>
-        <p:txBody>
-          <a:bodyPr wrap="square" rtlCol="0">
-            <a:spAutoFit/>
-          </a:bodyPr>
-          <a:lstStyle/>
-          <a:p>
-            <a:r>
-              <a:rPr lang="en-US" dirty="0">
-                <a:solidFill>
-                  <a:schemeClr val="tx1">
-                    <a:lumMod val="50000"/>
-                    <a:lumOff val="50000"/>
-                  </a:schemeClr>
-                </a:solidFill>
-                <a:latin typeface="Source Sans Pro" panose="020B0503030403020204" pitchFamily="34" charset="0"/>
-                <a:ea typeface="Source Sans Pro" panose="020B0503030403020204" pitchFamily="34" charset="0"/>
-              </a:rPr>
-              <a:t>12</a:t>
-            </a:r>
-          </a:p>
-        </p:txBody>
-      </p:sp>
-      <p:sp>
-        <p:nvSpPr>
-          <p:cNvPr id="26" name="TextBox 25">
-            <a:extLst>
-              <a:ext uri="{FF2B5EF4-FFF2-40B4-BE49-F238E27FC236}">
-                <a16:creationId xmlns:a16="http://schemas.microsoft.com/office/drawing/2014/main" id="{4B2B25AD-E411-482C-9F0D-2D2C81918244}"/>
-              </a:ext>
-            </a:extLst>
-          </p:cNvPr>
-          <p:cNvSpPr txBox="1"/>
-          <p:nvPr/>
-        </p:nvSpPr>
-        <p:spPr>
-          <a:xfrm>
-            <a:off x="2222062" y="6165098"/>
-            <a:ext cx="423977" cy="369332"/>
-          </a:xfrm>
-          <a:prstGeom prst="rect">
-            <a:avLst/>
-          </a:prstGeom>
-          <a:noFill/>
-        </p:spPr>
-        <p:txBody>
-          <a:bodyPr wrap="square" rtlCol="0">
-            <a:spAutoFit/>
-          </a:bodyPr>
-          <a:lstStyle/>
-          <a:p>
-            <a:r>
-              <a:rPr lang="en-US" dirty="0">
-                <a:solidFill>
-                  <a:schemeClr val="tx1">
-                    <a:lumMod val="50000"/>
-                    <a:lumOff val="50000"/>
-                  </a:schemeClr>
-                </a:solidFill>
-                <a:latin typeface="Source Sans Pro" panose="020B0503030403020204" pitchFamily="34" charset="0"/>
-                <a:ea typeface="Source Sans Pro" panose="020B0503030403020204" pitchFamily="34" charset="0"/>
-              </a:rPr>
-              <a:t>14</a:t>
-            </a:r>
-          </a:p>
-        </p:txBody>
-      </p:sp>
-      <p:sp>
-        <p:nvSpPr>
-          <p:cNvPr id="27" name="TextBox 26">
-            <a:extLst>
-              <a:ext uri="{FF2B5EF4-FFF2-40B4-BE49-F238E27FC236}">
-                <a16:creationId xmlns:a16="http://schemas.microsoft.com/office/drawing/2014/main" id="{CFD4DBAD-1EED-4826-9372-38D4EF2F59FE}"/>
-              </a:ext>
-            </a:extLst>
-          </p:cNvPr>
-          <p:cNvSpPr txBox="1"/>
-          <p:nvPr/>
-        </p:nvSpPr>
-        <p:spPr>
-          <a:xfrm>
-            <a:off x="3148341" y="6165098"/>
-            <a:ext cx="423977" cy="369332"/>
-          </a:xfrm>
-          <a:prstGeom prst="rect">
-            <a:avLst/>
-          </a:prstGeom>
-          <a:noFill/>
-        </p:spPr>
-        <p:txBody>
-          <a:bodyPr wrap="square" rtlCol="0">
-            <a:spAutoFit/>
-          </a:bodyPr>
-          <a:lstStyle/>
-          <a:p>
-            <a:r>
-              <a:rPr lang="en-US" dirty="0">
-                <a:solidFill>
-                  <a:schemeClr val="tx1">
-                    <a:lumMod val="50000"/>
-                    <a:lumOff val="50000"/>
-                  </a:schemeClr>
-                </a:solidFill>
-                <a:latin typeface="Source Sans Pro" panose="020B0503030403020204" pitchFamily="34" charset="0"/>
-                <a:ea typeface="Source Sans Pro" panose="020B0503030403020204" pitchFamily="34" charset="0"/>
-              </a:rPr>
-              <a:t>16</a:t>
-            </a:r>
-          </a:p>
-        </p:txBody>
-      </p:sp>
-      <p:sp>
-        <p:nvSpPr>
-          <p:cNvPr id="28" name="TextBox 27">
-            <a:extLst>
-              <a:ext uri="{FF2B5EF4-FFF2-40B4-BE49-F238E27FC236}">
-                <a16:creationId xmlns:a16="http://schemas.microsoft.com/office/drawing/2014/main" id="{513E6611-0EED-4F13-AB94-0B15EBAE5C54}"/>
-              </a:ext>
-            </a:extLst>
-          </p:cNvPr>
-          <p:cNvSpPr txBox="1"/>
-          <p:nvPr/>
-        </p:nvSpPr>
-        <p:spPr>
-          <a:xfrm>
-            <a:off x="4052385" y="6167897"/>
-            <a:ext cx="423977" cy="369332"/>
-          </a:xfrm>
-          <a:prstGeom prst="rect">
-            <a:avLst/>
-          </a:prstGeom>
-          <a:noFill/>
-        </p:spPr>
-        <p:txBody>
-          <a:bodyPr wrap="square" rtlCol="0">
-            <a:spAutoFit/>
-          </a:bodyPr>
-          <a:lstStyle/>
-          <a:p>
-            <a:r>
-              <a:rPr lang="en-US" dirty="0">
-                <a:solidFill>
-                  <a:schemeClr val="tx1">
-                    <a:lumMod val="50000"/>
-                    <a:lumOff val="50000"/>
-                  </a:schemeClr>
-                </a:solidFill>
-                <a:latin typeface="Source Sans Pro" panose="020B0503030403020204" pitchFamily="34" charset="0"/>
-                <a:ea typeface="Source Sans Pro" panose="020B0503030403020204" pitchFamily="34" charset="0"/>
-              </a:rPr>
-              <a:t>18</a:t>
-            </a:r>
-          </a:p>
-        </p:txBody>
-      </p:sp>
-      <p:sp>
-        <p:nvSpPr>
-          <p:cNvPr id="29" name="TextBox 28">
-            <a:extLst>
-              <a:ext uri="{FF2B5EF4-FFF2-40B4-BE49-F238E27FC236}">
-                <a16:creationId xmlns:a16="http://schemas.microsoft.com/office/drawing/2014/main" id="{F6F40F13-0820-464C-A5D2-3277CBEAB007}"/>
-              </a:ext>
-            </a:extLst>
-          </p:cNvPr>
-          <p:cNvSpPr txBox="1"/>
-          <p:nvPr/>
-        </p:nvSpPr>
-        <p:spPr>
-          <a:xfrm>
-            <a:off x="4955193" y="6165098"/>
-            <a:ext cx="423977" cy="369332"/>
-          </a:xfrm>
-          <a:prstGeom prst="rect">
-            <a:avLst/>
-          </a:prstGeom>
-          <a:noFill/>
-        </p:spPr>
-        <p:txBody>
-          <a:bodyPr wrap="square" rtlCol="0">
-            <a:spAutoFit/>
-          </a:bodyPr>
-          <a:lstStyle/>
-          <a:p>
-            <a:r>
-              <a:rPr lang="en-US" dirty="0">
-                <a:solidFill>
-                  <a:schemeClr val="tx1">
-                    <a:lumMod val="50000"/>
-                    <a:lumOff val="50000"/>
-                  </a:schemeClr>
-                </a:solidFill>
-                <a:latin typeface="Source Sans Pro" panose="020B0503030403020204" pitchFamily="34" charset="0"/>
-                <a:ea typeface="Source Sans Pro" panose="020B0503030403020204" pitchFamily="34" charset="0"/>
-              </a:rPr>
-              <a:t>20</a:t>
-            </a:r>
-          </a:p>
-        </p:txBody>
-      </p:sp>
-      <p:sp>
-        <p:nvSpPr>
-          <p:cNvPr id="30" name="TextBox 29">
-            <a:extLst>
-              <a:ext uri="{FF2B5EF4-FFF2-40B4-BE49-F238E27FC236}">
-                <a16:creationId xmlns:a16="http://schemas.microsoft.com/office/drawing/2014/main" id="{F444B6D5-7B4D-4B21-B33C-60E30D88A7DB}"/>
-              </a:ext>
-            </a:extLst>
-          </p:cNvPr>
-          <p:cNvSpPr txBox="1"/>
-          <p:nvPr/>
-        </p:nvSpPr>
-        <p:spPr>
-          <a:xfrm>
-            <a:off x="5898182" y="6165098"/>
-            <a:ext cx="423978" cy="369332"/>
-          </a:xfrm>
-          <a:prstGeom prst="rect">
-            <a:avLst/>
-          </a:prstGeom>
-          <a:noFill/>
-        </p:spPr>
-        <p:txBody>
-          <a:bodyPr wrap="square" rtlCol="0">
-            <a:spAutoFit/>
-          </a:bodyPr>
-          <a:lstStyle/>
-          <a:p>
-            <a:r>
-              <a:rPr lang="en-US" dirty="0">
-                <a:solidFill>
-                  <a:schemeClr val="tx1">
-                    <a:lumMod val="50000"/>
-                    <a:lumOff val="50000"/>
-                  </a:schemeClr>
-                </a:solidFill>
-                <a:latin typeface="Source Sans Pro" panose="020B0503030403020204" pitchFamily="34" charset="0"/>
-                <a:ea typeface="Source Sans Pro" panose="020B0503030403020204" pitchFamily="34" charset="0"/>
-              </a:rPr>
-              <a:t>22</a:t>
-            </a:r>
-          </a:p>
-        </p:txBody>
-      </p:sp>
-      <p:cxnSp>
-        <p:nvCxnSpPr>
-          <p:cNvPr id="31" name="Straight Connector 30">
-            <a:extLst>
-              <a:ext uri="{FF2B5EF4-FFF2-40B4-BE49-F238E27FC236}">
-                <a16:creationId xmlns:a16="http://schemas.microsoft.com/office/drawing/2014/main" id="{DAB52994-8B05-4E0F-8C56-ADF33C4C7483}"/>
-              </a:ext>
-            </a:extLst>
-          </p:cNvPr>
-          <p:cNvCxnSpPr>
-            <a:cxnSpLocks/>
-          </p:cNvCxnSpPr>
-          <p:nvPr/>
-        </p:nvCxnSpPr>
-        <p:spPr>
-          <a:xfrm flipV="1">
-            <a:off x="6094984" y="6016627"/>
-            <a:ext cx="0" cy="189390"/>
-          </a:xfrm>
-          <a:prstGeom prst="line">
-            <a:avLst/>
-          </a:prstGeom>
-          <a:ln w="38100">
-            <a:solidFill>
-              <a:schemeClr val="tx1">
-                <a:lumMod val="50000"/>
-                <a:lumOff val="50000"/>
-              </a:schemeClr>
-            </a:solidFill>
-          </a:ln>
-        </p:spPr>
-        <p:style>
-          <a:lnRef idx="1">
-            <a:schemeClr val="accent1"/>
-          </a:lnRef>
-          <a:fillRef idx="0">
-            <a:schemeClr val="accent1"/>
-          </a:fillRef>
-          <a:effectRef idx="0">
-            <a:schemeClr val="accent1"/>
-          </a:effectRef>
-          <a:fontRef idx="minor">
-            <a:schemeClr val="tx1"/>
-          </a:fontRef>
-        </p:style>
-      </p:cxnSp>
-      <p:cxnSp>
-        <p:nvCxnSpPr>
-          <p:cNvPr id="32" name="Straight Connector 31">
-            <a:extLst>
-              <a:ext uri="{FF2B5EF4-FFF2-40B4-BE49-F238E27FC236}">
-                <a16:creationId xmlns:a16="http://schemas.microsoft.com/office/drawing/2014/main" id="{E7D83356-448F-4917-BAB0-2F5B53EEEEF3}"/>
-              </a:ext>
-            </a:extLst>
-          </p:cNvPr>
-          <p:cNvCxnSpPr/>
-          <p:nvPr/>
-        </p:nvCxnSpPr>
-        <p:spPr>
-          <a:xfrm>
-            <a:off x="616148" y="4370867"/>
-            <a:ext cx="1828800" cy="0"/>
-          </a:xfrm>
-          <a:prstGeom prst="line">
-            <a:avLst/>
-          </a:prstGeom>
-          <a:ln w="38100">
-            <a:solidFill>
-              <a:srgbClr val="F3509B"/>
-            </a:solidFill>
-            <a:headEnd type="oval" w="med" len="med"/>
-            <a:tailEnd type="oval" w="med" len="med"/>
-          </a:ln>
-        </p:spPr>
-        <p:style>
-          <a:lnRef idx="1">
-            <a:schemeClr val="accent1"/>
-          </a:lnRef>
-          <a:fillRef idx="0">
-            <a:schemeClr val="accent1"/>
-          </a:fillRef>
-          <a:effectRef idx="0">
-            <a:schemeClr val="accent1"/>
-          </a:effectRef>
-          <a:fontRef idx="minor">
-            <a:schemeClr val="tx1"/>
-          </a:fontRef>
-        </p:style>
-      </p:cxnSp>
-      <p:cxnSp>
-        <p:nvCxnSpPr>
-          <p:cNvPr id="33" name="Straight Connector 32">
-            <a:extLst>
-              <a:ext uri="{FF2B5EF4-FFF2-40B4-BE49-F238E27FC236}">
-                <a16:creationId xmlns:a16="http://schemas.microsoft.com/office/drawing/2014/main" id="{68EAC85E-12D0-4A66-BA00-E60277042635}"/>
-              </a:ext>
-            </a:extLst>
-          </p:cNvPr>
-          <p:cNvCxnSpPr/>
-          <p:nvPr/>
-        </p:nvCxnSpPr>
-        <p:spPr>
-          <a:xfrm>
-            <a:off x="2439924" y="5264947"/>
-            <a:ext cx="914400" cy="0"/>
-          </a:xfrm>
-          <a:prstGeom prst="line">
-            <a:avLst/>
-          </a:prstGeom>
-          <a:ln w="38100">
-            <a:solidFill>
-              <a:srgbClr val="F3509B"/>
-            </a:solidFill>
-            <a:headEnd type="oval" w="med" len="med"/>
-            <a:tailEnd type="oval" w="med" len="med"/>
-          </a:ln>
-        </p:spPr>
-        <p:style>
-          <a:lnRef idx="1">
-            <a:schemeClr val="accent1"/>
-          </a:lnRef>
-          <a:fillRef idx="0">
-            <a:schemeClr val="accent1"/>
-          </a:fillRef>
-          <a:effectRef idx="0">
-            <a:schemeClr val="accent1"/>
-          </a:effectRef>
-          <a:fontRef idx="minor">
-            <a:schemeClr val="tx1"/>
-          </a:fontRef>
-        </p:style>
-      </p:cxnSp>
-      <p:cxnSp>
-        <p:nvCxnSpPr>
-          <p:cNvPr id="34" name="Straight Connector 33">
-            <a:extLst>
-              <a:ext uri="{FF2B5EF4-FFF2-40B4-BE49-F238E27FC236}">
-                <a16:creationId xmlns:a16="http://schemas.microsoft.com/office/drawing/2014/main" id="{8A853190-1C63-4A99-AC47-89FD90690B30}"/>
-              </a:ext>
-            </a:extLst>
-          </p:cNvPr>
-          <p:cNvCxnSpPr/>
-          <p:nvPr/>
-        </p:nvCxnSpPr>
-        <p:spPr>
-          <a:xfrm>
-            <a:off x="3354324" y="3437577"/>
-            <a:ext cx="914400" cy="0"/>
-          </a:xfrm>
-          <a:prstGeom prst="line">
-            <a:avLst/>
-          </a:prstGeom>
-          <a:ln w="38100">
-            <a:solidFill>
-              <a:srgbClr val="F3509B"/>
-            </a:solidFill>
-            <a:headEnd type="oval" w="med" len="med"/>
-            <a:tailEnd type="oval" w="med" len="med"/>
-          </a:ln>
-        </p:spPr>
-        <p:style>
-          <a:lnRef idx="1">
-            <a:schemeClr val="accent1"/>
-          </a:lnRef>
-          <a:fillRef idx="0">
-            <a:schemeClr val="accent1"/>
-          </a:fillRef>
-          <a:effectRef idx="0">
-            <a:schemeClr val="accent1"/>
-          </a:effectRef>
-          <a:fontRef idx="minor">
-            <a:schemeClr val="tx1"/>
-          </a:fontRef>
-        </p:style>
-      </p:cxnSp>
-      <p:cxnSp>
-        <p:nvCxnSpPr>
-          <p:cNvPr id="35" name="Straight Connector 34">
-            <a:extLst>
-              <a:ext uri="{FF2B5EF4-FFF2-40B4-BE49-F238E27FC236}">
-                <a16:creationId xmlns:a16="http://schemas.microsoft.com/office/drawing/2014/main" id="{86C53388-D65A-4F73-8EE1-A6BD3B1EE902}"/>
-              </a:ext>
-            </a:extLst>
-          </p:cNvPr>
-          <p:cNvCxnSpPr/>
-          <p:nvPr/>
-        </p:nvCxnSpPr>
-        <p:spPr>
-          <a:xfrm>
-            <a:off x="4266184" y="2516815"/>
-            <a:ext cx="1828800" cy="0"/>
-          </a:xfrm>
-          <a:prstGeom prst="line">
-            <a:avLst/>
-          </a:prstGeom>
-          <a:ln w="38100">
-            <a:solidFill>
-              <a:srgbClr val="F3509B"/>
-            </a:solidFill>
-            <a:headEnd type="oval" w="med" len="med"/>
-            <a:tailEnd type="oval" w="med" len="med"/>
-          </a:ln>
-        </p:spPr>
-        <p:style>
-          <a:lnRef idx="1">
-            <a:schemeClr val="accent1"/>
-          </a:lnRef>
-          <a:fillRef idx="0">
-            <a:schemeClr val="accent1"/>
-          </a:fillRef>
-          <a:effectRef idx="0">
-            <a:schemeClr val="accent1"/>
-          </a:effectRef>
-          <a:fontRef idx="minor">
-            <a:schemeClr val="tx1"/>
-          </a:fontRef>
-        </p:style>
-      </p:cxnSp>
-      <p:sp>
-        <p:nvSpPr>
-          <p:cNvPr id="36" name="TextBox 35">
-            <a:extLst>
-              <a:ext uri="{FF2B5EF4-FFF2-40B4-BE49-F238E27FC236}">
-                <a16:creationId xmlns:a16="http://schemas.microsoft.com/office/drawing/2014/main" id="{9D930D4E-5010-4764-AA26-06CA7288F785}"/>
-              </a:ext>
-            </a:extLst>
-          </p:cNvPr>
-          <p:cNvSpPr txBox="1"/>
-          <p:nvPr/>
-        </p:nvSpPr>
-        <p:spPr>
-          <a:xfrm>
-            <a:off x="806450" y="4384858"/>
-            <a:ext cx="1773382" cy="646331"/>
-          </a:xfrm>
-          <a:prstGeom prst="rect">
-            <a:avLst/>
-          </a:prstGeom>
-          <a:noFill/>
-        </p:spPr>
-        <p:txBody>
-          <a:bodyPr wrap="square" rtlCol="0">
-            <a:spAutoFit/>
-          </a:bodyPr>
-          <a:lstStyle/>
-          <a:p>
-            <a:pPr algn="r"/>
-            <a:r>
-              <a:rPr lang="en-US" dirty="0">
-                <a:solidFill>
-                  <a:schemeClr val="tx1">
-                    <a:lumMod val="50000"/>
-                    <a:lumOff val="50000"/>
-                  </a:schemeClr>
-                </a:solidFill>
-                <a:latin typeface="Source Sans Pro" panose="020B0503030403020204" pitchFamily="34" charset="0"/>
-                <a:ea typeface="Source Sans Pro" panose="020B0503030403020204" pitchFamily="34" charset="0"/>
-              </a:rPr>
-              <a:t>B.Tech. in </a:t>
-            </a:r>
-          </a:p>
-          <a:p>
-            <a:pPr algn="r"/>
-            <a:r>
-              <a:rPr lang="en-US" dirty="0">
-                <a:solidFill>
-                  <a:schemeClr val="tx1">
-                    <a:lumMod val="50000"/>
-                    <a:lumOff val="50000"/>
-                  </a:schemeClr>
-                </a:solidFill>
-                <a:latin typeface="Source Sans Pro" panose="020B0503030403020204" pitchFamily="34" charset="0"/>
-                <a:ea typeface="Source Sans Pro" panose="020B0503030403020204" pitchFamily="34" charset="0"/>
-              </a:rPr>
-              <a:t>Civil Engg.</a:t>
-            </a:r>
-          </a:p>
-        </p:txBody>
-      </p:sp>
-      <p:sp>
-        <p:nvSpPr>
-          <p:cNvPr id="38" name="TextBox 37">
-            <a:extLst>
-              <a:ext uri="{FF2B5EF4-FFF2-40B4-BE49-F238E27FC236}">
-                <a16:creationId xmlns:a16="http://schemas.microsoft.com/office/drawing/2014/main" id="{4DF7FB48-5611-4937-85BB-CC291C61261F}"/>
-              </a:ext>
-            </a:extLst>
-          </p:cNvPr>
-          <p:cNvSpPr txBox="1"/>
-          <p:nvPr/>
-        </p:nvSpPr>
-        <p:spPr>
-          <a:xfrm>
-            <a:off x="1693141" y="5281613"/>
-            <a:ext cx="1773382" cy="646331"/>
-          </a:xfrm>
-          <a:prstGeom prst="rect">
-            <a:avLst/>
-          </a:prstGeom>
-          <a:noFill/>
-        </p:spPr>
-        <p:txBody>
-          <a:bodyPr wrap="square" rtlCol="0">
-            <a:spAutoFit/>
-          </a:bodyPr>
-          <a:lstStyle/>
-          <a:p>
-            <a:pPr algn="r"/>
-            <a:r>
-              <a:rPr lang="en-US" dirty="0">
-                <a:solidFill>
-                  <a:schemeClr val="tx1">
-                    <a:lumMod val="50000"/>
-                    <a:lumOff val="50000"/>
-                  </a:schemeClr>
-                </a:solidFill>
-                <a:latin typeface="Source Sans Pro" panose="020B0503030403020204" pitchFamily="34" charset="0"/>
-                <a:ea typeface="Source Sans Pro" panose="020B0503030403020204" pitchFamily="34" charset="0"/>
-              </a:rPr>
-              <a:t>Field Engg. </a:t>
-            </a:r>
-          </a:p>
-          <a:p>
-            <a:pPr algn="r"/>
-            <a:r>
-              <a:rPr lang="en-US" dirty="0">
-                <a:solidFill>
-                  <a:schemeClr val="tx1">
-                    <a:lumMod val="50000"/>
-                    <a:lumOff val="50000"/>
-                  </a:schemeClr>
-                </a:solidFill>
-                <a:latin typeface="Source Sans Pro" panose="020B0503030403020204" pitchFamily="34" charset="0"/>
-                <a:ea typeface="Source Sans Pro" panose="020B0503030403020204" pitchFamily="34" charset="0"/>
-              </a:rPr>
-              <a:t>in oil &amp; gas</a:t>
-            </a:r>
-          </a:p>
-        </p:txBody>
-      </p:sp>
-      <p:sp>
-        <p:nvSpPr>
-          <p:cNvPr id="40" name="TextBox 39">
-            <a:extLst>
-              <a:ext uri="{FF2B5EF4-FFF2-40B4-BE49-F238E27FC236}">
-                <a16:creationId xmlns:a16="http://schemas.microsoft.com/office/drawing/2014/main" id="{0D94B315-3210-4B02-BC99-D84C72891A18}"/>
-              </a:ext>
-            </a:extLst>
-          </p:cNvPr>
-          <p:cNvSpPr txBox="1"/>
-          <p:nvPr/>
-        </p:nvSpPr>
-        <p:spPr>
-          <a:xfrm>
-            <a:off x="2638419" y="3451387"/>
-            <a:ext cx="1773382" cy="646331"/>
-          </a:xfrm>
-          <a:prstGeom prst="rect">
-            <a:avLst/>
-          </a:prstGeom>
-          <a:noFill/>
-        </p:spPr>
-        <p:txBody>
-          <a:bodyPr wrap="square" rtlCol="0">
-            <a:spAutoFit/>
-          </a:bodyPr>
-          <a:lstStyle/>
-          <a:p>
-            <a:pPr algn="r"/>
-            <a:r>
-              <a:rPr lang="en-US" dirty="0">
-                <a:solidFill>
-                  <a:schemeClr val="tx1">
-                    <a:lumMod val="50000"/>
-                    <a:lumOff val="50000"/>
-                  </a:schemeClr>
-                </a:solidFill>
-                <a:latin typeface="Source Sans Pro" panose="020B0503030403020204" pitchFamily="34" charset="0"/>
-                <a:ea typeface="Source Sans Pro" panose="020B0503030403020204" pitchFamily="34" charset="0"/>
-              </a:rPr>
-              <a:t>M.S. in </a:t>
-            </a:r>
-          </a:p>
-          <a:p>
-            <a:pPr algn="r"/>
-            <a:r>
-              <a:rPr lang="en-US" dirty="0">
-                <a:solidFill>
-                  <a:schemeClr val="tx1">
-                    <a:lumMod val="50000"/>
-                    <a:lumOff val="50000"/>
-                  </a:schemeClr>
-                </a:solidFill>
-                <a:latin typeface="Source Sans Pro" panose="020B0503030403020204" pitchFamily="34" charset="0"/>
-                <a:ea typeface="Source Sans Pro" panose="020B0503030403020204" pitchFamily="34" charset="0"/>
-              </a:rPr>
-              <a:t>Hydrology</a:t>
-            </a:r>
-          </a:p>
-        </p:txBody>
-      </p:sp>
-      <p:sp>
-        <p:nvSpPr>
-          <p:cNvPr id="41" name="TextBox 40">
-            <a:extLst>
-              <a:ext uri="{FF2B5EF4-FFF2-40B4-BE49-F238E27FC236}">
-                <a16:creationId xmlns:a16="http://schemas.microsoft.com/office/drawing/2014/main" id="{F8E54FF0-49C7-4EEB-BC7B-447E55EE780C}"/>
-              </a:ext>
-            </a:extLst>
-          </p:cNvPr>
-          <p:cNvSpPr txBox="1"/>
-          <p:nvPr/>
-        </p:nvSpPr>
-        <p:spPr>
-          <a:xfrm>
-            <a:off x="4295394" y="2523290"/>
-            <a:ext cx="1920269" cy="646331"/>
-          </a:xfrm>
-          <a:prstGeom prst="rect">
-            <a:avLst/>
-          </a:prstGeom>
-          <a:noFill/>
-        </p:spPr>
-        <p:txBody>
-          <a:bodyPr wrap="square" rtlCol="0">
-            <a:spAutoFit/>
-          </a:bodyPr>
-          <a:lstStyle/>
-          <a:p>
-            <a:pPr algn="r"/>
-            <a:r>
-              <a:rPr lang="en-US" dirty="0">
-                <a:solidFill>
-                  <a:schemeClr val="tx1">
-                    <a:lumMod val="50000"/>
-                    <a:lumOff val="50000"/>
-                  </a:schemeClr>
-                </a:solidFill>
-                <a:latin typeface="Source Sans Pro" panose="020B0503030403020204" pitchFamily="34" charset="0"/>
-                <a:ea typeface="Source Sans Pro" panose="020B0503030403020204" pitchFamily="34" charset="0"/>
-              </a:rPr>
-              <a:t>Ph.D. in Forest </a:t>
-            </a:r>
-          </a:p>
-          <a:p>
-            <a:pPr algn="r"/>
-            <a:r>
-              <a:rPr lang="en-US" dirty="0">
-                <a:solidFill>
-                  <a:schemeClr val="tx1">
-                    <a:lumMod val="50000"/>
-                    <a:lumOff val="50000"/>
-                  </a:schemeClr>
-                </a:solidFill>
-                <a:latin typeface="Source Sans Pro" panose="020B0503030403020204" pitchFamily="34" charset="0"/>
-                <a:ea typeface="Source Sans Pro" panose="020B0503030403020204" pitchFamily="34" charset="0"/>
-              </a:rPr>
-              <a:t>Health Monitoring</a:t>
-            </a:r>
-          </a:p>
-        </p:txBody>
-      </p:sp>
-      <p:cxnSp>
-        <p:nvCxnSpPr>
-          <p:cNvPr id="42" name="Straight Connector 41">
-            <a:extLst>
-              <a:ext uri="{FF2B5EF4-FFF2-40B4-BE49-F238E27FC236}">
-                <a16:creationId xmlns:a16="http://schemas.microsoft.com/office/drawing/2014/main" id="{0A4C2C7A-FA5C-483F-A1BE-973A4754FF54}"/>
-              </a:ext>
-            </a:extLst>
-          </p:cNvPr>
-          <p:cNvCxnSpPr/>
-          <p:nvPr/>
-        </p:nvCxnSpPr>
-        <p:spPr>
-          <a:xfrm>
-            <a:off x="613410" y="1611940"/>
-            <a:ext cx="5486400" cy="0"/>
-          </a:xfrm>
-          <a:prstGeom prst="line">
-            <a:avLst/>
-          </a:prstGeom>
-          <a:ln w="38100">
-            <a:solidFill>
-              <a:schemeClr val="bg1"/>
-            </a:solidFill>
-          </a:ln>
-        </p:spPr>
-        <p:style>
-          <a:lnRef idx="1">
-            <a:schemeClr val="accent1"/>
-          </a:lnRef>
-          <a:fillRef idx="0">
-            <a:schemeClr val="accent1"/>
-          </a:fillRef>
-          <a:effectRef idx="0">
-            <a:schemeClr val="accent1"/>
-          </a:effectRef>
-          <a:fontRef idx="minor">
-            <a:schemeClr val="tx1"/>
-          </a:fontRef>
-        </p:style>
-      </p:cxnSp>
-      <p:cxnSp>
-        <p:nvCxnSpPr>
-          <p:cNvPr id="43" name="Straight Connector 42">
-            <a:extLst>
-              <a:ext uri="{FF2B5EF4-FFF2-40B4-BE49-F238E27FC236}">
-                <a16:creationId xmlns:a16="http://schemas.microsoft.com/office/drawing/2014/main" id="{95F7DD96-7271-4F45-AA2F-60181D74FF9E}"/>
-              </a:ext>
-            </a:extLst>
-          </p:cNvPr>
-          <p:cNvCxnSpPr/>
-          <p:nvPr/>
-        </p:nvCxnSpPr>
-        <p:spPr>
-          <a:xfrm>
-            <a:off x="661035" y="2608902"/>
-            <a:ext cx="0" cy="731520"/>
-          </a:xfrm>
-          <a:prstGeom prst="line">
-            <a:avLst/>
-          </a:prstGeom>
-          <a:ln w="38100">
-            <a:solidFill>
-              <a:schemeClr val="tx1">
-                <a:lumMod val="50000"/>
-                <a:lumOff val="50000"/>
-              </a:schemeClr>
-            </a:solidFill>
-            <a:headEnd type="triangle" w="lg" len="lg"/>
-          </a:ln>
-        </p:spPr>
-        <p:style>
-          <a:lnRef idx="1">
-            <a:schemeClr val="accent1"/>
-          </a:lnRef>
-          <a:fillRef idx="0">
-            <a:schemeClr val="accent1"/>
-          </a:fillRef>
-          <a:effectRef idx="0">
-            <a:schemeClr val="accent1"/>
-          </a:effectRef>
-          <a:fontRef idx="minor">
-            <a:schemeClr val="tx1"/>
-          </a:fontRef>
-        </p:style>
-      </p:cxnSp>
-      <p:sp>
-        <p:nvSpPr>
-          <p:cNvPr id="44" name="TextBox 43">
-            <a:extLst>
-              <a:ext uri="{FF2B5EF4-FFF2-40B4-BE49-F238E27FC236}">
-                <a16:creationId xmlns:a16="http://schemas.microsoft.com/office/drawing/2014/main" id="{27A13EC8-9555-4BB3-B64B-B87B4008261F}"/>
-              </a:ext>
-            </a:extLst>
-          </p:cNvPr>
-          <p:cNvSpPr txBox="1"/>
-          <p:nvPr/>
-        </p:nvSpPr>
-        <p:spPr>
-          <a:xfrm>
-            <a:off x="733743" y="2538336"/>
-            <a:ext cx="1773382" cy="646331"/>
-          </a:xfrm>
-          <a:prstGeom prst="rect">
-            <a:avLst/>
-          </a:prstGeom>
-          <a:noFill/>
-        </p:spPr>
-        <p:txBody>
-          <a:bodyPr wrap="square" rtlCol="0">
-            <a:spAutoFit/>
-          </a:bodyPr>
-          <a:lstStyle/>
-          <a:p>
-            <a:r>
-              <a:rPr lang="en-US" dirty="0">
-                <a:solidFill>
-                  <a:schemeClr val="tx1">
-                    <a:lumMod val="50000"/>
-                    <a:lumOff val="50000"/>
-                  </a:schemeClr>
-                </a:solidFill>
-                <a:latin typeface="Source Sans Pro" panose="020B0503030403020204" pitchFamily="34" charset="0"/>
-                <a:ea typeface="Source Sans Pro" panose="020B0503030403020204" pitchFamily="34" charset="0"/>
-              </a:rPr>
-              <a:t>Greater focus on sustainability</a:t>
-            </a:r>
-          </a:p>
-        </p:txBody>
-      </p:sp>
-      <p:cxnSp>
-        <p:nvCxnSpPr>
-          <p:cNvPr id="45" name="Straight Connector 44">
-            <a:extLst>
-              <a:ext uri="{FF2B5EF4-FFF2-40B4-BE49-F238E27FC236}">
-                <a16:creationId xmlns:a16="http://schemas.microsoft.com/office/drawing/2014/main" id="{948A953B-26AC-4B8E-843E-FA61055B37C1}"/>
-              </a:ext>
-            </a:extLst>
-          </p:cNvPr>
-          <p:cNvCxnSpPr/>
-          <p:nvPr/>
-        </p:nvCxnSpPr>
-        <p:spPr>
-          <a:xfrm>
-            <a:off x="5527125" y="1613776"/>
-            <a:ext cx="228600" cy="0"/>
-          </a:xfrm>
-          <a:prstGeom prst="line">
-            <a:avLst/>
-          </a:prstGeom>
-          <a:ln w="38100">
-            <a:solidFill>
-              <a:srgbClr val="F3509B"/>
-            </a:solidFill>
-            <a:headEnd type="oval" w="med" len="med"/>
-            <a:tailEnd type="oval" w="med" len="med"/>
-          </a:ln>
-        </p:spPr>
-        <p:style>
-          <a:lnRef idx="1">
-            <a:schemeClr val="accent1"/>
-          </a:lnRef>
-          <a:fillRef idx="0">
-            <a:schemeClr val="accent1"/>
-          </a:fillRef>
-          <a:effectRef idx="0">
-            <a:schemeClr val="accent1"/>
-          </a:effectRef>
-          <a:fontRef idx="minor">
-            <a:schemeClr val="tx1"/>
-          </a:fontRef>
-        </p:style>
-      </p:cxnSp>
-      <p:sp>
-        <p:nvSpPr>
-          <p:cNvPr id="46" name="TextBox 45">
-            <a:extLst>
-              <a:ext uri="{FF2B5EF4-FFF2-40B4-BE49-F238E27FC236}">
-                <a16:creationId xmlns:a16="http://schemas.microsoft.com/office/drawing/2014/main" id="{BAE48C3A-3178-45B0-9209-33AE826503AE}"/>
-              </a:ext>
-            </a:extLst>
-          </p:cNvPr>
-          <p:cNvSpPr txBox="1"/>
-          <p:nvPr/>
-        </p:nvSpPr>
-        <p:spPr>
-          <a:xfrm>
-            <a:off x="2263487" y="1620917"/>
-            <a:ext cx="3670091" cy="830997"/>
-          </a:xfrm>
-          <a:prstGeom prst="rect">
-            <a:avLst/>
-          </a:prstGeom>
-          <a:noFill/>
-        </p:spPr>
-        <p:txBody>
-          <a:bodyPr wrap="square" rtlCol="0">
-            <a:spAutoFit/>
-          </a:bodyPr>
-          <a:lstStyle/>
-          <a:p>
-            <a:pPr algn="r"/>
-            <a:r>
-              <a:rPr lang="en-US" sz="2400" dirty="0">
-                <a:solidFill>
-                  <a:srgbClr val="F3509B"/>
-                </a:solidFill>
-                <a:latin typeface="Source Sans Pro" panose="020B0503030403020204" pitchFamily="34" charset="0"/>
-                <a:ea typeface="Source Sans Pro" panose="020B0503030403020204" pitchFamily="34" charset="0"/>
-              </a:rPr>
-              <a:t>My next opportunity! Summer internship in 2021</a:t>
-            </a:r>
-          </a:p>
-        </p:txBody>
-      </p:sp>
-    </p:spTree>
-    <p:extLst>
-      <p:ext uri="{BB962C8B-B14F-4D97-AF65-F5344CB8AC3E}">
-        <p14:creationId xmlns:p14="http://schemas.microsoft.com/office/powerpoint/2010/main" val="3410990669"/>
       </p:ext>
     </p:extLst>
   </p:cSld>

--- a/images/Presentation1.pptx
+++ b/images/Presentation1.pptx
@@ -8,6 +8,7 @@
     <p:sldId id="256" r:id="rId2"/>
     <p:sldId id="257" r:id="rId3"/>
     <p:sldId id="259" r:id="rId4"/>
+    <p:sldId id="260" r:id="rId5"/>
   </p:sldIdLst>
   <p:sldSz cx="12192000" cy="6858000"/>
   <p:notesSz cx="6858000" cy="9144000"/>
@@ -243,7 +244,7 @@
           <a:p>
             <a:fld id="{3F2435BA-A7F3-4F65-B06F-64A5EAF7603B}" type="datetimeFigureOut">
               <a:rPr lang="en-US" smtClean="0"/>
-              <a:t>12/10/2020</a:t>
+              <a:t>5/27/2021</a:t>
             </a:fld>
             <a:endParaRPr lang="en-US"/>
           </a:p>
@@ -411,7 +412,7 @@
           <a:p>
             <a:fld id="{3F2435BA-A7F3-4F65-B06F-64A5EAF7603B}" type="datetimeFigureOut">
               <a:rPr lang="en-US" smtClean="0"/>
-              <a:t>12/10/2020</a:t>
+              <a:t>5/27/2021</a:t>
             </a:fld>
             <a:endParaRPr lang="en-US"/>
           </a:p>
@@ -589,7 +590,7 @@
           <a:p>
             <a:fld id="{3F2435BA-A7F3-4F65-B06F-64A5EAF7603B}" type="datetimeFigureOut">
               <a:rPr lang="en-US" smtClean="0"/>
-              <a:t>12/10/2020</a:t>
+              <a:t>5/27/2021</a:t>
             </a:fld>
             <a:endParaRPr lang="en-US"/>
           </a:p>
@@ -757,7 +758,7 @@
           <a:p>
             <a:fld id="{3F2435BA-A7F3-4F65-B06F-64A5EAF7603B}" type="datetimeFigureOut">
               <a:rPr lang="en-US" smtClean="0"/>
-              <a:t>12/10/2020</a:t>
+              <a:t>5/27/2021</a:t>
             </a:fld>
             <a:endParaRPr lang="en-US"/>
           </a:p>
@@ -1002,7 +1003,7 @@
           <a:p>
             <a:fld id="{3F2435BA-A7F3-4F65-B06F-64A5EAF7603B}" type="datetimeFigureOut">
               <a:rPr lang="en-US" smtClean="0"/>
-              <a:t>12/10/2020</a:t>
+              <a:t>5/27/2021</a:t>
             </a:fld>
             <a:endParaRPr lang="en-US"/>
           </a:p>
@@ -1231,7 +1232,7 @@
           <a:p>
             <a:fld id="{3F2435BA-A7F3-4F65-B06F-64A5EAF7603B}" type="datetimeFigureOut">
               <a:rPr lang="en-US" smtClean="0"/>
-              <a:t>12/10/2020</a:t>
+              <a:t>5/27/2021</a:t>
             </a:fld>
             <a:endParaRPr lang="en-US"/>
           </a:p>
@@ -1595,7 +1596,7 @@
           <a:p>
             <a:fld id="{3F2435BA-A7F3-4F65-B06F-64A5EAF7603B}" type="datetimeFigureOut">
               <a:rPr lang="en-US" smtClean="0"/>
-              <a:t>12/10/2020</a:t>
+              <a:t>5/27/2021</a:t>
             </a:fld>
             <a:endParaRPr lang="en-US"/>
           </a:p>
@@ -1712,7 +1713,7 @@
           <a:p>
             <a:fld id="{3F2435BA-A7F3-4F65-B06F-64A5EAF7603B}" type="datetimeFigureOut">
               <a:rPr lang="en-US" smtClean="0"/>
-              <a:t>12/10/2020</a:t>
+              <a:t>5/27/2021</a:t>
             </a:fld>
             <a:endParaRPr lang="en-US"/>
           </a:p>
@@ -1807,7 +1808,7 @@
           <a:p>
             <a:fld id="{3F2435BA-A7F3-4F65-B06F-64A5EAF7603B}" type="datetimeFigureOut">
               <a:rPr lang="en-US" smtClean="0"/>
-              <a:t>12/10/2020</a:t>
+              <a:t>5/27/2021</a:t>
             </a:fld>
             <a:endParaRPr lang="en-US"/>
           </a:p>
@@ -2082,7 +2083,7 @@
           <a:p>
             <a:fld id="{3F2435BA-A7F3-4F65-B06F-64A5EAF7603B}" type="datetimeFigureOut">
               <a:rPr lang="en-US" smtClean="0"/>
-              <a:t>12/10/2020</a:t>
+              <a:t>5/27/2021</a:t>
             </a:fld>
             <a:endParaRPr lang="en-US"/>
           </a:p>
@@ -2334,7 +2335,7 @@
           <a:p>
             <a:fld id="{3F2435BA-A7F3-4F65-B06F-64A5EAF7603B}" type="datetimeFigureOut">
               <a:rPr lang="en-US" smtClean="0"/>
-              <a:t>12/10/2020</a:t>
+              <a:t>5/27/2021</a:t>
             </a:fld>
             <a:endParaRPr lang="en-US"/>
           </a:p>
@@ -2545,7 +2546,7 @@
           <a:p>
             <a:fld id="{3F2435BA-A7F3-4F65-B06F-64A5EAF7603B}" type="datetimeFigureOut">
               <a:rPr lang="en-US" smtClean="0"/>
-              <a:t>12/10/2020</a:t>
+              <a:t>5/27/2021</a:t>
             </a:fld>
             <a:endParaRPr lang="en-US"/>
           </a:p>
@@ -3189,7 +3190,7 @@
         </p:nvSpPr>
         <p:spPr>
           <a:xfrm>
-            <a:off x="361026" y="1377387"/>
+            <a:off x="362377" y="1375661"/>
             <a:ext cx="5983893" cy="5157040"/>
           </a:xfrm>
           <a:prstGeom prst="rect">
@@ -4715,6 +4716,1648 @@
     <p:extLst>
       <p:ext uri="{BB962C8B-B14F-4D97-AF65-F5344CB8AC3E}">
         <p14:creationId xmlns:p14="http://schemas.microsoft.com/office/powerpoint/2010/main" val="1238301277"/>
+      </p:ext>
+    </p:extLst>
+  </p:cSld>
+  <p:clrMapOvr>
+    <a:masterClrMapping/>
+  </p:clrMapOvr>
+</p:sld>
+</file>
+
+<file path=ppt/slides/slide4.xml><?xml version="1.0" encoding="utf-8"?>
+<p:sld xmlns:a="http://schemas.openxmlformats.org/drawingml/2006/main" xmlns:r="http://schemas.openxmlformats.org/officeDocument/2006/relationships" xmlns:p="http://schemas.openxmlformats.org/presentationml/2006/main">
+  <p:cSld>
+    <p:spTree>
+      <p:nvGrpSpPr>
+        <p:cNvPr id="1" name=""/>
+        <p:cNvGrpSpPr/>
+        <p:nvPr/>
+      </p:nvGrpSpPr>
+      <p:grpSpPr>
+        <a:xfrm>
+          <a:off x="0" y="0"/>
+          <a:ext cx="0" cy="0"/>
+          <a:chOff x="0" y="0"/>
+          <a:chExt cx="0" cy="0"/>
+        </a:xfrm>
+      </p:grpSpPr>
+      <p:sp>
+        <p:nvSpPr>
+          <p:cNvPr id="37" name="Rectangle 36">
+            <a:extLst>
+              <a:ext uri="{FF2B5EF4-FFF2-40B4-BE49-F238E27FC236}">
+                <a16:creationId xmlns:a16="http://schemas.microsoft.com/office/drawing/2014/main" id="{159E137C-8BD4-4E09-AE99-C316CECE4120}"/>
+              </a:ext>
+            </a:extLst>
+          </p:cNvPr>
+          <p:cNvSpPr/>
+          <p:nvPr/>
+        </p:nvSpPr>
+        <p:spPr>
+          <a:xfrm>
+            <a:off x="-4954398" y="1375661"/>
+            <a:ext cx="16459200" cy="5157040"/>
+          </a:xfrm>
+          <a:prstGeom prst="rect">
+            <a:avLst/>
+          </a:prstGeom>
+          <a:solidFill>
+            <a:schemeClr val="bg1"/>
+          </a:solidFill>
+          <a:ln>
+            <a:noFill/>
+          </a:ln>
+        </p:spPr>
+        <p:style>
+          <a:lnRef idx="2">
+            <a:schemeClr val="accent1">
+              <a:shade val="50000"/>
+            </a:schemeClr>
+          </a:lnRef>
+          <a:fillRef idx="1">
+            <a:schemeClr val="accent1"/>
+          </a:fillRef>
+          <a:effectRef idx="0">
+            <a:schemeClr val="accent1"/>
+          </a:effectRef>
+          <a:fontRef idx="minor">
+            <a:schemeClr val="lt1"/>
+          </a:fontRef>
+        </p:style>
+        <p:txBody>
+          <a:bodyPr rtlCol="0" anchor="ctr"/>
+          <a:lstStyle/>
+          <a:p>
+            <a:pPr algn="ctr"/>
+            <a:r>
+              <a:rPr lang="en-US" dirty="0"/>
+              <a:t>	</a:t>
+            </a:r>
+          </a:p>
+        </p:txBody>
+      </p:sp>
+      <p:sp>
+        <p:nvSpPr>
+          <p:cNvPr id="8" name="Rectangle 7">
+            <a:extLst>
+              <a:ext uri="{FF2B5EF4-FFF2-40B4-BE49-F238E27FC236}">
+                <a16:creationId xmlns:a16="http://schemas.microsoft.com/office/drawing/2014/main" id="{36413D0F-6DC1-4952-9158-A3EA154CD823}"/>
+              </a:ext>
+            </a:extLst>
+          </p:cNvPr>
+          <p:cNvSpPr/>
+          <p:nvPr/>
+        </p:nvSpPr>
+        <p:spPr>
+          <a:xfrm>
+            <a:off x="362377" y="1375661"/>
+            <a:ext cx="5983893" cy="5157040"/>
+          </a:xfrm>
+          <a:prstGeom prst="rect">
+            <a:avLst/>
+          </a:prstGeom>
+          <a:solidFill>
+            <a:srgbClr val="D6E5EC"/>
+          </a:solidFill>
+          <a:ln>
+            <a:noFill/>
+          </a:ln>
+        </p:spPr>
+        <p:style>
+          <a:lnRef idx="2">
+            <a:schemeClr val="accent1">
+              <a:shade val="50000"/>
+            </a:schemeClr>
+          </a:lnRef>
+          <a:fillRef idx="1">
+            <a:schemeClr val="accent1"/>
+          </a:fillRef>
+          <a:effectRef idx="0">
+            <a:schemeClr val="accent1"/>
+          </a:effectRef>
+          <a:fontRef idx="minor">
+            <a:schemeClr val="lt1"/>
+          </a:fontRef>
+        </p:style>
+        <p:txBody>
+          <a:bodyPr rtlCol="0" anchor="ctr"/>
+          <a:lstStyle/>
+          <a:p>
+            <a:pPr algn="ctr"/>
+            <a:r>
+              <a:rPr lang="en-US" dirty="0"/>
+              <a:t>	</a:t>
+            </a:r>
+          </a:p>
+        </p:txBody>
+      </p:sp>
+      <p:cxnSp>
+        <p:nvCxnSpPr>
+          <p:cNvPr id="10" name="Straight Connector 9">
+            <a:extLst>
+              <a:ext uri="{FF2B5EF4-FFF2-40B4-BE49-F238E27FC236}">
+                <a16:creationId xmlns:a16="http://schemas.microsoft.com/office/drawing/2014/main" id="{B4703372-8057-43C3-89B3-B6CBE97C4463}"/>
+              </a:ext>
+            </a:extLst>
+          </p:cNvPr>
+          <p:cNvCxnSpPr/>
+          <p:nvPr/>
+        </p:nvCxnSpPr>
+        <p:spPr>
+          <a:xfrm>
+            <a:off x="613410" y="5264947"/>
+            <a:ext cx="5486400" cy="0"/>
+          </a:xfrm>
+          <a:prstGeom prst="line">
+            <a:avLst/>
+          </a:prstGeom>
+          <a:ln w="38100">
+            <a:solidFill>
+              <a:schemeClr val="bg1"/>
+            </a:solidFill>
+          </a:ln>
+        </p:spPr>
+        <p:style>
+          <a:lnRef idx="1">
+            <a:schemeClr val="accent1"/>
+          </a:lnRef>
+          <a:fillRef idx="0">
+            <a:schemeClr val="accent1"/>
+          </a:fillRef>
+          <a:effectRef idx="0">
+            <a:schemeClr val="accent1"/>
+          </a:effectRef>
+          <a:fontRef idx="minor">
+            <a:schemeClr val="tx1"/>
+          </a:fontRef>
+        </p:style>
+      </p:cxnSp>
+      <p:cxnSp>
+        <p:nvCxnSpPr>
+          <p:cNvPr id="11" name="Straight Connector 10">
+            <a:extLst>
+              <a:ext uri="{FF2B5EF4-FFF2-40B4-BE49-F238E27FC236}">
+                <a16:creationId xmlns:a16="http://schemas.microsoft.com/office/drawing/2014/main" id="{40FE9042-3420-48CA-A188-4F461FC5DAD4}"/>
+              </a:ext>
+            </a:extLst>
+          </p:cNvPr>
+          <p:cNvCxnSpPr/>
+          <p:nvPr/>
+        </p:nvCxnSpPr>
+        <p:spPr>
+          <a:xfrm>
+            <a:off x="623570" y="2516815"/>
+            <a:ext cx="5486400" cy="0"/>
+          </a:xfrm>
+          <a:prstGeom prst="line">
+            <a:avLst/>
+          </a:prstGeom>
+          <a:ln w="38100">
+            <a:solidFill>
+              <a:schemeClr val="bg1"/>
+            </a:solidFill>
+          </a:ln>
+        </p:spPr>
+        <p:style>
+          <a:lnRef idx="1">
+            <a:schemeClr val="accent1"/>
+          </a:lnRef>
+          <a:fillRef idx="0">
+            <a:schemeClr val="accent1"/>
+          </a:fillRef>
+          <a:effectRef idx="0">
+            <a:schemeClr val="accent1"/>
+          </a:effectRef>
+          <a:fontRef idx="minor">
+            <a:schemeClr val="tx1"/>
+          </a:fontRef>
+        </p:style>
+      </p:cxnSp>
+      <p:cxnSp>
+        <p:nvCxnSpPr>
+          <p:cNvPr id="12" name="Straight Connector 11">
+            <a:extLst>
+              <a:ext uri="{FF2B5EF4-FFF2-40B4-BE49-F238E27FC236}">
+                <a16:creationId xmlns:a16="http://schemas.microsoft.com/office/drawing/2014/main" id="{2156C440-9B2F-49FF-AFE0-6FC84AFB8D76}"/>
+              </a:ext>
+            </a:extLst>
+          </p:cNvPr>
+          <p:cNvCxnSpPr/>
+          <p:nvPr/>
+        </p:nvCxnSpPr>
+        <p:spPr>
+          <a:xfrm>
+            <a:off x="613410" y="3437577"/>
+            <a:ext cx="5486400" cy="0"/>
+          </a:xfrm>
+          <a:prstGeom prst="line">
+            <a:avLst/>
+          </a:prstGeom>
+          <a:ln w="38100">
+            <a:solidFill>
+              <a:schemeClr val="bg1"/>
+            </a:solidFill>
+          </a:ln>
+        </p:spPr>
+        <p:style>
+          <a:lnRef idx="1">
+            <a:schemeClr val="accent1"/>
+          </a:lnRef>
+          <a:fillRef idx="0">
+            <a:schemeClr val="accent1"/>
+          </a:fillRef>
+          <a:effectRef idx="0">
+            <a:schemeClr val="accent1"/>
+          </a:effectRef>
+          <a:fontRef idx="minor">
+            <a:schemeClr val="tx1"/>
+          </a:fontRef>
+        </p:style>
+      </p:cxnSp>
+      <p:cxnSp>
+        <p:nvCxnSpPr>
+          <p:cNvPr id="13" name="Straight Connector 12">
+            <a:extLst>
+              <a:ext uri="{FF2B5EF4-FFF2-40B4-BE49-F238E27FC236}">
+                <a16:creationId xmlns:a16="http://schemas.microsoft.com/office/drawing/2014/main" id="{0B7144C6-9C65-4BE6-AFCD-6080448734C8}"/>
+              </a:ext>
+            </a:extLst>
+          </p:cNvPr>
+          <p:cNvCxnSpPr/>
+          <p:nvPr/>
+        </p:nvCxnSpPr>
+        <p:spPr>
+          <a:xfrm>
+            <a:off x="613410" y="4370867"/>
+            <a:ext cx="5486400" cy="0"/>
+          </a:xfrm>
+          <a:prstGeom prst="line">
+            <a:avLst/>
+          </a:prstGeom>
+          <a:ln w="38100">
+            <a:solidFill>
+              <a:schemeClr val="bg1"/>
+            </a:solidFill>
+          </a:ln>
+        </p:spPr>
+        <p:style>
+          <a:lnRef idx="1">
+            <a:schemeClr val="accent1"/>
+          </a:lnRef>
+          <a:fillRef idx="0">
+            <a:schemeClr val="accent1"/>
+          </a:fillRef>
+          <a:effectRef idx="0">
+            <a:schemeClr val="accent1"/>
+          </a:effectRef>
+          <a:fontRef idx="minor">
+            <a:schemeClr val="tx1"/>
+          </a:fontRef>
+        </p:style>
+      </p:cxnSp>
+      <p:cxnSp>
+        <p:nvCxnSpPr>
+          <p:cNvPr id="14" name="Straight Connector 13">
+            <a:extLst>
+              <a:ext uri="{FF2B5EF4-FFF2-40B4-BE49-F238E27FC236}">
+                <a16:creationId xmlns:a16="http://schemas.microsoft.com/office/drawing/2014/main" id="{DA9F57B5-4B3B-4C43-A4A0-E4D43F6A27B8}"/>
+              </a:ext>
+            </a:extLst>
+          </p:cNvPr>
+          <p:cNvCxnSpPr/>
+          <p:nvPr/>
+        </p:nvCxnSpPr>
+        <p:spPr>
+          <a:xfrm>
+            <a:off x="594360" y="6189507"/>
+            <a:ext cx="5504688" cy="0"/>
+          </a:xfrm>
+          <a:prstGeom prst="line">
+            <a:avLst/>
+          </a:prstGeom>
+          <a:ln w="38100">
+            <a:solidFill>
+              <a:schemeClr val="tx1">
+                <a:lumMod val="50000"/>
+                <a:lumOff val="50000"/>
+              </a:schemeClr>
+            </a:solidFill>
+          </a:ln>
+        </p:spPr>
+        <p:style>
+          <a:lnRef idx="1">
+            <a:schemeClr val="accent1"/>
+          </a:lnRef>
+          <a:fillRef idx="0">
+            <a:schemeClr val="accent1"/>
+          </a:fillRef>
+          <a:effectRef idx="0">
+            <a:schemeClr val="accent1"/>
+          </a:effectRef>
+          <a:fontRef idx="minor">
+            <a:schemeClr val="tx1"/>
+          </a:fontRef>
+        </p:style>
+      </p:cxnSp>
+      <p:cxnSp>
+        <p:nvCxnSpPr>
+          <p:cNvPr id="15" name="Straight Connector 14">
+            <a:extLst>
+              <a:ext uri="{FF2B5EF4-FFF2-40B4-BE49-F238E27FC236}">
+                <a16:creationId xmlns:a16="http://schemas.microsoft.com/office/drawing/2014/main" id="{58E55722-0BE7-4FDF-B5E8-01D55A0614B1}"/>
+              </a:ext>
+            </a:extLst>
+          </p:cNvPr>
+          <p:cNvCxnSpPr>
+            <a:cxnSpLocks/>
+          </p:cNvCxnSpPr>
+          <p:nvPr/>
+        </p:nvCxnSpPr>
+        <p:spPr>
+          <a:xfrm flipV="1">
+            <a:off x="613410" y="6014087"/>
+            <a:ext cx="0" cy="189390"/>
+          </a:xfrm>
+          <a:prstGeom prst="line">
+            <a:avLst/>
+          </a:prstGeom>
+          <a:ln w="38100">
+            <a:solidFill>
+              <a:schemeClr val="tx1">
+                <a:lumMod val="50000"/>
+                <a:lumOff val="50000"/>
+              </a:schemeClr>
+            </a:solidFill>
+          </a:ln>
+        </p:spPr>
+        <p:style>
+          <a:lnRef idx="1">
+            <a:schemeClr val="accent1"/>
+          </a:lnRef>
+          <a:fillRef idx="0">
+            <a:schemeClr val="accent1"/>
+          </a:fillRef>
+          <a:effectRef idx="0">
+            <a:schemeClr val="accent1"/>
+          </a:effectRef>
+          <a:fontRef idx="minor">
+            <a:schemeClr val="tx1"/>
+          </a:fontRef>
+        </p:style>
+      </p:cxnSp>
+      <p:cxnSp>
+        <p:nvCxnSpPr>
+          <p:cNvPr id="18" name="Straight Connector 17">
+            <a:extLst>
+              <a:ext uri="{FF2B5EF4-FFF2-40B4-BE49-F238E27FC236}">
+                <a16:creationId xmlns:a16="http://schemas.microsoft.com/office/drawing/2014/main" id="{C39BC865-E459-411F-92F0-074B4E758BD1}"/>
+              </a:ext>
+            </a:extLst>
+          </p:cNvPr>
+          <p:cNvCxnSpPr>
+            <a:cxnSpLocks/>
+          </p:cNvCxnSpPr>
+          <p:nvPr/>
+        </p:nvCxnSpPr>
+        <p:spPr>
+          <a:xfrm flipV="1">
+            <a:off x="1524000" y="6015357"/>
+            <a:ext cx="0" cy="189390"/>
+          </a:xfrm>
+          <a:prstGeom prst="line">
+            <a:avLst/>
+          </a:prstGeom>
+          <a:ln w="38100">
+            <a:solidFill>
+              <a:schemeClr val="tx1">
+                <a:lumMod val="50000"/>
+                <a:lumOff val="50000"/>
+              </a:schemeClr>
+            </a:solidFill>
+          </a:ln>
+        </p:spPr>
+        <p:style>
+          <a:lnRef idx="1">
+            <a:schemeClr val="accent1"/>
+          </a:lnRef>
+          <a:fillRef idx="0">
+            <a:schemeClr val="accent1"/>
+          </a:fillRef>
+          <a:effectRef idx="0">
+            <a:schemeClr val="accent1"/>
+          </a:effectRef>
+          <a:fontRef idx="minor">
+            <a:schemeClr val="tx1"/>
+          </a:fontRef>
+        </p:style>
+      </p:cxnSp>
+      <p:cxnSp>
+        <p:nvCxnSpPr>
+          <p:cNvPr id="19" name="Straight Connector 18">
+            <a:extLst>
+              <a:ext uri="{FF2B5EF4-FFF2-40B4-BE49-F238E27FC236}">
+                <a16:creationId xmlns:a16="http://schemas.microsoft.com/office/drawing/2014/main" id="{4A4194B2-843C-4AE9-9F18-C4160E0A3DEF}"/>
+              </a:ext>
+            </a:extLst>
+          </p:cNvPr>
+          <p:cNvCxnSpPr>
+            <a:cxnSpLocks/>
+          </p:cNvCxnSpPr>
+          <p:nvPr/>
+        </p:nvCxnSpPr>
+        <p:spPr>
+          <a:xfrm flipV="1">
+            <a:off x="2439670" y="6019167"/>
+            <a:ext cx="0" cy="189390"/>
+          </a:xfrm>
+          <a:prstGeom prst="line">
+            <a:avLst/>
+          </a:prstGeom>
+          <a:ln w="38100">
+            <a:solidFill>
+              <a:schemeClr val="tx1">
+                <a:lumMod val="50000"/>
+                <a:lumOff val="50000"/>
+              </a:schemeClr>
+            </a:solidFill>
+          </a:ln>
+        </p:spPr>
+        <p:style>
+          <a:lnRef idx="1">
+            <a:schemeClr val="accent1"/>
+          </a:lnRef>
+          <a:fillRef idx="0">
+            <a:schemeClr val="accent1"/>
+          </a:fillRef>
+          <a:effectRef idx="0">
+            <a:schemeClr val="accent1"/>
+          </a:effectRef>
+          <a:fontRef idx="minor">
+            <a:schemeClr val="tx1"/>
+          </a:fontRef>
+        </p:style>
+      </p:cxnSp>
+      <p:cxnSp>
+        <p:nvCxnSpPr>
+          <p:cNvPr id="21" name="Straight Connector 20">
+            <a:extLst>
+              <a:ext uri="{FF2B5EF4-FFF2-40B4-BE49-F238E27FC236}">
+                <a16:creationId xmlns:a16="http://schemas.microsoft.com/office/drawing/2014/main" id="{8652A2AF-5E32-469D-9F28-23488C92BB24}"/>
+              </a:ext>
+            </a:extLst>
+          </p:cNvPr>
+          <p:cNvCxnSpPr>
+            <a:cxnSpLocks/>
+          </p:cNvCxnSpPr>
+          <p:nvPr/>
+        </p:nvCxnSpPr>
+        <p:spPr>
+          <a:xfrm flipV="1">
+            <a:off x="3354324" y="6010658"/>
+            <a:ext cx="0" cy="189390"/>
+          </a:xfrm>
+          <a:prstGeom prst="line">
+            <a:avLst/>
+          </a:prstGeom>
+          <a:ln w="38100">
+            <a:solidFill>
+              <a:schemeClr val="tx1">
+                <a:lumMod val="50000"/>
+                <a:lumOff val="50000"/>
+              </a:schemeClr>
+            </a:solidFill>
+          </a:ln>
+        </p:spPr>
+        <p:style>
+          <a:lnRef idx="1">
+            <a:schemeClr val="accent1"/>
+          </a:lnRef>
+          <a:fillRef idx="0">
+            <a:schemeClr val="accent1"/>
+          </a:fillRef>
+          <a:effectRef idx="0">
+            <a:schemeClr val="accent1"/>
+          </a:effectRef>
+          <a:fontRef idx="minor">
+            <a:schemeClr val="tx1"/>
+          </a:fontRef>
+        </p:style>
+      </p:cxnSp>
+      <p:cxnSp>
+        <p:nvCxnSpPr>
+          <p:cNvPr id="22" name="Straight Connector 21">
+            <a:extLst>
+              <a:ext uri="{FF2B5EF4-FFF2-40B4-BE49-F238E27FC236}">
+                <a16:creationId xmlns:a16="http://schemas.microsoft.com/office/drawing/2014/main" id="{D24210DF-A34E-42B0-A1FA-C44196C0CD1F}"/>
+              </a:ext>
+            </a:extLst>
+          </p:cNvPr>
+          <p:cNvCxnSpPr>
+            <a:cxnSpLocks/>
+          </p:cNvCxnSpPr>
+          <p:nvPr/>
+        </p:nvCxnSpPr>
+        <p:spPr>
+          <a:xfrm flipV="1">
+            <a:off x="4264914" y="6015738"/>
+            <a:ext cx="0" cy="189390"/>
+          </a:xfrm>
+          <a:prstGeom prst="line">
+            <a:avLst/>
+          </a:prstGeom>
+          <a:ln w="38100">
+            <a:solidFill>
+              <a:schemeClr val="tx1">
+                <a:lumMod val="50000"/>
+                <a:lumOff val="50000"/>
+              </a:schemeClr>
+            </a:solidFill>
+          </a:ln>
+        </p:spPr>
+        <p:style>
+          <a:lnRef idx="1">
+            <a:schemeClr val="accent1"/>
+          </a:lnRef>
+          <a:fillRef idx="0">
+            <a:schemeClr val="accent1"/>
+          </a:fillRef>
+          <a:effectRef idx="0">
+            <a:schemeClr val="accent1"/>
+          </a:effectRef>
+          <a:fontRef idx="minor">
+            <a:schemeClr val="tx1"/>
+          </a:fontRef>
+        </p:style>
+      </p:cxnSp>
+      <p:cxnSp>
+        <p:nvCxnSpPr>
+          <p:cNvPr id="23" name="Straight Connector 22">
+            <a:extLst>
+              <a:ext uri="{FF2B5EF4-FFF2-40B4-BE49-F238E27FC236}">
+                <a16:creationId xmlns:a16="http://schemas.microsoft.com/office/drawing/2014/main" id="{85C9D868-A80C-46DD-9007-6A4E3CF56AD6}"/>
+              </a:ext>
+            </a:extLst>
+          </p:cNvPr>
+          <p:cNvCxnSpPr>
+            <a:cxnSpLocks/>
+          </p:cNvCxnSpPr>
+          <p:nvPr/>
+        </p:nvCxnSpPr>
+        <p:spPr>
+          <a:xfrm flipV="1">
+            <a:off x="5180584" y="6015738"/>
+            <a:ext cx="0" cy="189390"/>
+          </a:xfrm>
+          <a:prstGeom prst="line">
+            <a:avLst/>
+          </a:prstGeom>
+          <a:ln w="38100">
+            <a:solidFill>
+              <a:schemeClr val="tx1">
+                <a:lumMod val="50000"/>
+                <a:lumOff val="50000"/>
+              </a:schemeClr>
+            </a:solidFill>
+          </a:ln>
+        </p:spPr>
+        <p:style>
+          <a:lnRef idx="1">
+            <a:schemeClr val="accent1"/>
+          </a:lnRef>
+          <a:fillRef idx="0">
+            <a:schemeClr val="accent1"/>
+          </a:fillRef>
+          <a:effectRef idx="0">
+            <a:schemeClr val="accent1"/>
+          </a:effectRef>
+          <a:fontRef idx="minor">
+            <a:schemeClr val="tx1"/>
+          </a:fontRef>
+        </p:style>
+      </p:cxnSp>
+      <p:sp>
+        <p:nvSpPr>
+          <p:cNvPr id="24" name="TextBox 23">
+            <a:extLst>
+              <a:ext uri="{FF2B5EF4-FFF2-40B4-BE49-F238E27FC236}">
+                <a16:creationId xmlns:a16="http://schemas.microsoft.com/office/drawing/2014/main" id="{3B5D9F75-5A0B-4272-B0BB-A9AFB7C02D9F}"/>
+              </a:ext>
+            </a:extLst>
+          </p:cNvPr>
+          <p:cNvSpPr txBox="1"/>
+          <p:nvPr/>
+        </p:nvSpPr>
+        <p:spPr>
+          <a:xfrm>
+            <a:off x="490105" y="6165098"/>
+            <a:ext cx="1773382" cy="369332"/>
+          </a:xfrm>
+          <a:prstGeom prst="rect">
+            <a:avLst/>
+          </a:prstGeom>
+          <a:noFill/>
+        </p:spPr>
+        <p:txBody>
+          <a:bodyPr wrap="square" rtlCol="0">
+            <a:spAutoFit/>
+          </a:bodyPr>
+          <a:lstStyle/>
+          <a:p>
+            <a:r>
+              <a:rPr lang="en-US" dirty="0">
+                <a:solidFill>
+                  <a:schemeClr val="tx1">
+                    <a:lumMod val="50000"/>
+                    <a:lumOff val="50000"/>
+                  </a:schemeClr>
+                </a:solidFill>
+                <a:latin typeface="Source Sans Pro" panose="020B0503030403020204" pitchFamily="34" charset="0"/>
+                <a:ea typeface="Source Sans Pro" panose="020B0503030403020204" pitchFamily="34" charset="0"/>
+              </a:rPr>
+              <a:t>2010</a:t>
+            </a:r>
+          </a:p>
+        </p:txBody>
+      </p:sp>
+      <p:sp>
+        <p:nvSpPr>
+          <p:cNvPr id="25" name="TextBox 24">
+            <a:extLst>
+              <a:ext uri="{FF2B5EF4-FFF2-40B4-BE49-F238E27FC236}">
+                <a16:creationId xmlns:a16="http://schemas.microsoft.com/office/drawing/2014/main" id="{84E500EC-CD76-41A8-AB3C-641C0EA117DD}"/>
+              </a:ext>
+            </a:extLst>
+          </p:cNvPr>
+          <p:cNvSpPr txBox="1"/>
+          <p:nvPr/>
+        </p:nvSpPr>
+        <p:spPr>
+          <a:xfrm>
+            <a:off x="1311473" y="6165098"/>
+            <a:ext cx="423977" cy="369332"/>
+          </a:xfrm>
+          <a:prstGeom prst="rect">
+            <a:avLst/>
+          </a:prstGeom>
+          <a:noFill/>
+        </p:spPr>
+        <p:txBody>
+          <a:bodyPr wrap="square" rtlCol="0">
+            <a:spAutoFit/>
+          </a:bodyPr>
+          <a:lstStyle/>
+          <a:p>
+            <a:r>
+              <a:rPr lang="en-US" dirty="0">
+                <a:solidFill>
+                  <a:schemeClr val="tx1">
+                    <a:lumMod val="50000"/>
+                    <a:lumOff val="50000"/>
+                  </a:schemeClr>
+                </a:solidFill>
+                <a:latin typeface="Source Sans Pro" panose="020B0503030403020204" pitchFamily="34" charset="0"/>
+                <a:ea typeface="Source Sans Pro" panose="020B0503030403020204" pitchFamily="34" charset="0"/>
+              </a:rPr>
+              <a:t>12</a:t>
+            </a:r>
+          </a:p>
+        </p:txBody>
+      </p:sp>
+      <p:sp>
+        <p:nvSpPr>
+          <p:cNvPr id="26" name="TextBox 25">
+            <a:extLst>
+              <a:ext uri="{FF2B5EF4-FFF2-40B4-BE49-F238E27FC236}">
+                <a16:creationId xmlns:a16="http://schemas.microsoft.com/office/drawing/2014/main" id="{4B2B25AD-E411-482C-9F0D-2D2C81918244}"/>
+              </a:ext>
+            </a:extLst>
+          </p:cNvPr>
+          <p:cNvSpPr txBox="1"/>
+          <p:nvPr/>
+        </p:nvSpPr>
+        <p:spPr>
+          <a:xfrm>
+            <a:off x="2222062" y="6165098"/>
+            <a:ext cx="423977" cy="369332"/>
+          </a:xfrm>
+          <a:prstGeom prst="rect">
+            <a:avLst/>
+          </a:prstGeom>
+          <a:noFill/>
+        </p:spPr>
+        <p:txBody>
+          <a:bodyPr wrap="square" rtlCol="0">
+            <a:spAutoFit/>
+          </a:bodyPr>
+          <a:lstStyle/>
+          <a:p>
+            <a:r>
+              <a:rPr lang="en-US" dirty="0">
+                <a:solidFill>
+                  <a:schemeClr val="tx1">
+                    <a:lumMod val="50000"/>
+                    <a:lumOff val="50000"/>
+                  </a:schemeClr>
+                </a:solidFill>
+                <a:latin typeface="Source Sans Pro" panose="020B0503030403020204" pitchFamily="34" charset="0"/>
+                <a:ea typeface="Source Sans Pro" panose="020B0503030403020204" pitchFamily="34" charset="0"/>
+              </a:rPr>
+              <a:t>14</a:t>
+            </a:r>
+          </a:p>
+        </p:txBody>
+      </p:sp>
+      <p:sp>
+        <p:nvSpPr>
+          <p:cNvPr id="27" name="TextBox 26">
+            <a:extLst>
+              <a:ext uri="{FF2B5EF4-FFF2-40B4-BE49-F238E27FC236}">
+                <a16:creationId xmlns:a16="http://schemas.microsoft.com/office/drawing/2014/main" id="{CFD4DBAD-1EED-4826-9372-38D4EF2F59FE}"/>
+              </a:ext>
+            </a:extLst>
+          </p:cNvPr>
+          <p:cNvSpPr txBox="1"/>
+          <p:nvPr/>
+        </p:nvSpPr>
+        <p:spPr>
+          <a:xfrm>
+            <a:off x="3148341" y="6165098"/>
+            <a:ext cx="423977" cy="369332"/>
+          </a:xfrm>
+          <a:prstGeom prst="rect">
+            <a:avLst/>
+          </a:prstGeom>
+          <a:noFill/>
+        </p:spPr>
+        <p:txBody>
+          <a:bodyPr wrap="square" rtlCol="0">
+            <a:spAutoFit/>
+          </a:bodyPr>
+          <a:lstStyle/>
+          <a:p>
+            <a:r>
+              <a:rPr lang="en-US" dirty="0">
+                <a:solidFill>
+                  <a:schemeClr val="tx1">
+                    <a:lumMod val="50000"/>
+                    <a:lumOff val="50000"/>
+                  </a:schemeClr>
+                </a:solidFill>
+                <a:latin typeface="Source Sans Pro" panose="020B0503030403020204" pitchFamily="34" charset="0"/>
+                <a:ea typeface="Source Sans Pro" panose="020B0503030403020204" pitchFamily="34" charset="0"/>
+              </a:rPr>
+              <a:t>16</a:t>
+            </a:r>
+          </a:p>
+        </p:txBody>
+      </p:sp>
+      <p:sp>
+        <p:nvSpPr>
+          <p:cNvPr id="28" name="TextBox 27">
+            <a:extLst>
+              <a:ext uri="{FF2B5EF4-FFF2-40B4-BE49-F238E27FC236}">
+                <a16:creationId xmlns:a16="http://schemas.microsoft.com/office/drawing/2014/main" id="{513E6611-0EED-4F13-AB94-0B15EBAE5C54}"/>
+              </a:ext>
+            </a:extLst>
+          </p:cNvPr>
+          <p:cNvSpPr txBox="1"/>
+          <p:nvPr/>
+        </p:nvSpPr>
+        <p:spPr>
+          <a:xfrm>
+            <a:off x="4052385" y="6167897"/>
+            <a:ext cx="423977" cy="369332"/>
+          </a:xfrm>
+          <a:prstGeom prst="rect">
+            <a:avLst/>
+          </a:prstGeom>
+          <a:noFill/>
+        </p:spPr>
+        <p:txBody>
+          <a:bodyPr wrap="square" rtlCol="0">
+            <a:spAutoFit/>
+          </a:bodyPr>
+          <a:lstStyle/>
+          <a:p>
+            <a:r>
+              <a:rPr lang="en-US" dirty="0">
+                <a:solidFill>
+                  <a:schemeClr val="tx1">
+                    <a:lumMod val="50000"/>
+                    <a:lumOff val="50000"/>
+                  </a:schemeClr>
+                </a:solidFill>
+                <a:latin typeface="Source Sans Pro" panose="020B0503030403020204" pitchFamily="34" charset="0"/>
+                <a:ea typeface="Source Sans Pro" panose="020B0503030403020204" pitchFamily="34" charset="0"/>
+              </a:rPr>
+              <a:t>18</a:t>
+            </a:r>
+          </a:p>
+        </p:txBody>
+      </p:sp>
+      <p:sp>
+        <p:nvSpPr>
+          <p:cNvPr id="29" name="TextBox 28">
+            <a:extLst>
+              <a:ext uri="{FF2B5EF4-FFF2-40B4-BE49-F238E27FC236}">
+                <a16:creationId xmlns:a16="http://schemas.microsoft.com/office/drawing/2014/main" id="{F6F40F13-0820-464C-A5D2-3277CBEAB007}"/>
+              </a:ext>
+            </a:extLst>
+          </p:cNvPr>
+          <p:cNvSpPr txBox="1"/>
+          <p:nvPr/>
+        </p:nvSpPr>
+        <p:spPr>
+          <a:xfrm>
+            <a:off x="4955193" y="6165098"/>
+            <a:ext cx="423977" cy="369332"/>
+          </a:xfrm>
+          <a:prstGeom prst="rect">
+            <a:avLst/>
+          </a:prstGeom>
+          <a:noFill/>
+        </p:spPr>
+        <p:txBody>
+          <a:bodyPr wrap="square" rtlCol="0">
+            <a:spAutoFit/>
+          </a:bodyPr>
+          <a:lstStyle/>
+          <a:p>
+            <a:r>
+              <a:rPr lang="en-US" dirty="0">
+                <a:solidFill>
+                  <a:schemeClr val="tx1">
+                    <a:lumMod val="50000"/>
+                    <a:lumOff val="50000"/>
+                  </a:schemeClr>
+                </a:solidFill>
+                <a:latin typeface="Source Sans Pro" panose="020B0503030403020204" pitchFamily="34" charset="0"/>
+                <a:ea typeface="Source Sans Pro" panose="020B0503030403020204" pitchFamily="34" charset="0"/>
+              </a:rPr>
+              <a:t>20</a:t>
+            </a:r>
+          </a:p>
+        </p:txBody>
+      </p:sp>
+      <p:sp>
+        <p:nvSpPr>
+          <p:cNvPr id="30" name="TextBox 29">
+            <a:extLst>
+              <a:ext uri="{FF2B5EF4-FFF2-40B4-BE49-F238E27FC236}">
+                <a16:creationId xmlns:a16="http://schemas.microsoft.com/office/drawing/2014/main" id="{F444B6D5-7B4D-4B21-B33C-60E30D88A7DB}"/>
+              </a:ext>
+            </a:extLst>
+          </p:cNvPr>
+          <p:cNvSpPr txBox="1"/>
+          <p:nvPr/>
+        </p:nvSpPr>
+        <p:spPr>
+          <a:xfrm>
+            <a:off x="5898182" y="6165098"/>
+            <a:ext cx="423978" cy="369332"/>
+          </a:xfrm>
+          <a:prstGeom prst="rect">
+            <a:avLst/>
+          </a:prstGeom>
+          <a:noFill/>
+        </p:spPr>
+        <p:txBody>
+          <a:bodyPr wrap="square" rtlCol="0">
+            <a:spAutoFit/>
+          </a:bodyPr>
+          <a:lstStyle/>
+          <a:p>
+            <a:r>
+              <a:rPr lang="en-US" dirty="0">
+                <a:solidFill>
+                  <a:schemeClr val="tx1">
+                    <a:lumMod val="50000"/>
+                    <a:lumOff val="50000"/>
+                  </a:schemeClr>
+                </a:solidFill>
+                <a:latin typeface="Source Sans Pro" panose="020B0503030403020204" pitchFamily="34" charset="0"/>
+                <a:ea typeface="Source Sans Pro" panose="020B0503030403020204" pitchFamily="34" charset="0"/>
+              </a:rPr>
+              <a:t>22</a:t>
+            </a:r>
+          </a:p>
+        </p:txBody>
+      </p:sp>
+      <p:cxnSp>
+        <p:nvCxnSpPr>
+          <p:cNvPr id="31" name="Straight Connector 30">
+            <a:extLst>
+              <a:ext uri="{FF2B5EF4-FFF2-40B4-BE49-F238E27FC236}">
+                <a16:creationId xmlns:a16="http://schemas.microsoft.com/office/drawing/2014/main" id="{DAB52994-8B05-4E0F-8C56-ADF33C4C7483}"/>
+              </a:ext>
+            </a:extLst>
+          </p:cNvPr>
+          <p:cNvCxnSpPr>
+            <a:cxnSpLocks/>
+          </p:cNvCxnSpPr>
+          <p:nvPr/>
+        </p:nvCxnSpPr>
+        <p:spPr>
+          <a:xfrm flipV="1">
+            <a:off x="6094984" y="6016627"/>
+            <a:ext cx="0" cy="189390"/>
+          </a:xfrm>
+          <a:prstGeom prst="line">
+            <a:avLst/>
+          </a:prstGeom>
+          <a:ln w="38100">
+            <a:solidFill>
+              <a:schemeClr val="tx1">
+                <a:lumMod val="50000"/>
+                <a:lumOff val="50000"/>
+              </a:schemeClr>
+            </a:solidFill>
+          </a:ln>
+        </p:spPr>
+        <p:style>
+          <a:lnRef idx="1">
+            <a:schemeClr val="accent1"/>
+          </a:lnRef>
+          <a:fillRef idx="0">
+            <a:schemeClr val="accent1"/>
+          </a:fillRef>
+          <a:effectRef idx="0">
+            <a:schemeClr val="accent1"/>
+          </a:effectRef>
+          <a:fontRef idx="minor">
+            <a:schemeClr val="tx1"/>
+          </a:fontRef>
+        </p:style>
+      </p:cxnSp>
+      <p:cxnSp>
+        <p:nvCxnSpPr>
+          <p:cNvPr id="32" name="Straight Connector 31">
+            <a:extLst>
+              <a:ext uri="{FF2B5EF4-FFF2-40B4-BE49-F238E27FC236}">
+                <a16:creationId xmlns:a16="http://schemas.microsoft.com/office/drawing/2014/main" id="{E7D83356-448F-4917-BAB0-2F5B53EEEEF3}"/>
+              </a:ext>
+            </a:extLst>
+          </p:cNvPr>
+          <p:cNvCxnSpPr/>
+          <p:nvPr/>
+        </p:nvCxnSpPr>
+        <p:spPr>
+          <a:xfrm>
+            <a:off x="616148" y="4370867"/>
+            <a:ext cx="1828800" cy="0"/>
+          </a:xfrm>
+          <a:prstGeom prst="line">
+            <a:avLst/>
+          </a:prstGeom>
+          <a:ln w="38100">
+            <a:solidFill>
+              <a:schemeClr val="tx1">
+                <a:lumMod val="50000"/>
+                <a:lumOff val="50000"/>
+              </a:schemeClr>
+            </a:solidFill>
+            <a:headEnd type="oval" w="med" len="med"/>
+            <a:tailEnd type="oval" w="med" len="med"/>
+          </a:ln>
+        </p:spPr>
+        <p:style>
+          <a:lnRef idx="1">
+            <a:schemeClr val="accent1"/>
+          </a:lnRef>
+          <a:fillRef idx="0">
+            <a:schemeClr val="accent1"/>
+          </a:fillRef>
+          <a:effectRef idx="0">
+            <a:schemeClr val="accent1"/>
+          </a:effectRef>
+          <a:fontRef idx="minor">
+            <a:schemeClr val="tx1"/>
+          </a:fontRef>
+        </p:style>
+      </p:cxnSp>
+      <p:cxnSp>
+        <p:nvCxnSpPr>
+          <p:cNvPr id="33" name="Straight Connector 32">
+            <a:extLst>
+              <a:ext uri="{FF2B5EF4-FFF2-40B4-BE49-F238E27FC236}">
+                <a16:creationId xmlns:a16="http://schemas.microsoft.com/office/drawing/2014/main" id="{68EAC85E-12D0-4A66-BA00-E60277042635}"/>
+              </a:ext>
+            </a:extLst>
+          </p:cNvPr>
+          <p:cNvCxnSpPr/>
+          <p:nvPr/>
+        </p:nvCxnSpPr>
+        <p:spPr>
+          <a:xfrm>
+            <a:off x="2439924" y="5264947"/>
+            <a:ext cx="914400" cy="0"/>
+          </a:xfrm>
+          <a:prstGeom prst="line">
+            <a:avLst/>
+          </a:prstGeom>
+          <a:ln w="38100">
+            <a:solidFill>
+              <a:schemeClr val="tx1">
+                <a:lumMod val="50000"/>
+                <a:lumOff val="50000"/>
+              </a:schemeClr>
+            </a:solidFill>
+            <a:headEnd type="oval" w="med" len="med"/>
+            <a:tailEnd type="oval" w="med" len="med"/>
+          </a:ln>
+        </p:spPr>
+        <p:style>
+          <a:lnRef idx="1">
+            <a:schemeClr val="accent1"/>
+          </a:lnRef>
+          <a:fillRef idx="0">
+            <a:schemeClr val="accent1"/>
+          </a:fillRef>
+          <a:effectRef idx="0">
+            <a:schemeClr val="accent1"/>
+          </a:effectRef>
+          <a:fontRef idx="minor">
+            <a:schemeClr val="tx1"/>
+          </a:fontRef>
+        </p:style>
+      </p:cxnSp>
+      <p:cxnSp>
+        <p:nvCxnSpPr>
+          <p:cNvPr id="34" name="Straight Connector 33">
+            <a:extLst>
+              <a:ext uri="{FF2B5EF4-FFF2-40B4-BE49-F238E27FC236}">
+                <a16:creationId xmlns:a16="http://schemas.microsoft.com/office/drawing/2014/main" id="{8A853190-1C63-4A99-AC47-89FD90690B30}"/>
+              </a:ext>
+            </a:extLst>
+          </p:cNvPr>
+          <p:cNvCxnSpPr/>
+          <p:nvPr/>
+        </p:nvCxnSpPr>
+        <p:spPr>
+          <a:xfrm>
+            <a:off x="3354324" y="3437577"/>
+            <a:ext cx="914400" cy="0"/>
+          </a:xfrm>
+          <a:prstGeom prst="line">
+            <a:avLst/>
+          </a:prstGeom>
+          <a:ln w="38100">
+            <a:solidFill>
+              <a:schemeClr val="tx1">
+                <a:lumMod val="50000"/>
+                <a:lumOff val="50000"/>
+              </a:schemeClr>
+            </a:solidFill>
+            <a:headEnd type="oval" w="med" len="med"/>
+            <a:tailEnd type="oval" w="med" len="med"/>
+          </a:ln>
+        </p:spPr>
+        <p:style>
+          <a:lnRef idx="1">
+            <a:schemeClr val="accent1"/>
+          </a:lnRef>
+          <a:fillRef idx="0">
+            <a:schemeClr val="accent1"/>
+          </a:fillRef>
+          <a:effectRef idx="0">
+            <a:schemeClr val="accent1"/>
+          </a:effectRef>
+          <a:fontRef idx="minor">
+            <a:schemeClr val="tx1"/>
+          </a:fontRef>
+        </p:style>
+      </p:cxnSp>
+      <p:cxnSp>
+        <p:nvCxnSpPr>
+          <p:cNvPr id="35" name="Straight Connector 34">
+            <a:extLst>
+              <a:ext uri="{FF2B5EF4-FFF2-40B4-BE49-F238E27FC236}">
+                <a16:creationId xmlns:a16="http://schemas.microsoft.com/office/drawing/2014/main" id="{86C53388-D65A-4F73-8EE1-A6BD3B1EE902}"/>
+              </a:ext>
+            </a:extLst>
+          </p:cNvPr>
+          <p:cNvCxnSpPr/>
+          <p:nvPr/>
+        </p:nvCxnSpPr>
+        <p:spPr>
+          <a:xfrm>
+            <a:off x="4266184" y="2516815"/>
+            <a:ext cx="1828800" cy="0"/>
+          </a:xfrm>
+          <a:prstGeom prst="line">
+            <a:avLst/>
+          </a:prstGeom>
+          <a:ln w="38100">
+            <a:solidFill>
+              <a:schemeClr val="tx1">
+                <a:lumMod val="50000"/>
+                <a:lumOff val="50000"/>
+              </a:schemeClr>
+            </a:solidFill>
+            <a:headEnd type="oval" w="med" len="med"/>
+            <a:tailEnd type="oval" w="med" len="med"/>
+          </a:ln>
+        </p:spPr>
+        <p:style>
+          <a:lnRef idx="1">
+            <a:schemeClr val="accent1"/>
+          </a:lnRef>
+          <a:fillRef idx="0">
+            <a:schemeClr val="accent1"/>
+          </a:fillRef>
+          <a:effectRef idx="0">
+            <a:schemeClr val="accent1"/>
+          </a:effectRef>
+          <a:fontRef idx="minor">
+            <a:schemeClr val="tx1"/>
+          </a:fontRef>
+        </p:style>
+      </p:cxnSp>
+      <p:sp>
+        <p:nvSpPr>
+          <p:cNvPr id="36" name="TextBox 35">
+            <a:extLst>
+              <a:ext uri="{FF2B5EF4-FFF2-40B4-BE49-F238E27FC236}">
+                <a16:creationId xmlns:a16="http://schemas.microsoft.com/office/drawing/2014/main" id="{9D930D4E-5010-4764-AA26-06CA7288F785}"/>
+              </a:ext>
+            </a:extLst>
+          </p:cNvPr>
+          <p:cNvSpPr txBox="1"/>
+          <p:nvPr/>
+        </p:nvSpPr>
+        <p:spPr>
+          <a:xfrm>
+            <a:off x="806450" y="4384858"/>
+            <a:ext cx="1773382" cy="646331"/>
+          </a:xfrm>
+          <a:prstGeom prst="rect">
+            <a:avLst/>
+          </a:prstGeom>
+          <a:noFill/>
+        </p:spPr>
+        <p:txBody>
+          <a:bodyPr wrap="square" rtlCol="0">
+            <a:spAutoFit/>
+          </a:bodyPr>
+          <a:lstStyle/>
+          <a:p>
+            <a:pPr algn="r"/>
+            <a:r>
+              <a:rPr lang="en-US" dirty="0">
+                <a:solidFill>
+                  <a:schemeClr val="tx1">
+                    <a:lumMod val="50000"/>
+                    <a:lumOff val="50000"/>
+                  </a:schemeClr>
+                </a:solidFill>
+                <a:latin typeface="Source Sans Pro" panose="020B0503030403020204" pitchFamily="34" charset="0"/>
+                <a:ea typeface="Source Sans Pro" panose="020B0503030403020204" pitchFamily="34" charset="0"/>
+              </a:rPr>
+              <a:t>B.Tech. in </a:t>
+            </a:r>
+          </a:p>
+          <a:p>
+            <a:pPr algn="r"/>
+            <a:r>
+              <a:rPr lang="en-US" dirty="0">
+                <a:solidFill>
+                  <a:schemeClr val="tx1">
+                    <a:lumMod val="50000"/>
+                    <a:lumOff val="50000"/>
+                  </a:schemeClr>
+                </a:solidFill>
+                <a:latin typeface="Source Sans Pro" panose="020B0503030403020204" pitchFamily="34" charset="0"/>
+                <a:ea typeface="Source Sans Pro" panose="020B0503030403020204" pitchFamily="34" charset="0"/>
+              </a:rPr>
+              <a:t>civil engg.</a:t>
+            </a:r>
+          </a:p>
+        </p:txBody>
+      </p:sp>
+      <p:sp>
+        <p:nvSpPr>
+          <p:cNvPr id="38" name="TextBox 37">
+            <a:extLst>
+              <a:ext uri="{FF2B5EF4-FFF2-40B4-BE49-F238E27FC236}">
+                <a16:creationId xmlns:a16="http://schemas.microsoft.com/office/drawing/2014/main" id="{4DF7FB48-5611-4937-85BB-CC291C61261F}"/>
+              </a:ext>
+            </a:extLst>
+          </p:cNvPr>
+          <p:cNvSpPr txBox="1"/>
+          <p:nvPr/>
+        </p:nvSpPr>
+        <p:spPr>
+          <a:xfrm>
+            <a:off x="1693141" y="5281414"/>
+            <a:ext cx="1773382" cy="646331"/>
+          </a:xfrm>
+          <a:prstGeom prst="rect">
+            <a:avLst/>
+          </a:prstGeom>
+          <a:noFill/>
+        </p:spPr>
+        <p:txBody>
+          <a:bodyPr wrap="square" rtlCol="0">
+            <a:spAutoFit/>
+          </a:bodyPr>
+          <a:lstStyle/>
+          <a:p>
+            <a:pPr algn="r"/>
+            <a:r>
+              <a:rPr lang="en-US" dirty="0">
+                <a:solidFill>
+                  <a:schemeClr val="tx1">
+                    <a:lumMod val="50000"/>
+                    <a:lumOff val="50000"/>
+                  </a:schemeClr>
+                </a:solidFill>
+                <a:latin typeface="Source Sans Pro" panose="020B0503030403020204" pitchFamily="34" charset="0"/>
+                <a:ea typeface="Source Sans Pro" panose="020B0503030403020204" pitchFamily="34" charset="0"/>
+              </a:rPr>
+              <a:t>Field engg. </a:t>
+            </a:r>
+          </a:p>
+          <a:p>
+            <a:pPr algn="r"/>
+            <a:r>
+              <a:rPr lang="en-US" dirty="0">
+                <a:solidFill>
+                  <a:schemeClr val="tx1">
+                    <a:lumMod val="50000"/>
+                    <a:lumOff val="50000"/>
+                  </a:schemeClr>
+                </a:solidFill>
+                <a:latin typeface="Source Sans Pro" panose="020B0503030403020204" pitchFamily="34" charset="0"/>
+                <a:ea typeface="Source Sans Pro" panose="020B0503030403020204" pitchFamily="34" charset="0"/>
+              </a:rPr>
+              <a:t>in Schlumberger</a:t>
+            </a:r>
+          </a:p>
+        </p:txBody>
+      </p:sp>
+      <p:sp>
+        <p:nvSpPr>
+          <p:cNvPr id="40" name="TextBox 39">
+            <a:extLst>
+              <a:ext uri="{FF2B5EF4-FFF2-40B4-BE49-F238E27FC236}">
+                <a16:creationId xmlns:a16="http://schemas.microsoft.com/office/drawing/2014/main" id="{0D94B315-3210-4B02-BC99-D84C72891A18}"/>
+              </a:ext>
+            </a:extLst>
+          </p:cNvPr>
+          <p:cNvSpPr txBox="1"/>
+          <p:nvPr/>
+        </p:nvSpPr>
+        <p:spPr>
+          <a:xfrm>
+            <a:off x="2638419" y="3451387"/>
+            <a:ext cx="1773382" cy="646331"/>
+          </a:xfrm>
+          <a:prstGeom prst="rect">
+            <a:avLst/>
+          </a:prstGeom>
+          <a:noFill/>
+        </p:spPr>
+        <p:txBody>
+          <a:bodyPr wrap="square" rtlCol="0">
+            <a:spAutoFit/>
+          </a:bodyPr>
+          <a:lstStyle/>
+          <a:p>
+            <a:pPr algn="r"/>
+            <a:r>
+              <a:rPr lang="en-US" dirty="0">
+                <a:solidFill>
+                  <a:schemeClr val="tx1">
+                    <a:lumMod val="50000"/>
+                    <a:lumOff val="50000"/>
+                  </a:schemeClr>
+                </a:solidFill>
+                <a:latin typeface="Source Sans Pro" panose="020B0503030403020204" pitchFamily="34" charset="0"/>
+                <a:ea typeface="Source Sans Pro" panose="020B0503030403020204" pitchFamily="34" charset="0"/>
+              </a:rPr>
+              <a:t>M.S. in </a:t>
+            </a:r>
+          </a:p>
+          <a:p>
+            <a:pPr algn="r"/>
+            <a:r>
+              <a:rPr lang="en-US" dirty="0">
+                <a:solidFill>
+                  <a:schemeClr val="tx1">
+                    <a:lumMod val="50000"/>
+                    <a:lumOff val="50000"/>
+                  </a:schemeClr>
+                </a:solidFill>
+                <a:latin typeface="Source Sans Pro" panose="020B0503030403020204" pitchFamily="34" charset="0"/>
+                <a:ea typeface="Source Sans Pro" panose="020B0503030403020204" pitchFamily="34" charset="0"/>
+              </a:rPr>
+              <a:t>hydrology</a:t>
+            </a:r>
+          </a:p>
+        </p:txBody>
+      </p:sp>
+      <p:sp>
+        <p:nvSpPr>
+          <p:cNvPr id="41" name="TextBox 40">
+            <a:extLst>
+              <a:ext uri="{FF2B5EF4-FFF2-40B4-BE49-F238E27FC236}">
+                <a16:creationId xmlns:a16="http://schemas.microsoft.com/office/drawing/2014/main" id="{F8E54FF0-49C7-4EEB-BC7B-447E55EE780C}"/>
+              </a:ext>
+            </a:extLst>
+          </p:cNvPr>
+          <p:cNvSpPr txBox="1"/>
+          <p:nvPr/>
+        </p:nvSpPr>
+        <p:spPr>
+          <a:xfrm>
+            <a:off x="4295394" y="2523290"/>
+            <a:ext cx="1920269" cy="646331"/>
+          </a:xfrm>
+          <a:prstGeom prst="rect">
+            <a:avLst/>
+          </a:prstGeom>
+          <a:noFill/>
+        </p:spPr>
+        <p:txBody>
+          <a:bodyPr wrap="square" rtlCol="0">
+            <a:spAutoFit/>
+          </a:bodyPr>
+          <a:lstStyle/>
+          <a:p>
+            <a:pPr algn="r"/>
+            <a:r>
+              <a:rPr lang="en-US" dirty="0">
+                <a:solidFill>
+                  <a:schemeClr val="tx1">
+                    <a:lumMod val="50000"/>
+                    <a:lumOff val="50000"/>
+                  </a:schemeClr>
+                </a:solidFill>
+                <a:latin typeface="Source Sans Pro" panose="020B0503030403020204" pitchFamily="34" charset="0"/>
+                <a:ea typeface="Source Sans Pro" panose="020B0503030403020204" pitchFamily="34" charset="0"/>
+              </a:rPr>
+              <a:t>Ph.D. in forest </a:t>
+            </a:r>
+          </a:p>
+          <a:p>
+            <a:pPr algn="r"/>
+            <a:r>
+              <a:rPr lang="en-US" dirty="0">
+                <a:solidFill>
+                  <a:schemeClr val="tx1">
+                    <a:lumMod val="50000"/>
+                    <a:lumOff val="50000"/>
+                  </a:schemeClr>
+                </a:solidFill>
+                <a:latin typeface="Source Sans Pro" panose="020B0503030403020204" pitchFamily="34" charset="0"/>
+                <a:ea typeface="Source Sans Pro" panose="020B0503030403020204" pitchFamily="34" charset="0"/>
+              </a:rPr>
+              <a:t>health monitoring</a:t>
+            </a:r>
+          </a:p>
+        </p:txBody>
+      </p:sp>
+      <p:cxnSp>
+        <p:nvCxnSpPr>
+          <p:cNvPr id="42" name="Straight Connector 41">
+            <a:extLst>
+              <a:ext uri="{FF2B5EF4-FFF2-40B4-BE49-F238E27FC236}">
+                <a16:creationId xmlns:a16="http://schemas.microsoft.com/office/drawing/2014/main" id="{0A4C2C7A-FA5C-483F-A1BE-973A4754FF54}"/>
+              </a:ext>
+            </a:extLst>
+          </p:cNvPr>
+          <p:cNvCxnSpPr/>
+          <p:nvPr/>
+        </p:nvCxnSpPr>
+        <p:spPr>
+          <a:xfrm>
+            <a:off x="613410" y="1613776"/>
+            <a:ext cx="5486400" cy="0"/>
+          </a:xfrm>
+          <a:prstGeom prst="line">
+            <a:avLst/>
+          </a:prstGeom>
+          <a:ln w="38100">
+            <a:solidFill>
+              <a:schemeClr val="bg1"/>
+            </a:solidFill>
+          </a:ln>
+        </p:spPr>
+        <p:style>
+          <a:lnRef idx="1">
+            <a:schemeClr val="accent1"/>
+          </a:lnRef>
+          <a:fillRef idx="0">
+            <a:schemeClr val="accent1"/>
+          </a:fillRef>
+          <a:effectRef idx="0">
+            <a:schemeClr val="accent1"/>
+          </a:effectRef>
+          <a:fontRef idx="minor">
+            <a:schemeClr val="tx1"/>
+          </a:fontRef>
+        </p:style>
+      </p:cxnSp>
+      <p:cxnSp>
+        <p:nvCxnSpPr>
+          <p:cNvPr id="43" name="Straight Connector 42">
+            <a:extLst>
+              <a:ext uri="{FF2B5EF4-FFF2-40B4-BE49-F238E27FC236}">
+                <a16:creationId xmlns:a16="http://schemas.microsoft.com/office/drawing/2014/main" id="{95F7DD96-7271-4F45-AA2F-60181D74FF9E}"/>
+              </a:ext>
+            </a:extLst>
+          </p:cNvPr>
+          <p:cNvCxnSpPr/>
+          <p:nvPr/>
+        </p:nvCxnSpPr>
+        <p:spPr>
+          <a:xfrm>
+            <a:off x="661035" y="2608902"/>
+            <a:ext cx="0" cy="731520"/>
+          </a:xfrm>
+          <a:prstGeom prst="line">
+            <a:avLst/>
+          </a:prstGeom>
+          <a:ln w="38100">
+            <a:solidFill>
+              <a:schemeClr val="tx1">
+                <a:lumMod val="50000"/>
+                <a:lumOff val="50000"/>
+              </a:schemeClr>
+            </a:solidFill>
+            <a:headEnd type="triangle" w="lg" len="lg"/>
+          </a:ln>
+        </p:spPr>
+        <p:style>
+          <a:lnRef idx="1">
+            <a:schemeClr val="accent1"/>
+          </a:lnRef>
+          <a:fillRef idx="0">
+            <a:schemeClr val="accent1"/>
+          </a:fillRef>
+          <a:effectRef idx="0">
+            <a:schemeClr val="accent1"/>
+          </a:effectRef>
+          <a:fontRef idx="minor">
+            <a:schemeClr val="tx1"/>
+          </a:fontRef>
+        </p:style>
+      </p:cxnSp>
+      <p:sp>
+        <p:nvSpPr>
+          <p:cNvPr id="44" name="TextBox 43">
+            <a:extLst>
+              <a:ext uri="{FF2B5EF4-FFF2-40B4-BE49-F238E27FC236}">
+                <a16:creationId xmlns:a16="http://schemas.microsoft.com/office/drawing/2014/main" id="{27A13EC8-9555-4BB3-B64B-B87B4008261F}"/>
+              </a:ext>
+            </a:extLst>
+          </p:cNvPr>
+          <p:cNvSpPr txBox="1"/>
+          <p:nvPr/>
+        </p:nvSpPr>
+        <p:spPr>
+          <a:xfrm>
+            <a:off x="733743" y="2538336"/>
+            <a:ext cx="1773382" cy="646331"/>
+          </a:xfrm>
+          <a:prstGeom prst="rect">
+            <a:avLst/>
+          </a:prstGeom>
+          <a:noFill/>
+        </p:spPr>
+        <p:txBody>
+          <a:bodyPr wrap="square" rtlCol="0">
+            <a:spAutoFit/>
+          </a:bodyPr>
+          <a:lstStyle/>
+          <a:p>
+            <a:r>
+              <a:rPr lang="en-US" dirty="0">
+                <a:solidFill>
+                  <a:schemeClr val="tx1">
+                    <a:lumMod val="50000"/>
+                    <a:lumOff val="50000"/>
+                  </a:schemeClr>
+                </a:solidFill>
+                <a:latin typeface="Source Sans Pro" panose="020B0503030403020204" pitchFamily="34" charset="0"/>
+                <a:ea typeface="Source Sans Pro" panose="020B0503030403020204" pitchFamily="34" charset="0"/>
+              </a:rPr>
+              <a:t>Greater focus on sustainability</a:t>
+            </a:r>
+          </a:p>
+        </p:txBody>
+      </p:sp>
+      <p:cxnSp>
+        <p:nvCxnSpPr>
+          <p:cNvPr id="45" name="Straight Connector 44">
+            <a:extLst>
+              <a:ext uri="{FF2B5EF4-FFF2-40B4-BE49-F238E27FC236}">
+                <a16:creationId xmlns:a16="http://schemas.microsoft.com/office/drawing/2014/main" id="{948A953B-26AC-4B8E-843E-FA61055B37C1}"/>
+              </a:ext>
+            </a:extLst>
+          </p:cNvPr>
+          <p:cNvCxnSpPr/>
+          <p:nvPr/>
+        </p:nvCxnSpPr>
+        <p:spPr>
+          <a:xfrm>
+            <a:off x="5527125" y="1613776"/>
+            <a:ext cx="228600" cy="0"/>
+          </a:xfrm>
+          <a:prstGeom prst="line">
+            <a:avLst/>
+          </a:prstGeom>
+          <a:ln w="38100">
+            <a:solidFill>
+              <a:schemeClr val="bg2">
+                <a:lumMod val="50000"/>
+              </a:schemeClr>
+            </a:solidFill>
+            <a:headEnd type="oval" w="med" len="med"/>
+            <a:tailEnd type="oval" w="med" len="med"/>
+          </a:ln>
+        </p:spPr>
+        <p:style>
+          <a:lnRef idx="1">
+            <a:schemeClr val="accent1"/>
+          </a:lnRef>
+          <a:fillRef idx="0">
+            <a:schemeClr val="accent1"/>
+          </a:fillRef>
+          <a:effectRef idx="0">
+            <a:schemeClr val="accent1"/>
+          </a:effectRef>
+          <a:fontRef idx="minor">
+            <a:schemeClr val="tx1"/>
+          </a:fontRef>
+        </p:style>
+      </p:cxnSp>
+      <p:sp>
+        <p:nvSpPr>
+          <p:cNvPr id="46" name="TextBox 45">
+            <a:extLst>
+              <a:ext uri="{FF2B5EF4-FFF2-40B4-BE49-F238E27FC236}">
+                <a16:creationId xmlns:a16="http://schemas.microsoft.com/office/drawing/2014/main" id="{BAE48C3A-3178-45B0-9209-33AE826503AE}"/>
+              </a:ext>
+            </a:extLst>
+          </p:cNvPr>
+          <p:cNvSpPr txBox="1"/>
+          <p:nvPr/>
+        </p:nvSpPr>
+        <p:spPr>
+          <a:xfrm>
+            <a:off x="4629150" y="1620917"/>
+            <a:ext cx="1304428" cy="923330"/>
+          </a:xfrm>
+          <a:prstGeom prst="rect">
+            <a:avLst/>
+          </a:prstGeom>
+          <a:noFill/>
+        </p:spPr>
+        <p:txBody>
+          <a:bodyPr wrap="square" rtlCol="0">
+            <a:spAutoFit/>
+          </a:bodyPr>
+          <a:lstStyle/>
+          <a:p>
+            <a:pPr algn="r"/>
+            <a:r>
+              <a:rPr lang="da-DK" dirty="0">
+                <a:solidFill>
+                  <a:schemeClr val="tx1">
+                    <a:lumMod val="50000"/>
+                    <a:lumOff val="50000"/>
+                  </a:schemeClr>
+                </a:solidFill>
+                <a:latin typeface="Source Sans Pro" panose="020B0503030403020204" pitchFamily="34" charset="0"/>
+                <a:ea typeface="Source Sans Pro" panose="020B0503030403020204" pitchFamily="34" charset="0"/>
+              </a:rPr>
+              <a:t>AI resident at Google X</a:t>
+            </a:r>
+          </a:p>
+          <a:p>
+            <a:pPr algn="r"/>
+            <a:r>
+              <a:rPr lang="en-US" dirty="0">
+                <a:solidFill>
+                  <a:schemeClr val="tx1">
+                    <a:lumMod val="50000"/>
+                    <a:lumOff val="50000"/>
+                  </a:schemeClr>
+                </a:solidFill>
+                <a:latin typeface="Source Sans Pro" panose="020B0503030403020204" pitchFamily="34" charset="0"/>
+                <a:ea typeface="Source Sans Pro" panose="020B0503030403020204" pitchFamily="34" charset="0"/>
+              </a:rPr>
+              <a:t> </a:t>
+            </a:r>
+          </a:p>
+        </p:txBody>
+      </p:sp>
+    </p:spTree>
+    <p:extLst>
+      <p:ext uri="{BB962C8B-B14F-4D97-AF65-F5344CB8AC3E}">
+        <p14:creationId xmlns:p14="http://schemas.microsoft.com/office/powerpoint/2010/main" val="3554261913"/>
       </p:ext>
     </p:extLst>
   </p:cSld>

--- a/images/Presentation1.pptx
+++ b/images/Presentation1.pptx
@@ -244,7 +244,7 @@
           <a:p>
             <a:fld id="{3F2435BA-A7F3-4F65-B06F-64A5EAF7603B}" type="datetimeFigureOut">
               <a:rPr lang="en-US" smtClean="0"/>
-              <a:t>5/27/2021</a:t>
+              <a:t>9/20/2021</a:t>
             </a:fld>
             <a:endParaRPr lang="en-US"/>
           </a:p>
@@ -412,7 +412,7 @@
           <a:p>
             <a:fld id="{3F2435BA-A7F3-4F65-B06F-64A5EAF7603B}" type="datetimeFigureOut">
               <a:rPr lang="en-US" smtClean="0"/>
-              <a:t>5/27/2021</a:t>
+              <a:t>9/20/2021</a:t>
             </a:fld>
             <a:endParaRPr lang="en-US"/>
           </a:p>
@@ -590,7 +590,7 @@
           <a:p>
             <a:fld id="{3F2435BA-A7F3-4F65-B06F-64A5EAF7603B}" type="datetimeFigureOut">
               <a:rPr lang="en-US" smtClean="0"/>
-              <a:t>5/27/2021</a:t>
+              <a:t>9/20/2021</a:t>
             </a:fld>
             <a:endParaRPr lang="en-US"/>
           </a:p>
@@ -758,7 +758,7 @@
           <a:p>
             <a:fld id="{3F2435BA-A7F3-4F65-B06F-64A5EAF7603B}" type="datetimeFigureOut">
               <a:rPr lang="en-US" smtClean="0"/>
-              <a:t>5/27/2021</a:t>
+              <a:t>9/20/2021</a:t>
             </a:fld>
             <a:endParaRPr lang="en-US"/>
           </a:p>
@@ -1003,7 +1003,7 @@
           <a:p>
             <a:fld id="{3F2435BA-A7F3-4F65-B06F-64A5EAF7603B}" type="datetimeFigureOut">
               <a:rPr lang="en-US" smtClean="0"/>
-              <a:t>5/27/2021</a:t>
+              <a:t>9/20/2021</a:t>
             </a:fld>
             <a:endParaRPr lang="en-US"/>
           </a:p>
@@ -1232,7 +1232,7 @@
           <a:p>
             <a:fld id="{3F2435BA-A7F3-4F65-B06F-64A5EAF7603B}" type="datetimeFigureOut">
               <a:rPr lang="en-US" smtClean="0"/>
-              <a:t>5/27/2021</a:t>
+              <a:t>9/20/2021</a:t>
             </a:fld>
             <a:endParaRPr lang="en-US"/>
           </a:p>
@@ -1596,7 +1596,7 @@
           <a:p>
             <a:fld id="{3F2435BA-A7F3-4F65-B06F-64A5EAF7603B}" type="datetimeFigureOut">
               <a:rPr lang="en-US" smtClean="0"/>
-              <a:t>5/27/2021</a:t>
+              <a:t>9/20/2021</a:t>
             </a:fld>
             <a:endParaRPr lang="en-US"/>
           </a:p>
@@ -1713,7 +1713,7 @@
           <a:p>
             <a:fld id="{3F2435BA-A7F3-4F65-B06F-64A5EAF7603B}" type="datetimeFigureOut">
               <a:rPr lang="en-US" smtClean="0"/>
-              <a:t>5/27/2021</a:t>
+              <a:t>9/20/2021</a:t>
             </a:fld>
             <a:endParaRPr lang="en-US"/>
           </a:p>
@@ -1808,7 +1808,7 @@
           <a:p>
             <a:fld id="{3F2435BA-A7F3-4F65-B06F-64A5EAF7603B}" type="datetimeFigureOut">
               <a:rPr lang="en-US" smtClean="0"/>
-              <a:t>5/27/2021</a:t>
+              <a:t>9/20/2021</a:t>
             </a:fld>
             <a:endParaRPr lang="en-US"/>
           </a:p>
@@ -2083,7 +2083,7 @@
           <a:p>
             <a:fld id="{3F2435BA-A7F3-4F65-B06F-64A5EAF7603B}" type="datetimeFigureOut">
               <a:rPr lang="en-US" smtClean="0"/>
-              <a:t>5/27/2021</a:t>
+              <a:t>9/20/2021</a:t>
             </a:fld>
             <a:endParaRPr lang="en-US"/>
           </a:p>
@@ -2335,7 +2335,7 @@
           <a:p>
             <a:fld id="{3F2435BA-A7F3-4F65-B06F-64A5EAF7603B}" type="datetimeFigureOut">
               <a:rPr lang="en-US" smtClean="0"/>
-              <a:t>5/27/2021</a:t>
+              <a:t>9/20/2021</a:t>
             </a:fld>
             <a:endParaRPr lang="en-US"/>
           </a:p>
@@ -2546,7 +2546,7 @@
           <a:p>
             <a:fld id="{3F2435BA-A7F3-4F65-B06F-64A5EAF7603B}" type="datetimeFigureOut">
               <a:rPr lang="en-US" smtClean="0"/>
-              <a:t>5/27/2021</a:t>
+              <a:t>9/20/2021</a:t>
             </a:fld>
             <a:endParaRPr lang="en-US"/>
           </a:p>
@@ -3135,8 +3135,8 @@
         </p:nvSpPr>
         <p:spPr>
           <a:xfrm>
-            <a:off x="-4763077" y="1375661"/>
-            <a:ext cx="16459200" cy="5157040"/>
+            <a:off x="-5240836" y="1869865"/>
+            <a:ext cx="16459200" cy="5029200"/>
           </a:xfrm>
           <a:prstGeom prst="rect">
             <a:avLst/>
@@ -3190,8 +3190,8 @@
         </p:nvSpPr>
         <p:spPr>
           <a:xfrm>
-            <a:off x="362377" y="1375661"/>
-            <a:ext cx="5983893" cy="5157040"/>
+            <a:off x="408598" y="1869865"/>
+            <a:ext cx="5029200" cy="5029200"/>
           </a:xfrm>
           <a:prstGeom prst="rect">
             <a:avLst/>
@@ -3246,7 +3246,7 @@
         <p:spPr>
           <a:xfrm>
             <a:off x="613410" y="5264947"/>
-            <a:ext cx="5486400" cy="0"/>
+            <a:ext cx="4599432" cy="0"/>
           </a:xfrm>
           <a:prstGeom prst="line">
             <a:avLst/>
@@ -3286,8 +3286,8 @@
         </p:nvCxnSpPr>
         <p:spPr>
           <a:xfrm>
-            <a:off x="623570" y="2516815"/>
-            <a:ext cx="5486400" cy="0"/>
+            <a:off x="623482" y="2520008"/>
+            <a:ext cx="4599432" cy="0"/>
           </a:xfrm>
           <a:prstGeom prst="line">
             <a:avLst/>
@@ -3328,7 +3328,7 @@
         <p:spPr>
           <a:xfrm>
             <a:off x="613410" y="3437577"/>
-            <a:ext cx="5486400" cy="0"/>
+            <a:ext cx="4599432" cy="0"/>
           </a:xfrm>
           <a:prstGeom prst="line">
             <a:avLst/>
@@ -3368,8 +3368,8 @@
         </p:nvCxnSpPr>
         <p:spPr>
           <a:xfrm>
-            <a:off x="613410" y="4370867"/>
-            <a:ext cx="5486400" cy="0"/>
+            <a:off x="613410" y="4370655"/>
+            <a:ext cx="4599432" cy="0"/>
           </a:xfrm>
           <a:prstGeom prst="line">
             <a:avLst/>
@@ -3410,7 +3410,7 @@
         <p:spPr>
           <a:xfrm>
             <a:off x="594360" y="6189507"/>
-            <a:ext cx="5504688" cy="0"/>
+            <a:ext cx="4599432" cy="0"/>
           </a:xfrm>
           <a:prstGeom prst="line">
             <a:avLst/>
@@ -3754,7 +3754,7 @@
                 <a:latin typeface="Source Sans Pro" panose="020B0503030403020204" pitchFamily="34" charset="0"/>
                 <a:ea typeface="Source Sans Pro" panose="020B0503030403020204" pitchFamily="34" charset="0"/>
               </a:rPr>
-              <a:t>2010</a:t>
+              <a:t>2014</a:t>
             </a:r>
           </a:p>
         </p:txBody>
@@ -3774,94 +3774,6 @@
         <p:spPr>
           <a:xfrm>
             <a:off x="1311473" y="6165098"/>
-            <a:ext cx="423977" cy="369332"/>
-          </a:xfrm>
-          <a:prstGeom prst="rect">
-            <a:avLst/>
-          </a:prstGeom>
-          <a:noFill/>
-        </p:spPr>
-        <p:txBody>
-          <a:bodyPr wrap="square" rtlCol="0">
-            <a:spAutoFit/>
-          </a:bodyPr>
-          <a:lstStyle/>
-          <a:p>
-            <a:r>
-              <a:rPr lang="en-US" dirty="0">
-                <a:solidFill>
-                  <a:schemeClr val="tx1">
-                    <a:lumMod val="50000"/>
-                    <a:lumOff val="50000"/>
-                  </a:schemeClr>
-                </a:solidFill>
-                <a:latin typeface="Source Sans Pro" panose="020B0503030403020204" pitchFamily="34" charset="0"/>
-                <a:ea typeface="Source Sans Pro" panose="020B0503030403020204" pitchFamily="34" charset="0"/>
-              </a:rPr>
-              <a:t>12</a:t>
-            </a:r>
-          </a:p>
-        </p:txBody>
-      </p:sp>
-      <p:sp>
-        <p:nvSpPr>
-          <p:cNvPr id="26" name="TextBox 25">
-            <a:extLst>
-              <a:ext uri="{FF2B5EF4-FFF2-40B4-BE49-F238E27FC236}">
-                <a16:creationId xmlns:a16="http://schemas.microsoft.com/office/drawing/2014/main" id="{4B2B25AD-E411-482C-9F0D-2D2C81918244}"/>
-              </a:ext>
-            </a:extLst>
-          </p:cNvPr>
-          <p:cNvSpPr txBox="1"/>
-          <p:nvPr/>
-        </p:nvSpPr>
-        <p:spPr>
-          <a:xfrm>
-            <a:off x="2222062" y="6165098"/>
-            <a:ext cx="423977" cy="369332"/>
-          </a:xfrm>
-          <a:prstGeom prst="rect">
-            <a:avLst/>
-          </a:prstGeom>
-          <a:noFill/>
-        </p:spPr>
-        <p:txBody>
-          <a:bodyPr wrap="square" rtlCol="0">
-            <a:spAutoFit/>
-          </a:bodyPr>
-          <a:lstStyle/>
-          <a:p>
-            <a:r>
-              <a:rPr lang="en-US" dirty="0">
-                <a:solidFill>
-                  <a:schemeClr val="tx1">
-                    <a:lumMod val="50000"/>
-                    <a:lumOff val="50000"/>
-                  </a:schemeClr>
-                </a:solidFill>
-                <a:latin typeface="Source Sans Pro" panose="020B0503030403020204" pitchFamily="34" charset="0"/>
-                <a:ea typeface="Source Sans Pro" panose="020B0503030403020204" pitchFamily="34" charset="0"/>
-              </a:rPr>
-              <a:t>14</a:t>
-            </a:r>
-          </a:p>
-        </p:txBody>
-      </p:sp>
-      <p:sp>
-        <p:nvSpPr>
-          <p:cNvPr id="27" name="TextBox 26">
-            <a:extLst>
-              <a:ext uri="{FF2B5EF4-FFF2-40B4-BE49-F238E27FC236}">
-                <a16:creationId xmlns:a16="http://schemas.microsoft.com/office/drawing/2014/main" id="{CFD4DBAD-1EED-4826-9372-38D4EF2F59FE}"/>
-              </a:ext>
-            </a:extLst>
-          </p:cNvPr>
-          <p:cNvSpPr txBox="1"/>
-          <p:nvPr/>
-        </p:nvSpPr>
-        <p:spPr>
-          <a:xfrm>
-            <a:off x="3148341" y="6165098"/>
             <a:ext cx="423977" cy="369332"/>
           </a:xfrm>
           <a:prstGeom prst="rect">
@@ -3893,10 +3805,10 @@
       </p:sp>
       <p:sp>
         <p:nvSpPr>
-          <p:cNvPr id="28" name="TextBox 27">
+          <p:cNvPr id="26" name="TextBox 25">
             <a:extLst>
               <a:ext uri="{FF2B5EF4-FFF2-40B4-BE49-F238E27FC236}">
-                <a16:creationId xmlns:a16="http://schemas.microsoft.com/office/drawing/2014/main" id="{513E6611-0EED-4F13-AB94-0B15EBAE5C54}"/>
+                <a16:creationId xmlns:a16="http://schemas.microsoft.com/office/drawing/2014/main" id="{4B2B25AD-E411-482C-9F0D-2D2C81918244}"/>
               </a:ext>
             </a:extLst>
           </p:cNvPr>
@@ -3905,7 +3817,7 @@
         </p:nvSpPr>
         <p:spPr>
           <a:xfrm>
-            <a:off x="4052385" y="6167897"/>
+            <a:off x="2222062" y="6165098"/>
             <a:ext cx="423977" cy="369332"/>
           </a:xfrm>
           <a:prstGeom prst="rect">
@@ -3937,10 +3849,10 @@
       </p:sp>
       <p:sp>
         <p:nvSpPr>
-          <p:cNvPr id="29" name="TextBox 28">
+          <p:cNvPr id="27" name="TextBox 26">
             <a:extLst>
               <a:ext uri="{FF2B5EF4-FFF2-40B4-BE49-F238E27FC236}">
-                <a16:creationId xmlns:a16="http://schemas.microsoft.com/office/drawing/2014/main" id="{F6F40F13-0820-464C-A5D2-3277CBEAB007}"/>
+                <a16:creationId xmlns:a16="http://schemas.microsoft.com/office/drawing/2014/main" id="{CFD4DBAD-1EED-4826-9372-38D4EF2F59FE}"/>
               </a:ext>
             </a:extLst>
           </p:cNvPr>
@@ -3949,7 +3861,7 @@
         </p:nvSpPr>
         <p:spPr>
           <a:xfrm>
-            <a:off x="4955193" y="6165098"/>
+            <a:off x="3148341" y="6165098"/>
             <a:ext cx="423977" cy="369332"/>
           </a:xfrm>
           <a:prstGeom prst="rect">
@@ -3981,10 +3893,10 @@
       </p:sp>
       <p:sp>
         <p:nvSpPr>
-          <p:cNvPr id="30" name="TextBox 29">
+          <p:cNvPr id="28" name="TextBox 27">
             <a:extLst>
               <a:ext uri="{FF2B5EF4-FFF2-40B4-BE49-F238E27FC236}">
-                <a16:creationId xmlns:a16="http://schemas.microsoft.com/office/drawing/2014/main" id="{F444B6D5-7B4D-4B21-B33C-60E30D88A7DB}"/>
+                <a16:creationId xmlns:a16="http://schemas.microsoft.com/office/drawing/2014/main" id="{513E6611-0EED-4F13-AB94-0B15EBAE5C54}"/>
               </a:ext>
             </a:extLst>
           </p:cNvPr>
@@ -3993,8 +3905,8 @@
         </p:nvSpPr>
         <p:spPr>
           <a:xfrm>
-            <a:off x="5898182" y="6165098"/>
-            <a:ext cx="423978" cy="369332"/>
+            <a:off x="4052385" y="6167897"/>
+            <a:ext cx="423977" cy="369332"/>
           </a:xfrm>
           <a:prstGeom prst="rect">
             <a:avLst/>
@@ -4023,98 +3935,50 @@
           </a:p>
         </p:txBody>
       </p:sp>
-      <p:cxnSp>
-        <p:nvCxnSpPr>
-          <p:cNvPr id="31" name="Straight Connector 30">
+      <p:sp>
+        <p:nvSpPr>
+          <p:cNvPr id="29" name="TextBox 28">
             <a:extLst>
               <a:ext uri="{FF2B5EF4-FFF2-40B4-BE49-F238E27FC236}">
-                <a16:creationId xmlns:a16="http://schemas.microsoft.com/office/drawing/2014/main" id="{DAB52994-8B05-4E0F-8C56-ADF33C4C7483}"/>
+                <a16:creationId xmlns:a16="http://schemas.microsoft.com/office/drawing/2014/main" id="{F6F40F13-0820-464C-A5D2-3277CBEAB007}"/>
               </a:ext>
             </a:extLst>
           </p:cNvPr>
-          <p:cNvCxnSpPr>
-            <a:cxnSpLocks/>
-          </p:cNvCxnSpPr>
-          <p:nvPr/>
-        </p:nvCxnSpPr>
-        <p:spPr>
-          <a:xfrm flipV="1">
-            <a:off x="6094984" y="6016627"/>
-            <a:ext cx="0" cy="189390"/>
-          </a:xfrm>
-          <a:prstGeom prst="line">
-            <a:avLst/>
-          </a:prstGeom>
-          <a:ln w="38100">
-            <a:solidFill>
-              <a:schemeClr val="tx1">
-                <a:lumMod val="50000"/>
-                <a:lumOff val="50000"/>
-              </a:schemeClr>
-            </a:solidFill>
-          </a:ln>
-        </p:spPr>
-        <p:style>
-          <a:lnRef idx="1">
-            <a:schemeClr val="accent1"/>
-          </a:lnRef>
-          <a:fillRef idx="0">
-            <a:schemeClr val="accent1"/>
-          </a:fillRef>
-          <a:effectRef idx="0">
-            <a:schemeClr val="accent1"/>
-          </a:effectRef>
-          <a:fontRef idx="minor">
-            <a:schemeClr val="tx1"/>
-          </a:fontRef>
-        </p:style>
-      </p:cxnSp>
-      <p:cxnSp>
-        <p:nvCxnSpPr>
-          <p:cNvPr id="32" name="Straight Connector 31">
-            <a:extLst>
-              <a:ext uri="{FF2B5EF4-FFF2-40B4-BE49-F238E27FC236}">
-                <a16:creationId xmlns:a16="http://schemas.microsoft.com/office/drawing/2014/main" id="{E7D83356-448F-4917-BAB0-2F5B53EEEEF3}"/>
-              </a:ext>
-            </a:extLst>
-          </p:cNvPr>
-          <p:cNvCxnSpPr/>
-          <p:nvPr/>
-        </p:nvCxnSpPr>
-        <p:spPr>
-          <a:xfrm>
-            <a:off x="616148" y="4370867"/>
-            <a:ext cx="1828800" cy="0"/>
-          </a:xfrm>
-          <a:prstGeom prst="line">
-            <a:avLst/>
-          </a:prstGeom>
-          <a:ln w="38100">
-            <a:solidFill>
-              <a:schemeClr val="tx1">
-                <a:lumMod val="50000"/>
-                <a:lumOff val="50000"/>
-              </a:schemeClr>
-            </a:solidFill>
-            <a:headEnd type="oval" w="med" len="med"/>
-            <a:tailEnd type="oval" w="med" len="med"/>
-          </a:ln>
-        </p:spPr>
-        <p:style>
-          <a:lnRef idx="1">
-            <a:schemeClr val="accent1"/>
-          </a:lnRef>
-          <a:fillRef idx="0">
-            <a:schemeClr val="accent1"/>
-          </a:fillRef>
-          <a:effectRef idx="0">
-            <a:schemeClr val="accent1"/>
-          </a:effectRef>
-          <a:fontRef idx="minor">
-            <a:schemeClr val="tx1"/>
-          </a:fontRef>
-        </p:style>
-      </p:cxnSp>
+          <p:cNvSpPr txBox="1"/>
+          <p:nvPr/>
+        </p:nvSpPr>
+        <p:spPr>
+          <a:xfrm>
+            <a:off x="4955193" y="6165098"/>
+            <a:ext cx="423977" cy="369332"/>
+          </a:xfrm>
+          <a:prstGeom prst="rect">
+            <a:avLst/>
+          </a:prstGeom>
+          <a:noFill/>
+        </p:spPr>
+        <p:txBody>
+          <a:bodyPr wrap="square" rtlCol="0">
+            <a:spAutoFit/>
+          </a:bodyPr>
+          <a:lstStyle/>
+          <a:p>
+            <a:r>
+              <a:rPr lang="en-US" dirty="0">
+                <a:solidFill>
+                  <a:schemeClr val="tx1">
+                    <a:lumMod val="50000"/>
+                    <a:lumOff val="50000"/>
+                  </a:schemeClr>
+                </a:solidFill>
+                <a:latin typeface="Source Sans Pro" panose="020B0503030403020204" pitchFamily="34" charset="0"/>
+                <a:ea typeface="Source Sans Pro" panose="020B0503030403020204" pitchFamily="34" charset="0"/>
+              </a:rPr>
+              <a:t>22</a:t>
+            </a:r>
+          </a:p>
+        </p:txBody>
+      </p:sp>
       <p:cxnSp>
         <p:nvCxnSpPr>
           <p:cNvPr id="33" name="Straight Connector 32">
@@ -4129,7 +3993,7 @@
         </p:nvCxnSpPr>
         <p:spPr>
           <a:xfrm>
-            <a:off x="2439924" y="5264947"/>
+            <a:off x="647879" y="5264947"/>
             <a:ext cx="914400" cy="0"/>
           </a:xfrm>
           <a:prstGeom prst="line">
@@ -4175,7 +4039,7 @@
         </p:nvCxnSpPr>
         <p:spPr>
           <a:xfrm>
-            <a:off x="3354324" y="3437577"/>
+            <a:off x="1562280" y="4370655"/>
             <a:ext cx="914400" cy="0"/>
           </a:xfrm>
           <a:prstGeom prst="line">
@@ -4221,7 +4085,7 @@
         </p:nvCxnSpPr>
         <p:spPr>
           <a:xfrm>
-            <a:off x="4266184" y="2516815"/>
+            <a:off x="2478221" y="3435291"/>
             <a:ext cx="1828800" cy="0"/>
           </a:xfrm>
           <a:prstGeom prst="line">
@@ -4255,10 +4119,10 @@
       </p:cxnSp>
       <p:sp>
         <p:nvSpPr>
-          <p:cNvPr id="36" name="TextBox 35">
+          <p:cNvPr id="38" name="TextBox 37">
             <a:extLst>
               <a:ext uri="{FF2B5EF4-FFF2-40B4-BE49-F238E27FC236}">
-                <a16:creationId xmlns:a16="http://schemas.microsoft.com/office/drawing/2014/main" id="{9D930D4E-5010-4764-AA26-06CA7288F785}"/>
+                <a16:creationId xmlns:a16="http://schemas.microsoft.com/office/drawing/2014/main" id="{4DF7FB48-5611-4937-85BB-CC291C61261F}"/>
               </a:ext>
             </a:extLst>
           </p:cNvPr>
@@ -4267,8 +4131,8 @@
         </p:nvSpPr>
         <p:spPr>
           <a:xfrm>
-            <a:off x="806450" y="4384858"/>
-            <a:ext cx="1773382" cy="646331"/>
+            <a:off x="408598" y="5281613"/>
+            <a:ext cx="1265880" cy="646331"/>
           </a:xfrm>
           <a:prstGeom prst="rect">
             <a:avLst/>
@@ -4293,68 +4157,7 @@
                 <a:latin typeface="Source Sans Pro" panose="020B0503030403020204" pitchFamily="34" charset="0"/>
                 <a:ea typeface="Source Sans Pro" panose="020B0503030403020204" pitchFamily="34" charset="0"/>
               </a:rPr>
-              <a:t>B.Tech. in </a:t>
-            </a:r>
-          </a:p>
-          <a:p>
-            <a:pPr algn="r"/>
-            <a:r>
-              <a:rPr lang="en-US" dirty="0">
-                <a:solidFill>
-                  <a:schemeClr val="tx1">
-                    <a:lumMod val="50000"/>
-                    <a:lumOff val="50000"/>
-                  </a:schemeClr>
-                </a:solidFill>
-                <a:latin typeface="Source Sans Pro" panose="020B0503030403020204" pitchFamily="34" charset="0"/>
-                <a:ea typeface="Source Sans Pro" panose="020B0503030403020204" pitchFamily="34" charset="0"/>
-              </a:rPr>
-              <a:t>Civil Engg.</a:t>
-            </a:r>
-          </a:p>
-        </p:txBody>
-      </p:sp>
-      <p:sp>
-        <p:nvSpPr>
-          <p:cNvPr id="38" name="TextBox 37">
-            <a:extLst>
-              <a:ext uri="{FF2B5EF4-FFF2-40B4-BE49-F238E27FC236}">
-                <a16:creationId xmlns:a16="http://schemas.microsoft.com/office/drawing/2014/main" id="{4DF7FB48-5611-4937-85BB-CC291C61261F}"/>
-              </a:ext>
-            </a:extLst>
-          </p:cNvPr>
-          <p:cNvSpPr txBox="1"/>
-          <p:nvPr/>
-        </p:nvSpPr>
-        <p:spPr>
-          <a:xfrm>
-            <a:off x="1693141" y="5281613"/>
-            <a:ext cx="1773382" cy="646331"/>
-          </a:xfrm>
-          <a:prstGeom prst="rect">
-            <a:avLst/>
-          </a:prstGeom>
-          <a:noFill/>
-        </p:spPr>
-        <p:txBody>
-          <a:bodyPr wrap="square" rtlCol="0">
-            <a:spAutoFit/>
-          </a:bodyPr>
-          <a:lstStyle/>
-          <a:p>
-            <a:pPr algn="r"/>
-            <a:r>
-              <a:rPr lang="en-US" dirty="0">
-                <a:solidFill>
-                  <a:schemeClr val="tx1">
-                    <a:lumMod val="50000"/>
-                    <a:lumOff val="50000"/>
-                  </a:schemeClr>
-                </a:solidFill>
-                <a:latin typeface="Source Sans Pro" panose="020B0503030403020204" pitchFamily="34" charset="0"/>
-                <a:ea typeface="Source Sans Pro" panose="020B0503030403020204" pitchFamily="34" charset="0"/>
-              </a:rPr>
-              <a:t>Field Engg. </a:t>
+              <a:t>Field engg. </a:t>
             </a:r>
           </a:p>
           <a:p>
@@ -4389,7 +4192,7 @@
         </p:nvSpPr>
         <p:spPr>
           <a:xfrm>
-            <a:off x="2638419" y="3451387"/>
+            <a:off x="846375" y="4384465"/>
             <a:ext cx="1773382" cy="646331"/>
           </a:xfrm>
           <a:prstGeom prst="rect">
@@ -4431,7 +4234,7 @@
                 <a:latin typeface="Source Sans Pro" panose="020B0503030403020204" pitchFamily="34" charset="0"/>
                 <a:ea typeface="Source Sans Pro" panose="020B0503030403020204" pitchFamily="34" charset="0"/>
               </a:rPr>
-              <a:t>Hydrology</a:t>
+              <a:t>hydrology</a:t>
             </a:r>
           </a:p>
         </p:txBody>
@@ -4450,7 +4253,7 @@
         </p:nvSpPr>
         <p:spPr>
           <a:xfrm>
-            <a:off x="4295394" y="2523290"/>
+            <a:off x="2507431" y="3441766"/>
             <a:ext cx="1920269" cy="646331"/>
           </a:xfrm>
           <a:prstGeom prst="rect">
@@ -4476,68 +4279,11 @@
                 <a:latin typeface="Source Sans Pro" panose="020B0503030403020204" pitchFamily="34" charset="0"/>
                 <a:ea typeface="Source Sans Pro" panose="020B0503030403020204" pitchFamily="34" charset="0"/>
               </a:rPr>
-              <a:t>Ph.D. in Forest </a:t>
-            </a:r>
-          </a:p>
-          <a:p>
-            <a:pPr algn="r"/>
-            <a:r>
-              <a:rPr lang="en-US" dirty="0">
-                <a:solidFill>
-                  <a:schemeClr val="tx1">
-                    <a:lumMod val="50000"/>
-                    <a:lumOff val="50000"/>
-                  </a:schemeClr>
-                </a:solidFill>
-                <a:latin typeface="Source Sans Pro" panose="020B0503030403020204" pitchFamily="34" charset="0"/>
-                <a:ea typeface="Source Sans Pro" panose="020B0503030403020204" pitchFamily="34" charset="0"/>
-              </a:rPr>
-              <a:t>Health Monitoring</a:t>
-            </a:r>
-          </a:p>
-        </p:txBody>
-      </p:sp>
-      <p:cxnSp>
-        <p:nvCxnSpPr>
-          <p:cNvPr id="42" name="Straight Connector 41">
-            <a:extLst>
-              <a:ext uri="{FF2B5EF4-FFF2-40B4-BE49-F238E27FC236}">
-                <a16:creationId xmlns:a16="http://schemas.microsoft.com/office/drawing/2014/main" id="{0A4C2C7A-FA5C-483F-A1BE-973A4754FF54}"/>
-              </a:ext>
-            </a:extLst>
-          </p:cNvPr>
-          <p:cNvCxnSpPr/>
-          <p:nvPr/>
-        </p:nvCxnSpPr>
-        <p:spPr>
-          <a:xfrm>
-            <a:off x="613410" y="1611940"/>
-            <a:ext cx="5486400" cy="0"/>
-          </a:xfrm>
-          <a:prstGeom prst="line">
-            <a:avLst/>
-          </a:prstGeom>
-          <a:ln w="38100">
-            <a:solidFill>
-              <a:schemeClr val="bg1"/>
-            </a:solidFill>
-          </a:ln>
-        </p:spPr>
-        <p:style>
-          <a:lnRef idx="1">
-            <a:schemeClr val="accent1"/>
-          </a:lnRef>
-          <a:fillRef idx="0">
-            <a:schemeClr val="accent1"/>
-          </a:fillRef>
-          <a:effectRef idx="0">
-            <a:schemeClr val="accent1"/>
-          </a:effectRef>
-          <a:fontRef idx="minor">
-            <a:schemeClr val="tx1"/>
-          </a:fontRef>
-        </p:style>
-      </p:cxnSp>
+              <a:t>Ph.D. in forest health monitoring</a:t>
+            </a:r>
+          </a:p>
+        </p:txBody>
+      </p:sp>
       <p:cxnSp>
         <p:nvCxnSpPr>
           <p:cNvPr id="43" name="Straight Connector 42">
@@ -4552,7 +4298,7 @@
         </p:nvCxnSpPr>
         <p:spPr>
           <a:xfrm>
-            <a:off x="661035" y="2608902"/>
+            <a:off x="640322" y="2593273"/>
             <a:ext cx="0" cy="731520"/>
           </a:xfrm>
           <a:prstGeom prst="line">
@@ -4597,7 +4343,7 @@
         </p:nvSpPr>
         <p:spPr>
           <a:xfrm>
-            <a:off x="733743" y="2538336"/>
+            <a:off x="713030" y="2543726"/>
             <a:ext cx="1773382" cy="646331"/>
           </a:xfrm>
           <a:prstGeom prst="rect">
@@ -4641,8 +4387,8 @@
         </p:nvCxnSpPr>
         <p:spPr>
           <a:xfrm>
-            <a:off x="5527125" y="1613776"/>
-            <a:ext cx="228600" cy="0"/>
+            <a:off x="4310655" y="2520008"/>
+            <a:ext cx="1005840" cy="0"/>
           </a:xfrm>
           <a:prstGeom prst="line">
             <a:avLst/>
@@ -4652,7 +4398,7 @@
               <a:srgbClr val="F3509B"/>
             </a:solidFill>
             <a:headEnd type="oval" w="med" len="med"/>
-            <a:tailEnd type="oval" w="med" len="med"/>
+            <a:tailEnd type="triangle" w="lg" len="lg"/>
           </a:ln>
         </p:spPr>
         <p:style>
@@ -4684,8 +4430,8 @@
         </p:nvSpPr>
         <p:spPr>
           <a:xfrm>
-            <a:off x="2263487" y="1620917"/>
-            <a:ext cx="3670091" cy="830997"/>
+            <a:off x="2993914" y="2544868"/>
+            <a:ext cx="2322580" cy="646331"/>
           </a:xfrm>
           <a:prstGeom prst="rect">
             <a:avLst/>
@@ -4700,14 +4446,27 @@
           <a:p>
             <a:pPr algn="r"/>
             <a:r>
-              <a:rPr lang="en-US" sz="2400" dirty="0">
+              <a:rPr lang="en-US" dirty="0">
                 <a:solidFill>
                   <a:srgbClr val="F3509B"/>
                 </a:solidFill>
                 <a:latin typeface="Source Sans Pro" panose="020B0503030403020204" pitchFamily="34" charset="0"/>
                 <a:ea typeface="Source Sans Pro" panose="020B0503030403020204" pitchFamily="34" charset="0"/>
               </a:rPr>
-              <a:t>My next opportunity! Summer internship in 2021</a:t>
+              <a:t>My next opportunity! </a:t>
+            </a:r>
+          </a:p>
+          <a:p>
+            <a:pPr algn="r"/>
+            <a:r>
+              <a:rPr lang="en-US" dirty="0">
+                <a:solidFill>
+                  <a:srgbClr val="F3509B"/>
+                </a:solidFill>
+                <a:latin typeface="Source Sans Pro" panose="020B0503030403020204" pitchFamily="34" charset="0"/>
+                <a:ea typeface="Source Sans Pro" panose="020B0503030403020204" pitchFamily="34" charset="0"/>
+              </a:rPr>
+              <a:t>June 2022 onwards.</a:t>
             </a:r>
           </a:p>
         </p:txBody>

--- a/images/Presentation1.pptx
+++ b/images/Presentation1.pptx
@@ -244,7 +244,7 @@
           <a:p>
             <a:fld id="{3F2435BA-A7F3-4F65-B06F-64A5EAF7603B}" type="datetimeFigureOut">
               <a:rPr lang="en-US" smtClean="0"/>
-              <a:t>9/20/2021</a:t>
+              <a:t>10/20/2021</a:t>
             </a:fld>
             <a:endParaRPr lang="en-US"/>
           </a:p>
@@ -412,7 +412,7 @@
           <a:p>
             <a:fld id="{3F2435BA-A7F3-4F65-B06F-64A5EAF7603B}" type="datetimeFigureOut">
               <a:rPr lang="en-US" smtClean="0"/>
-              <a:t>9/20/2021</a:t>
+              <a:t>10/20/2021</a:t>
             </a:fld>
             <a:endParaRPr lang="en-US"/>
           </a:p>
@@ -590,7 +590,7 @@
           <a:p>
             <a:fld id="{3F2435BA-A7F3-4F65-B06F-64A5EAF7603B}" type="datetimeFigureOut">
               <a:rPr lang="en-US" smtClean="0"/>
-              <a:t>9/20/2021</a:t>
+              <a:t>10/20/2021</a:t>
             </a:fld>
             <a:endParaRPr lang="en-US"/>
           </a:p>
@@ -758,7 +758,7 @@
           <a:p>
             <a:fld id="{3F2435BA-A7F3-4F65-B06F-64A5EAF7603B}" type="datetimeFigureOut">
               <a:rPr lang="en-US" smtClean="0"/>
-              <a:t>9/20/2021</a:t>
+              <a:t>10/20/2021</a:t>
             </a:fld>
             <a:endParaRPr lang="en-US"/>
           </a:p>
@@ -1003,7 +1003,7 @@
           <a:p>
             <a:fld id="{3F2435BA-A7F3-4F65-B06F-64A5EAF7603B}" type="datetimeFigureOut">
               <a:rPr lang="en-US" smtClean="0"/>
-              <a:t>9/20/2021</a:t>
+              <a:t>10/20/2021</a:t>
             </a:fld>
             <a:endParaRPr lang="en-US"/>
           </a:p>
@@ -1232,7 +1232,7 @@
           <a:p>
             <a:fld id="{3F2435BA-A7F3-4F65-B06F-64A5EAF7603B}" type="datetimeFigureOut">
               <a:rPr lang="en-US" smtClean="0"/>
-              <a:t>9/20/2021</a:t>
+              <a:t>10/20/2021</a:t>
             </a:fld>
             <a:endParaRPr lang="en-US"/>
           </a:p>
@@ -1596,7 +1596,7 @@
           <a:p>
             <a:fld id="{3F2435BA-A7F3-4F65-B06F-64A5EAF7603B}" type="datetimeFigureOut">
               <a:rPr lang="en-US" smtClean="0"/>
-              <a:t>9/20/2021</a:t>
+              <a:t>10/20/2021</a:t>
             </a:fld>
             <a:endParaRPr lang="en-US"/>
           </a:p>
@@ -1713,7 +1713,7 @@
           <a:p>
             <a:fld id="{3F2435BA-A7F3-4F65-B06F-64A5EAF7603B}" type="datetimeFigureOut">
               <a:rPr lang="en-US" smtClean="0"/>
-              <a:t>9/20/2021</a:t>
+              <a:t>10/20/2021</a:t>
             </a:fld>
             <a:endParaRPr lang="en-US"/>
           </a:p>
@@ -1808,7 +1808,7 @@
           <a:p>
             <a:fld id="{3F2435BA-A7F3-4F65-B06F-64A5EAF7603B}" type="datetimeFigureOut">
               <a:rPr lang="en-US" smtClean="0"/>
-              <a:t>9/20/2021</a:t>
+              <a:t>10/20/2021</a:t>
             </a:fld>
             <a:endParaRPr lang="en-US"/>
           </a:p>
@@ -2083,7 +2083,7 @@
           <a:p>
             <a:fld id="{3F2435BA-A7F3-4F65-B06F-64A5EAF7603B}" type="datetimeFigureOut">
               <a:rPr lang="en-US" smtClean="0"/>
-              <a:t>9/20/2021</a:t>
+              <a:t>10/20/2021</a:t>
             </a:fld>
             <a:endParaRPr lang="en-US"/>
           </a:p>
@@ -2335,7 +2335,7 @@
           <a:p>
             <a:fld id="{3F2435BA-A7F3-4F65-B06F-64A5EAF7603B}" type="datetimeFigureOut">
               <a:rPr lang="en-US" smtClean="0"/>
-              <a:t>9/20/2021</a:t>
+              <a:t>10/20/2021</a:t>
             </a:fld>
             <a:endParaRPr lang="en-US"/>
           </a:p>
@@ -2546,7 +2546,7 @@
           <a:p>
             <a:fld id="{3F2435BA-A7F3-4F65-B06F-64A5EAF7603B}" type="datetimeFigureOut">
               <a:rPr lang="en-US" smtClean="0"/>
-              <a:t>9/20/2021</a:t>
+              <a:t>10/20/2021</a:t>
             </a:fld>
             <a:endParaRPr lang="en-US"/>
           </a:p>
@@ -3974,7 +3974,7 @@
                 <a:latin typeface="Source Sans Pro" panose="020B0503030403020204" pitchFamily="34" charset="0"/>
                 <a:ea typeface="Source Sans Pro" panose="020B0503030403020204" pitchFamily="34" charset="0"/>
               </a:rPr>
-              <a:t>22</a:t>
+              <a:t>24</a:t>
             </a:r>
           </a:p>
         </p:txBody>

--- a/images/Presentation1.pptx
+++ b/images/Presentation1.pptx
@@ -244,7 +244,7 @@
           <a:p>
             <a:fld id="{3F2435BA-A7F3-4F65-B06F-64A5EAF7603B}" type="datetimeFigureOut">
               <a:rPr lang="en-US" smtClean="0"/>
-              <a:t>10/20/2021</a:t>
+              <a:t>5/26/2022</a:t>
             </a:fld>
             <a:endParaRPr lang="en-US"/>
           </a:p>
@@ -412,7 +412,7 @@
           <a:p>
             <a:fld id="{3F2435BA-A7F3-4F65-B06F-64A5EAF7603B}" type="datetimeFigureOut">
               <a:rPr lang="en-US" smtClean="0"/>
-              <a:t>10/20/2021</a:t>
+              <a:t>5/26/2022</a:t>
             </a:fld>
             <a:endParaRPr lang="en-US"/>
           </a:p>
@@ -590,7 +590,7 @@
           <a:p>
             <a:fld id="{3F2435BA-A7F3-4F65-B06F-64A5EAF7603B}" type="datetimeFigureOut">
               <a:rPr lang="en-US" smtClean="0"/>
-              <a:t>10/20/2021</a:t>
+              <a:t>5/26/2022</a:t>
             </a:fld>
             <a:endParaRPr lang="en-US"/>
           </a:p>
@@ -758,7 +758,7 @@
           <a:p>
             <a:fld id="{3F2435BA-A7F3-4F65-B06F-64A5EAF7603B}" type="datetimeFigureOut">
               <a:rPr lang="en-US" smtClean="0"/>
-              <a:t>10/20/2021</a:t>
+              <a:t>5/26/2022</a:t>
             </a:fld>
             <a:endParaRPr lang="en-US"/>
           </a:p>
@@ -1003,7 +1003,7 @@
           <a:p>
             <a:fld id="{3F2435BA-A7F3-4F65-B06F-64A5EAF7603B}" type="datetimeFigureOut">
               <a:rPr lang="en-US" smtClean="0"/>
-              <a:t>10/20/2021</a:t>
+              <a:t>5/26/2022</a:t>
             </a:fld>
             <a:endParaRPr lang="en-US"/>
           </a:p>
@@ -1232,7 +1232,7 @@
           <a:p>
             <a:fld id="{3F2435BA-A7F3-4F65-B06F-64A5EAF7603B}" type="datetimeFigureOut">
               <a:rPr lang="en-US" smtClean="0"/>
-              <a:t>10/20/2021</a:t>
+              <a:t>5/26/2022</a:t>
             </a:fld>
             <a:endParaRPr lang="en-US"/>
           </a:p>
@@ -1596,7 +1596,7 @@
           <a:p>
             <a:fld id="{3F2435BA-A7F3-4F65-B06F-64A5EAF7603B}" type="datetimeFigureOut">
               <a:rPr lang="en-US" smtClean="0"/>
-              <a:t>10/20/2021</a:t>
+              <a:t>5/26/2022</a:t>
             </a:fld>
             <a:endParaRPr lang="en-US"/>
           </a:p>
@@ -1713,7 +1713,7 @@
           <a:p>
             <a:fld id="{3F2435BA-A7F3-4F65-B06F-64A5EAF7603B}" type="datetimeFigureOut">
               <a:rPr lang="en-US" smtClean="0"/>
-              <a:t>10/20/2021</a:t>
+              <a:t>5/26/2022</a:t>
             </a:fld>
             <a:endParaRPr lang="en-US"/>
           </a:p>
@@ -1808,7 +1808,7 @@
           <a:p>
             <a:fld id="{3F2435BA-A7F3-4F65-B06F-64A5EAF7603B}" type="datetimeFigureOut">
               <a:rPr lang="en-US" smtClean="0"/>
-              <a:t>10/20/2021</a:t>
+              <a:t>5/26/2022</a:t>
             </a:fld>
             <a:endParaRPr lang="en-US"/>
           </a:p>
@@ -2083,7 +2083,7 @@
           <a:p>
             <a:fld id="{3F2435BA-A7F3-4F65-B06F-64A5EAF7603B}" type="datetimeFigureOut">
               <a:rPr lang="en-US" smtClean="0"/>
-              <a:t>10/20/2021</a:t>
+              <a:t>5/26/2022</a:t>
             </a:fld>
             <a:endParaRPr lang="en-US"/>
           </a:p>
@@ -2335,7 +2335,7 @@
           <a:p>
             <a:fld id="{3F2435BA-A7F3-4F65-B06F-64A5EAF7603B}" type="datetimeFigureOut">
               <a:rPr lang="en-US" smtClean="0"/>
-              <a:t>10/20/2021</a:t>
+              <a:t>5/26/2022</a:t>
             </a:fld>
             <a:endParaRPr lang="en-US"/>
           </a:p>
@@ -2546,7 +2546,7 @@
           <a:p>
             <a:fld id="{3F2435BA-A7F3-4F65-B06F-64A5EAF7603B}" type="datetimeFigureOut">
               <a:rPr lang="en-US" smtClean="0"/>
-              <a:t>10/20/2021</a:t>
+              <a:t>5/26/2022</a:t>
             </a:fld>
             <a:endParaRPr lang="en-US"/>
           </a:p>
@@ -3135,7 +3135,7 @@
         </p:nvSpPr>
         <p:spPr>
           <a:xfrm>
-            <a:off x="-5240836" y="1869865"/>
+            <a:off x="-5235686" y="1869865"/>
             <a:ext cx="16459200" cy="5029200"/>
           </a:xfrm>
           <a:prstGeom prst="rect">
@@ -4395,7 +4395,10 @@
           </a:prstGeom>
           <a:ln w="38100">
             <a:solidFill>
-              <a:srgbClr val="F3509B"/>
+              <a:schemeClr val="tx1">
+                <a:lumMod val="50000"/>
+                <a:lumOff val="50000"/>
+              </a:schemeClr>
             </a:solidFill>
             <a:headEnd type="oval" w="med" len="med"/>
             <a:tailEnd type="triangle" w="lg" len="lg"/>
@@ -4430,8 +4433,8 @@
         </p:nvSpPr>
         <p:spPr>
           <a:xfrm>
-            <a:off x="2993914" y="2544868"/>
-            <a:ext cx="2322580" cy="646331"/>
+            <a:off x="2993914" y="2545300"/>
+            <a:ext cx="2322580" cy="923330"/>
           </a:xfrm>
           <a:prstGeom prst="rect">
             <a:avLst/>
@@ -4448,12 +4451,15 @@
             <a:r>
               <a:rPr lang="en-US" dirty="0">
                 <a:solidFill>
-                  <a:srgbClr val="F3509B"/>
+                  <a:schemeClr val="tx1">
+                    <a:lumMod val="50000"/>
+                    <a:lumOff val="50000"/>
+                  </a:schemeClr>
                 </a:solidFill>
                 <a:latin typeface="Source Sans Pro" panose="020B0503030403020204" pitchFamily="34" charset="0"/>
                 <a:ea typeface="Source Sans Pro" panose="020B0503030403020204" pitchFamily="34" charset="0"/>
               </a:rPr>
-              <a:t>My next opportunity! </a:t>
+              <a:t>Climate </a:t>
             </a:r>
           </a:p>
           <a:p>
@@ -4461,13 +4467,29 @@
             <a:r>
               <a:rPr lang="en-US" dirty="0">
                 <a:solidFill>
-                  <a:srgbClr val="F3509B"/>
+                  <a:schemeClr val="tx1">
+                    <a:lumMod val="50000"/>
+                    <a:lumOff val="50000"/>
+                  </a:schemeClr>
                 </a:solidFill>
                 <a:latin typeface="Source Sans Pro" panose="020B0503030403020204" pitchFamily="34" charset="0"/>
                 <a:ea typeface="Source Sans Pro" panose="020B0503030403020204" pitchFamily="34" charset="0"/>
               </a:rPr>
-              <a:t>June 2022 onwards.</a:t>
-            </a:r>
+              <a:t>data scientist</a:t>
+            </a:r>
+          </a:p>
+          <a:p>
+            <a:pPr algn="r"/>
+            <a:endParaRPr lang="en-US" dirty="0">
+              <a:solidFill>
+                <a:schemeClr val="tx1">
+                  <a:lumMod val="50000"/>
+                  <a:lumOff val="50000"/>
+                </a:schemeClr>
+              </a:solidFill>
+              <a:latin typeface="Source Sans Pro" panose="020B0503030403020204" pitchFamily="34" charset="0"/>
+              <a:ea typeface="Source Sans Pro" panose="020B0503030403020204" pitchFamily="34" charset="0"/>
+            </a:endParaRPr>
           </a:p>
         </p:txBody>
       </p:sp>
